--- a/SE401/Lectures/8-Integration, System and Regression Testing/Integration Testing.pptx
+++ b/SE401/Lectures/8-Integration, System and Regression Testing/Integration Testing.pptx
@@ -260,7 +260,7 @@
           <a:p>
             <a:fld id="{11EAA60E-FCF3-40DF-B4BC-258568585669}" type="datetimeFigureOut">
               <a:rPr lang="en-US" smtClean="0"/>
-              <a:t>11/28/2021</a:t>
+              <a:t>2/23/2022</a:t>
             </a:fld>
             <a:endParaRPr lang="en-US"/>
           </a:p>
@@ -3316,7 +3316,7 @@
           <a:ln/>
           <a:extLst>
             <a:ext uri="{FAA26D3D-D897-4be2-8F04-BA451C77F1D7}">
-              <ma14:placeholderFlag xmlns="" xmlns:ma14="http://schemas.microsoft.com/office/mac/drawingml/2011/main" val="1"/>
+              <ma14:placeholderFlag xmlns:ma14="http://schemas.microsoft.com/office/mac/drawingml/2011/main" xmlns="" val="1"/>
             </a:ext>
           </a:extLst>
         </p:spPr>
@@ -3495,7 +3495,7 @@
           <a:ln/>
           <a:extLst>
             <a:ext uri="{FAA26D3D-D897-4be2-8F04-BA451C77F1D7}">
-              <ma14:placeholderFlag xmlns="" xmlns:ma14="http://schemas.microsoft.com/office/mac/drawingml/2011/main" val="1"/>
+              <ma14:placeholderFlag xmlns:ma14="http://schemas.microsoft.com/office/mac/drawingml/2011/main" xmlns="" val="1"/>
             </a:ext>
           </a:extLst>
         </p:spPr>
@@ -3689,14 +3689,14 @@
           <a:ln w="9525"/>
           <a:extLst>
             <a:ext uri="{909E8E84-426E-40dd-AFC4-6F175D3DCCD1}">
-              <a14:hiddenFill xmlns="" xmlns:a14="http://schemas.microsoft.com/office/drawing/2010/main">
+              <a14:hiddenFill xmlns:a14="http://schemas.microsoft.com/office/drawing/2010/main" xmlns="">
                 <a:solidFill>
                   <a:srgbClr val="FFFFFF"/>
                 </a:solidFill>
               </a14:hiddenFill>
             </a:ext>
             <a:ext uri="{91240B29-F687-4f45-9708-019B960494DF}">
-              <a14:hiddenLine xmlns="" xmlns:a14="http://schemas.microsoft.com/office/drawing/2010/main" w="9525">
+              <a14:hiddenLine xmlns:a14="http://schemas.microsoft.com/office/drawing/2010/main" xmlns="" w="9525">
                 <a:solidFill>
                   <a:srgbClr val="000000"/>
                 </a:solidFill>
@@ -3706,7 +3706,7 @@
               </a14:hiddenLine>
             </a:ext>
             <a:ext uri="{FAA26D3D-D897-4be2-8F04-BA451C77F1D7}">
-              <ma14:placeholderFlag xmlns="" xmlns:ma14="http://schemas.microsoft.com/office/mac/drawingml/2011/main" val="1"/>
+              <ma14:placeholderFlag xmlns:ma14="http://schemas.microsoft.com/office/mac/drawingml/2011/main" xmlns="" val="1"/>
             </a:ext>
           </a:extLst>
         </p:spPr>
@@ -3878,14 +3878,14 @@
           <a:ln w="9525"/>
           <a:extLst>
             <a:ext uri="{909E8E84-426E-40dd-AFC4-6F175D3DCCD1}">
-              <a14:hiddenFill xmlns="" xmlns:a14="http://schemas.microsoft.com/office/drawing/2010/main">
+              <a14:hiddenFill xmlns:a14="http://schemas.microsoft.com/office/drawing/2010/main" xmlns="">
                 <a:solidFill>
                   <a:srgbClr val="FFFFFF"/>
                 </a:solidFill>
               </a14:hiddenFill>
             </a:ext>
             <a:ext uri="{91240B29-F687-4f45-9708-019B960494DF}">
-              <a14:hiddenLine xmlns="" xmlns:a14="http://schemas.microsoft.com/office/drawing/2010/main" w="9525">
+              <a14:hiddenLine xmlns:a14="http://schemas.microsoft.com/office/drawing/2010/main" xmlns="" w="9525">
                 <a:solidFill>
                   <a:srgbClr val="000000"/>
                 </a:solidFill>
@@ -4151,14 +4151,14 @@
           <a:ln w="9525"/>
           <a:extLst>
             <a:ext uri="{909E8E84-426E-40dd-AFC4-6F175D3DCCD1}">
-              <a14:hiddenFill xmlns="" xmlns:a14="http://schemas.microsoft.com/office/drawing/2010/main">
+              <a14:hiddenFill xmlns:a14="http://schemas.microsoft.com/office/drawing/2010/main" xmlns="">
                 <a:solidFill>
                   <a:srgbClr val="FFFFFF"/>
                 </a:solidFill>
               </a14:hiddenFill>
             </a:ext>
             <a:ext uri="{91240B29-F687-4f45-9708-019B960494DF}">
-              <a14:hiddenLine xmlns="" xmlns:a14="http://schemas.microsoft.com/office/drawing/2010/main" w="9525">
+              <a14:hiddenLine xmlns:a14="http://schemas.microsoft.com/office/drawing/2010/main" xmlns="" w="9525">
                 <a:solidFill>
                   <a:srgbClr val="000000"/>
                 </a:solidFill>
@@ -4168,7 +4168,7 @@
               </a14:hiddenLine>
             </a:ext>
             <a:ext uri="{FAA26D3D-D897-4be2-8F04-BA451C77F1D7}">
-              <ma14:placeholderFlag xmlns="" xmlns:ma14="http://schemas.microsoft.com/office/mac/drawingml/2011/main" val="1"/>
+              <ma14:placeholderFlag xmlns:ma14="http://schemas.microsoft.com/office/mac/drawingml/2011/main" xmlns="" val="1"/>
             </a:ext>
           </a:extLst>
         </p:spPr>
@@ -4354,14 +4354,14 @@
           <a:ln w="9525"/>
           <a:extLst>
             <a:ext uri="{909E8E84-426E-40dd-AFC4-6F175D3DCCD1}">
-              <a14:hiddenFill xmlns="" xmlns:a14="http://schemas.microsoft.com/office/drawing/2010/main">
+              <a14:hiddenFill xmlns:a14="http://schemas.microsoft.com/office/drawing/2010/main" xmlns="">
                 <a:solidFill>
                   <a:srgbClr val="FFFFFF"/>
                 </a:solidFill>
               </a14:hiddenFill>
             </a:ext>
             <a:ext uri="{91240B29-F687-4f45-9708-019B960494DF}">
-              <a14:hiddenLine xmlns="" xmlns:a14="http://schemas.microsoft.com/office/drawing/2010/main" w="9525">
+              <a14:hiddenLine xmlns:a14="http://schemas.microsoft.com/office/drawing/2010/main" xmlns="" w="9525">
                 <a:solidFill>
                   <a:srgbClr val="000000"/>
                 </a:solidFill>
@@ -4371,7 +4371,7 @@
               </a14:hiddenLine>
             </a:ext>
             <a:ext uri="{FAA26D3D-D897-4be2-8F04-BA451C77F1D7}">
-              <ma14:placeholderFlag xmlns="" xmlns:ma14="http://schemas.microsoft.com/office/mac/drawingml/2011/main" val="1"/>
+              <ma14:placeholderFlag xmlns:ma14="http://schemas.microsoft.com/office/mac/drawingml/2011/main" xmlns="" val="1"/>
             </a:ext>
           </a:extLst>
         </p:spPr>
@@ -4729,14 +4729,14 @@
           <a:ln w="9525"/>
           <a:extLst>
             <a:ext uri="{909E8E84-426E-40dd-AFC4-6F175D3DCCD1}">
-              <a14:hiddenFill xmlns="" xmlns:a14="http://schemas.microsoft.com/office/drawing/2010/main">
+              <a14:hiddenFill xmlns:a14="http://schemas.microsoft.com/office/drawing/2010/main" xmlns="">
                 <a:solidFill>
                   <a:srgbClr val="FFFFFF"/>
                 </a:solidFill>
               </a14:hiddenFill>
             </a:ext>
             <a:ext uri="{91240B29-F687-4f45-9708-019B960494DF}">
-              <a14:hiddenLine xmlns="" xmlns:a14="http://schemas.microsoft.com/office/drawing/2010/main" w="9525">
+              <a14:hiddenLine xmlns:a14="http://schemas.microsoft.com/office/drawing/2010/main" xmlns="" w="9525">
                 <a:solidFill>
                   <a:srgbClr val="000000"/>
                 </a:solidFill>
@@ -5451,14 +5451,14 @@
           </a:ln>
           <a:extLst>
             <a:ext uri="{909E8E84-426E-40dd-AFC4-6F175D3DCCD1}">
-              <a14:hiddenFill xmlns="" xmlns:a14="http://schemas.microsoft.com/office/drawing/2010/main">
+              <a14:hiddenFill xmlns:a14="http://schemas.microsoft.com/office/drawing/2010/main" xmlns="">
                 <a:solidFill>
                   <a:srgbClr val="FFFFFF"/>
                 </a:solidFill>
               </a14:hiddenFill>
             </a:ext>
             <a:ext uri="{91240B29-F687-4f45-9708-019B960494DF}">
-              <a14:hiddenLine xmlns="" xmlns:a14="http://schemas.microsoft.com/office/drawing/2010/main" w="9525">
+              <a14:hiddenLine xmlns:a14="http://schemas.microsoft.com/office/drawing/2010/main" xmlns="" w="9525">
                 <a:solidFill>
                   <a:srgbClr val="000000"/>
                 </a:solidFill>
@@ -5634,14 +5634,14 @@
           </a:ln>
           <a:extLst>
             <a:ext uri="{909E8E84-426E-40dd-AFC4-6F175D3DCCD1}">
-              <a14:hiddenFill xmlns="" xmlns:a14="http://schemas.microsoft.com/office/drawing/2010/main">
+              <a14:hiddenFill xmlns:a14="http://schemas.microsoft.com/office/drawing/2010/main" xmlns="">
                 <a:solidFill>
                   <a:srgbClr val="FFFFFF"/>
                 </a:solidFill>
               </a14:hiddenFill>
             </a:ext>
             <a:ext uri="{FAA26D3D-D897-4be2-8F04-BA451C77F1D7}">
-              <ma14:placeholderFlag xmlns="" xmlns:ma14="http://schemas.microsoft.com/office/mac/drawingml/2011/main" val="1"/>
+              <ma14:placeholderFlag xmlns:ma14="http://schemas.microsoft.com/office/mac/drawingml/2011/main" xmlns="" val="1"/>
             </a:ext>
           </a:extLst>
         </p:spPr>
@@ -6011,7 +6011,7 @@
           </a:ln>
           <a:extLst>
             <a:ext uri="{FAA26D3D-D897-4be2-8F04-BA451C77F1D7}">
-              <ma14:placeholderFlag xmlns="" xmlns:ma14="http://schemas.microsoft.com/office/mac/drawingml/2011/main" val="1"/>
+              <ma14:placeholderFlag xmlns:ma14="http://schemas.microsoft.com/office/mac/drawingml/2011/main" xmlns="" val="1"/>
             </a:ext>
           </a:extLst>
         </p:spPr>
@@ -6189,14 +6189,14 @@
           </a:ln>
           <a:extLst>
             <a:ext uri="{909E8E84-426E-40dd-AFC4-6F175D3DCCD1}">
-              <a14:hiddenFill xmlns="" xmlns:a14="http://schemas.microsoft.com/office/drawing/2010/main">
+              <a14:hiddenFill xmlns:a14="http://schemas.microsoft.com/office/drawing/2010/main" xmlns="">
                 <a:solidFill>
                   <a:srgbClr val="FFFFFF"/>
                 </a:solidFill>
               </a14:hiddenFill>
             </a:ext>
             <a:ext uri="{91240B29-F687-4f45-9708-019B960494DF}">
-              <a14:hiddenLine xmlns="" xmlns:a14="http://schemas.microsoft.com/office/drawing/2010/main" w="9525">
+              <a14:hiddenLine xmlns:a14="http://schemas.microsoft.com/office/drawing/2010/main" xmlns="" w="9525">
                 <a:solidFill>
                   <a:srgbClr val="000000"/>
                 </a:solidFill>
@@ -6372,14 +6372,14 @@
           </a:ln>
           <a:extLst>
             <a:ext uri="{909E8E84-426E-40dd-AFC4-6F175D3DCCD1}">
-              <a14:hiddenFill xmlns="" xmlns:a14="http://schemas.microsoft.com/office/drawing/2010/main">
+              <a14:hiddenFill xmlns:a14="http://schemas.microsoft.com/office/drawing/2010/main" xmlns="">
                 <a:solidFill>
                   <a:srgbClr val="FFFFFF"/>
                 </a:solidFill>
               </a14:hiddenFill>
             </a:ext>
             <a:ext uri="{FAA26D3D-D897-4be2-8F04-BA451C77F1D7}">
-              <ma14:placeholderFlag xmlns="" xmlns:ma14="http://schemas.microsoft.com/office/mac/drawingml/2011/main" val="1"/>
+              <ma14:placeholderFlag xmlns:ma14="http://schemas.microsoft.com/office/mac/drawingml/2011/main" xmlns="" val="1"/>
             </a:ext>
           </a:extLst>
         </p:spPr>
@@ -6736,14 +6736,14 @@
           <a:ln w="9525"/>
           <a:extLst>
             <a:ext uri="{909E8E84-426E-40dd-AFC4-6F175D3DCCD1}">
-              <a14:hiddenFill xmlns="" xmlns:a14="http://schemas.microsoft.com/office/drawing/2010/main">
+              <a14:hiddenFill xmlns:a14="http://schemas.microsoft.com/office/drawing/2010/main" xmlns="">
                 <a:solidFill>
                   <a:srgbClr val="FFFFFF"/>
                 </a:solidFill>
               </a14:hiddenFill>
             </a:ext>
             <a:ext uri="{91240B29-F687-4f45-9708-019B960494DF}">
-              <a14:hiddenLine xmlns="" xmlns:a14="http://schemas.microsoft.com/office/drawing/2010/main" w="9525">
+              <a14:hiddenLine xmlns:a14="http://schemas.microsoft.com/office/drawing/2010/main" xmlns="" w="9525">
                 <a:solidFill>
                   <a:srgbClr val="000000"/>
                 </a:solidFill>
@@ -6936,14 +6936,14 @@
           <a:ln w="9525"/>
           <a:extLst>
             <a:ext uri="{909E8E84-426E-40dd-AFC4-6F175D3DCCD1}">
-              <a14:hiddenFill xmlns="" xmlns:a14="http://schemas.microsoft.com/office/drawing/2010/main">
+              <a14:hiddenFill xmlns:a14="http://schemas.microsoft.com/office/drawing/2010/main" xmlns="">
                 <a:solidFill>
                   <a:srgbClr val="FFFFFF"/>
                 </a:solidFill>
               </a14:hiddenFill>
             </a:ext>
             <a:ext uri="{91240B29-F687-4f45-9708-019B960494DF}">
-              <a14:hiddenLine xmlns="" xmlns:a14="http://schemas.microsoft.com/office/drawing/2010/main" w="9525">
+              <a14:hiddenLine xmlns:a14="http://schemas.microsoft.com/office/drawing/2010/main" xmlns="" w="9525">
                 <a:solidFill>
                   <a:srgbClr val="000000"/>
                 </a:solidFill>
@@ -6953,7 +6953,7 @@
               </a14:hiddenLine>
             </a:ext>
             <a:ext uri="{FAA26D3D-D897-4be2-8F04-BA451C77F1D7}">
-              <ma14:placeholderFlag xmlns="" xmlns:ma14="http://schemas.microsoft.com/office/mac/drawingml/2011/main" val="1"/>
+              <ma14:placeholderFlag xmlns:ma14="http://schemas.microsoft.com/office/mac/drawingml/2011/main" xmlns="" val="1"/>
             </a:ext>
           </a:extLst>
         </p:spPr>
@@ -7230,7 +7230,7 @@
           <a:p>
             <a:fld id="{B9D97583-D571-4344-98B8-28017CCA3E03}" type="datetime1">
               <a:rPr lang="en-US" smtClean="0"/>
-              <a:t>11/28/2021</a:t>
+              <a:t>2/23/2022</a:t>
             </a:fld>
             <a:endParaRPr lang="en-US"/>
           </a:p>
@@ -7481,7 +7481,7 @@
           <a:p>
             <a:fld id="{4BBFBB65-4BDE-463E-9E58-42EE1D34CE9F}" type="datetime1">
               <a:rPr lang="en-US" smtClean="0"/>
-              <a:t>11/28/2021</a:t>
+              <a:t>2/23/2022</a:t>
             </a:fld>
             <a:endParaRPr lang="en-US"/>
           </a:p>
@@ -7661,7 +7661,7 @@
           <a:p>
             <a:fld id="{F54BFA55-E628-4FD0-A5D2-4E2EAFF237C3}" type="datetime1">
               <a:rPr lang="en-US" smtClean="0"/>
-              <a:t>11/28/2021</a:t>
+              <a:t>2/23/2022</a:t>
             </a:fld>
             <a:endParaRPr lang="en-US"/>
           </a:p>
@@ -7917,7 +7917,7 @@
           <a:p>
             <a:fld id="{02043C03-488D-4679-9ED8-466B2755DE53}" type="datetime1">
               <a:rPr lang="en-US" smtClean="0"/>
-              <a:t>11/28/2021</a:t>
+              <a:t>2/23/2022</a:t>
             </a:fld>
             <a:endParaRPr lang="en-US"/>
           </a:p>
@@ -8262,7 +8262,7 @@
           <a:p>
             <a:fld id="{B4192580-B5C1-4953-9432-BAF964C9C431}" type="datetime1">
               <a:rPr lang="en-US" smtClean="0"/>
-              <a:t>11/28/2021</a:t>
+              <a:t>2/23/2022</a:t>
             </a:fld>
             <a:endParaRPr lang="en-US"/>
           </a:p>
@@ -8494,7 +8494,7 @@
           <a:p>
             <a:fld id="{9A346A84-DDEA-40BE-8087-15F820987FDF}" type="datetime1">
               <a:rPr lang="en-US" smtClean="0"/>
-              <a:t>11/28/2021</a:t>
+              <a:t>2/23/2022</a:t>
             </a:fld>
             <a:endParaRPr lang="en-US"/>
           </a:p>
@@ -8861,7 +8861,7 @@
           <a:p>
             <a:fld id="{A2903A79-0DCE-4FCE-A4A4-91DA4FE28602}" type="datetime1">
               <a:rPr lang="en-US" smtClean="0"/>
-              <a:t>11/28/2021</a:t>
+              <a:t>2/23/2022</a:t>
             </a:fld>
             <a:endParaRPr lang="en-US"/>
           </a:p>
@@ -8956,7 +8956,7 @@
           <a:p>
             <a:fld id="{5F3E0C55-B436-4700-9E7D-BD44BFF59CDA}" type="datetime1">
               <a:rPr lang="en-US" smtClean="0"/>
-              <a:t>11/28/2021</a:t>
+              <a:t>2/23/2022</a:t>
             </a:fld>
             <a:endParaRPr lang="en-US"/>
           </a:p>
@@ -9179,7 +9179,7 @@
             <a:fld id="{B2F5E2FA-C428-4CE7-95B0-168D3259A5BB}" type="datetimeFigureOut">
               <a:rPr lang="en-US" smtClean="0"/>
               <a:pPr/>
-              <a:t>11/28/2021</a:t>
+              <a:t>2/23/2022</a:t>
             </a:fld>
             <a:endParaRPr lang="en-US"/>
           </a:p>
@@ -9350,7 +9350,7 @@
           <a:p>
             <a:fld id="{1C6D7CCC-F888-4A14-96C0-AE59E5C0FB2B}" type="datetime1">
               <a:rPr lang="en-US" smtClean="0"/>
-              <a:t>11/28/2021</a:t>
+              <a:t>2/23/2022</a:t>
             </a:fld>
             <a:endParaRPr lang="en-US"/>
           </a:p>
@@ -9627,7 +9627,7 @@
           <a:p>
             <a:fld id="{D4751C8C-A248-4612-8437-BABDDCE28255}" type="datetime1">
               <a:rPr lang="en-US" smtClean="0"/>
-              <a:t>11/28/2021</a:t>
+              <a:t>2/23/2022</a:t>
             </a:fld>
             <a:endParaRPr lang="en-US"/>
           </a:p>
@@ -9880,7 +9880,7 @@
           <a:p>
             <a:fld id="{58FDAABC-841F-4EE7-ACE3-E3142B7EF2E8}" type="datetime1">
               <a:rPr lang="en-US" smtClean="0"/>
-              <a:t>11/28/2021</a:t>
+              <a:t>2/23/2022</a:t>
             </a:fld>
             <a:endParaRPr lang="en-US"/>
           </a:p>
@@ -10093,7 +10093,7 @@
           <a:p>
             <a:fld id="{150F3FE1-A936-421F-ABEB-D7D46FC8F947}" type="datetime1">
               <a:rPr lang="en-US" smtClean="0"/>
-              <a:t>11/28/2021</a:t>
+              <a:t>2/23/2022</a:t>
             </a:fld>
             <a:endParaRPr lang="en-US"/>
           </a:p>
@@ -16658,14 +16658,14 @@
             <a:effectLst/>
             <a:extLst>
               <a:ext uri="{909E8E84-426E-40dd-AFC4-6F175D3DCCD1}">
-                <a14:hiddenFill xmlns="" xmlns:a14="http://schemas.microsoft.com/office/drawing/2010/main">
+                <a14:hiddenFill xmlns:a14="http://schemas.microsoft.com/office/drawing/2010/main" xmlns="">
                   <a:solidFill>
                     <a:schemeClr val="accent1"/>
                   </a:solidFill>
                 </a14:hiddenFill>
               </a:ext>
               <a:ext uri="{AF507438-7753-43e0-B8FC-AC1667EBCBE1}">
-                <a14:hiddenEffects xmlns="" xmlns:a14="http://schemas.microsoft.com/office/drawing/2010/main">
+                <a14:hiddenEffects xmlns:a14="http://schemas.microsoft.com/office/drawing/2010/main" xmlns="">
                   <a:effectLst>
                     <a:outerShdw blurRad="63500" dist="38099" dir="2700000" algn="ctr" rotWithShape="0">
                       <a:schemeClr val="bg2">
@@ -16715,14 +16715,14 @@
             <a:effectLst/>
             <a:extLst>
               <a:ext uri="{909E8E84-426E-40dd-AFC4-6F175D3DCCD1}">
-                <a14:hiddenFill xmlns="" xmlns:a14="http://schemas.microsoft.com/office/drawing/2010/main">
+                <a14:hiddenFill xmlns:a14="http://schemas.microsoft.com/office/drawing/2010/main" xmlns="">
                   <a:solidFill>
                     <a:schemeClr val="accent1"/>
                   </a:solidFill>
                 </a14:hiddenFill>
               </a:ext>
               <a:ext uri="{AF507438-7753-43e0-B8FC-AC1667EBCBE1}">
-                <a14:hiddenEffects xmlns="" xmlns:a14="http://schemas.microsoft.com/office/drawing/2010/main">
+                <a14:hiddenEffects xmlns:a14="http://schemas.microsoft.com/office/drawing/2010/main" xmlns="">
                   <a:effectLst>
                     <a:outerShdw blurRad="63500" dist="38099" dir="2700000" algn="ctr" rotWithShape="0">
                       <a:schemeClr val="bg2">
@@ -16774,14 +16774,14 @@
             <a:effectLst/>
             <a:extLst>
               <a:ext uri="{909E8E84-426E-40dd-AFC4-6F175D3DCCD1}">
-                <a14:hiddenFill xmlns="" xmlns:a14="http://schemas.microsoft.com/office/drawing/2010/main">
+                <a14:hiddenFill xmlns:a14="http://schemas.microsoft.com/office/drawing/2010/main" xmlns="">
                   <a:solidFill>
                     <a:schemeClr val="accent1"/>
                   </a:solidFill>
                 </a14:hiddenFill>
               </a:ext>
               <a:ext uri="{AF507438-7753-43e0-B8FC-AC1667EBCBE1}">
-                <a14:hiddenEffects xmlns="" xmlns:a14="http://schemas.microsoft.com/office/drawing/2010/main">
+                <a14:hiddenEffects xmlns:a14="http://schemas.microsoft.com/office/drawing/2010/main" xmlns="">
                   <a:effectLst>
                     <a:outerShdw blurRad="63500" dist="38099" dir="2700000" algn="ctr" rotWithShape="0">
                       <a:schemeClr val="bg2">
@@ -16826,14 +16826,14 @@
             <a:effectLst/>
             <a:extLst>
               <a:ext uri="{909E8E84-426E-40dd-AFC4-6F175D3DCCD1}">
-                <a14:hiddenFill xmlns="" xmlns:a14="http://schemas.microsoft.com/office/drawing/2010/main">
+                <a14:hiddenFill xmlns:a14="http://schemas.microsoft.com/office/drawing/2010/main" xmlns="">
                   <a:solidFill>
                     <a:schemeClr val="accent1"/>
                   </a:solidFill>
                 </a14:hiddenFill>
               </a:ext>
               <a:ext uri="{91240B29-F687-4f45-9708-019B960494DF}">
-                <a14:hiddenLine xmlns="" xmlns:a14="http://schemas.microsoft.com/office/drawing/2010/main" w="9525">
+                <a14:hiddenLine xmlns:a14="http://schemas.microsoft.com/office/drawing/2010/main" xmlns="" w="9525">
                   <a:solidFill>
                     <a:schemeClr val="tx1"/>
                   </a:solidFill>
@@ -16843,7 +16843,7 @@
                 </a14:hiddenLine>
               </a:ext>
               <a:ext uri="{AF507438-7753-43e0-B8FC-AC1667EBCBE1}">
-                <a14:hiddenEffects xmlns="" xmlns:a14="http://schemas.microsoft.com/office/drawing/2010/main">
+                <a14:hiddenEffects xmlns:a14="http://schemas.microsoft.com/office/drawing/2010/main" xmlns="">
                   <a:effectLst>
                     <a:outerShdw blurRad="63500" dist="38099" dir="2700000" algn="ctr" rotWithShape="0">
                       <a:schemeClr val="bg2">
@@ -16893,14 +16893,14 @@
             <a:effectLst/>
             <a:extLst>
               <a:ext uri="{909E8E84-426E-40dd-AFC4-6F175D3DCCD1}">
-                <a14:hiddenFill xmlns="" xmlns:a14="http://schemas.microsoft.com/office/drawing/2010/main">
+                <a14:hiddenFill xmlns:a14="http://schemas.microsoft.com/office/drawing/2010/main" xmlns="">
                   <a:solidFill>
                     <a:schemeClr val="accent1"/>
                   </a:solidFill>
                 </a14:hiddenFill>
               </a:ext>
               <a:ext uri="{91240B29-F687-4f45-9708-019B960494DF}">
-                <a14:hiddenLine xmlns="" xmlns:a14="http://schemas.microsoft.com/office/drawing/2010/main" w="9525">
+                <a14:hiddenLine xmlns:a14="http://schemas.microsoft.com/office/drawing/2010/main" xmlns="" w="9525">
                   <a:solidFill>
                     <a:schemeClr val="tx1"/>
                   </a:solidFill>
@@ -16910,7 +16910,7 @@
                 </a14:hiddenLine>
               </a:ext>
               <a:ext uri="{AF507438-7753-43e0-B8FC-AC1667EBCBE1}">
-                <a14:hiddenEffects xmlns="" xmlns:a14="http://schemas.microsoft.com/office/drawing/2010/main">
+                <a14:hiddenEffects xmlns:a14="http://schemas.microsoft.com/office/drawing/2010/main" xmlns="">
                   <a:effectLst>
                     <a:outerShdw blurRad="63500" dist="38099" dir="2700000" algn="ctr" rotWithShape="0">
                       <a:schemeClr val="bg2">
@@ -16968,14 +16968,14 @@
             <a:effectLst/>
             <a:extLst>
               <a:ext uri="{909E8E84-426E-40dd-AFC4-6F175D3DCCD1}">
-                <a14:hiddenFill xmlns="" xmlns:a14="http://schemas.microsoft.com/office/drawing/2010/main">
+                <a14:hiddenFill xmlns:a14="http://schemas.microsoft.com/office/drawing/2010/main" xmlns="">
                   <a:solidFill>
                     <a:schemeClr val="accent1"/>
                   </a:solidFill>
                 </a14:hiddenFill>
               </a:ext>
               <a:ext uri="{91240B29-F687-4f45-9708-019B960494DF}">
-                <a14:hiddenLine xmlns="" xmlns:a14="http://schemas.microsoft.com/office/drawing/2010/main" w="9525">
+                <a14:hiddenLine xmlns:a14="http://schemas.microsoft.com/office/drawing/2010/main" xmlns="" w="9525">
                   <a:solidFill>
                     <a:schemeClr val="tx1"/>
                   </a:solidFill>
@@ -16985,7 +16985,7 @@
                 </a14:hiddenLine>
               </a:ext>
               <a:ext uri="{AF507438-7753-43e0-B8FC-AC1667EBCBE1}">
-                <a14:hiddenEffects xmlns="" xmlns:a14="http://schemas.microsoft.com/office/drawing/2010/main">
+                <a14:hiddenEffects xmlns:a14="http://schemas.microsoft.com/office/drawing/2010/main" xmlns="">
                   <a:effectLst>
                     <a:outerShdw blurRad="63500" dist="38099" dir="2700000" algn="ctr" rotWithShape="0">
                       <a:schemeClr val="bg2">
@@ -17035,14 +17035,14 @@
             <a:effectLst/>
             <a:extLst>
               <a:ext uri="{909E8E84-426E-40dd-AFC4-6F175D3DCCD1}">
-                <a14:hiddenFill xmlns="" xmlns:a14="http://schemas.microsoft.com/office/drawing/2010/main">
+                <a14:hiddenFill xmlns:a14="http://schemas.microsoft.com/office/drawing/2010/main" xmlns="">
                   <a:solidFill>
                     <a:schemeClr val="accent1"/>
                   </a:solidFill>
                 </a14:hiddenFill>
               </a:ext>
               <a:ext uri="{91240B29-F687-4f45-9708-019B960494DF}">
-                <a14:hiddenLine xmlns="" xmlns:a14="http://schemas.microsoft.com/office/drawing/2010/main" w="9525">
+                <a14:hiddenLine xmlns:a14="http://schemas.microsoft.com/office/drawing/2010/main" xmlns="" w="9525">
                   <a:solidFill>
                     <a:schemeClr val="tx1"/>
                   </a:solidFill>
@@ -17052,7 +17052,7 @@
                 </a14:hiddenLine>
               </a:ext>
               <a:ext uri="{AF507438-7753-43e0-B8FC-AC1667EBCBE1}">
-                <a14:hiddenEffects xmlns="" xmlns:a14="http://schemas.microsoft.com/office/drawing/2010/main">
+                <a14:hiddenEffects xmlns:a14="http://schemas.microsoft.com/office/drawing/2010/main" xmlns="">
                   <a:effectLst>
                     <a:outerShdw blurRad="63500" dist="38099" dir="2700000" algn="ctr" rotWithShape="0">
                       <a:schemeClr val="bg2">
@@ -17110,14 +17110,14 @@
             <a:effectLst/>
             <a:extLst>
               <a:ext uri="{909E8E84-426E-40dd-AFC4-6F175D3DCCD1}">
-                <a14:hiddenFill xmlns="" xmlns:a14="http://schemas.microsoft.com/office/drawing/2010/main">
+                <a14:hiddenFill xmlns:a14="http://schemas.microsoft.com/office/drawing/2010/main" xmlns="">
                   <a:solidFill>
                     <a:schemeClr val="accent1"/>
                   </a:solidFill>
                 </a14:hiddenFill>
               </a:ext>
               <a:ext uri="{91240B29-F687-4f45-9708-019B960494DF}">
-                <a14:hiddenLine xmlns="" xmlns:a14="http://schemas.microsoft.com/office/drawing/2010/main" w="9525">
+                <a14:hiddenLine xmlns:a14="http://schemas.microsoft.com/office/drawing/2010/main" xmlns="" w="9525">
                   <a:solidFill>
                     <a:schemeClr val="tx1"/>
                   </a:solidFill>
@@ -17127,7 +17127,7 @@
                 </a14:hiddenLine>
               </a:ext>
               <a:ext uri="{AF507438-7753-43e0-B8FC-AC1667EBCBE1}">
-                <a14:hiddenEffects xmlns="" xmlns:a14="http://schemas.microsoft.com/office/drawing/2010/main">
+                <a14:hiddenEffects xmlns:a14="http://schemas.microsoft.com/office/drawing/2010/main" xmlns="">
                   <a:effectLst>
                     <a:outerShdw blurRad="63500" dist="38099" dir="2700000" algn="ctr" rotWithShape="0">
                       <a:schemeClr val="bg2">
@@ -17194,12 +17194,12 @@
             <a:effectLst/>
             <a:extLst>
               <a:ext uri="{909E8E84-426E-40dd-AFC4-6F175D3DCCD1}">
-                <a14:hiddenFill xmlns="" xmlns:a14="http://schemas.microsoft.com/office/drawing/2010/main">
+                <a14:hiddenFill xmlns:a14="http://schemas.microsoft.com/office/drawing/2010/main" xmlns="">
                   <a:noFill/>
                 </a14:hiddenFill>
               </a:ext>
               <a:ext uri="{AF507438-7753-43e0-B8FC-AC1667EBCBE1}">
-                <a14:hiddenEffects xmlns="" xmlns:a14="http://schemas.microsoft.com/office/drawing/2010/main">
+                <a14:hiddenEffects xmlns:a14="http://schemas.microsoft.com/office/drawing/2010/main" xmlns="">
                   <a:effectLst>
                     <a:outerShdw blurRad="63500" dist="38099" dir="2700000" algn="ctr" rotWithShape="0">
                       <a:schemeClr val="bg2">
@@ -17242,12 +17242,12 @@
             <a:effectLst/>
             <a:extLst>
               <a:ext uri="{909E8E84-426E-40dd-AFC4-6F175D3DCCD1}">
-                <a14:hiddenFill xmlns="" xmlns:a14="http://schemas.microsoft.com/office/drawing/2010/main">
+                <a14:hiddenFill xmlns:a14="http://schemas.microsoft.com/office/drawing/2010/main" xmlns="">
                   <a:noFill/>
                 </a14:hiddenFill>
               </a:ext>
               <a:ext uri="{AF507438-7753-43e0-B8FC-AC1667EBCBE1}">
-                <a14:hiddenEffects xmlns="" xmlns:a14="http://schemas.microsoft.com/office/drawing/2010/main">
+                <a14:hiddenEffects xmlns:a14="http://schemas.microsoft.com/office/drawing/2010/main" xmlns="">
                   <a:effectLst>
                     <a:outerShdw blurRad="63500" dist="38099" dir="2700000" algn="ctr" rotWithShape="0">
                       <a:schemeClr val="bg2">
@@ -17290,12 +17290,12 @@
             <a:effectLst/>
             <a:extLst>
               <a:ext uri="{909E8E84-426E-40dd-AFC4-6F175D3DCCD1}">
-                <a14:hiddenFill xmlns="" xmlns:a14="http://schemas.microsoft.com/office/drawing/2010/main">
+                <a14:hiddenFill xmlns:a14="http://schemas.microsoft.com/office/drawing/2010/main" xmlns="">
                   <a:noFill/>
                 </a14:hiddenFill>
               </a:ext>
               <a:ext uri="{AF507438-7753-43e0-B8FC-AC1667EBCBE1}">
-                <a14:hiddenEffects xmlns="" xmlns:a14="http://schemas.microsoft.com/office/drawing/2010/main">
+                <a14:hiddenEffects xmlns:a14="http://schemas.microsoft.com/office/drawing/2010/main" xmlns="">
                   <a:effectLst>
                     <a:outerShdw blurRad="63500" dist="38099" dir="2700000" algn="ctr" rotWithShape="0">
                       <a:schemeClr val="bg2">
@@ -17331,14 +17331,14 @@
             <a:effectLst/>
             <a:extLst>
               <a:ext uri="{909E8E84-426E-40dd-AFC4-6F175D3DCCD1}">
-                <a14:hiddenFill xmlns="" xmlns:a14="http://schemas.microsoft.com/office/drawing/2010/main">
+                <a14:hiddenFill xmlns:a14="http://schemas.microsoft.com/office/drawing/2010/main" xmlns="">
                   <a:solidFill>
                     <a:schemeClr val="accent1"/>
                   </a:solidFill>
                 </a14:hiddenFill>
               </a:ext>
               <a:ext uri="{91240B29-F687-4f45-9708-019B960494DF}">
-                <a14:hiddenLine xmlns="" xmlns:a14="http://schemas.microsoft.com/office/drawing/2010/main" w="9525">
+                <a14:hiddenLine xmlns:a14="http://schemas.microsoft.com/office/drawing/2010/main" xmlns="" w="9525">
                   <a:solidFill>
                     <a:schemeClr val="tx1"/>
                   </a:solidFill>
@@ -17348,7 +17348,7 @@
                 </a14:hiddenLine>
               </a:ext>
               <a:ext uri="{AF507438-7753-43e0-B8FC-AC1667EBCBE1}">
-                <a14:hiddenEffects xmlns="" xmlns:a14="http://schemas.microsoft.com/office/drawing/2010/main">
+                <a14:hiddenEffects xmlns:a14="http://schemas.microsoft.com/office/drawing/2010/main" xmlns="">
                   <a:effectLst>
                     <a:outerShdw blurRad="63500" dist="38099" dir="2700000" algn="ctr" rotWithShape="0">
                       <a:schemeClr val="bg2">
@@ -17407,14 +17407,14 @@
           <a:effectLst/>
           <a:extLst>
             <a:ext uri="{909E8E84-426E-40dd-AFC4-6F175D3DCCD1}">
-              <a14:hiddenFill xmlns="" xmlns:a14="http://schemas.microsoft.com/office/drawing/2010/main">
+              <a14:hiddenFill xmlns:a14="http://schemas.microsoft.com/office/drawing/2010/main" xmlns="">
                 <a:solidFill>
                   <a:schemeClr val="accent1"/>
                 </a:solidFill>
               </a14:hiddenFill>
             </a:ext>
             <a:ext uri="{91240B29-F687-4f45-9708-019B960494DF}">
-              <a14:hiddenLine xmlns="" xmlns:a14="http://schemas.microsoft.com/office/drawing/2010/main" w="9525">
+              <a14:hiddenLine xmlns:a14="http://schemas.microsoft.com/office/drawing/2010/main" xmlns="" w="9525">
                 <a:solidFill>
                   <a:schemeClr val="tx1"/>
                 </a:solidFill>
@@ -17424,7 +17424,7 @@
               </a14:hiddenLine>
             </a:ext>
             <a:ext uri="{AF507438-7753-43e0-B8FC-AC1667EBCBE1}">
-              <a14:hiddenEffects xmlns="" xmlns:a14="http://schemas.microsoft.com/office/drawing/2010/main">
+              <a14:hiddenEffects xmlns:a14="http://schemas.microsoft.com/office/drawing/2010/main" xmlns="">
                 <a:effectLst>
                   <a:outerShdw blurRad="63500" dist="38099" dir="2700000" algn="ctr" rotWithShape="0">
                     <a:schemeClr val="bg2">
@@ -18137,7 +18137,7 @@
           </a:ln>
           <a:extLst>
             <a:ext uri="{909E8E84-426E-40dd-AFC4-6F175D3DCCD1}">
-              <a14:hiddenFill xmlns="" xmlns:a14="http://schemas.microsoft.com/office/drawing/2010/main">
+              <a14:hiddenFill xmlns:a14="http://schemas.microsoft.com/office/drawing/2010/main" xmlns="">
                 <a:noFill/>
               </a14:hiddenFill>
             </a:ext>
@@ -18176,7 +18176,7 @@
           </a:ln>
           <a:extLst>
             <a:ext uri="{909E8E84-426E-40dd-AFC4-6F175D3DCCD1}">
-              <a14:hiddenFill xmlns="" xmlns:a14="http://schemas.microsoft.com/office/drawing/2010/main">
+              <a14:hiddenFill xmlns:a14="http://schemas.microsoft.com/office/drawing/2010/main" xmlns="">
                 <a:noFill/>
               </a14:hiddenFill>
             </a:ext>
@@ -18287,14 +18287,14 @@
           </a:ln>
           <a:extLst>
             <a:ext uri="{909E8E84-426E-40dd-AFC4-6F175D3DCCD1}">
-              <a14:hiddenFill xmlns="" xmlns:a14="http://schemas.microsoft.com/office/drawing/2010/main">
+              <a14:hiddenFill xmlns:a14="http://schemas.microsoft.com/office/drawing/2010/main" xmlns="">
                 <a:solidFill>
                   <a:srgbClr val="FFFFFF"/>
                 </a:solidFill>
               </a14:hiddenFill>
             </a:ext>
             <a:ext uri="{91240B29-F687-4f45-9708-019B960494DF}">
-              <a14:hiddenLine xmlns="" xmlns:a14="http://schemas.microsoft.com/office/drawing/2010/main" w="12700">
+              <a14:hiddenLine xmlns:a14="http://schemas.microsoft.com/office/drawing/2010/main" xmlns="" w="12700">
                 <a:solidFill>
                   <a:srgbClr val="000000"/>
                 </a:solidFill>
@@ -18473,7 +18473,7 @@
             </a:ln>
             <a:extLst>
               <a:ext uri="{909E8E84-426E-40dd-AFC4-6F175D3DCCD1}">
-                <a14:hiddenFill xmlns="" xmlns:a14="http://schemas.microsoft.com/office/drawing/2010/main">
+                <a14:hiddenFill xmlns:a14="http://schemas.microsoft.com/office/drawing/2010/main" xmlns="">
                   <a:noFill/>
                 </a14:hiddenFill>
               </a:ext>
@@ -18514,7 +18514,7 @@
             </a:ln>
             <a:extLst>
               <a:ext uri="{909E8E84-426E-40dd-AFC4-6F175D3DCCD1}">
-                <a14:hiddenFill xmlns="" xmlns:a14="http://schemas.microsoft.com/office/drawing/2010/main">
+                <a14:hiddenFill xmlns:a14="http://schemas.microsoft.com/office/drawing/2010/main" xmlns="">
                   <a:noFill/>
                 </a14:hiddenFill>
               </a:ext>
@@ -18550,14 +18550,14 @@
             </a:ln>
             <a:extLst>
               <a:ext uri="{909E8E84-426E-40dd-AFC4-6F175D3DCCD1}">
-                <a14:hiddenFill xmlns="" xmlns:a14="http://schemas.microsoft.com/office/drawing/2010/main">
+                <a14:hiddenFill xmlns:a14="http://schemas.microsoft.com/office/drawing/2010/main" xmlns="">
                   <a:solidFill>
                     <a:srgbClr val="FFFFFF"/>
                   </a:solidFill>
                 </a14:hiddenFill>
               </a:ext>
               <a:ext uri="{91240B29-F687-4f45-9708-019B960494DF}">
-                <a14:hiddenLine xmlns="" xmlns:a14="http://schemas.microsoft.com/office/drawing/2010/main" w="12700">
+                <a14:hiddenLine xmlns:a14="http://schemas.microsoft.com/office/drawing/2010/main" xmlns="" w="12700">
                   <a:solidFill>
                     <a:srgbClr val="000000"/>
                   </a:solidFill>
@@ -18603,14 +18603,14 @@
             </a:ln>
             <a:extLst>
               <a:ext uri="{909E8E84-426E-40dd-AFC4-6F175D3DCCD1}">
-                <a14:hiddenFill xmlns="" xmlns:a14="http://schemas.microsoft.com/office/drawing/2010/main">
+                <a14:hiddenFill xmlns:a14="http://schemas.microsoft.com/office/drawing/2010/main" xmlns="">
                   <a:solidFill>
                     <a:srgbClr val="FFFFFF"/>
                   </a:solidFill>
                 </a14:hiddenFill>
               </a:ext>
               <a:ext uri="{91240B29-F687-4f45-9708-019B960494DF}">
-                <a14:hiddenLine xmlns="" xmlns:a14="http://schemas.microsoft.com/office/drawing/2010/main" w="12700">
+                <a14:hiddenLine xmlns:a14="http://schemas.microsoft.com/office/drawing/2010/main" xmlns="" w="12700">
                   <a:solidFill>
                     <a:srgbClr val="000000"/>
                   </a:solidFill>
@@ -18656,14 +18656,14 @@
             </a:ln>
             <a:extLst>
               <a:ext uri="{909E8E84-426E-40dd-AFC4-6F175D3DCCD1}">
-                <a14:hiddenFill xmlns="" xmlns:a14="http://schemas.microsoft.com/office/drawing/2010/main">
+                <a14:hiddenFill xmlns:a14="http://schemas.microsoft.com/office/drawing/2010/main" xmlns="">
                   <a:solidFill>
                     <a:srgbClr val="FFFFFF"/>
                   </a:solidFill>
                 </a14:hiddenFill>
               </a:ext>
               <a:ext uri="{91240B29-F687-4f45-9708-019B960494DF}">
-                <a14:hiddenLine xmlns="" xmlns:a14="http://schemas.microsoft.com/office/drawing/2010/main" w="12700">
+                <a14:hiddenLine xmlns:a14="http://schemas.microsoft.com/office/drawing/2010/main" xmlns="" w="12700">
                   <a:solidFill>
                     <a:srgbClr val="000000"/>
                   </a:solidFill>
@@ -19678,7 +19678,7 @@
             </a:ln>
             <a:extLst>
               <a:ext uri="{909E8E84-426E-40dd-AFC4-6F175D3DCCD1}">
-                <a14:hiddenFill xmlns="" xmlns:a14="http://schemas.microsoft.com/office/drawing/2010/main">
+                <a14:hiddenFill xmlns:a14="http://schemas.microsoft.com/office/drawing/2010/main" xmlns="">
                   <a:noFill/>
                 </a14:hiddenFill>
               </a:ext>
@@ -19717,7 +19717,7 @@
             </a:ln>
             <a:extLst>
               <a:ext uri="{909E8E84-426E-40dd-AFC4-6F175D3DCCD1}">
-                <a14:hiddenFill xmlns="" xmlns:a14="http://schemas.microsoft.com/office/drawing/2010/main">
+                <a14:hiddenFill xmlns:a14="http://schemas.microsoft.com/office/drawing/2010/main" xmlns="">
                   <a:noFill/>
                 </a14:hiddenFill>
               </a:ext>
@@ -19756,7 +19756,7 @@
             </a:ln>
             <a:extLst>
               <a:ext uri="{909E8E84-426E-40dd-AFC4-6F175D3DCCD1}">
-                <a14:hiddenFill xmlns="" xmlns:a14="http://schemas.microsoft.com/office/drawing/2010/main">
+                <a14:hiddenFill xmlns:a14="http://schemas.microsoft.com/office/drawing/2010/main" xmlns="">
                   <a:noFill/>
                 </a14:hiddenFill>
               </a:ext>
@@ -19795,7 +19795,7 @@
             </a:ln>
             <a:extLst>
               <a:ext uri="{909E8E84-426E-40dd-AFC4-6F175D3DCCD1}">
-                <a14:hiddenFill xmlns="" xmlns:a14="http://schemas.microsoft.com/office/drawing/2010/main">
+                <a14:hiddenFill xmlns:a14="http://schemas.microsoft.com/office/drawing/2010/main" xmlns="">
                   <a:noFill/>
                 </a14:hiddenFill>
               </a:ext>
@@ -19834,7 +19834,7 @@
             </a:ln>
             <a:extLst>
               <a:ext uri="{909E8E84-426E-40dd-AFC4-6F175D3DCCD1}">
-                <a14:hiddenFill xmlns="" xmlns:a14="http://schemas.microsoft.com/office/drawing/2010/main">
+                <a14:hiddenFill xmlns:a14="http://schemas.microsoft.com/office/drawing/2010/main" xmlns="">
                   <a:noFill/>
                 </a14:hiddenFill>
               </a:ext>
@@ -19873,7 +19873,7 @@
             </a:ln>
             <a:extLst>
               <a:ext uri="{909E8E84-426E-40dd-AFC4-6F175D3DCCD1}">
-                <a14:hiddenFill xmlns="" xmlns:a14="http://schemas.microsoft.com/office/drawing/2010/main">
+                <a14:hiddenFill xmlns:a14="http://schemas.microsoft.com/office/drawing/2010/main" xmlns="">
                   <a:noFill/>
                 </a14:hiddenFill>
               </a:ext>
@@ -32256,14 +32256,14 @@
           <a:effectLst/>
           <a:extLst>
             <a:ext uri="{909E8E84-426E-40dd-AFC4-6F175D3DCCD1}">
-              <a14:hiddenFill xmlns="" xmlns:a14="http://schemas.microsoft.com/office/drawing/2010/main">
+              <a14:hiddenFill xmlns:a14="http://schemas.microsoft.com/office/drawing/2010/main" xmlns="">
                 <a:solidFill>
                   <a:schemeClr val="accent1"/>
                 </a:solidFill>
               </a14:hiddenFill>
             </a:ext>
             <a:ext uri="{91240B29-F687-4f45-9708-019B960494DF}">
-              <a14:hiddenLine xmlns="" xmlns:a14="http://schemas.microsoft.com/office/drawing/2010/main" w="9525">
+              <a14:hiddenLine xmlns:a14="http://schemas.microsoft.com/office/drawing/2010/main" xmlns="" w="9525">
                 <a:solidFill>
                   <a:schemeClr val="tx1"/>
                 </a:solidFill>
@@ -32273,7 +32273,7 @@
               </a14:hiddenLine>
             </a:ext>
             <a:ext uri="{AF507438-7753-43e0-B8FC-AC1667EBCBE1}">
-              <a14:hiddenEffects xmlns="" xmlns:a14="http://schemas.microsoft.com/office/drawing/2010/main">
+              <a14:hiddenEffects xmlns:a14="http://schemas.microsoft.com/office/drawing/2010/main" xmlns="">
                 <a:effectLst>
                   <a:outerShdw blurRad="63500" dist="38099" dir="2700000" algn="ctr" rotWithShape="0">
                     <a:schemeClr val="bg2">
@@ -50892,7 +50892,7 @@
           </a:ln>
           <a:extLst>
             <a:ext uri="{91240B29-F687-4f45-9708-019B960494DF}">
-              <a14:hiddenLine xmlns="" xmlns:a14="http://schemas.microsoft.com/office/drawing/2010/main" w="12700">
+              <a14:hiddenLine xmlns:a14="http://schemas.microsoft.com/office/drawing/2010/main" xmlns="" w="12700">
                 <a:solidFill>
                   <a:srgbClr val="000000"/>
                 </a:solidFill>
@@ -50935,7 +50935,7 @@
           </a:ln>
           <a:extLst>
             <a:ext uri="{91240B29-F687-4f45-9708-019B960494DF}">
-              <a14:hiddenLine xmlns="" xmlns:a14="http://schemas.microsoft.com/office/drawing/2010/main" w="12700">
+              <a14:hiddenLine xmlns:a14="http://schemas.microsoft.com/office/drawing/2010/main" xmlns="" w="12700">
                 <a:solidFill>
                   <a:srgbClr val="000000"/>
                 </a:solidFill>
@@ -50978,7 +50978,7 @@
           </a:ln>
           <a:extLst>
             <a:ext uri="{91240B29-F687-4f45-9708-019B960494DF}">
-              <a14:hiddenLine xmlns="" xmlns:a14="http://schemas.microsoft.com/office/drawing/2010/main" w="12700">
+              <a14:hiddenLine xmlns:a14="http://schemas.microsoft.com/office/drawing/2010/main" xmlns="" w="12700">
                 <a:solidFill>
                   <a:srgbClr val="000000"/>
                 </a:solidFill>
@@ -51021,7 +51021,7 @@
           </a:ln>
           <a:extLst>
             <a:ext uri="{91240B29-F687-4f45-9708-019B960494DF}">
-              <a14:hiddenLine xmlns="" xmlns:a14="http://schemas.microsoft.com/office/drawing/2010/main" w="12700">
+              <a14:hiddenLine xmlns:a14="http://schemas.microsoft.com/office/drawing/2010/main" xmlns="" w="12700">
                 <a:solidFill>
                   <a:srgbClr val="000000"/>
                 </a:solidFill>
@@ -51064,7 +51064,7 @@
           </a:ln>
           <a:extLst>
             <a:ext uri="{91240B29-F687-4f45-9708-019B960494DF}">
-              <a14:hiddenLine xmlns="" xmlns:a14="http://schemas.microsoft.com/office/drawing/2010/main" w="12700">
+              <a14:hiddenLine xmlns:a14="http://schemas.microsoft.com/office/drawing/2010/main" xmlns="" w="12700">
                 <a:solidFill>
                   <a:srgbClr val="000000"/>
                 </a:solidFill>
@@ -51107,7 +51107,7 @@
           </a:ln>
           <a:extLst>
             <a:ext uri="{91240B29-F687-4f45-9708-019B960494DF}">
-              <a14:hiddenLine xmlns="" xmlns:a14="http://schemas.microsoft.com/office/drawing/2010/main" w="12700">
+              <a14:hiddenLine xmlns:a14="http://schemas.microsoft.com/office/drawing/2010/main" xmlns="" w="12700">
                 <a:solidFill>
                   <a:srgbClr val="000000"/>
                 </a:solidFill>
@@ -51150,7 +51150,7 @@
           </a:ln>
           <a:extLst>
             <a:ext uri="{91240B29-F687-4f45-9708-019B960494DF}">
-              <a14:hiddenLine xmlns="" xmlns:a14="http://schemas.microsoft.com/office/drawing/2010/main" w="12700">
+              <a14:hiddenLine xmlns:a14="http://schemas.microsoft.com/office/drawing/2010/main" xmlns="" w="12700">
                 <a:solidFill>
                   <a:srgbClr val="000000"/>
                 </a:solidFill>
@@ -51196,7 +51196,7 @@
           </a:ln>
           <a:extLst>
             <a:ext uri="{909E8E84-426E-40dd-AFC4-6F175D3DCCD1}">
-              <a14:hiddenFill xmlns="" xmlns:a14="http://schemas.microsoft.com/office/drawing/2010/main">
+              <a14:hiddenFill xmlns:a14="http://schemas.microsoft.com/office/drawing/2010/main" xmlns="">
                 <a:solidFill>
                   <a:srgbClr val="FFFFFF"/>
                 </a:solidFill>
@@ -51250,7 +51250,7 @@
           </a:ln>
           <a:extLst>
             <a:ext uri="{909E8E84-426E-40dd-AFC4-6F175D3DCCD1}">
-              <a14:hiddenFill xmlns="" xmlns:a14="http://schemas.microsoft.com/office/drawing/2010/main">
+              <a14:hiddenFill xmlns:a14="http://schemas.microsoft.com/office/drawing/2010/main" xmlns="">
                 <a:solidFill>
                   <a:srgbClr val="FFFFFF"/>
                 </a:solidFill>
@@ -51304,7 +51304,7 @@
           </a:ln>
           <a:extLst>
             <a:ext uri="{909E8E84-426E-40dd-AFC4-6F175D3DCCD1}">
-              <a14:hiddenFill xmlns="" xmlns:a14="http://schemas.microsoft.com/office/drawing/2010/main">
+              <a14:hiddenFill xmlns:a14="http://schemas.microsoft.com/office/drawing/2010/main" xmlns="">
                 <a:solidFill>
                   <a:srgbClr val="FFFFFF"/>
                 </a:solidFill>
@@ -51386,7 +51386,7 @@
           </a:ln>
           <a:extLst>
             <a:ext uri="{909E8E84-426E-40dd-AFC4-6F175D3DCCD1}">
-              <a14:hiddenFill xmlns="" xmlns:a14="http://schemas.microsoft.com/office/drawing/2010/main">
+              <a14:hiddenFill xmlns:a14="http://schemas.microsoft.com/office/drawing/2010/main" xmlns="">
                 <a:noFill/>
               </a14:hiddenFill>
             </a:ext>
@@ -51427,7 +51427,7 @@
           </a:ln>
           <a:extLst>
             <a:ext uri="{909E8E84-426E-40dd-AFC4-6F175D3DCCD1}">
-              <a14:hiddenFill xmlns="" xmlns:a14="http://schemas.microsoft.com/office/drawing/2010/main">
+              <a14:hiddenFill xmlns:a14="http://schemas.microsoft.com/office/drawing/2010/main" xmlns="">
                 <a:noFill/>
               </a14:hiddenFill>
             </a:ext>
@@ -51463,14 +51463,14 @@
           </a:ln>
           <a:extLst>
             <a:ext uri="{909E8E84-426E-40dd-AFC4-6F175D3DCCD1}">
-              <a14:hiddenFill xmlns="" xmlns:a14="http://schemas.microsoft.com/office/drawing/2010/main">
+              <a14:hiddenFill xmlns:a14="http://schemas.microsoft.com/office/drawing/2010/main" xmlns="">
                 <a:solidFill>
                   <a:srgbClr val="FFFFFF"/>
                 </a:solidFill>
               </a14:hiddenFill>
             </a:ext>
             <a:ext uri="{91240B29-F687-4f45-9708-019B960494DF}">
-              <a14:hiddenLine xmlns="" xmlns:a14="http://schemas.microsoft.com/office/drawing/2010/main" w="12700">
+              <a14:hiddenLine xmlns:a14="http://schemas.microsoft.com/office/drawing/2010/main" xmlns="" w="12700">
                 <a:solidFill>
                   <a:srgbClr val="000000"/>
                 </a:solidFill>
@@ -51516,14 +51516,14 @@
           </a:ln>
           <a:extLst>
             <a:ext uri="{909E8E84-426E-40dd-AFC4-6F175D3DCCD1}">
-              <a14:hiddenFill xmlns="" xmlns:a14="http://schemas.microsoft.com/office/drawing/2010/main">
+              <a14:hiddenFill xmlns:a14="http://schemas.microsoft.com/office/drawing/2010/main" xmlns="">
                 <a:solidFill>
                   <a:srgbClr val="FFFFFF"/>
                 </a:solidFill>
               </a14:hiddenFill>
             </a:ext>
             <a:ext uri="{91240B29-F687-4f45-9708-019B960494DF}">
-              <a14:hiddenLine xmlns="" xmlns:a14="http://schemas.microsoft.com/office/drawing/2010/main" w="12700">
+              <a14:hiddenLine xmlns:a14="http://schemas.microsoft.com/office/drawing/2010/main" xmlns="" w="12700">
                 <a:solidFill>
                   <a:srgbClr val="000000"/>
                 </a:solidFill>
@@ -51569,14 +51569,14 @@
           </a:ln>
           <a:extLst>
             <a:ext uri="{909E8E84-426E-40dd-AFC4-6F175D3DCCD1}">
-              <a14:hiddenFill xmlns="" xmlns:a14="http://schemas.microsoft.com/office/drawing/2010/main">
+              <a14:hiddenFill xmlns:a14="http://schemas.microsoft.com/office/drawing/2010/main" xmlns="">
                 <a:solidFill>
                   <a:srgbClr val="FFFFFF"/>
                 </a:solidFill>
               </a14:hiddenFill>
             </a:ext>
             <a:ext uri="{91240B29-F687-4f45-9708-019B960494DF}">
-              <a14:hiddenLine xmlns="" xmlns:a14="http://schemas.microsoft.com/office/drawing/2010/main" w="12700">
+              <a14:hiddenLine xmlns:a14="http://schemas.microsoft.com/office/drawing/2010/main" xmlns="" w="12700">
                 <a:solidFill>
                   <a:srgbClr val="000000"/>
                 </a:solidFill>
@@ -52272,7 +52272,7 @@
           </a:ln>
           <a:extLst>
             <a:ext uri="{909E8E84-426E-40dd-AFC4-6F175D3DCCD1}">
-              <a14:hiddenFill xmlns="" xmlns:a14="http://schemas.microsoft.com/office/drawing/2010/main">
+              <a14:hiddenFill xmlns:a14="http://schemas.microsoft.com/office/drawing/2010/main" xmlns="">
                 <a:noFill/>
               </a14:hiddenFill>
             </a:ext>
@@ -52311,7 +52311,7 @@
           </a:ln>
           <a:extLst>
             <a:ext uri="{909E8E84-426E-40dd-AFC4-6F175D3DCCD1}">
-              <a14:hiddenFill xmlns="" xmlns:a14="http://schemas.microsoft.com/office/drawing/2010/main">
+              <a14:hiddenFill xmlns:a14="http://schemas.microsoft.com/office/drawing/2010/main" xmlns="">
                 <a:noFill/>
               </a14:hiddenFill>
             </a:ext>
@@ -52350,7 +52350,7 @@
           </a:ln>
           <a:extLst>
             <a:ext uri="{909E8E84-426E-40dd-AFC4-6F175D3DCCD1}">
-              <a14:hiddenFill xmlns="" xmlns:a14="http://schemas.microsoft.com/office/drawing/2010/main">
+              <a14:hiddenFill xmlns:a14="http://schemas.microsoft.com/office/drawing/2010/main" xmlns="">
                 <a:noFill/>
               </a14:hiddenFill>
             </a:ext>
@@ -52389,7 +52389,7 @@
           </a:ln>
           <a:extLst>
             <a:ext uri="{909E8E84-426E-40dd-AFC4-6F175D3DCCD1}">
-              <a14:hiddenFill xmlns="" xmlns:a14="http://schemas.microsoft.com/office/drawing/2010/main">
+              <a14:hiddenFill xmlns:a14="http://schemas.microsoft.com/office/drawing/2010/main" xmlns="">
                 <a:noFill/>
               </a14:hiddenFill>
             </a:ext>
@@ -52428,7 +52428,7 @@
           </a:ln>
           <a:extLst>
             <a:ext uri="{909E8E84-426E-40dd-AFC4-6F175D3DCCD1}">
-              <a14:hiddenFill xmlns="" xmlns:a14="http://schemas.microsoft.com/office/drawing/2010/main">
+              <a14:hiddenFill xmlns:a14="http://schemas.microsoft.com/office/drawing/2010/main" xmlns="">
                 <a:noFill/>
               </a14:hiddenFill>
             </a:ext>
@@ -52467,7 +52467,7 @@
           </a:ln>
           <a:extLst>
             <a:ext uri="{909E8E84-426E-40dd-AFC4-6F175D3DCCD1}">
-              <a14:hiddenFill xmlns="" xmlns:a14="http://schemas.microsoft.com/office/drawing/2010/main">
+              <a14:hiddenFill xmlns:a14="http://schemas.microsoft.com/office/drawing/2010/main" xmlns="">
                 <a:noFill/>
               </a14:hiddenFill>
             </a:ext>
@@ -52501,7 +52501,7 @@
           </a:ln>
           <a:extLst>
             <a:ext uri="{909E8E84-426E-40dd-AFC4-6F175D3DCCD1}">
-              <a14:hiddenFill xmlns="" xmlns:a14="http://schemas.microsoft.com/office/drawing/2010/main">
+              <a14:hiddenFill xmlns:a14="http://schemas.microsoft.com/office/drawing/2010/main" xmlns="">
                 <a:solidFill>
                   <a:srgbClr val="FFFFFF"/>
                 </a:solidFill>
@@ -52686,7 +52686,7 @@
           </a:ln>
           <a:extLst>
             <a:ext uri="{909E8E84-426E-40dd-AFC4-6F175D3DCCD1}">
-              <a14:hiddenFill xmlns="" xmlns:a14="http://schemas.microsoft.com/office/drawing/2010/main">
+              <a14:hiddenFill xmlns:a14="http://schemas.microsoft.com/office/drawing/2010/main" xmlns="">
                 <a:noFill/>
               </a14:hiddenFill>
             </a:ext>
@@ -52722,14 +52722,14 @@
           </a:ln>
           <a:extLst>
             <a:ext uri="{909E8E84-426E-40dd-AFC4-6F175D3DCCD1}">
-              <a14:hiddenFill xmlns="" xmlns:a14="http://schemas.microsoft.com/office/drawing/2010/main">
+              <a14:hiddenFill xmlns:a14="http://schemas.microsoft.com/office/drawing/2010/main" xmlns="">
                 <a:solidFill>
                   <a:srgbClr val="FFFFFF"/>
                 </a:solidFill>
               </a14:hiddenFill>
             </a:ext>
             <a:ext uri="{91240B29-F687-4f45-9708-019B960494DF}">
-              <a14:hiddenLine xmlns="" xmlns:a14="http://schemas.microsoft.com/office/drawing/2010/main" w="12700">
+              <a14:hiddenLine xmlns:a14="http://schemas.microsoft.com/office/drawing/2010/main" xmlns="" w="12700">
                 <a:solidFill>
                   <a:srgbClr val="000000"/>
                 </a:solidFill>
@@ -52885,14 +52885,14 @@
           </a:ln>
           <a:extLst>
             <a:ext uri="{909E8E84-426E-40dd-AFC4-6F175D3DCCD1}">
-              <a14:hiddenFill xmlns="" xmlns:a14="http://schemas.microsoft.com/office/drawing/2010/main">
+              <a14:hiddenFill xmlns:a14="http://schemas.microsoft.com/office/drawing/2010/main" xmlns="">
                 <a:solidFill>
                   <a:srgbClr val="FFFFFF"/>
                 </a:solidFill>
               </a14:hiddenFill>
             </a:ext>
             <a:ext uri="{91240B29-F687-4f45-9708-019B960494DF}">
-              <a14:hiddenLine xmlns="" xmlns:a14="http://schemas.microsoft.com/office/drawing/2010/main" w="12700">
+              <a14:hiddenLine xmlns:a14="http://schemas.microsoft.com/office/drawing/2010/main" xmlns="" w="12700">
                 <a:solidFill>
                   <a:srgbClr val="000000"/>
                 </a:solidFill>
@@ -53057,14 +53057,14 @@
           </a:ln>
           <a:extLst>
             <a:ext uri="{909E8E84-426E-40dd-AFC4-6F175D3DCCD1}">
-              <a14:hiddenFill xmlns="" xmlns:a14="http://schemas.microsoft.com/office/drawing/2010/main">
+              <a14:hiddenFill xmlns:a14="http://schemas.microsoft.com/office/drawing/2010/main" xmlns="">
                 <a:solidFill>
                   <a:srgbClr val="FFFFFF"/>
                 </a:solidFill>
               </a14:hiddenFill>
             </a:ext>
             <a:ext uri="{91240B29-F687-4f45-9708-019B960494DF}">
-              <a14:hiddenLine xmlns="" xmlns:a14="http://schemas.microsoft.com/office/drawing/2010/main" w="12700">
+              <a14:hiddenLine xmlns:a14="http://schemas.microsoft.com/office/drawing/2010/main" xmlns="" w="12700">
                 <a:solidFill>
                   <a:srgbClr val="000000"/>
                 </a:solidFill>
@@ -53225,7 +53225,7 @@
           </a:ln>
           <a:extLst>
             <a:ext uri="{909E8E84-426E-40dd-AFC4-6F175D3DCCD1}">
-              <a14:hiddenFill xmlns="" xmlns:a14="http://schemas.microsoft.com/office/drawing/2010/main">
+              <a14:hiddenFill xmlns:a14="http://schemas.microsoft.com/office/drawing/2010/main" xmlns="">
                 <a:noFill/>
               </a14:hiddenFill>
             </a:ext>
@@ -53266,7 +53266,7 @@
           </a:ln>
           <a:extLst>
             <a:ext uri="{909E8E84-426E-40dd-AFC4-6F175D3DCCD1}">
-              <a14:hiddenFill xmlns="" xmlns:a14="http://schemas.microsoft.com/office/drawing/2010/main">
+              <a14:hiddenFill xmlns:a14="http://schemas.microsoft.com/office/drawing/2010/main" xmlns="">
                 <a:noFill/>
               </a14:hiddenFill>
             </a:ext>
@@ -53307,7 +53307,7 @@
           </a:ln>
           <a:extLst>
             <a:ext uri="{909E8E84-426E-40dd-AFC4-6F175D3DCCD1}">
-              <a14:hiddenFill xmlns="" xmlns:a14="http://schemas.microsoft.com/office/drawing/2010/main">
+              <a14:hiddenFill xmlns:a14="http://schemas.microsoft.com/office/drawing/2010/main" xmlns="">
                 <a:noFill/>
               </a14:hiddenFill>
             </a:ext>

--- a/SE401/Lectures/8-Integration, System and Regression Testing/Integration Testing.pptx
+++ b/SE401/Lectures/8-Integration, System and Regression Testing/Integration Testing.pptx
@@ -260,7 +260,7 @@
           <a:p>
             <a:fld id="{11EAA60E-FCF3-40DF-B4BC-258568585669}" type="datetimeFigureOut">
               <a:rPr lang="en-US" smtClean="0"/>
-              <a:t>2/23/2022</a:t>
+              <a:t>4/12/2022</a:t>
             </a:fld>
             <a:endParaRPr lang="en-US"/>
           </a:p>
@@ -3316,7 +3316,7 @@
           <a:ln/>
           <a:extLst>
             <a:ext uri="{FAA26D3D-D897-4be2-8F04-BA451C77F1D7}">
-              <ma14:placeholderFlag xmlns:ma14="http://schemas.microsoft.com/office/mac/drawingml/2011/main" xmlns="" val="1"/>
+              <ma14:placeholderFlag xmlns="" xmlns:ma14="http://schemas.microsoft.com/office/mac/drawingml/2011/main" val="1"/>
             </a:ext>
           </a:extLst>
         </p:spPr>
@@ -3495,7 +3495,7 @@
           <a:ln/>
           <a:extLst>
             <a:ext uri="{FAA26D3D-D897-4be2-8F04-BA451C77F1D7}">
-              <ma14:placeholderFlag xmlns:ma14="http://schemas.microsoft.com/office/mac/drawingml/2011/main" xmlns="" val="1"/>
+              <ma14:placeholderFlag xmlns="" xmlns:ma14="http://schemas.microsoft.com/office/mac/drawingml/2011/main" val="1"/>
             </a:ext>
           </a:extLst>
         </p:spPr>
@@ -3689,14 +3689,14 @@
           <a:ln w="9525"/>
           <a:extLst>
             <a:ext uri="{909E8E84-426E-40dd-AFC4-6F175D3DCCD1}">
-              <a14:hiddenFill xmlns:a14="http://schemas.microsoft.com/office/drawing/2010/main" xmlns="">
+              <a14:hiddenFill xmlns="" xmlns:a14="http://schemas.microsoft.com/office/drawing/2010/main">
                 <a:solidFill>
                   <a:srgbClr val="FFFFFF"/>
                 </a:solidFill>
               </a14:hiddenFill>
             </a:ext>
             <a:ext uri="{91240B29-F687-4f45-9708-019B960494DF}">
-              <a14:hiddenLine xmlns:a14="http://schemas.microsoft.com/office/drawing/2010/main" xmlns="" w="9525">
+              <a14:hiddenLine xmlns="" xmlns:a14="http://schemas.microsoft.com/office/drawing/2010/main" w="9525">
                 <a:solidFill>
                   <a:srgbClr val="000000"/>
                 </a:solidFill>
@@ -3706,7 +3706,7 @@
               </a14:hiddenLine>
             </a:ext>
             <a:ext uri="{FAA26D3D-D897-4be2-8F04-BA451C77F1D7}">
-              <ma14:placeholderFlag xmlns:ma14="http://schemas.microsoft.com/office/mac/drawingml/2011/main" xmlns="" val="1"/>
+              <ma14:placeholderFlag xmlns="" xmlns:ma14="http://schemas.microsoft.com/office/mac/drawingml/2011/main" val="1"/>
             </a:ext>
           </a:extLst>
         </p:spPr>
@@ -3878,14 +3878,14 @@
           <a:ln w="9525"/>
           <a:extLst>
             <a:ext uri="{909E8E84-426E-40dd-AFC4-6F175D3DCCD1}">
-              <a14:hiddenFill xmlns:a14="http://schemas.microsoft.com/office/drawing/2010/main" xmlns="">
+              <a14:hiddenFill xmlns="" xmlns:a14="http://schemas.microsoft.com/office/drawing/2010/main">
                 <a:solidFill>
                   <a:srgbClr val="FFFFFF"/>
                 </a:solidFill>
               </a14:hiddenFill>
             </a:ext>
             <a:ext uri="{91240B29-F687-4f45-9708-019B960494DF}">
-              <a14:hiddenLine xmlns:a14="http://schemas.microsoft.com/office/drawing/2010/main" xmlns="" w="9525">
+              <a14:hiddenLine xmlns="" xmlns:a14="http://schemas.microsoft.com/office/drawing/2010/main" w="9525">
                 <a:solidFill>
                   <a:srgbClr val="000000"/>
                 </a:solidFill>
@@ -4151,14 +4151,14 @@
           <a:ln w="9525"/>
           <a:extLst>
             <a:ext uri="{909E8E84-426E-40dd-AFC4-6F175D3DCCD1}">
-              <a14:hiddenFill xmlns:a14="http://schemas.microsoft.com/office/drawing/2010/main" xmlns="">
+              <a14:hiddenFill xmlns="" xmlns:a14="http://schemas.microsoft.com/office/drawing/2010/main">
                 <a:solidFill>
                   <a:srgbClr val="FFFFFF"/>
                 </a:solidFill>
               </a14:hiddenFill>
             </a:ext>
             <a:ext uri="{91240B29-F687-4f45-9708-019B960494DF}">
-              <a14:hiddenLine xmlns:a14="http://schemas.microsoft.com/office/drawing/2010/main" xmlns="" w="9525">
+              <a14:hiddenLine xmlns="" xmlns:a14="http://schemas.microsoft.com/office/drawing/2010/main" w="9525">
                 <a:solidFill>
                   <a:srgbClr val="000000"/>
                 </a:solidFill>
@@ -4168,7 +4168,7 @@
               </a14:hiddenLine>
             </a:ext>
             <a:ext uri="{FAA26D3D-D897-4be2-8F04-BA451C77F1D7}">
-              <ma14:placeholderFlag xmlns:ma14="http://schemas.microsoft.com/office/mac/drawingml/2011/main" xmlns="" val="1"/>
+              <ma14:placeholderFlag xmlns="" xmlns:ma14="http://schemas.microsoft.com/office/mac/drawingml/2011/main" val="1"/>
             </a:ext>
           </a:extLst>
         </p:spPr>
@@ -4354,14 +4354,14 @@
           <a:ln w="9525"/>
           <a:extLst>
             <a:ext uri="{909E8E84-426E-40dd-AFC4-6F175D3DCCD1}">
-              <a14:hiddenFill xmlns:a14="http://schemas.microsoft.com/office/drawing/2010/main" xmlns="">
+              <a14:hiddenFill xmlns="" xmlns:a14="http://schemas.microsoft.com/office/drawing/2010/main">
                 <a:solidFill>
                   <a:srgbClr val="FFFFFF"/>
                 </a:solidFill>
               </a14:hiddenFill>
             </a:ext>
             <a:ext uri="{91240B29-F687-4f45-9708-019B960494DF}">
-              <a14:hiddenLine xmlns:a14="http://schemas.microsoft.com/office/drawing/2010/main" xmlns="" w="9525">
+              <a14:hiddenLine xmlns="" xmlns:a14="http://schemas.microsoft.com/office/drawing/2010/main" w="9525">
                 <a:solidFill>
                   <a:srgbClr val="000000"/>
                 </a:solidFill>
@@ -4371,7 +4371,7 @@
               </a14:hiddenLine>
             </a:ext>
             <a:ext uri="{FAA26D3D-D897-4be2-8F04-BA451C77F1D7}">
-              <ma14:placeholderFlag xmlns:ma14="http://schemas.microsoft.com/office/mac/drawingml/2011/main" xmlns="" val="1"/>
+              <ma14:placeholderFlag xmlns="" xmlns:ma14="http://schemas.microsoft.com/office/mac/drawingml/2011/main" val="1"/>
             </a:ext>
           </a:extLst>
         </p:spPr>
@@ -4729,14 +4729,14 @@
           <a:ln w="9525"/>
           <a:extLst>
             <a:ext uri="{909E8E84-426E-40dd-AFC4-6F175D3DCCD1}">
-              <a14:hiddenFill xmlns:a14="http://schemas.microsoft.com/office/drawing/2010/main" xmlns="">
+              <a14:hiddenFill xmlns="" xmlns:a14="http://schemas.microsoft.com/office/drawing/2010/main">
                 <a:solidFill>
                   <a:srgbClr val="FFFFFF"/>
                 </a:solidFill>
               </a14:hiddenFill>
             </a:ext>
             <a:ext uri="{91240B29-F687-4f45-9708-019B960494DF}">
-              <a14:hiddenLine xmlns:a14="http://schemas.microsoft.com/office/drawing/2010/main" xmlns="" w="9525">
+              <a14:hiddenLine xmlns="" xmlns:a14="http://schemas.microsoft.com/office/drawing/2010/main" w="9525">
                 <a:solidFill>
                   <a:srgbClr val="000000"/>
                 </a:solidFill>
@@ -5451,14 +5451,14 @@
           </a:ln>
           <a:extLst>
             <a:ext uri="{909E8E84-426E-40dd-AFC4-6F175D3DCCD1}">
-              <a14:hiddenFill xmlns:a14="http://schemas.microsoft.com/office/drawing/2010/main" xmlns="">
+              <a14:hiddenFill xmlns="" xmlns:a14="http://schemas.microsoft.com/office/drawing/2010/main">
                 <a:solidFill>
                   <a:srgbClr val="FFFFFF"/>
                 </a:solidFill>
               </a14:hiddenFill>
             </a:ext>
             <a:ext uri="{91240B29-F687-4f45-9708-019B960494DF}">
-              <a14:hiddenLine xmlns:a14="http://schemas.microsoft.com/office/drawing/2010/main" xmlns="" w="9525">
+              <a14:hiddenLine xmlns="" xmlns:a14="http://schemas.microsoft.com/office/drawing/2010/main" w="9525">
                 <a:solidFill>
                   <a:srgbClr val="000000"/>
                 </a:solidFill>
@@ -5634,14 +5634,14 @@
           </a:ln>
           <a:extLst>
             <a:ext uri="{909E8E84-426E-40dd-AFC4-6F175D3DCCD1}">
-              <a14:hiddenFill xmlns:a14="http://schemas.microsoft.com/office/drawing/2010/main" xmlns="">
+              <a14:hiddenFill xmlns="" xmlns:a14="http://schemas.microsoft.com/office/drawing/2010/main">
                 <a:solidFill>
                   <a:srgbClr val="FFFFFF"/>
                 </a:solidFill>
               </a14:hiddenFill>
             </a:ext>
             <a:ext uri="{FAA26D3D-D897-4be2-8F04-BA451C77F1D7}">
-              <ma14:placeholderFlag xmlns:ma14="http://schemas.microsoft.com/office/mac/drawingml/2011/main" xmlns="" val="1"/>
+              <ma14:placeholderFlag xmlns="" xmlns:ma14="http://schemas.microsoft.com/office/mac/drawingml/2011/main" val="1"/>
             </a:ext>
           </a:extLst>
         </p:spPr>
@@ -6011,7 +6011,7 @@
           </a:ln>
           <a:extLst>
             <a:ext uri="{FAA26D3D-D897-4be2-8F04-BA451C77F1D7}">
-              <ma14:placeholderFlag xmlns:ma14="http://schemas.microsoft.com/office/mac/drawingml/2011/main" xmlns="" val="1"/>
+              <ma14:placeholderFlag xmlns="" xmlns:ma14="http://schemas.microsoft.com/office/mac/drawingml/2011/main" val="1"/>
             </a:ext>
           </a:extLst>
         </p:spPr>
@@ -6189,14 +6189,14 @@
           </a:ln>
           <a:extLst>
             <a:ext uri="{909E8E84-426E-40dd-AFC4-6F175D3DCCD1}">
-              <a14:hiddenFill xmlns:a14="http://schemas.microsoft.com/office/drawing/2010/main" xmlns="">
+              <a14:hiddenFill xmlns="" xmlns:a14="http://schemas.microsoft.com/office/drawing/2010/main">
                 <a:solidFill>
                   <a:srgbClr val="FFFFFF"/>
                 </a:solidFill>
               </a14:hiddenFill>
             </a:ext>
             <a:ext uri="{91240B29-F687-4f45-9708-019B960494DF}">
-              <a14:hiddenLine xmlns:a14="http://schemas.microsoft.com/office/drawing/2010/main" xmlns="" w="9525">
+              <a14:hiddenLine xmlns="" xmlns:a14="http://schemas.microsoft.com/office/drawing/2010/main" w="9525">
                 <a:solidFill>
                   <a:srgbClr val="000000"/>
                 </a:solidFill>
@@ -6372,14 +6372,14 @@
           </a:ln>
           <a:extLst>
             <a:ext uri="{909E8E84-426E-40dd-AFC4-6F175D3DCCD1}">
-              <a14:hiddenFill xmlns:a14="http://schemas.microsoft.com/office/drawing/2010/main" xmlns="">
+              <a14:hiddenFill xmlns="" xmlns:a14="http://schemas.microsoft.com/office/drawing/2010/main">
                 <a:solidFill>
                   <a:srgbClr val="FFFFFF"/>
                 </a:solidFill>
               </a14:hiddenFill>
             </a:ext>
             <a:ext uri="{FAA26D3D-D897-4be2-8F04-BA451C77F1D7}">
-              <ma14:placeholderFlag xmlns:ma14="http://schemas.microsoft.com/office/mac/drawingml/2011/main" xmlns="" val="1"/>
+              <ma14:placeholderFlag xmlns="" xmlns:ma14="http://schemas.microsoft.com/office/mac/drawingml/2011/main" val="1"/>
             </a:ext>
           </a:extLst>
         </p:spPr>
@@ -6736,14 +6736,14 @@
           <a:ln w="9525"/>
           <a:extLst>
             <a:ext uri="{909E8E84-426E-40dd-AFC4-6F175D3DCCD1}">
-              <a14:hiddenFill xmlns:a14="http://schemas.microsoft.com/office/drawing/2010/main" xmlns="">
+              <a14:hiddenFill xmlns="" xmlns:a14="http://schemas.microsoft.com/office/drawing/2010/main">
                 <a:solidFill>
                   <a:srgbClr val="FFFFFF"/>
                 </a:solidFill>
               </a14:hiddenFill>
             </a:ext>
             <a:ext uri="{91240B29-F687-4f45-9708-019B960494DF}">
-              <a14:hiddenLine xmlns:a14="http://schemas.microsoft.com/office/drawing/2010/main" xmlns="" w="9525">
+              <a14:hiddenLine xmlns="" xmlns:a14="http://schemas.microsoft.com/office/drawing/2010/main" w="9525">
                 <a:solidFill>
                   <a:srgbClr val="000000"/>
                 </a:solidFill>
@@ -6936,14 +6936,14 @@
           <a:ln w="9525"/>
           <a:extLst>
             <a:ext uri="{909E8E84-426E-40dd-AFC4-6F175D3DCCD1}">
-              <a14:hiddenFill xmlns:a14="http://schemas.microsoft.com/office/drawing/2010/main" xmlns="">
+              <a14:hiddenFill xmlns="" xmlns:a14="http://schemas.microsoft.com/office/drawing/2010/main">
                 <a:solidFill>
                   <a:srgbClr val="FFFFFF"/>
                 </a:solidFill>
               </a14:hiddenFill>
             </a:ext>
             <a:ext uri="{91240B29-F687-4f45-9708-019B960494DF}">
-              <a14:hiddenLine xmlns:a14="http://schemas.microsoft.com/office/drawing/2010/main" xmlns="" w="9525">
+              <a14:hiddenLine xmlns="" xmlns:a14="http://schemas.microsoft.com/office/drawing/2010/main" w="9525">
                 <a:solidFill>
                   <a:srgbClr val="000000"/>
                 </a:solidFill>
@@ -6953,7 +6953,7 @@
               </a14:hiddenLine>
             </a:ext>
             <a:ext uri="{FAA26D3D-D897-4be2-8F04-BA451C77F1D7}">
-              <ma14:placeholderFlag xmlns:ma14="http://schemas.microsoft.com/office/mac/drawingml/2011/main" xmlns="" val="1"/>
+              <ma14:placeholderFlag xmlns="" xmlns:ma14="http://schemas.microsoft.com/office/mac/drawingml/2011/main" val="1"/>
             </a:ext>
           </a:extLst>
         </p:spPr>
@@ -7230,7 +7230,7 @@
           <a:p>
             <a:fld id="{B9D97583-D571-4344-98B8-28017CCA3E03}" type="datetime1">
               <a:rPr lang="en-US" smtClean="0"/>
-              <a:t>2/23/2022</a:t>
+              <a:t>4/12/2022</a:t>
             </a:fld>
             <a:endParaRPr lang="en-US"/>
           </a:p>
@@ -7481,7 +7481,7 @@
           <a:p>
             <a:fld id="{4BBFBB65-4BDE-463E-9E58-42EE1D34CE9F}" type="datetime1">
               <a:rPr lang="en-US" smtClean="0"/>
-              <a:t>2/23/2022</a:t>
+              <a:t>4/12/2022</a:t>
             </a:fld>
             <a:endParaRPr lang="en-US"/>
           </a:p>
@@ -7661,7 +7661,7 @@
           <a:p>
             <a:fld id="{F54BFA55-E628-4FD0-A5D2-4E2EAFF237C3}" type="datetime1">
               <a:rPr lang="en-US" smtClean="0"/>
-              <a:t>2/23/2022</a:t>
+              <a:t>4/12/2022</a:t>
             </a:fld>
             <a:endParaRPr lang="en-US"/>
           </a:p>
@@ -7917,7 +7917,7 @@
           <a:p>
             <a:fld id="{02043C03-488D-4679-9ED8-466B2755DE53}" type="datetime1">
               <a:rPr lang="en-US" smtClean="0"/>
-              <a:t>2/23/2022</a:t>
+              <a:t>4/12/2022</a:t>
             </a:fld>
             <a:endParaRPr lang="en-US"/>
           </a:p>
@@ -8262,7 +8262,7 @@
           <a:p>
             <a:fld id="{B4192580-B5C1-4953-9432-BAF964C9C431}" type="datetime1">
               <a:rPr lang="en-US" smtClean="0"/>
-              <a:t>2/23/2022</a:t>
+              <a:t>4/12/2022</a:t>
             </a:fld>
             <a:endParaRPr lang="en-US"/>
           </a:p>
@@ -8494,7 +8494,7 @@
           <a:p>
             <a:fld id="{9A346A84-DDEA-40BE-8087-15F820987FDF}" type="datetime1">
               <a:rPr lang="en-US" smtClean="0"/>
-              <a:t>2/23/2022</a:t>
+              <a:t>4/12/2022</a:t>
             </a:fld>
             <a:endParaRPr lang="en-US"/>
           </a:p>
@@ -8861,7 +8861,7 @@
           <a:p>
             <a:fld id="{A2903A79-0DCE-4FCE-A4A4-91DA4FE28602}" type="datetime1">
               <a:rPr lang="en-US" smtClean="0"/>
-              <a:t>2/23/2022</a:t>
+              <a:t>4/12/2022</a:t>
             </a:fld>
             <a:endParaRPr lang="en-US"/>
           </a:p>
@@ -8956,7 +8956,7 @@
           <a:p>
             <a:fld id="{5F3E0C55-B436-4700-9E7D-BD44BFF59CDA}" type="datetime1">
               <a:rPr lang="en-US" smtClean="0"/>
-              <a:t>2/23/2022</a:t>
+              <a:t>4/12/2022</a:t>
             </a:fld>
             <a:endParaRPr lang="en-US"/>
           </a:p>
@@ -9179,7 +9179,7 @@
             <a:fld id="{B2F5E2FA-C428-4CE7-95B0-168D3259A5BB}" type="datetimeFigureOut">
               <a:rPr lang="en-US" smtClean="0"/>
               <a:pPr/>
-              <a:t>2/23/2022</a:t>
+              <a:t>4/12/2022</a:t>
             </a:fld>
             <a:endParaRPr lang="en-US"/>
           </a:p>
@@ -9350,7 +9350,7 @@
           <a:p>
             <a:fld id="{1C6D7CCC-F888-4A14-96C0-AE59E5C0FB2B}" type="datetime1">
               <a:rPr lang="en-US" smtClean="0"/>
-              <a:t>2/23/2022</a:t>
+              <a:t>4/12/2022</a:t>
             </a:fld>
             <a:endParaRPr lang="en-US"/>
           </a:p>
@@ -9627,7 +9627,7 @@
           <a:p>
             <a:fld id="{D4751C8C-A248-4612-8437-BABDDCE28255}" type="datetime1">
               <a:rPr lang="en-US" smtClean="0"/>
-              <a:t>2/23/2022</a:t>
+              <a:t>4/12/2022</a:t>
             </a:fld>
             <a:endParaRPr lang="en-US"/>
           </a:p>
@@ -9880,7 +9880,7 @@
           <a:p>
             <a:fld id="{58FDAABC-841F-4EE7-ACE3-E3142B7EF2E8}" type="datetime1">
               <a:rPr lang="en-US" smtClean="0"/>
-              <a:t>2/23/2022</a:t>
+              <a:t>4/12/2022</a:t>
             </a:fld>
             <a:endParaRPr lang="en-US"/>
           </a:p>
@@ -10093,7 +10093,7 @@
           <a:p>
             <a:fld id="{150F3FE1-A936-421F-ABEB-D7D46FC8F947}" type="datetime1">
               <a:rPr lang="en-US" smtClean="0"/>
-              <a:t>2/23/2022</a:t>
+              <a:t>4/12/2022</a:t>
             </a:fld>
             <a:endParaRPr lang="en-US"/>
           </a:p>
@@ -16658,14 +16658,14 @@
             <a:effectLst/>
             <a:extLst>
               <a:ext uri="{909E8E84-426E-40dd-AFC4-6F175D3DCCD1}">
-                <a14:hiddenFill xmlns:a14="http://schemas.microsoft.com/office/drawing/2010/main" xmlns="">
+                <a14:hiddenFill xmlns="" xmlns:a14="http://schemas.microsoft.com/office/drawing/2010/main">
                   <a:solidFill>
                     <a:schemeClr val="accent1"/>
                   </a:solidFill>
                 </a14:hiddenFill>
               </a:ext>
               <a:ext uri="{AF507438-7753-43e0-B8FC-AC1667EBCBE1}">
-                <a14:hiddenEffects xmlns:a14="http://schemas.microsoft.com/office/drawing/2010/main" xmlns="">
+                <a14:hiddenEffects xmlns="" xmlns:a14="http://schemas.microsoft.com/office/drawing/2010/main">
                   <a:effectLst>
                     <a:outerShdw blurRad="63500" dist="38099" dir="2700000" algn="ctr" rotWithShape="0">
                       <a:schemeClr val="bg2">
@@ -16715,14 +16715,14 @@
             <a:effectLst/>
             <a:extLst>
               <a:ext uri="{909E8E84-426E-40dd-AFC4-6F175D3DCCD1}">
-                <a14:hiddenFill xmlns:a14="http://schemas.microsoft.com/office/drawing/2010/main" xmlns="">
+                <a14:hiddenFill xmlns="" xmlns:a14="http://schemas.microsoft.com/office/drawing/2010/main">
                   <a:solidFill>
                     <a:schemeClr val="accent1"/>
                   </a:solidFill>
                 </a14:hiddenFill>
               </a:ext>
               <a:ext uri="{AF507438-7753-43e0-B8FC-AC1667EBCBE1}">
-                <a14:hiddenEffects xmlns:a14="http://schemas.microsoft.com/office/drawing/2010/main" xmlns="">
+                <a14:hiddenEffects xmlns="" xmlns:a14="http://schemas.microsoft.com/office/drawing/2010/main">
                   <a:effectLst>
                     <a:outerShdw blurRad="63500" dist="38099" dir="2700000" algn="ctr" rotWithShape="0">
                       <a:schemeClr val="bg2">
@@ -16774,14 +16774,14 @@
             <a:effectLst/>
             <a:extLst>
               <a:ext uri="{909E8E84-426E-40dd-AFC4-6F175D3DCCD1}">
-                <a14:hiddenFill xmlns:a14="http://schemas.microsoft.com/office/drawing/2010/main" xmlns="">
+                <a14:hiddenFill xmlns="" xmlns:a14="http://schemas.microsoft.com/office/drawing/2010/main">
                   <a:solidFill>
                     <a:schemeClr val="accent1"/>
                   </a:solidFill>
                 </a14:hiddenFill>
               </a:ext>
               <a:ext uri="{AF507438-7753-43e0-B8FC-AC1667EBCBE1}">
-                <a14:hiddenEffects xmlns:a14="http://schemas.microsoft.com/office/drawing/2010/main" xmlns="">
+                <a14:hiddenEffects xmlns="" xmlns:a14="http://schemas.microsoft.com/office/drawing/2010/main">
                   <a:effectLst>
                     <a:outerShdw blurRad="63500" dist="38099" dir="2700000" algn="ctr" rotWithShape="0">
                       <a:schemeClr val="bg2">
@@ -16826,14 +16826,14 @@
             <a:effectLst/>
             <a:extLst>
               <a:ext uri="{909E8E84-426E-40dd-AFC4-6F175D3DCCD1}">
-                <a14:hiddenFill xmlns:a14="http://schemas.microsoft.com/office/drawing/2010/main" xmlns="">
+                <a14:hiddenFill xmlns="" xmlns:a14="http://schemas.microsoft.com/office/drawing/2010/main">
                   <a:solidFill>
                     <a:schemeClr val="accent1"/>
                   </a:solidFill>
                 </a14:hiddenFill>
               </a:ext>
               <a:ext uri="{91240B29-F687-4f45-9708-019B960494DF}">
-                <a14:hiddenLine xmlns:a14="http://schemas.microsoft.com/office/drawing/2010/main" xmlns="" w="9525">
+                <a14:hiddenLine xmlns="" xmlns:a14="http://schemas.microsoft.com/office/drawing/2010/main" w="9525">
                   <a:solidFill>
                     <a:schemeClr val="tx1"/>
                   </a:solidFill>
@@ -16843,7 +16843,7 @@
                 </a14:hiddenLine>
               </a:ext>
               <a:ext uri="{AF507438-7753-43e0-B8FC-AC1667EBCBE1}">
-                <a14:hiddenEffects xmlns:a14="http://schemas.microsoft.com/office/drawing/2010/main" xmlns="">
+                <a14:hiddenEffects xmlns="" xmlns:a14="http://schemas.microsoft.com/office/drawing/2010/main">
                   <a:effectLst>
                     <a:outerShdw blurRad="63500" dist="38099" dir="2700000" algn="ctr" rotWithShape="0">
                       <a:schemeClr val="bg2">
@@ -16893,14 +16893,14 @@
             <a:effectLst/>
             <a:extLst>
               <a:ext uri="{909E8E84-426E-40dd-AFC4-6F175D3DCCD1}">
-                <a14:hiddenFill xmlns:a14="http://schemas.microsoft.com/office/drawing/2010/main" xmlns="">
+                <a14:hiddenFill xmlns="" xmlns:a14="http://schemas.microsoft.com/office/drawing/2010/main">
                   <a:solidFill>
                     <a:schemeClr val="accent1"/>
                   </a:solidFill>
                 </a14:hiddenFill>
               </a:ext>
               <a:ext uri="{91240B29-F687-4f45-9708-019B960494DF}">
-                <a14:hiddenLine xmlns:a14="http://schemas.microsoft.com/office/drawing/2010/main" xmlns="" w="9525">
+                <a14:hiddenLine xmlns="" xmlns:a14="http://schemas.microsoft.com/office/drawing/2010/main" w="9525">
                   <a:solidFill>
                     <a:schemeClr val="tx1"/>
                   </a:solidFill>
@@ -16910,7 +16910,7 @@
                 </a14:hiddenLine>
               </a:ext>
               <a:ext uri="{AF507438-7753-43e0-B8FC-AC1667EBCBE1}">
-                <a14:hiddenEffects xmlns:a14="http://schemas.microsoft.com/office/drawing/2010/main" xmlns="">
+                <a14:hiddenEffects xmlns="" xmlns:a14="http://schemas.microsoft.com/office/drawing/2010/main">
                   <a:effectLst>
                     <a:outerShdw blurRad="63500" dist="38099" dir="2700000" algn="ctr" rotWithShape="0">
                       <a:schemeClr val="bg2">
@@ -16968,14 +16968,14 @@
             <a:effectLst/>
             <a:extLst>
               <a:ext uri="{909E8E84-426E-40dd-AFC4-6F175D3DCCD1}">
-                <a14:hiddenFill xmlns:a14="http://schemas.microsoft.com/office/drawing/2010/main" xmlns="">
+                <a14:hiddenFill xmlns="" xmlns:a14="http://schemas.microsoft.com/office/drawing/2010/main">
                   <a:solidFill>
                     <a:schemeClr val="accent1"/>
                   </a:solidFill>
                 </a14:hiddenFill>
               </a:ext>
               <a:ext uri="{91240B29-F687-4f45-9708-019B960494DF}">
-                <a14:hiddenLine xmlns:a14="http://schemas.microsoft.com/office/drawing/2010/main" xmlns="" w="9525">
+                <a14:hiddenLine xmlns="" xmlns:a14="http://schemas.microsoft.com/office/drawing/2010/main" w="9525">
                   <a:solidFill>
                     <a:schemeClr val="tx1"/>
                   </a:solidFill>
@@ -16985,7 +16985,7 @@
                 </a14:hiddenLine>
               </a:ext>
               <a:ext uri="{AF507438-7753-43e0-B8FC-AC1667EBCBE1}">
-                <a14:hiddenEffects xmlns:a14="http://schemas.microsoft.com/office/drawing/2010/main" xmlns="">
+                <a14:hiddenEffects xmlns="" xmlns:a14="http://schemas.microsoft.com/office/drawing/2010/main">
                   <a:effectLst>
                     <a:outerShdw blurRad="63500" dist="38099" dir="2700000" algn="ctr" rotWithShape="0">
                       <a:schemeClr val="bg2">
@@ -17035,14 +17035,14 @@
             <a:effectLst/>
             <a:extLst>
               <a:ext uri="{909E8E84-426E-40dd-AFC4-6F175D3DCCD1}">
-                <a14:hiddenFill xmlns:a14="http://schemas.microsoft.com/office/drawing/2010/main" xmlns="">
+                <a14:hiddenFill xmlns="" xmlns:a14="http://schemas.microsoft.com/office/drawing/2010/main">
                   <a:solidFill>
                     <a:schemeClr val="accent1"/>
                   </a:solidFill>
                 </a14:hiddenFill>
               </a:ext>
               <a:ext uri="{91240B29-F687-4f45-9708-019B960494DF}">
-                <a14:hiddenLine xmlns:a14="http://schemas.microsoft.com/office/drawing/2010/main" xmlns="" w="9525">
+                <a14:hiddenLine xmlns="" xmlns:a14="http://schemas.microsoft.com/office/drawing/2010/main" w="9525">
                   <a:solidFill>
                     <a:schemeClr val="tx1"/>
                   </a:solidFill>
@@ -17052,7 +17052,7 @@
                 </a14:hiddenLine>
               </a:ext>
               <a:ext uri="{AF507438-7753-43e0-B8FC-AC1667EBCBE1}">
-                <a14:hiddenEffects xmlns:a14="http://schemas.microsoft.com/office/drawing/2010/main" xmlns="">
+                <a14:hiddenEffects xmlns="" xmlns:a14="http://schemas.microsoft.com/office/drawing/2010/main">
                   <a:effectLst>
                     <a:outerShdw blurRad="63500" dist="38099" dir="2700000" algn="ctr" rotWithShape="0">
                       <a:schemeClr val="bg2">
@@ -17110,14 +17110,14 @@
             <a:effectLst/>
             <a:extLst>
               <a:ext uri="{909E8E84-426E-40dd-AFC4-6F175D3DCCD1}">
-                <a14:hiddenFill xmlns:a14="http://schemas.microsoft.com/office/drawing/2010/main" xmlns="">
+                <a14:hiddenFill xmlns="" xmlns:a14="http://schemas.microsoft.com/office/drawing/2010/main">
                   <a:solidFill>
                     <a:schemeClr val="accent1"/>
                   </a:solidFill>
                 </a14:hiddenFill>
               </a:ext>
               <a:ext uri="{91240B29-F687-4f45-9708-019B960494DF}">
-                <a14:hiddenLine xmlns:a14="http://schemas.microsoft.com/office/drawing/2010/main" xmlns="" w="9525">
+                <a14:hiddenLine xmlns="" xmlns:a14="http://schemas.microsoft.com/office/drawing/2010/main" w="9525">
                   <a:solidFill>
                     <a:schemeClr val="tx1"/>
                   </a:solidFill>
@@ -17127,7 +17127,7 @@
                 </a14:hiddenLine>
               </a:ext>
               <a:ext uri="{AF507438-7753-43e0-B8FC-AC1667EBCBE1}">
-                <a14:hiddenEffects xmlns:a14="http://schemas.microsoft.com/office/drawing/2010/main" xmlns="">
+                <a14:hiddenEffects xmlns="" xmlns:a14="http://schemas.microsoft.com/office/drawing/2010/main">
                   <a:effectLst>
                     <a:outerShdw blurRad="63500" dist="38099" dir="2700000" algn="ctr" rotWithShape="0">
                       <a:schemeClr val="bg2">
@@ -17194,12 +17194,12 @@
             <a:effectLst/>
             <a:extLst>
               <a:ext uri="{909E8E84-426E-40dd-AFC4-6F175D3DCCD1}">
-                <a14:hiddenFill xmlns:a14="http://schemas.microsoft.com/office/drawing/2010/main" xmlns="">
+                <a14:hiddenFill xmlns="" xmlns:a14="http://schemas.microsoft.com/office/drawing/2010/main">
                   <a:noFill/>
                 </a14:hiddenFill>
               </a:ext>
               <a:ext uri="{AF507438-7753-43e0-B8FC-AC1667EBCBE1}">
-                <a14:hiddenEffects xmlns:a14="http://schemas.microsoft.com/office/drawing/2010/main" xmlns="">
+                <a14:hiddenEffects xmlns="" xmlns:a14="http://schemas.microsoft.com/office/drawing/2010/main">
                   <a:effectLst>
                     <a:outerShdw blurRad="63500" dist="38099" dir="2700000" algn="ctr" rotWithShape="0">
                       <a:schemeClr val="bg2">
@@ -17242,12 +17242,12 @@
             <a:effectLst/>
             <a:extLst>
               <a:ext uri="{909E8E84-426E-40dd-AFC4-6F175D3DCCD1}">
-                <a14:hiddenFill xmlns:a14="http://schemas.microsoft.com/office/drawing/2010/main" xmlns="">
+                <a14:hiddenFill xmlns="" xmlns:a14="http://schemas.microsoft.com/office/drawing/2010/main">
                   <a:noFill/>
                 </a14:hiddenFill>
               </a:ext>
               <a:ext uri="{AF507438-7753-43e0-B8FC-AC1667EBCBE1}">
-                <a14:hiddenEffects xmlns:a14="http://schemas.microsoft.com/office/drawing/2010/main" xmlns="">
+                <a14:hiddenEffects xmlns="" xmlns:a14="http://schemas.microsoft.com/office/drawing/2010/main">
                   <a:effectLst>
                     <a:outerShdw blurRad="63500" dist="38099" dir="2700000" algn="ctr" rotWithShape="0">
                       <a:schemeClr val="bg2">
@@ -17290,12 +17290,12 @@
             <a:effectLst/>
             <a:extLst>
               <a:ext uri="{909E8E84-426E-40dd-AFC4-6F175D3DCCD1}">
-                <a14:hiddenFill xmlns:a14="http://schemas.microsoft.com/office/drawing/2010/main" xmlns="">
+                <a14:hiddenFill xmlns="" xmlns:a14="http://schemas.microsoft.com/office/drawing/2010/main">
                   <a:noFill/>
                 </a14:hiddenFill>
               </a:ext>
               <a:ext uri="{AF507438-7753-43e0-B8FC-AC1667EBCBE1}">
-                <a14:hiddenEffects xmlns:a14="http://schemas.microsoft.com/office/drawing/2010/main" xmlns="">
+                <a14:hiddenEffects xmlns="" xmlns:a14="http://schemas.microsoft.com/office/drawing/2010/main">
                   <a:effectLst>
                     <a:outerShdw blurRad="63500" dist="38099" dir="2700000" algn="ctr" rotWithShape="0">
                       <a:schemeClr val="bg2">
@@ -17331,14 +17331,14 @@
             <a:effectLst/>
             <a:extLst>
               <a:ext uri="{909E8E84-426E-40dd-AFC4-6F175D3DCCD1}">
-                <a14:hiddenFill xmlns:a14="http://schemas.microsoft.com/office/drawing/2010/main" xmlns="">
+                <a14:hiddenFill xmlns="" xmlns:a14="http://schemas.microsoft.com/office/drawing/2010/main">
                   <a:solidFill>
                     <a:schemeClr val="accent1"/>
                   </a:solidFill>
                 </a14:hiddenFill>
               </a:ext>
               <a:ext uri="{91240B29-F687-4f45-9708-019B960494DF}">
-                <a14:hiddenLine xmlns:a14="http://schemas.microsoft.com/office/drawing/2010/main" xmlns="" w="9525">
+                <a14:hiddenLine xmlns="" xmlns:a14="http://schemas.microsoft.com/office/drawing/2010/main" w="9525">
                   <a:solidFill>
                     <a:schemeClr val="tx1"/>
                   </a:solidFill>
@@ -17348,7 +17348,7 @@
                 </a14:hiddenLine>
               </a:ext>
               <a:ext uri="{AF507438-7753-43e0-B8FC-AC1667EBCBE1}">
-                <a14:hiddenEffects xmlns:a14="http://schemas.microsoft.com/office/drawing/2010/main" xmlns="">
+                <a14:hiddenEffects xmlns="" xmlns:a14="http://schemas.microsoft.com/office/drawing/2010/main">
                   <a:effectLst>
                     <a:outerShdw blurRad="63500" dist="38099" dir="2700000" algn="ctr" rotWithShape="0">
                       <a:schemeClr val="bg2">
@@ -17407,14 +17407,14 @@
           <a:effectLst/>
           <a:extLst>
             <a:ext uri="{909E8E84-426E-40dd-AFC4-6F175D3DCCD1}">
-              <a14:hiddenFill xmlns:a14="http://schemas.microsoft.com/office/drawing/2010/main" xmlns="">
+              <a14:hiddenFill xmlns="" xmlns:a14="http://schemas.microsoft.com/office/drawing/2010/main">
                 <a:solidFill>
                   <a:schemeClr val="accent1"/>
                 </a:solidFill>
               </a14:hiddenFill>
             </a:ext>
             <a:ext uri="{91240B29-F687-4f45-9708-019B960494DF}">
-              <a14:hiddenLine xmlns:a14="http://schemas.microsoft.com/office/drawing/2010/main" xmlns="" w="9525">
+              <a14:hiddenLine xmlns="" xmlns:a14="http://schemas.microsoft.com/office/drawing/2010/main" w="9525">
                 <a:solidFill>
                   <a:schemeClr val="tx1"/>
                 </a:solidFill>
@@ -17424,7 +17424,7 @@
               </a14:hiddenLine>
             </a:ext>
             <a:ext uri="{AF507438-7753-43e0-B8FC-AC1667EBCBE1}">
-              <a14:hiddenEffects xmlns:a14="http://schemas.microsoft.com/office/drawing/2010/main" xmlns="">
+              <a14:hiddenEffects xmlns="" xmlns:a14="http://schemas.microsoft.com/office/drawing/2010/main">
                 <a:effectLst>
                   <a:outerShdw blurRad="63500" dist="38099" dir="2700000" algn="ctr" rotWithShape="0">
                     <a:schemeClr val="bg2">
@@ -18137,7 +18137,7 @@
           </a:ln>
           <a:extLst>
             <a:ext uri="{909E8E84-426E-40dd-AFC4-6F175D3DCCD1}">
-              <a14:hiddenFill xmlns:a14="http://schemas.microsoft.com/office/drawing/2010/main" xmlns="">
+              <a14:hiddenFill xmlns="" xmlns:a14="http://schemas.microsoft.com/office/drawing/2010/main">
                 <a:noFill/>
               </a14:hiddenFill>
             </a:ext>
@@ -18176,7 +18176,7 @@
           </a:ln>
           <a:extLst>
             <a:ext uri="{909E8E84-426E-40dd-AFC4-6F175D3DCCD1}">
-              <a14:hiddenFill xmlns:a14="http://schemas.microsoft.com/office/drawing/2010/main" xmlns="">
+              <a14:hiddenFill xmlns="" xmlns:a14="http://schemas.microsoft.com/office/drawing/2010/main">
                 <a:noFill/>
               </a14:hiddenFill>
             </a:ext>
@@ -18287,14 +18287,14 @@
           </a:ln>
           <a:extLst>
             <a:ext uri="{909E8E84-426E-40dd-AFC4-6F175D3DCCD1}">
-              <a14:hiddenFill xmlns:a14="http://schemas.microsoft.com/office/drawing/2010/main" xmlns="">
+              <a14:hiddenFill xmlns="" xmlns:a14="http://schemas.microsoft.com/office/drawing/2010/main">
                 <a:solidFill>
                   <a:srgbClr val="FFFFFF"/>
                 </a:solidFill>
               </a14:hiddenFill>
             </a:ext>
             <a:ext uri="{91240B29-F687-4f45-9708-019B960494DF}">
-              <a14:hiddenLine xmlns:a14="http://schemas.microsoft.com/office/drawing/2010/main" xmlns="" w="12700">
+              <a14:hiddenLine xmlns="" xmlns:a14="http://schemas.microsoft.com/office/drawing/2010/main" w="12700">
                 <a:solidFill>
                   <a:srgbClr val="000000"/>
                 </a:solidFill>
@@ -18473,7 +18473,7 @@
             </a:ln>
             <a:extLst>
               <a:ext uri="{909E8E84-426E-40dd-AFC4-6F175D3DCCD1}">
-                <a14:hiddenFill xmlns:a14="http://schemas.microsoft.com/office/drawing/2010/main" xmlns="">
+                <a14:hiddenFill xmlns="" xmlns:a14="http://schemas.microsoft.com/office/drawing/2010/main">
                   <a:noFill/>
                 </a14:hiddenFill>
               </a:ext>
@@ -18514,7 +18514,7 @@
             </a:ln>
             <a:extLst>
               <a:ext uri="{909E8E84-426E-40dd-AFC4-6F175D3DCCD1}">
-                <a14:hiddenFill xmlns:a14="http://schemas.microsoft.com/office/drawing/2010/main" xmlns="">
+                <a14:hiddenFill xmlns="" xmlns:a14="http://schemas.microsoft.com/office/drawing/2010/main">
                   <a:noFill/>
                 </a14:hiddenFill>
               </a:ext>
@@ -18550,14 +18550,14 @@
             </a:ln>
             <a:extLst>
               <a:ext uri="{909E8E84-426E-40dd-AFC4-6F175D3DCCD1}">
-                <a14:hiddenFill xmlns:a14="http://schemas.microsoft.com/office/drawing/2010/main" xmlns="">
+                <a14:hiddenFill xmlns="" xmlns:a14="http://schemas.microsoft.com/office/drawing/2010/main">
                   <a:solidFill>
                     <a:srgbClr val="FFFFFF"/>
                   </a:solidFill>
                 </a14:hiddenFill>
               </a:ext>
               <a:ext uri="{91240B29-F687-4f45-9708-019B960494DF}">
-                <a14:hiddenLine xmlns:a14="http://schemas.microsoft.com/office/drawing/2010/main" xmlns="" w="12700">
+                <a14:hiddenLine xmlns="" xmlns:a14="http://schemas.microsoft.com/office/drawing/2010/main" w="12700">
                   <a:solidFill>
                     <a:srgbClr val="000000"/>
                   </a:solidFill>
@@ -18603,14 +18603,14 @@
             </a:ln>
             <a:extLst>
               <a:ext uri="{909E8E84-426E-40dd-AFC4-6F175D3DCCD1}">
-                <a14:hiddenFill xmlns:a14="http://schemas.microsoft.com/office/drawing/2010/main" xmlns="">
+                <a14:hiddenFill xmlns="" xmlns:a14="http://schemas.microsoft.com/office/drawing/2010/main">
                   <a:solidFill>
                     <a:srgbClr val="FFFFFF"/>
                   </a:solidFill>
                 </a14:hiddenFill>
               </a:ext>
               <a:ext uri="{91240B29-F687-4f45-9708-019B960494DF}">
-                <a14:hiddenLine xmlns:a14="http://schemas.microsoft.com/office/drawing/2010/main" xmlns="" w="12700">
+                <a14:hiddenLine xmlns="" xmlns:a14="http://schemas.microsoft.com/office/drawing/2010/main" w="12700">
                   <a:solidFill>
                     <a:srgbClr val="000000"/>
                   </a:solidFill>
@@ -18656,14 +18656,14 @@
             </a:ln>
             <a:extLst>
               <a:ext uri="{909E8E84-426E-40dd-AFC4-6F175D3DCCD1}">
-                <a14:hiddenFill xmlns:a14="http://schemas.microsoft.com/office/drawing/2010/main" xmlns="">
+                <a14:hiddenFill xmlns="" xmlns:a14="http://schemas.microsoft.com/office/drawing/2010/main">
                   <a:solidFill>
                     <a:srgbClr val="FFFFFF"/>
                   </a:solidFill>
                 </a14:hiddenFill>
               </a:ext>
               <a:ext uri="{91240B29-F687-4f45-9708-019B960494DF}">
-                <a14:hiddenLine xmlns:a14="http://schemas.microsoft.com/office/drawing/2010/main" xmlns="" w="12700">
+                <a14:hiddenLine xmlns="" xmlns:a14="http://schemas.microsoft.com/office/drawing/2010/main" w="12700">
                   <a:solidFill>
                     <a:srgbClr val="000000"/>
                   </a:solidFill>
@@ -19678,7 +19678,7 @@
             </a:ln>
             <a:extLst>
               <a:ext uri="{909E8E84-426E-40dd-AFC4-6F175D3DCCD1}">
-                <a14:hiddenFill xmlns:a14="http://schemas.microsoft.com/office/drawing/2010/main" xmlns="">
+                <a14:hiddenFill xmlns="" xmlns:a14="http://schemas.microsoft.com/office/drawing/2010/main">
                   <a:noFill/>
                 </a14:hiddenFill>
               </a:ext>
@@ -19717,7 +19717,7 @@
             </a:ln>
             <a:extLst>
               <a:ext uri="{909E8E84-426E-40dd-AFC4-6F175D3DCCD1}">
-                <a14:hiddenFill xmlns:a14="http://schemas.microsoft.com/office/drawing/2010/main" xmlns="">
+                <a14:hiddenFill xmlns="" xmlns:a14="http://schemas.microsoft.com/office/drawing/2010/main">
                   <a:noFill/>
                 </a14:hiddenFill>
               </a:ext>
@@ -19756,7 +19756,7 @@
             </a:ln>
             <a:extLst>
               <a:ext uri="{909E8E84-426E-40dd-AFC4-6F175D3DCCD1}">
-                <a14:hiddenFill xmlns:a14="http://schemas.microsoft.com/office/drawing/2010/main" xmlns="">
+                <a14:hiddenFill xmlns="" xmlns:a14="http://schemas.microsoft.com/office/drawing/2010/main">
                   <a:noFill/>
                 </a14:hiddenFill>
               </a:ext>
@@ -19795,7 +19795,7 @@
             </a:ln>
             <a:extLst>
               <a:ext uri="{909E8E84-426E-40dd-AFC4-6F175D3DCCD1}">
-                <a14:hiddenFill xmlns:a14="http://schemas.microsoft.com/office/drawing/2010/main" xmlns="">
+                <a14:hiddenFill xmlns="" xmlns:a14="http://schemas.microsoft.com/office/drawing/2010/main">
                   <a:noFill/>
                 </a14:hiddenFill>
               </a:ext>
@@ -19834,7 +19834,7 @@
             </a:ln>
             <a:extLst>
               <a:ext uri="{909E8E84-426E-40dd-AFC4-6F175D3DCCD1}">
-                <a14:hiddenFill xmlns:a14="http://schemas.microsoft.com/office/drawing/2010/main" xmlns="">
+                <a14:hiddenFill xmlns="" xmlns:a14="http://schemas.microsoft.com/office/drawing/2010/main">
                   <a:noFill/>
                 </a14:hiddenFill>
               </a:ext>
@@ -19873,7 +19873,7 @@
             </a:ln>
             <a:extLst>
               <a:ext uri="{909E8E84-426E-40dd-AFC4-6F175D3DCCD1}">
-                <a14:hiddenFill xmlns:a14="http://schemas.microsoft.com/office/drawing/2010/main" xmlns="">
+                <a14:hiddenFill xmlns="" xmlns:a14="http://schemas.microsoft.com/office/drawing/2010/main">
                   <a:noFill/>
                 </a14:hiddenFill>
               </a:ext>
@@ -22678,8 +22678,12 @@
           <a:lstStyle/>
           <a:p>
             <a:r>
+              <a:rPr lang="en-US" dirty="0" smtClean="0"/>
+              <a:t>Example—Calendar </a:t>
+            </a:r>
+            <a:r>
               <a:rPr lang="en-US" dirty="0"/>
-              <a:t>Continuing Example—Calendar Program</a:t>
+              <a:t>Program</a:t>
             </a:r>
           </a:p>
         </p:txBody>
@@ -22852,10 +22856,16 @@
               <a:rPr lang="en-US" sz="2000" spc="-10" dirty="0">
                 <a:cs typeface="Arial"/>
               </a:rPr>
-              <a:t>the date of the next day (our old friend, </a:t>
-            </a:r>
-            <a:r>
-              <a:rPr lang="en-US" sz="2000" spc="-10" dirty="0" err="1">
+              <a:t>the date of the next day </a:t>
+            </a:r>
+            <a:r>
+              <a:rPr lang="en-US" sz="2000" spc="-10" dirty="0" smtClean="0">
+                <a:cs typeface="Arial"/>
+              </a:rPr>
+              <a:t>(</a:t>
+            </a:r>
+            <a:r>
+              <a:rPr lang="en-US" sz="2000" spc="-10" dirty="0" err="1" smtClean="0">
                 <a:cs typeface="Arial"/>
               </a:rPr>
               <a:t>NextDate</a:t>
@@ -32256,14 +32266,14 @@
           <a:effectLst/>
           <a:extLst>
             <a:ext uri="{909E8E84-426E-40dd-AFC4-6F175D3DCCD1}">
-              <a14:hiddenFill xmlns:a14="http://schemas.microsoft.com/office/drawing/2010/main" xmlns="">
+              <a14:hiddenFill xmlns="" xmlns:a14="http://schemas.microsoft.com/office/drawing/2010/main">
                 <a:solidFill>
                   <a:schemeClr val="accent1"/>
                 </a:solidFill>
               </a14:hiddenFill>
             </a:ext>
             <a:ext uri="{91240B29-F687-4f45-9708-019B960494DF}">
-              <a14:hiddenLine xmlns:a14="http://schemas.microsoft.com/office/drawing/2010/main" xmlns="" w="9525">
+              <a14:hiddenLine xmlns="" xmlns:a14="http://schemas.microsoft.com/office/drawing/2010/main" w="9525">
                 <a:solidFill>
                   <a:schemeClr val="tx1"/>
                 </a:solidFill>
@@ -32273,7 +32283,7 @@
               </a14:hiddenLine>
             </a:ext>
             <a:ext uri="{AF507438-7753-43e0-B8FC-AC1667EBCBE1}">
-              <a14:hiddenEffects xmlns:a14="http://schemas.microsoft.com/office/drawing/2010/main" xmlns="">
+              <a14:hiddenEffects xmlns="" xmlns:a14="http://schemas.microsoft.com/office/drawing/2010/main">
                 <a:effectLst>
                   <a:outerShdw blurRad="63500" dist="38099" dir="2700000" algn="ctr" rotWithShape="0">
                     <a:schemeClr val="bg2">
@@ -50892,7 +50902,7 @@
           </a:ln>
           <a:extLst>
             <a:ext uri="{91240B29-F687-4f45-9708-019B960494DF}">
-              <a14:hiddenLine xmlns:a14="http://schemas.microsoft.com/office/drawing/2010/main" xmlns="" w="12700">
+              <a14:hiddenLine xmlns="" xmlns:a14="http://schemas.microsoft.com/office/drawing/2010/main" w="12700">
                 <a:solidFill>
                   <a:srgbClr val="000000"/>
                 </a:solidFill>
@@ -50935,7 +50945,7 @@
           </a:ln>
           <a:extLst>
             <a:ext uri="{91240B29-F687-4f45-9708-019B960494DF}">
-              <a14:hiddenLine xmlns:a14="http://schemas.microsoft.com/office/drawing/2010/main" xmlns="" w="12700">
+              <a14:hiddenLine xmlns="" xmlns:a14="http://schemas.microsoft.com/office/drawing/2010/main" w="12700">
                 <a:solidFill>
                   <a:srgbClr val="000000"/>
                 </a:solidFill>
@@ -50978,7 +50988,7 @@
           </a:ln>
           <a:extLst>
             <a:ext uri="{91240B29-F687-4f45-9708-019B960494DF}">
-              <a14:hiddenLine xmlns:a14="http://schemas.microsoft.com/office/drawing/2010/main" xmlns="" w="12700">
+              <a14:hiddenLine xmlns="" xmlns:a14="http://schemas.microsoft.com/office/drawing/2010/main" w="12700">
                 <a:solidFill>
                   <a:srgbClr val="000000"/>
                 </a:solidFill>
@@ -51021,7 +51031,7 @@
           </a:ln>
           <a:extLst>
             <a:ext uri="{91240B29-F687-4f45-9708-019B960494DF}">
-              <a14:hiddenLine xmlns:a14="http://schemas.microsoft.com/office/drawing/2010/main" xmlns="" w="12700">
+              <a14:hiddenLine xmlns="" xmlns:a14="http://schemas.microsoft.com/office/drawing/2010/main" w="12700">
                 <a:solidFill>
                   <a:srgbClr val="000000"/>
                 </a:solidFill>
@@ -51064,7 +51074,7 @@
           </a:ln>
           <a:extLst>
             <a:ext uri="{91240B29-F687-4f45-9708-019B960494DF}">
-              <a14:hiddenLine xmlns:a14="http://schemas.microsoft.com/office/drawing/2010/main" xmlns="" w="12700">
+              <a14:hiddenLine xmlns="" xmlns:a14="http://schemas.microsoft.com/office/drawing/2010/main" w="12700">
                 <a:solidFill>
                   <a:srgbClr val="000000"/>
                 </a:solidFill>
@@ -51107,7 +51117,7 @@
           </a:ln>
           <a:extLst>
             <a:ext uri="{91240B29-F687-4f45-9708-019B960494DF}">
-              <a14:hiddenLine xmlns:a14="http://schemas.microsoft.com/office/drawing/2010/main" xmlns="" w="12700">
+              <a14:hiddenLine xmlns="" xmlns:a14="http://schemas.microsoft.com/office/drawing/2010/main" w="12700">
                 <a:solidFill>
                   <a:srgbClr val="000000"/>
                 </a:solidFill>
@@ -51150,7 +51160,7 @@
           </a:ln>
           <a:extLst>
             <a:ext uri="{91240B29-F687-4f45-9708-019B960494DF}">
-              <a14:hiddenLine xmlns:a14="http://schemas.microsoft.com/office/drawing/2010/main" xmlns="" w="12700">
+              <a14:hiddenLine xmlns="" xmlns:a14="http://schemas.microsoft.com/office/drawing/2010/main" w="12700">
                 <a:solidFill>
                   <a:srgbClr val="000000"/>
                 </a:solidFill>
@@ -51196,7 +51206,7 @@
           </a:ln>
           <a:extLst>
             <a:ext uri="{909E8E84-426E-40dd-AFC4-6F175D3DCCD1}">
-              <a14:hiddenFill xmlns:a14="http://schemas.microsoft.com/office/drawing/2010/main" xmlns="">
+              <a14:hiddenFill xmlns="" xmlns:a14="http://schemas.microsoft.com/office/drawing/2010/main">
                 <a:solidFill>
                   <a:srgbClr val="FFFFFF"/>
                 </a:solidFill>
@@ -51250,7 +51260,7 @@
           </a:ln>
           <a:extLst>
             <a:ext uri="{909E8E84-426E-40dd-AFC4-6F175D3DCCD1}">
-              <a14:hiddenFill xmlns:a14="http://schemas.microsoft.com/office/drawing/2010/main" xmlns="">
+              <a14:hiddenFill xmlns="" xmlns:a14="http://schemas.microsoft.com/office/drawing/2010/main">
                 <a:solidFill>
                   <a:srgbClr val="FFFFFF"/>
                 </a:solidFill>
@@ -51304,7 +51314,7 @@
           </a:ln>
           <a:extLst>
             <a:ext uri="{909E8E84-426E-40dd-AFC4-6F175D3DCCD1}">
-              <a14:hiddenFill xmlns:a14="http://schemas.microsoft.com/office/drawing/2010/main" xmlns="">
+              <a14:hiddenFill xmlns="" xmlns:a14="http://schemas.microsoft.com/office/drawing/2010/main">
                 <a:solidFill>
                   <a:srgbClr val="FFFFFF"/>
                 </a:solidFill>
@@ -51386,7 +51396,7 @@
           </a:ln>
           <a:extLst>
             <a:ext uri="{909E8E84-426E-40dd-AFC4-6F175D3DCCD1}">
-              <a14:hiddenFill xmlns:a14="http://schemas.microsoft.com/office/drawing/2010/main" xmlns="">
+              <a14:hiddenFill xmlns="" xmlns:a14="http://schemas.microsoft.com/office/drawing/2010/main">
                 <a:noFill/>
               </a14:hiddenFill>
             </a:ext>
@@ -51427,7 +51437,7 @@
           </a:ln>
           <a:extLst>
             <a:ext uri="{909E8E84-426E-40dd-AFC4-6F175D3DCCD1}">
-              <a14:hiddenFill xmlns:a14="http://schemas.microsoft.com/office/drawing/2010/main" xmlns="">
+              <a14:hiddenFill xmlns="" xmlns:a14="http://schemas.microsoft.com/office/drawing/2010/main">
                 <a:noFill/>
               </a14:hiddenFill>
             </a:ext>
@@ -51463,14 +51473,14 @@
           </a:ln>
           <a:extLst>
             <a:ext uri="{909E8E84-426E-40dd-AFC4-6F175D3DCCD1}">
-              <a14:hiddenFill xmlns:a14="http://schemas.microsoft.com/office/drawing/2010/main" xmlns="">
+              <a14:hiddenFill xmlns="" xmlns:a14="http://schemas.microsoft.com/office/drawing/2010/main">
                 <a:solidFill>
                   <a:srgbClr val="FFFFFF"/>
                 </a:solidFill>
               </a14:hiddenFill>
             </a:ext>
             <a:ext uri="{91240B29-F687-4f45-9708-019B960494DF}">
-              <a14:hiddenLine xmlns:a14="http://schemas.microsoft.com/office/drawing/2010/main" xmlns="" w="12700">
+              <a14:hiddenLine xmlns="" xmlns:a14="http://schemas.microsoft.com/office/drawing/2010/main" w="12700">
                 <a:solidFill>
                   <a:srgbClr val="000000"/>
                 </a:solidFill>
@@ -51516,14 +51526,14 @@
           </a:ln>
           <a:extLst>
             <a:ext uri="{909E8E84-426E-40dd-AFC4-6F175D3DCCD1}">
-              <a14:hiddenFill xmlns:a14="http://schemas.microsoft.com/office/drawing/2010/main" xmlns="">
+              <a14:hiddenFill xmlns="" xmlns:a14="http://schemas.microsoft.com/office/drawing/2010/main">
                 <a:solidFill>
                   <a:srgbClr val="FFFFFF"/>
                 </a:solidFill>
               </a14:hiddenFill>
             </a:ext>
             <a:ext uri="{91240B29-F687-4f45-9708-019B960494DF}">
-              <a14:hiddenLine xmlns:a14="http://schemas.microsoft.com/office/drawing/2010/main" xmlns="" w="12700">
+              <a14:hiddenLine xmlns="" xmlns:a14="http://schemas.microsoft.com/office/drawing/2010/main" w="12700">
                 <a:solidFill>
                   <a:srgbClr val="000000"/>
                 </a:solidFill>
@@ -51569,14 +51579,14 @@
           </a:ln>
           <a:extLst>
             <a:ext uri="{909E8E84-426E-40dd-AFC4-6F175D3DCCD1}">
-              <a14:hiddenFill xmlns:a14="http://schemas.microsoft.com/office/drawing/2010/main" xmlns="">
+              <a14:hiddenFill xmlns="" xmlns:a14="http://schemas.microsoft.com/office/drawing/2010/main">
                 <a:solidFill>
                   <a:srgbClr val="FFFFFF"/>
                 </a:solidFill>
               </a14:hiddenFill>
             </a:ext>
             <a:ext uri="{91240B29-F687-4f45-9708-019B960494DF}">
-              <a14:hiddenLine xmlns:a14="http://schemas.microsoft.com/office/drawing/2010/main" xmlns="" w="12700">
+              <a14:hiddenLine xmlns="" xmlns:a14="http://schemas.microsoft.com/office/drawing/2010/main" w="12700">
                 <a:solidFill>
                   <a:srgbClr val="000000"/>
                 </a:solidFill>
@@ -52272,7 +52282,7 @@
           </a:ln>
           <a:extLst>
             <a:ext uri="{909E8E84-426E-40dd-AFC4-6F175D3DCCD1}">
-              <a14:hiddenFill xmlns:a14="http://schemas.microsoft.com/office/drawing/2010/main" xmlns="">
+              <a14:hiddenFill xmlns="" xmlns:a14="http://schemas.microsoft.com/office/drawing/2010/main">
                 <a:noFill/>
               </a14:hiddenFill>
             </a:ext>
@@ -52311,7 +52321,7 @@
           </a:ln>
           <a:extLst>
             <a:ext uri="{909E8E84-426E-40dd-AFC4-6F175D3DCCD1}">
-              <a14:hiddenFill xmlns:a14="http://schemas.microsoft.com/office/drawing/2010/main" xmlns="">
+              <a14:hiddenFill xmlns="" xmlns:a14="http://schemas.microsoft.com/office/drawing/2010/main">
                 <a:noFill/>
               </a14:hiddenFill>
             </a:ext>
@@ -52350,7 +52360,7 @@
           </a:ln>
           <a:extLst>
             <a:ext uri="{909E8E84-426E-40dd-AFC4-6F175D3DCCD1}">
-              <a14:hiddenFill xmlns:a14="http://schemas.microsoft.com/office/drawing/2010/main" xmlns="">
+              <a14:hiddenFill xmlns="" xmlns:a14="http://schemas.microsoft.com/office/drawing/2010/main">
                 <a:noFill/>
               </a14:hiddenFill>
             </a:ext>
@@ -52389,7 +52399,7 @@
           </a:ln>
           <a:extLst>
             <a:ext uri="{909E8E84-426E-40dd-AFC4-6F175D3DCCD1}">
-              <a14:hiddenFill xmlns:a14="http://schemas.microsoft.com/office/drawing/2010/main" xmlns="">
+              <a14:hiddenFill xmlns="" xmlns:a14="http://schemas.microsoft.com/office/drawing/2010/main">
                 <a:noFill/>
               </a14:hiddenFill>
             </a:ext>
@@ -52428,7 +52438,7 @@
           </a:ln>
           <a:extLst>
             <a:ext uri="{909E8E84-426E-40dd-AFC4-6F175D3DCCD1}">
-              <a14:hiddenFill xmlns:a14="http://schemas.microsoft.com/office/drawing/2010/main" xmlns="">
+              <a14:hiddenFill xmlns="" xmlns:a14="http://schemas.microsoft.com/office/drawing/2010/main">
                 <a:noFill/>
               </a14:hiddenFill>
             </a:ext>
@@ -52467,7 +52477,7 @@
           </a:ln>
           <a:extLst>
             <a:ext uri="{909E8E84-426E-40dd-AFC4-6F175D3DCCD1}">
-              <a14:hiddenFill xmlns:a14="http://schemas.microsoft.com/office/drawing/2010/main" xmlns="">
+              <a14:hiddenFill xmlns="" xmlns:a14="http://schemas.microsoft.com/office/drawing/2010/main">
                 <a:noFill/>
               </a14:hiddenFill>
             </a:ext>
@@ -52501,7 +52511,7 @@
           </a:ln>
           <a:extLst>
             <a:ext uri="{909E8E84-426E-40dd-AFC4-6F175D3DCCD1}">
-              <a14:hiddenFill xmlns:a14="http://schemas.microsoft.com/office/drawing/2010/main" xmlns="">
+              <a14:hiddenFill xmlns="" xmlns:a14="http://schemas.microsoft.com/office/drawing/2010/main">
                 <a:solidFill>
                   <a:srgbClr val="FFFFFF"/>
                 </a:solidFill>
@@ -52686,7 +52696,7 @@
           </a:ln>
           <a:extLst>
             <a:ext uri="{909E8E84-426E-40dd-AFC4-6F175D3DCCD1}">
-              <a14:hiddenFill xmlns:a14="http://schemas.microsoft.com/office/drawing/2010/main" xmlns="">
+              <a14:hiddenFill xmlns="" xmlns:a14="http://schemas.microsoft.com/office/drawing/2010/main">
                 <a:noFill/>
               </a14:hiddenFill>
             </a:ext>
@@ -52722,14 +52732,14 @@
           </a:ln>
           <a:extLst>
             <a:ext uri="{909E8E84-426E-40dd-AFC4-6F175D3DCCD1}">
-              <a14:hiddenFill xmlns:a14="http://schemas.microsoft.com/office/drawing/2010/main" xmlns="">
+              <a14:hiddenFill xmlns="" xmlns:a14="http://schemas.microsoft.com/office/drawing/2010/main">
                 <a:solidFill>
                   <a:srgbClr val="FFFFFF"/>
                 </a:solidFill>
               </a14:hiddenFill>
             </a:ext>
             <a:ext uri="{91240B29-F687-4f45-9708-019B960494DF}">
-              <a14:hiddenLine xmlns:a14="http://schemas.microsoft.com/office/drawing/2010/main" xmlns="" w="12700">
+              <a14:hiddenLine xmlns="" xmlns:a14="http://schemas.microsoft.com/office/drawing/2010/main" w="12700">
                 <a:solidFill>
                   <a:srgbClr val="000000"/>
                 </a:solidFill>
@@ -52885,14 +52895,14 @@
           </a:ln>
           <a:extLst>
             <a:ext uri="{909E8E84-426E-40dd-AFC4-6F175D3DCCD1}">
-              <a14:hiddenFill xmlns:a14="http://schemas.microsoft.com/office/drawing/2010/main" xmlns="">
+              <a14:hiddenFill xmlns="" xmlns:a14="http://schemas.microsoft.com/office/drawing/2010/main">
                 <a:solidFill>
                   <a:srgbClr val="FFFFFF"/>
                 </a:solidFill>
               </a14:hiddenFill>
             </a:ext>
             <a:ext uri="{91240B29-F687-4f45-9708-019B960494DF}">
-              <a14:hiddenLine xmlns:a14="http://schemas.microsoft.com/office/drawing/2010/main" xmlns="" w="12700">
+              <a14:hiddenLine xmlns="" xmlns:a14="http://schemas.microsoft.com/office/drawing/2010/main" w="12700">
                 <a:solidFill>
                   <a:srgbClr val="000000"/>
                 </a:solidFill>
@@ -53057,14 +53067,14 @@
           </a:ln>
           <a:extLst>
             <a:ext uri="{909E8E84-426E-40dd-AFC4-6F175D3DCCD1}">
-              <a14:hiddenFill xmlns:a14="http://schemas.microsoft.com/office/drawing/2010/main" xmlns="">
+              <a14:hiddenFill xmlns="" xmlns:a14="http://schemas.microsoft.com/office/drawing/2010/main">
                 <a:solidFill>
                   <a:srgbClr val="FFFFFF"/>
                 </a:solidFill>
               </a14:hiddenFill>
             </a:ext>
             <a:ext uri="{91240B29-F687-4f45-9708-019B960494DF}">
-              <a14:hiddenLine xmlns:a14="http://schemas.microsoft.com/office/drawing/2010/main" xmlns="" w="12700">
+              <a14:hiddenLine xmlns="" xmlns:a14="http://schemas.microsoft.com/office/drawing/2010/main" w="12700">
                 <a:solidFill>
                   <a:srgbClr val="000000"/>
                 </a:solidFill>
@@ -53225,7 +53235,7 @@
           </a:ln>
           <a:extLst>
             <a:ext uri="{909E8E84-426E-40dd-AFC4-6F175D3DCCD1}">
-              <a14:hiddenFill xmlns:a14="http://schemas.microsoft.com/office/drawing/2010/main" xmlns="">
+              <a14:hiddenFill xmlns="" xmlns:a14="http://schemas.microsoft.com/office/drawing/2010/main">
                 <a:noFill/>
               </a14:hiddenFill>
             </a:ext>
@@ -53266,7 +53276,7 @@
           </a:ln>
           <a:extLst>
             <a:ext uri="{909E8E84-426E-40dd-AFC4-6F175D3DCCD1}">
-              <a14:hiddenFill xmlns:a14="http://schemas.microsoft.com/office/drawing/2010/main" xmlns="">
+              <a14:hiddenFill xmlns="" xmlns:a14="http://schemas.microsoft.com/office/drawing/2010/main">
                 <a:noFill/>
               </a14:hiddenFill>
             </a:ext>
@@ -53307,7 +53317,7 @@
           </a:ln>
           <a:extLst>
             <a:ext uri="{909E8E84-426E-40dd-AFC4-6F175D3DCCD1}">
-              <a14:hiddenFill xmlns:a14="http://schemas.microsoft.com/office/drawing/2010/main" xmlns="">
+              <a14:hiddenFill xmlns="" xmlns:a14="http://schemas.microsoft.com/office/drawing/2010/main">
                 <a:noFill/>
               </a14:hiddenFill>
             </a:ext>

--- a/SE401/Lectures/8-Integration, System and Regression Testing/Integration Testing.pptx
+++ b/SE401/Lectures/8-Integration, System and Regression Testing/Integration Testing.pptx
@@ -260,7 +260,7 @@
           <a:p>
             <a:fld id="{11EAA60E-FCF3-40DF-B4BC-258568585669}" type="datetimeFigureOut">
               <a:rPr lang="en-US" smtClean="0"/>
-              <a:t>4/12/2022</a:t>
+              <a:t>4/18/2022</a:t>
             </a:fld>
             <a:endParaRPr lang="en-US"/>
           </a:p>
@@ -3316,7 +3316,7 @@
           <a:ln/>
           <a:extLst>
             <a:ext uri="{FAA26D3D-D897-4be2-8F04-BA451C77F1D7}">
-              <ma14:placeholderFlag xmlns="" xmlns:ma14="http://schemas.microsoft.com/office/mac/drawingml/2011/main" val="1"/>
+              <ma14:placeholderFlag xmlns:ma14="http://schemas.microsoft.com/office/mac/drawingml/2011/main" xmlns="" val="1"/>
             </a:ext>
           </a:extLst>
         </p:spPr>
@@ -3495,7 +3495,7 @@
           <a:ln/>
           <a:extLst>
             <a:ext uri="{FAA26D3D-D897-4be2-8F04-BA451C77F1D7}">
-              <ma14:placeholderFlag xmlns="" xmlns:ma14="http://schemas.microsoft.com/office/mac/drawingml/2011/main" val="1"/>
+              <ma14:placeholderFlag xmlns:ma14="http://schemas.microsoft.com/office/mac/drawingml/2011/main" xmlns="" val="1"/>
             </a:ext>
           </a:extLst>
         </p:spPr>
@@ -3689,14 +3689,14 @@
           <a:ln w="9525"/>
           <a:extLst>
             <a:ext uri="{909E8E84-426E-40dd-AFC4-6F175D3DCCD1}">
-              <a14:hiddenFill xmlns="" xmlns:a14="http://schemas.microsoft.com/office/drawing/2010/main">
+              <a14:hiddenFill xmlns:a14="http://schemas.microsoft.com/office/drawing/2010/main" xmlns="">
                 <a:solidFill>
                   <a:srgbClr val="FFFFFF"/>
                 </a:solidFill>
               </a14:hiddenFill>
             </a:ext>
             <a:ext uri="{91240B29-F687-4f45-9708-019B960494DF}">
-              <a14:hiddenLine xmlns="" xmlns:a14="http://schemas.microsoft.com/office/drawing/2010/main" w="9525">
+              <a14:hiddenLine xmlns:a14="http://schemas.microsoft.com/office/drawing/2010/main" xmlns="" w="9525">
                 <a:solidFill>
                   <a:srgbClr val="000000"/>
                 </a:solidFill>
@@ -3706,7 +3706,7 @@
               </a14:hiddenLine>
             </a:ext>
             <a:ext uri="{FAA26D3D-D897-4be2-8F04-BA451C77F1D7}">
-              <ma14:placeholderFlag xmlns="" xmlns:ma14="http://schemas.microsoft.com/office/mac/drawingml/2011/main" val="1"/>
+              <ma14:placeholderFlag xmlns:ma14="http://schemas.microsoft.com/office/mac/drawingml/2011/main" xmlns="" val="1"/>
             </a:ext>
           </a:extLst>
         </p:spPr>
@@ -3878,14 +3878,14 @@
           <a:ln w="9525"/>
           <a:extLst>
             <a:ext uri="{909E8E84-426E-40dd-AFC4-6F175D3DCCD1}">
-              <a14:hiddenFill xmlns="" xmlns:a14="http://schemas.microsoft.com/office/drawing/2010/main">
+              <a14:hiddenFill xmlns:a14="http://schemas.microsoft.com/office/drawing/2010/main" xmlns="">
                 <a:solidFill>
                   <a:srgbClr val="FFFFFF"/>
                 </a:solidFill>
               </a14:hiddenFill>
             </a:ext>
             <a:ext uri="{91240B29-F687-4f45-9708-019B960494DF}">
-              <a14:hiddenLine xmlns="" xmlns:a14="http://schemas.microsoft.com/office/drawing/2010/main" w="9525">
+              <a14:hiddenLine xmlns:a14="http://schemas.microsoft.com/office/drawing/2010/main" xmlns="" w="9525">
                 <a:solidFill>
                   <a:srgbClr val="000000"/>
                 </a:solidFill>
@@ -4151,14 +4151,14 @@
           <a:ln w="9525"/>
           <a:extLst>
             <a:ext uri="{909E8E84-426E-40dd-AFC4-6F175D3DCCD1}">
-              <a14:hiddenFill xmlns="" xmlns:a14="http://schemas.microsoft.com/office/drawing/2010/main">
+              <a14:hiddenFill xmlns:a14="http://schemas.microsoft.com/office/drawing/2010/main" xmlns="">
                 <a:solidFill>
                   <a:srgbClr val="FFFFFF"/>
                 </a:solidFill>
               </a14:hiddenFill>
             </a:ext>
             <a:ext uri="{91240B29-F687-4f45-9708-019B960494DF}">
-              <a14:hiddenLine xmlns="" xmlns:a14="http://schemas.microsoft.com/office/drawing/2010/main" w="9525">
+              <a14:hiddenLine xmlns:a14="http://schemas.microsoft.com/office/drawing/2010/main" xmlns="" w="9525">
                 <a:solidFill>
                   <a:srgbClr val="000000"/>
                 </a:solidFill>
@@ -4168,7 +4168,7 @@
               </a14:hiddenLine>
             </a:ext>
             <a:ext uri="{FAA26D3D-D897-4be2-8F04-BA451C77F1D7}">
-              <ma14:placeholderFlag xmlns="" xmlns:ma14="http://schemas.microsoft.com/office/mac/drawingml/2011/main" val="1"/>
+              <ma14:placeholderFlag xmlns:ma14="http://schemas.microsoft.com/office/mac/drawingml/2011/main" xmlns="" val="1"/>
             </a:ext>
           </a:extLst>
         </p:spPr>
@@ -4354,14 +4354,14 @@
           <a:ln w="9525"/>
           <a:extLst>
             <a:ext uri="{909E8E84-426E-40dd-AFC4-6F175D3DCCD1}">
-              <a14:hiddenFill xmlns="" xmlns:a14="http://schemas.microsoft.com/office/drawing/2010/main">
+              <a14:hiddenFill xmlns:a14="http://schemas.microsoft.com/office/drawing/2010/main" xmlns="">
                 <a:solidFill>
                   <a:srgbClr val="FFFFFF"/>
                 </a:solidFill>
               </a14:hiddenFill>
             </a:ext>
             <a:ext uri="{91240B29-F687-4f45-9708-019B960494DF}">
-              <a14:hiddenLine xmlns="" xmlns:a14="http://schemas.microsoft.com/office/drawing/2010/main" w="9525">
+              <a14:hiddenLine xmlns:a14="http://schemas.microsoft.com/office/drawing/2010/main" xmlns="" w="9525">
                 <a:solidFill>
                   <a:srgbClr val="000000"/>
                 </a:solidFill>
@@ -4371,7 +4371,7 @@
               </a14:hiddenLine>
             </a:ext>
             <a:ext uri="{FAA26D3D-D897-4be2-8F04-BA451C77F1D7}">
-              <ma14:placeholderFlag xmlns="" xmlns:ma14="http://schemas.microsoft.com/office/mac/drawingml/2011/main" val="1"/>
+              <ma14:placeholderFlag xmlns:ma14="http://schemas.microsoft.com/office/mac/drawingml/2011/main" xmlns="" val="1"/>
             </a:ext>
           </a:extLst>
         </p:spPr>
@@ -4729,14 +4729,14 @@
           <a:ln w="9525"/>
           <a:extLst>
             <a:ext uri="{909E8E84-426E-40dd-AFC4-6F175D3DCCD1}">
-              <a14:hiddenFill xmlns="" xmlns:a14="http://schemas.microsoft.com/office/drawing/2010/main">
+              <a14:hiddenFill xmlns:a14="http://schemas.microsoft.com/office/drawing/2010/main" xmlns="">
                 <a:solidFill>
                   <a:srgbClr val="FFFFFF"/>
                 </a:solidFill>
               </a14:hiddenFill>
             </a:ext>
             <a:ext uri="{91240B29-F687-4f45-9708-019B960494DF}">
-              <a14:hiddenLine xmlns="" xmlns:a14="http://schemas.microsoft.com/office/drawing/2010/main" w="9525">
+              <a14:hiddenLine xmlns:a14="http://schemas.microsoft.com/office/drawing/2010/main" xmlns="" w="9525">
                 <a:solidFill>
                   <a:srgbClr val="000000"/>
                 </a:solidFill>
@@ -5451,14 +5451,14 @@
           </a:ln>
           <a:extLst>
             <a:ext uri="{909E8E84-426E-40dd-AFC4-6F175D3DCCD1}">
-              <a14:hiddenFill xmlns="" xmlns:a14="http://schemas.microsoft.com/office/drawing/2010/main">
+              <a14:hiddenFill xmlns:a14="http://schemas.microsoft.com/office/drawing/2010/main" xmlns="">
                 <a:solidFill>
                   <a:srgbClr val="FFFFFF"/>
                 </a:solidFill>
               </a14:hiddenFill>
             </a:ext>
             <a:ext uri="{91240B29-F687-4f45-9708-019B960494DF}">
-              <a14:hiddenLine xmlns="" xmlns:a14="http://schemas.microsoft.com/office/drawing/2010/main" w="9525">
+              <a14:hiddenLine xmlns:a14="http://schemas.microsoft.com/office/drawing/2010/main" xmlns="" w="9525">
                 <a:solidFill>
                   <a:srgbClr val="000000"/>
                 </a:solidFill>
@@ -5634,14 +5634,14 @@
           </a:ln>
           <a:extLst>
             <a:ext uri="{909E8E84-426E-40dd-AFC4-6F175D3DCCD1}">
-              <a14:hiddenFill xmlns="" xmlns:a14="http://schemas.microsoft.com/office/drawing/2010/main">
+              <a14:hiddenFill xmlns:a14="http://schemas.microsoft.com/office/drawing/2010/main" xmlns="">
                 <a:solidFill>
                   <a:srgbClr val="FFFFFF"/>
                 </a:solidFill>
               </a14:hiddenFill>
             </a:ext>
             <a:ext uri="{FAA26D3D-D897-4be2-8F04-BA451C77F1D7}">
-              <ma14:placeholderFlag xmlns="" xmlns:ma14="http://schemas.microsoft.com/office/mac/drawingml/2011/main" val="1"/>
+              <ma14:placeholderFlag xmlns:ma14="http://schemas.microsoft.com/office/mac/drawingml/2011/main" xmlns="" val="1"/>
             </a:ext>
           </a:extLst>
         </p:spPr>
@@ -6011,7 +6011,7 @@
           </a:ln>
           <a:extLst>
             <a:ext uri="{FAA26D3D-D897-4be2-8F04-BA451C77F1D7}">
-              <ma14:placeholderFlag xmlns="" xmlns:ma14="http://schemas.microsoft.com/office/mac/drawingml/2011/main" val="1"/>
+              <ma14:placeholderFlag xmlns:ma14="http://schemas.microsoft.com/office/mac/drawingml/2011/main" xmlns="" val="1"/>
             </a:ext>
           </a:extLst>
         </p:spPr>
@@ -6189,14 +6189,14 @@
           </a:ln>
           <a:extLst>
             <a:ext uri="{909E8E84-426E-40dd-AFC4-6F175D3DCCD1}">
-              <a14:hiddenFill xmlns="" xmlns:a14="http://schemas.microsoft.com/office/drawing/2010/main">
+              <a14:hiddenFill xmlns:a14="http://schemas.microsoft.com/office/drawing/2010/main" xmlns="">
                 <a:solidFill>
                   <a:srgbClr val="FFFFFF"/>
                 </a:solidFill>
               </a14:hiddenFill>
             </a:ext>
             <a:ext uri="{91240B29-F687-4f45-9708-019B960494DF}">
-              <a14:hiddenLine xmlns="" xmlns:a14="http://schemas.microsoft.com/office/drawing/2010/main" w="9525">
+              <a14:hiddenLine xmlns:a14="http://schemas.microsoft.com/office/drawing/2010/main" xmlns="" w="9525">
                 <a:solidFill>
                   <a:srgbClr val="000000"/>
                 </a:solidFill>
@@ -6372,14 +6372,14 @@
           </a:ln>
           <a:extLst>
             <a:ext uri="{909E8E84-426E-40dd-AFC4-6F175D3DCCD1}">
-              <a14:hiddenFill xmlns="" xmlns:a14="http://schemas.microsoft.com/office/drawing/2010/main">
+              <a14:hiddenFill xmlns:a14="http://schemas.microsoft.com/office/drawing/2010/main" xmlns="">
                 <a:solidFill>
                   <a:srgbClr val="FFFFFF"/>
                 </a:solidFill>
               </a14:hiddenFill>
             </a:ext>
             <a:ext uri="{FAA26D3D-D897-4be2-8F04-BA451C77F1D7}">
-              <ma14:placeholderFlag xmlns="" xmlns:ma14="http://schemas.microsoft.com/office/mac/drawingml/2011/main" val="1"/>
+              <ma14:placeholderFlag xmlns:ma14="http://schemas.microsoft.com/office/mac/drawingml/2011/main" xmlns="" val="1"/>
             </a:ext>
           </a:extLst>
         </p:spPr>
@@ -6736,14 +6736,14 @@
           <a:ln w="9525"/>
           <a:extLst>
             <a:ext uri="{909E8E84-426E-40dd-AFC4-6F175D3DCCD1}">
-              <a14:hiddenFill xmlns="" xmlns:a14="http://schemas.microsoft.com/office/drawing/2010/main">
+              <a14:hiddenFill xmlns:a14="http://schemas.microsoft.com/office/drawing/2010/main" xmlns="">
                 <a:solidFill>
                   <a:srgbClr val="FFFFFF"/>
                 </a:solidFill>
               </a14:hiddenFill>
             </a:ext>
             <a:ext uri="{91240B29-F687-4f45-9708-019B960494DF}">
-              <a14:hiddenLine xmlns="" xmlns:a14="http://schemas.microsoft.com/office/drawing/2010/main" w="9525">
+              <a14:hiddenLine xmlns:a14="http://schemas.microsoft.com/office/drawing/2010/main" xmlns="" w="9525">
                 <a:solidFill>
                   <a:srgbClr val="000000"/>
                 </a:solidFill>
@@ -6936,14 +6936,14 @@
           <a:ln w="9525"/>
           <a:extLst>
             <a:ext uri="{909E8E84-426E-40dd-AFC4-6F175D3DCCD1}">
-              <a14:hiddenFill xmlns="" xmlns:a14="http://schemas.microsoft.com/office/drawing/2010/main">
+              <a14:hiddenFill xmlns:a14="http://schemas.microsoft.com/office/drawing/2010/main" xmlns="">
                 <a:solidFill>
                   <a:srgbClr val="FFFFFF"/>
                 </a:solidFill>
               </a14:hiddenFill>
             </a:ext>
             <a:ext uri="{91240B29-F687-4f45-9708-019B960494DF}">
-              <a14:hiddenLine xmlns="" xmlns:a14="http://schemas.microsoft.com/office/drawing/2010/main" w="9525">
+              <a14:hiddenLine xmlns:a14="http://schemas.microsoft.com/office/drawing/2010/main" xmlns="" w="9525">
                 <a:solidFill>
                   <a:srgbClr val="000000"/>
                 </a:solidFill>
@@ -6953,7 +6953,7 @@
               </a14:hiddenLine>
             </a:ext>
             <a:ext uri="{FAA26D3D-D897-4be2-8F04-BA451C77F1D7}">
-              <ma14:placeholderFlag xmlns="" xmlns:ma14="http://schemas.microsoft.com/office/mac/drawingml/2011/main" val="1"/>
+              <ma14:placeholderFlag xmlns:ma14="http://schemas.microsoft.com/office/mac/drawingml/2011/main" xmlns="" val="1"/>
             </a:ext>
           </a:extLst>
         </p:spPr>
@@ -7230,7 +7230,7 @@
           <a:p>
             <a:fld id="{B9D97583-D571-4344-98B8-28017CCA3E03}" type="datetime1">
               <a:rPr lang="en-US" smtClean="0"/>
-              <a:t>4/12/2022</a:t>
+              <a:t>4/18/2022</a:t>
             </a:fld>
             <a:endParaRPr lang="en-US"/>
           </a:p>
@@ -7481,7 +7481,7 @@
           <a:p>
             <a:fld id="{4BBFBB65-4BDE-463E-9E58-42EE1D34CE9F}" type="datetime1">
               <a:rPr lang="en-US" smtClean="0"/>
-              <a:t>4/12/2022</a:t>
+              <a:t>4/18/2022</a:t>
             </a:fld>
             <a:endParaRPr lang="en-US"/>
           </a:p>
@@ -7661,7 +7661,7 @@
           <a:p>
             <a:fld id="{F54BFA55-E628-4FD0-A5D2-4E2EAFF237C3}" type="datetime1">
               <a:rPr lang="en-US" smtClean="0"/>
-              <a:t>4/12/2022</a:t>
+              <a:t>4/18/2022</a:t>
             </a:fld>
             <a:endParaRPr lang="en-US"/>
           </a:p>
@@ -7917,7 +7917,7 @@
           <a:p>
             <a:fld id="{02043C03-488D-4679-9ED8-466B2755DE53}" type="datetime1">
               <a:rPr lang="en-US" smtClean="0"/>
-              <a:t>4/12/2022</a:t>
+              <a:t>4/18/2022</a:t>
             </a:fld>
             <a:endParaRPr lang="en-US"/>
           </a:p>
@@ -8262,7 +8262,7 @@
           <a:p>
             <a:fld id="{B4192580-B5C1-4953-9432-BAF964C9C431}" type="datetime1">
               <a:rPr lang="en-US" smtClean="0"/>
-              <a:t>4/12/2022</a:t>
+              <a:t>4/18/2022</a:t>
             </a:fld>
             <a:endParaRPr lang="en-US"/>
           </a:p>
@@ -8494,7 +8494,7 @@
           <a:p>
             <a:fld id="{9A346A84-DDEA-40BE-8087-15F820987FDF}" type="datetime1">
               <a:rPr lang="en-US" smtClean="0"/>
-              <a:t>4/12/2022</a:t>
+              <a:t>4/18/2022</a:t>
             </a:fld>
             <a:endParaRPr lang="en-US"/>
           </a:p>
@@ -8861,7 +8861,7 @@
           <a:p>
             <a:fld id="{A2903A79-0DCE-4FCE-A4A4-91DA4FE28602}" type="datetime1">
               <a:rPr lang="en-US" smtClean="0"/>
-              <a:t>4/12/2022</a:t>
+              <a:t>4/18/2022</a:t>
             </a:fld>
             <a:endParaRPr lang="en-US"/>
           </a:p>
@@ -8956,7 +8956,7 @@
           <a:p>
             <a:fld id="{5F3E0C55-B436-4700-9E7D-BD44BFF59CDA}" type="datetime1">
               <a:rPr lang="en-US" smtClean="0"/>
-              <a:t>4/12/2022</a:t>
+              <a:t>4/18/2022</a:t>
             </a:fld>
             <a:endParaRPr lang="en-US"/>
           </a:p>
@@ -9179,7 +9179,7 @@
             <a:fld id="{B2F5E2FA-C428-4CE7-95B0-168D3259A5BB}" type="datetimeFigureOut">
               <a:rPr lang="en-US" smtClean="0"/>
               <a:pPr/>
-              <a:t>4/12/2022</a:t>
+              <a:t>4/18/2022</a:t>
             </a:fld>
             <a:endParaRPr lang="en-US"/>
           </a:p>
@@ -9350,7 +9350,7 @@
           <a:p>
             <a:fld id="{1C6D7CCC-F888-4A14-96C0-AE59E5C0FB2B}" type="datetime1">
               <a:rPr lang="en-US" smtClean="0"/>
-              <a:t>4/12/2022</a:t>
+              <a:t>4/18/2022</a:t>
             </a:fld>
             <a:endParaRPr lang="en-US"/>
           </a:p>
@@ -9627,7 +9627,7 @@
           <a:p>
             <a:fld id="{D4751C8C-A248-4612-8437-BABDDCE28255}" type="datetime1">
               <a:rPr lang="en-US" smtClean="0"/>
-              <a:t>4/12/2022</a:t>
+              <a:t>4/18/2022</a:t>
             </a:fld>
             <a:endParaRPr lang="en-US"/>
           </a:p>
@@ -9880,7 +9880,7 @@
           <a:p>
             <a:fld id="{58FDAABC-841F-4EE7-ACE3-E3142B7EF2E8}" type="datetime1">
               <a:rPr lang="en-US" smtClean="0"/>
-              <a:t>4/12/2022</a:t>
+              <a:t>4/18/2022</a:t>
             </a:fld>
             <a:endParaRPr lang="en-US"/>
           </a:p>
@@ -10093,7 +10093,7 @@
           <a:p>
             <a:fld id="{150F3FE1-A936-421F-ABEB-D7D46FC8F947}" type="datetime1">
               <a:rPr lang="en-US" smtClean="0"/>
-              <a:t>4/12/2022</a:t>
+              <a:t>4/18/2022</a:t>
             </a:fld>
             <a:endParaRPr lang="en-US"/>
           </a:p>
@@ -16658,14 +16658,14 @@
             <a:effectLst/>
             <a:extLst>
               <a:ext uri="{909E8E84-426E-40dd-AFC4-6F175D3DCCD1}">
-                <a14:hiddenFill xmlns="" xmlns:a14="http://schemas.microsoft.com/office/drawing/2010/main">
+                <a14:hiddenFill xmlns:a14="http://schemas.microsoft.com/office/drawing/2010/main" xmlns="">
                   <a:solidFill>
                     <a:schemeClr val="accent1"/>
                   </a:solidFill>
                 </a14:hiddenFill>
               </a:ext>
               <a:ext uri="{AF507438-7753-43e0-B8FC-AC1667EBCBE1}">
-                <a14:hiddenEffects xmlns="" xmlns:a14="http://schemas.microsoft.com/office/drawing/2010/main">
+                <a14:hiddenEffects xmlns:a14="http://schemas.microsoft.com/office/drawing/2010/main" xmlns="">
                   <a:effectLst>
                     <a:outerShdw blurRad="63500" dist="38099" dir="2700000" algn="ctr" rotWithShape="0">
                       <a:schemeClr val="bg2">
@@ -16715,14 +16715,14 @@
             <a:effectLst/>
             <a:extLst>
               <a:ext uri="{909E8E84-426E-40dd-AFC4-6F175D3DCCD1}">
-                <a14:hiddenFill xmlns="" xmlns:a14="http://schemas.microsoft.com/office/drawing/2010/main">
+                <a14:hiddenFill xmlns:a14="http://schemas.microsoft.com/office/drawing/2010/main" xmlns="">
                   <a:solidFill>
                     <a:schemeClr val="accent1"/>
                   </a:solidFill>
                 </a14:hiddenFill>
               </a:ext>
               <a:ext uri="{AF507438-7753-43e0-B8FC-AC1667EBCBE1}">
-                <a14:hiddenEffects xmlns="" xmlns:a14="http://schemas.microsoft.com/office/drawing/2010/main">
+                <a14:hiddenEffects xmlns:a14="http://schemas.microsoft.com/office/drawing/2010/main" xmlns="">
                   <a:effectLst>
                     <a:outerShdw blurRad="63500" dist="38099" dir="2700000" algn="ctr" rotWithShape="0">
                       <a:schemeClr val="bg2">
@@ -16774,14 +16774,14 @@
             <a:effectLst/>
             <a:extLst>
               <a:ext uri="{909E8E84-426E-40dd-AFC4-6F175D3DCCD1}">
-                <a14:hiddenFill xmlns="" xmlns:a14="http://schemas.microsoft.com/office/drawing/2010/main">
+                <a14:hiddenFill xmlns:a14="http://schemas.microsoft.com/office/drawing/2010/main" xmlns="">
                   <a:solidFill>
                     <a:schemeClr val="accent1"/>
                   </a:solidFill>
                 </a14:hiddenFill>
               </a:ext>
               <a:ext uri="{AF507438-7753-43e0-B8FC-AC1667EBCBE1}">
-                <a14:hiddenEffects xmlns="" xmlns:a14="http://schemas.microsoft.com/office/drawing/2010/main">
+                <a14:hiddenEffects xmlns:a14="http://schemas.microsoft.com/office/drawing/2010/main" xmlns="">
                   <a:effectLst>
                     <a:outerShdw blurRad="63500" dist="38099" dir="2700000" algn="ctr" rotWithShape="0">
                       <a:schemeClr val="bg2">
@@ -16826,14 +16826,14 @@
             <a:effectLst/>
             <a:extLst>
               <a:ext uri="{909E8E84-426E-40dd-AFC4-6F175D3DCCD1}">
-                <a14:hiddenFill xmlns="" xmlns:a14="http://schemas.microsoft.com/office/drawing/2010/main">
+                <a14:hiddenFill xmlns:a14="http://schemas.microsoft.com/office/drawing/2010/main" xmlns="">
                   <a:solidFill>
                     <a:schemeClr val="accent1"/>
                   </a:solidFill>
                 </a14:hiddenFill>
               </a:ext>
               <a:ext uri="{91240B29-F687-4f45-9708-019B960494DF}">
-                <a14:hiddenLine xmlns="" xmlns:a14="http://schemas.microsoft.com/office/drawing/2010/main" w="9525">
+                <a14:hiddenLine xmlns:a14="http://schemas.microsoft.com/office/drawing/2010/main" xmlns="" w="9525">
                   <a:solidFill>
                     <a:schemeClr val="tx1"/>
                   </a:solidFill>
@@ -16843,7 +16843,7 @@
                 </a14:hiddenLine>
               </a:ext>
               <a:ext uri="{AF507438-7753-43e0-B8FC-AC1667EBCBE1}">
-                <a14:hiddenEffects xmlns="" xmlns:a14="http://schemas.microsoft.com/office/drawing/2010/main">
+                <a14:hiddenEffects xmlns:a14="http://schemas.microsoft.com/office/drawing/2010/main" xmlns="">
                   <a:effectLst>
                     <a:outerShdw blurRad="63500" dist="38099" dir="2700000" algn="ctr" rotWithShape="0">
                       <a:schemeClr val="bg2">
@@ -16893,14 +16893,14 @@
             <a:effectLst/>
             <a:extLst>
               <a:ext uri="{909E8E84-426E-40dd-AFC4-6F175D3DCCD1}">
-                <a14:hiddenFill xmlns="" xmlns:a14="http://schemas.microsoft.com/office/drawing/2010/main">
+                <a14:hiddenFill xmlns:a14="http://schemas.microsoft.com/office/drawing/2010/main" xmlns="">
                   <a:solidFill>
                     <a:schemeClr val="accent1"/>
                   </a:solidFill>
                 </a14:hiddenFill>
               </a:ext>
               <a:ext uri="{91240B29-F687-4f45-9708-019B960494DF}">
-                <a14:hiddenLine xmlns="" xmlns:a14="http://schemas.microsoft.com/office/drawing/2010/main" w="9525">
+                <a14:hiddenLine xmlns:a14="http://schemas.microsoft.com/office/drawing/2010/main" xmlns="" w="9525">
                   <a:solidFill>
                     <a:schemeClr val="tx1"/>
                   </a:solidFill>
@@ -16910,7 +16910,7 @@
                 </a14:hiddenLine>
               </a:ext>
               <a:ext uri="{AF507438-7753-43e0-B8FC-AC1667EBCBE1}">
-                <a14:hiddenEffects xmlns="" xmlns:a14="http://schemas.microsoft.com/office/drawing/2010/main">
+                <a14:hiddenEffects xmlns:a14="http://schemas.microsoft.com/office/drawing/2010/main" xmlns="">
                   <a:effectLst>
                     <a:outerShdw blurRad="63500" dist="38099" dir="2700000" algn="ctr" rotWithShape="0">
                       <a:schemeClr val="bg2">
@@ -16968,14 +16968,14 @@
             <a:effectLst/>
             <a:extLst>
               <a:ext uri="{909E8E84-426E-40dd-AFC4-6F175D3DCCD1}">
-                <a14:hiddenFill xmlns="" xmlns:a14="http://schemas.microsoft.com/office/drawing/2010/main">
+                <a14:hiddenFill xmlns:a14="http://schemas.microsoft.com/office/drawing/2010/main" xmlns="">
                   <a:solidFill>
                     <a:schemeClr val="accent1"/>
                   </a:solidFill>
                 </a14:hiddenFill>
               </a:ext>
               <a:ext uri="{91240B29-F687-4f45-9708-019B960494DF}">
-                <a14:hiddenLine xmlns="" xmlns:a14="http://schemas.microsoft.com/office/drawing/2010/main" w="9525">
+                <a14:hiddenLine xmlns:a14="http://schemas.microsoft.com/office/drawing/2010/main" xmlns="" w="9525">
                   <a:solidFill>
                     <a:schemeClr val="tx1"/>
                   </a:solidFill>
@@ -16985,7 +16985,7 @@
                 </a14:hiddenLine>
               </a:ext>
               <a:ext uri="{AF507438-7753-43e0-B8FC-AC1667EBCBE1}">
-                <a14:hiddenEffects xmlns="" xmlns:a14="http://schemas.microsoft.com/office/drawing/2010/main">
+                <a14:hiddenEffects xmlns:a14="http://schemas.microsoft.com/office/drawing/2010/main" xmlns="">
                   <a:effectLst>
                     <a:outerShdw blurRad="63500" dist="38099" dir="2700000" algn="ctr" rotWithShape="0">
                       <a:schemeClr val="bg2">
@@ -17035,14 +17035,14 @@
             <a:effectLst/>
             <a:extLst>
               <a:ext uri="{909E8E84-426E-40dd-AFC4-6F175D3DCCD1}">
-                <a14:hiddenFill xmlns="" xmlns:a14="http://schemas.microsoft.com/office/drawing/2010/main">
+                <a14:hiddenFill xmlns:a14="http://schemas.microsoft.com/office/drawing/2010/main" xmlns="">
                   <a:solidFill>
                     <a:schemeClr val="accent1"/>
                   </a:solidFill>
                 </a14:hiddenFill>
               </a:ext>
               <a:ext uri="{91240B29-F687-4f45-9708-019B960494DF}">
-                <a14:hiddenLine xmlns="" xmlns:a14="http://schemas.microsoft.com/office/drawing/2010/main" w="9525">
+                <a14:hiddenLine xmlns:a14="http://schemas.microsoft.com/office/drawing/2010/main" xmlns="" w="9525">
                   <a:solidFill>
                     <a:schemeClr val="tx1"/>
                   </a:solidFill>
@@ -17052,7 +17052,7 @@
                 </a14:hiddenLine>
               </a:ext>
               <a:ext uri="{AF507438-7753-43e0-B8FC-AC1667EBCBE1}">
-                <a14:hiddenEffects xmlns="" xmlns:a14="http://schemas.microsoft.com/office/drawing/2010/main">
+                <a14:hiddenEffects xmlns:a14="http://schemas.microsoft.com/office/drawing/2010/main" xmlns="">
                   <a:effectLst>
                     <a:outerShdw blurRad="63500" dist="38099" dir="2700000" algn="ctr" rotWithShape="0">
                       <a:schemeClr val="bg2">
@@ -17110,14 +17110,14 @@
             <a:effectLst/>
             <a:extLst>
               <a:ext uri="{909E8E84-426E-40dd-AFC4-6F175D3DCCD1}">
-                <a14:hiddenFill xmlns="" xmlns:a14="http://schemas.microsoft.com/office/drawing/2010/main">
+                <a14:hiddenFill xmlns:a14="http://schemas.microsoft.com/office/drawing/2010/main" xmlns="">
                   <a:solidFill>
                     <a:schemeClr val="accent1"/>
                   </a:solidFill>
                 </a14:hiddenFill>
               </a:ext>
               <a:ext uri="{91240B29-F687-4f45-9708-019B960494DF}">
-                <a14:hiddenLine xmlns="" xmlns:a14="http://schemas.microsoft.com/office/drawing/2010/main" w="9525">
+                <a14:hiddenLine xmlns:a14="http://schemas.microsoft.com/office/drawing/2010/main" xmlns="" w="9525">
                   <a:solidFill>
                     <a:schemeClr val="tx1"/>
                   </a:solidFill>
@@ -17127,7 +17127,7 @@
                 </a14:hiddenLine>
               </a:ext>
               <a:ext uri="{AF507438-7753-43e0-B8FC-AC1667EBCBE1}">
-                <a14:hiddenEffects xmlns="" xmlns:a14="http://schemas.microsoft.com/office/drawing/2010/main">
+                <a14:hiddenEffects xmlns:a14="http://schemas.microsoft.com/office/drawing/2010/main" xmlns="">
                   <a:effectLst>
                     <a:outerShdw blurRad="63500" dist="38099" dir="2700000" algn="ctr" rotWithShape="0">
                       <a:schemeClr val="bg2">
@@ -17194,12 +17194,12 @@
             <a:effectLst/>
             <a:extLst>
               <a:ext uri="{909E8E84-426E-40dd-AFC4-6F175D3DCCD1}">
-                <a14:hiddenFill xmlns="" xmlns:a14="http://schemas.microsoft.com/office/drawing/2010/main">
+                <a14:hiddenFill xmlns:a14="http://schemas.microsoft.com/office/drawing/2010/main" xmlns="">
                   <a:noFill/>
                 </a14:hiddenFill>
               </a:ext>
               <a:ext uri="{AF507438-7753-43e0-B8FC-AC1667EBCBE1}">
-                <a14:hiddenEffects xmlns="" xmlns:a14="http://schemas.microsoft.com/office/drawing/2010/main">
+                <a14:hiddenEffects xmlns:a14="http://schemas.microsoft.com/office/drawing/2010/main" xmlns="">
                   <a:effectLst>
                     <a:outerShdw blurRad="63500" dist="38099" dir="2700000" algn="ctr" rotWithShape="0">
                       <a:schemeClr val="bg2">
@@ -17242,12 +17242,12 @@
             <a:effectLst/>
             <a:extLst>
               <a:ext uri="{909E8E84-426E-40dd-AFC4-6F175D3DCCD1}">
-                <a14:hiddenFill xmlns="" xmlns:a14="http://schemas.microsoft.com/office/drawing/2010/main">
+                <a14:hiddenFill xmlns:a14="http://schemas.microsoft.com/office/drawing/2010/main" xmlns="">
                   <a:noFill/>
                 </a14:hiddenFill>
               </a:ext>
               <a:ext uri="{AF507438-7753-43e0-B8FC-AC1667EBCBE1}">
-                <a14:hiddenEffects xmlns="" xmlns:a14="http://schemas.microsoft.com/office/drawing/2010/main">
+                <a14:hiddenEffects xmlns:a14="http://schemas.microsoft.com/office/drawing/2010/main" xmlns="">
                   <a:effectLst>
                     <a:outerShdw blurRad="63500" dist="38099" dir="2700000" algn="ctr" rotWithShape="0">
                       <a:schemeClr val="bg2">
@@ -17290,12 +17290,12 @@
             <a:effectLst/>
             <a:extLst>
               <a:ext uri="{909E8E84-426E-40dd-AFC4-6F175D3DCCD1}">
-                <a14:hiddenFill xmlns="" xmlns:a14="http://schemas.microsoft.com/office/drawing/2010/main">
+                <a14:hiddenFill xmlns:a14="http://schemas.microsoft.com/office/drawing/2010/main" xmlns="">
                   <a:noFill/>
                 </a14:hiddenFill>
               </a:ext>
               <a:ext uri="{AF507438-7753-43e0-B8FC-AC1667EBCBE1}">
-                <a14:hiddenEffects xmlns="" xmlns:a14="http://schemas.microsoft.com/office/drawing/2010/main">
+                <a14:hiddenEffects xmlns:a14="http://schemas.microsoft.com/office/drawing/2010/main" xmlns="">
                   <a:effectLst>
                     <a:outerShdw blurRad="63500" dist="38099" dir="2700000" algn="ctr" rotWithShape="0">
                       <a:schemeClr val="bg2">
@@ -17331,14 +17331,14 @@
             <a:effectLst/>
             <a:extLst>
               <a:ext uri="{909E8E84-426E-40dd-AFC4-6F175D3DCCD1}">
-                <a14:hiddenFill xmlns="" xmlns:a14="http://schemas.microsoft.com/office/drawing/2010/main">
+                <a14:hiddenFill xmlns:a14="http://schemas.microsoft.com/office/drawing/2010/main" xmlns="">
                   <a:solidFill>
                     <a:schemeClr val="accent1"/>
                   </a:solidFill>
                 </a14:hiddenFill>
               </a:ext>
               <a:ext uri="{91240B29-F687-4f45-9708-019B960494DF}">
-                <a14:hiddenLine xmlns="" xmlns:a14="http://schemas.microsoft.com/office/drawing/2010/main" w="9525">
+                <a14:hiddenLine xmlns:a14="http://schemas.microsoft.com/office/drawing/2010/main" xmlns="" w="9525">
                   <a:solidFill>
                     <a:schemeClr val="tx1"/>
                   </a:solidFill>
@@ -17348,7 +17348,7 @@
                 </a14:hiddenLine>
               </a:ext>
               <a:ext uri="{AF507438-7753-43e0-B8FC-AC1667EBCBE1}">
-                <a14:hiddenEffects xmlns="" xmlns:a14="http://schemas.microsoft.com/office/drawing/2010/main">
+                <a14:hiddenEffects xmlns:a14="http://schemas.microsoft.com/office/drawing/2010/main" xmlns="">
                   <a:effectLst>
                     <a:outerShdw blurRad="63500" dist="38099" dir="2700000" algn="ctr" rotWithShape="0">
                       <a:schemeClr val="bg2">
@@ -17407,14 +17407,14 @@
           <a:effectLst/>
           <a:extLst>
             <a:ext uri="{909E8E84-426E-40dd-AFC4-6F175D3DCCD1}">
-              <a14:hiddenFill xmlns="" xmlns:a14="http://schemas.microsoft.com/office/drawing/2010/main">
+              <a14:hiddenFill xmlns:a14="http://schemas.microsoft.com/office/drawing/2010/main" xmlns="">
                 <a:solidFill>
                   <a:schemeClr val="accent1"/>
                 </a:solidFill>
               </a14:hiddenFill>
             </a:ext>
             <a:ext uri="{91240B29-F687-4f45-9708-019B960494DF}">
-              <a14:hiddenLine xmlns="" xmlns:a14="http://schemas.microsoft.com/office/drawing/2010/main" w="9525">
+              <a14:hiddenLine xmlns:a14="http://schemas.microsoft.com/office/drawing/2010/main" xmlns="" w="9525">
                 <a:solidFill>
                   <a:schemeClr val="tx1"/>
                 </a:solidFill>
@@ -17424,7 +17424,7 @@
               </a14:hiddenLine>
             </a:ext>
             <a:ext uri="{AF507438-7753-43e0-B8FC-AC1667EBCBE1}">
-              <a14:hiddenEffects xmlns="" xmlns:a14="http://schemas.microsoft.com/office/drawing/2010/main">
+              <a14:hiddenEffects xmlns:a14="http://schemas.microsoft.com/office/drawing/2010/main" xmlns="">
                 <a:effectLst>
                   <a:outerShdw blurRad="63500" dist="38099" dir="2700000" algn="ctr" rotWithShape="0">
                     <a:schemeClr val="bg2">
@@ -18137,7 +18137,7 @@
           </a:ln>
           <a:extLst>
             <a:ext uri="{909E8E84-426E-40dd-AFC4-6F175D3DCCD1}">
-              <a14:hiddenFill xmlns="" xmlns:a14="http://schemas.microsoft.com/office/drawing/2010/main">
+              <a14:hiddenFill xmlns:a14="http://schemas.microsoft.com/office/drawing/2010/main" xmlns="">
                 <a:noFill/>
               </a14:hiddenFill>
             </a:ext>
@@ -18176,7 +18176,7 @@
           </a:ln>
           <a:extLst>
             <a:ext uri="{909E8E84-426E-40dd-AFC4-6F175D3DCCD1}">
-              <a14:hiddenFill xmlns="" xmlns:a14="http://schemas.microsoft.com/office/drawing/2010/main">
+              <a14:hiddenFill xmlns:a14="http://schemas.microsoft.com/office/drawing/2010/main" xmlns="">
                 <a:noFill/>
               </a14:hiddenFill>
             </a:ext>
@@ -18287,14 +18287,14 @@
           </a:ln>
           <a:extLst>
             <a:ext uri="{909E8E84-426E-40dd-AFC4-6F175D3DCCD1}">
-              <a14:hiddenFill xmlns="" xmlns:a14="http://schemas.microsoft.com/office/drawing/2010/main">
+              <a14:hiddenFill xmlns:a14="http://schemas.microsoft.com/office/drawing/2010/main" xmlns="">
                 <a:solidFill>
                   <a:srgbClr val="FFFFFF"/>
                 </a:solidFill>
               </a14:hiddenFill>
             </a:ext>
             <a:ext uri="{91240B29-F687-4f45-9708-019B960494DF}">
-              <a14:hiddenLine xmlns="" xmlns:a14="http://schemas.microsoft.com/office/drawing/2010/main" w="12700">
+              <a14:hiddenLine xmlns:a14="http://schemas.microsoft.com/office/drawing/2010/main" xmlns="" w="12700">
                 <a:solidFill>
                   <a:srgbClr val="000000"/>
                 </a:solidFill>
@@ -18473,7 +18473,7 @@
             </a:ln>
             <a:extLst>
               <a:ext uri="{909E8E84-426E-40dd-AFC4-6F175D3DCCD1}">
-                <a14:hiddenFill xmlns="" xmlns:a14="http://schemas.microsoft.com/office/drawing/2010/main">
+                <a14:hiddenFill xmlns:a14="http://schemas.microsoft.com/office/drawing/2010/main" xmlns="">
                   <a:noFill/>
                 </a14:hiddenFill>
               </a:ext>
@@ -18514,7 +18514,7 @@
             </a:ln>
             <a:extLst>
               <a:ext uri="{909E8E84-426E-40dd-AFC4-6F175D3DCCD1}">
-                <a14:hiddenFill xmlns="" xmlns:a14="http://schemas.microsoft.com/office/drawing/2010/main">
+                <a14:hiddenFill xmlns:a14="http://schemas.microsoft.com/office/drawing/2010/main" xmlns="">
                   <a:noFill/>
                 </a14:hiddenFill>
               </a:ext>
@@ -18550,14 +18550,14 @@
             </a:ln>
             <a:extLst>
               <a:ext uri="{909E8E84-426E-40dd-AFC4-6F175D3DCCD1}">
-                <a14:hiddenFill xmlns="" xmlns:a14="http://schemas.microsoft.com/office/drawing/2010/main">
+                <a14:hiddenFill xmlns:a14="http://schemas.microsoft.com/office/drawing/2010/main" xmlns="">
                   <a:solidFill>
                     <a:srgbClr val="FFFFFF"/>
                   </a:solidFill>
                 </a14:hiddenFill>
               </a:ext>
               <a:ext uri="{91240B29-F687-4f45-9708-019B960494DF}">
-                <a14:hiddenLine xmlns="" xmlns:a14="http://schemas.microsoft.com/office/drawing/2010/main" w="12700">
+                <a14:hiddenLine xmlns:a14="http://schemas.microsoft.com/office/drawing/2010/main" xmlns="" w="12700">
                   <a:solidFill>
                     <a:srgbClr val="000000"/>
                   </a:solidFill>
@@ -18603,14 +18603,14 @@
             </a:ln>
             <a:extLst>
               <a:ext uri="{909E8E84-426E-40dd-AFC4-6F175D3DCCD1}">
-                <a14:hiddenFill xmlns="" xmlns:a14="http://schemas.microsoft.com/office/drawing/2010/main">
+                <a14:hiddenFill xmlns:a14="http://schemas.microsoft.com/office/drawing/2010/main" xmlns="">
                   <a:solidFill>
                     <a:srgbClr val="FFFFFF"/>
                   </a:solidFill>
                 </a14:hiddenFill>
               </a:ext>
               <a:ext uri="{91240B29-F687-4f45-9708-019B960494DF}">
-                <a14:hiddenLine xmlns="" xmlns:a14="http://schemas.microsoft.com/office/drawing/2010/main" w="12700">
+                <a14:hiddenLine xmlns:a14="http://schemas.microsoft.com/office/drawing/2010/main" xmlns="" w="12700">
                   <a:solidFill>
                     <a:srgbClr val="000000"/>
                   </a:solidFill>
@@ -18656,14 +18656,14 @@
             </a:ln>
             <a:extLst>
               <a:ext uri="{909E8E84-426E-40dd-AFC4-6F175D3DCCD1}">
-                <a14:hiddenFill xmlns="" xmlns:a14="http://schemas.microsoft.com/office/drawing/2010/main">
+                <a14:hiddenFill xmlns:a14="http://schemas.microsoft.com/office/drawing/2010/main" xmlns="">
                   <a:solidFill>
                     <a:srgbClr val="FFFFFF"/>
                   </a:solidFill>
                 </a14:hiddenFill>
               </a:ext>
               <a:ext uri="{91240B29-F687-4f45-9708-019B960494DF}">
-                <a14:hiddenLine xmlns="" xmlns:a14="http://schemas.microsoft.com/office/drawing/2010/main" w="12700">
+                <a14:hiddenLine xmlns:a14="http://schemas.microsoft.com/office/drawing/2010/main" xmlns="" w="12700">
                   <a:solidFill>
                     <a:srgbClr val="000000"/>
                   </a:solidFill>
@@ -19678,7 +19678,7 @@
             </a:ln>
             <a:extLst>
               <a:ext uri="{909E8E84-426E-40dd-AFC4-6F175D3DCCD1}">
-                <a14:hiddenFill xmlns="" xmlns:a14="http://schemas.microsoft.com/office/drawing/2010/main">
+                <a14:hiddenFill xmlns:a14="http://schemas.microsoft.com/office/drawing/2010/main" xmlns="">
                   <a:noFill/>
                 </a14:hiddenFill>
               </a:ext>
@@ -19717,7 +19717,7 @@
             </a:ln>
             <a:extLst>
               <a:ext uri="{909E8E84-426E-40dd-AFC4-6F175D3DCCD1}">
-                <a14:hiddenFill xmlns="" xmlns:a14="http://schemas.microsoft.com/office/drawing/2010/main">
+                <a14:hiddenFill xmlns:a14="http://schemas.microsoft.com/office/drawing/2010/main" xmlns="">
                   <a:noFill/>
                 </a14:hiddenFill>
               </a:ext>
@@ -19756,7 +19756,7 @@
             </a:ln>
             <a:extLst>
               <a:ext uri="{909E8E84-426E-40dd-AFC4-6F175D3DCCD1}">
-                <a14:hiddenFill xmlns="" xmlns:a14="http://schemas.microsoft.com/office/drawing/2010/main">
+                <a14:hiddenFill xmlns:a14="http://schemas.microsoft.com/office/drawing/2010/main" xmlns="">
                   <a:noFill/>
                 </a14:hiddenFill>
               </a:ext>
@@ -19795,7 +19795,7 @@
             </a:ln>
             <a:extLst>
               <a:ext uri="{909E8E84-426E-40dd-AFC4-6F175D3DCCD1}">
-                <a14:hiddenFill xmlns="" xmlns:a14="http://schemas.microsoft.com/office/drawing/2010/main">
+                <a14:hiddenFill xmlns:a14="http://schemas.microsoft.com/office/drawing/2010/main" xmlns="">
                   <a:noFill/>
                 </a14:hiddenFill>
               </a:ext>
@@ -19834,7 +19834,7 @@
             </a:ln>
             <a:extLst>
               <a:ext uri="{909E8E84-426E-40dd-AFC4-6F175D3DCCD1}">
-                <a14:hiddenFill xmlns="" xmlns:a14="http://schemas.microsoft.com/office/drawing/2010/main">
+                <a14:hiddenFill xmlns:a14="http://schemas.microsoft.com/office/drawing/2010/main" xmlns="">
                   <a:noFill/>
                 </a14:hiddenFill>
               </a:ext>
@@ -19873,7 +19873,7 @@
             </a:ln>
             <a:extLst>
               <a:ext uri="{909E8E84-426E-40dd-AFC4-6F175D3DCCD1}">
-                <a14:hiddenFill xmlns="" xmlns:a14="http://schemas.microsoft.com/office/drawing/2010/main">
+                <a14:hiddenFill xmlns:a14="http://schemas.microsoft.com/office/drawing/2010/main" xmlns="">
                   <a:noFill/>
                 </a14:hiddenFill>
               </a:ext>
@@ -22460,13 +22460,13 @@
               <a:t>Decomposition </a:t>
             </a:r>
             <a:r>
-              <a:rPr lang="en-US" dirty="0">
-                <a:cs typeface="Arial"/>
-              </a:rPr>
-              <a:t> applies</a:t>
-            </a:r>
-            <a:r>
-              <a:rPr lang="en-US" spc="-30" dirty="0">
+              <a:rPr lang="en-US" dirty="0" smtClean="0">
+                <a:cs typeface="Arial"/>
+              </a:rPr>
+              <a:t>applies</a:t>
+            </a:r>
+            <a:r>
+              <a:rPr lang="en-US" spc="-30" dirty="0" smtClean="0">
                 <a:cs typeface="Arial"/>
               </a:rPr>
               <a:t> </a:t>
@@ -32266,14 +32266,14 @@
           <a:effectLst/>
           <a:extLst>
             <a:ext uri="{909E8E84-426E-40dd-AFC4-6F175D3DCCD1}">
-              <a14:hiddenFill xmlns="" xmlns:a14="http://schemas.microsoft.com/office/drawing/2010/main">
+              <a14:hiddenFill xmlns:a14="http://schemas.microsoft.com/office/drawing/2010/main" xmlns="">
                 <a:solidFill>
                   <a:schemeClr val="accent1"/>
                 </a:solidFill>
               </a14:hiddenFill>
             </a:ext>
             <a:ext uri="{91240B29-F687-4f45-9708-019B960494DF}">
-              <a14:hiddenLine xmlns="" xmlns:a14="http://schemas.microsoft.com/office/drawing/2010/main" w="9525">
+              <a14:hiddenLine xmlns:a14="http://schemas.microsoft.com/office/drawing/2010/main" xmlns="" w="9525">
                 <a:solidFill>
                   <a:schemeClr val="tx1"/>
                 </a:solidFill>
@@ -32283,7 +32283,7 @@
               </a14:hiddenLine>
             </a:ext>
             <a:ext uri="{AF507438-7753-43e0-B8FC-AC1667EBCBE1}">
-              <a14:hiddenEffects xmlns="" xmlns:a14="http://schemas.microsoft.com/office/drawing/2010/main">
+              <a14:hiddenEffects xmlns:a14="http://schemas.microsoft.com/office/drawing/2010/main" xmlns="">
                 <a:effectLst>
                   <a:outerShdw blurRad="63500" dist="38099" dir="2700000" algn="ctr" rotWithShape="0">
                     <a:schemeClr val="bg2">
@@ -33183,13 +33183,13 @@
               <a:t> </a:t>
             </a:r>
             <a:r>
-              <a:rPr lang="en-US" dirty="0">
-                <a:cs typeface="Arial"/>
-              </a:rPr>
-              <a:t>is</a:t>
-            </a:r>
-            <a:r>
-              <a:rPr lang="en-US" spc="-5" dirty="0">
+              <a:rPr lang="en-US" dirty="0" smtClean="0">
+                <a:cs typeface="Arial"/>
+              </a:rPr>
+              <a:t>in</a:t>
+            </a:r>
+            <a:r>
+              <a:rPr lang="en-US" spc="-5" dirty="0" smtClean="0">
                 <a:cs typeface="Arial"/>
               </a:rPr>
               <a:t> </a:t>
@@ -43874,16 +43874,22 @@
               <a:rPr lang="en-US" sz="2000" dirty="0">
                 <a:cs typeface="Arial"/>
               </a:rPr>
-              <a:t> and	</a:t>
-            </a:r>
-            <a:r>
-              <a:rPr lang="en-US" sz="2000" dirty="0" err="1">
+              <a:t> </a:t>
+            </a:r>
+            <a:r>
+              <a:rPr lang="en-US" sz="2000" dirty="0" smtClean="0">
+                <a:cs typeface="Arial"/>
+              </a:rPr>
+              <a:t>and </a:t>
+            </a:r>
+            <a:r>
+              <a:rPr lang="en-US" sz="2000" dirty="0" err="1" smtClean="0">
                 <a:cs typeface="Arial"/>
               </a:rPr>
               <a:t>weekDay</a:t>
             </a:r>
             <a:r>
-              <a:rPr lang="en-US" sz="2000" spc="-15" dirty="0">
+              <a:rPr lang="en-US" sz="2000" spc="-15" dirty="0" smtClean="0">
                 <a:cs typeface="Arial"/>
               </a:rPr>
               <a:t> </a:t>
@@ -44277,7 +44283,15 @@
             </a:r>
             <a:r>
               <a:rPr lang="en-US" dirty="0"/>
-              <a:t>interface between the units that are the  endpoints of the edge.</a:t>
+              <a:t>interface between the units that are the </a:t>
+            </a:r>
+            <a:r>
+              <a:rPr lang="en-US" dirty="0" smtClean="0"/>
+              <a:t>endpoints </a:t>
+            </a:r>
+            <a:r>
+              <a:rPr lang="en-US" dirty="0"/>
+              <a:t>of the edge.</a:t>
             </a:r>
           </a:p>
           <a:p>
@@ -44522,19 +44536,13 @@
               <a:t>neighborhood (or radius 1) of a node in a </a:t>
             </a:r>
             <a:r>
-              <a:rPr lang="en-US" spc="5" dirty="0">
-                <a:cs typeface="Arial"/>
-              </a:rPr>
-              <a:t> </a:t>
-            </a:r>
-            <a:r>
-              <a:rPr lang="en-US" dirty="0">
+              <a:rPr lang="en-US" dirty="0" smtClean="0">
                 <a:cs typeface="Arial"/>
               </a:rPr>
               <a:t>graph</a:t>
             </a:r>
             <a:r>
-              <a:rPr lang="en-US" spc="-10" dirty="0">
+              <a:rPr lang="en-US" spc="-10" dirty="0" smtClean="0">
                 <a:cs typeface="Arial"/>
               </a:rPr>
               <a:t> </a:t>
@@ -49153,7 +49161,11 @@
           </p:cNvGraphicFramePr>
           <p:nvPr>
             <p:ph idx="1"/>
-            <p:extLst/>
+            <p:extLst>
+              <p:ext uri="{D42A27DB-BD31-4B8C-83A1-F6EECF244321}">
+                <p14:modId xmlns:p14="http://schemas.microsoft.com/office/powerpoint/2010/main" val="1675762466"/>
+              </p:ext>
+            </p:extLst>
           </p:nvPr>
         </p:nvGraphicFramePr>
         <p:xfrm>
@@ -49202,7 +49214,7 @@
                     <a:bodyPr/>
                     <a:lstStyle/>
                     <a:p>
-                      <a:pPr marL="90805">
+                      <a:pPr marL="90805" algn="ctr">
                         <a:lnSpc>
                           <a:spcPct val="100000"/>
                         </a:lnSpc>
@@ -49212,6 +49224,9 @@
                       </a:pPr>
                       <a:r>
                         <a:rPr sz="2000" spc="-5" dirty="0">
+                          <a:solidFill>
+                            <a:schemeClr val="bg1"/>
+                          </a:solidFill>
                           <a:latin typeface="Candara" panose="020E0502030303020204" pitchFamily="34" charset="0"/>
                           <a:cs typeface="Arial"/>
                         </a:rPr>
@@ -49219,6 +49234,9 @@
                       </a:r>
                       <a:r>
                         <a:rPr sz="2000" spc="-40" dirty="0">
+                          <a:solidFill>
+                            <a:schemeClr val="bg1"/>
+                          </a:solidFill>
                           <a:latin typeface="Candara" panose="020E0502030303020204" pitchFamily="34" charset="0"/>
                           <a:cs typeface="Arial"/>
                         </a:rPr>
@@ -49226,6 +49244,9 @@
                       </a:r>
                       <a:r>
                         <a:rPr sz="2000" dirty="0">
+                          <a:solidFill>
+                            <a:schemeClr val="bg1"/>
+                          </a:solidFill>
                           <a:latin typeface="Candara" panose="020E0502030303020204" pitchFamily="34" charset="0"/>
                           <a:cs typeface="Arial"/>
                         </a:rPr>
@@ -49258,6 +49279,9 @@
                       </a:solidFill>
                       <a:prstDash val="solid"/>
                     </a:lnB>
+                    <a:solidFill>
+                      <a:srgbClr val="8A8A8A"/>
+                    </a:solidFill>
                   </a:tcPr>
                 </a:tc>
                 <a:tc>
@@ -49265,7 +49289,7 @@
                     <a:bodyPr/>
                     <a:lstStyle/>
                     <a:p>
-                      <a:pPr marL="91440" marR="441959">
+                      <a:pPr marL="91440" marR="441959" algn="ctr">
                         <a:lnSpc>
                           <a:spcPct val="100000"/>
                         </a:lnSpc>
@@ -49275,6 +49299,9 @@
                       </a:pPr>
                       <a:r>
                         <a:rPr sz="2000" spc="-5" dirty="0">
+                          <a:solidFill>
+                            <a:schemeClr val="bg1"/>
+                          </a:solidFill>
                           <a:latin typeface="Candara" panose="020E0502030303020204" pitchFamily="34" charset="0"/>
                           <a:cs typeface="Arial"/>
                         </a:rPr>
@@ -49282,6 +49309,9 @@
                       </a:r>
                       <a:r>
                         <a:rPr sz="2000" spc="-30" dirty="0">
+                          <a:solidFill>
+                            <a:schemeClr val="bg1"/>
+                          </a:solidFill>
                           <a:latin typeface="Candara" panose="020E0502030303020204" pitchFamily="34" charset="0"/>
                           <a:cs typeface="Arial"/>
                         </a:rPr>
@@ -49289,6 +49319,9 @@
                       </a:r>
                       <a:r>
                         <a:rPr sz="2000" spc="-5" dirty="0">
+                          <a:solidFill>
+                            <a:schemeClr val="bg1"/>
+                          </a:solidFill>
                           <a:latin typeface="Candara" panose="020E0502030303020204" pitchFamily="34" charset="0"/>
                           <a:cs typeface="Arial"/>
                         </a:rPr>
@@ -49296,6 +49329,9 @@
                       </a:r>
                       <a:r>
                         <a:rPr sz="2000" spc="-25" dirty="0">
+                          <a:solidFill>
+                            <a:schemeClr val="bg1"/>
+                          </a:solidFill>
                           <a:latin typeface="Candara" panose="020E0502030303020204" pitchFamily="34" charset="0"/>
                           <a:cs typeface="Arial"/>
                         </a:rPr>
@@ -49303,6 +49339,9 @@
                       </a:r>
                       <a:r>
                         <a:rPr sz="2000" spc="-5" dirty="0">
+                          <a:solidFill>
+                            <a:schemeClr val="bg1"/>
+                          </a:solidFill>
                           <a:latin typeface="Candara" panose="020E0502030303020204" pitchFamily="34" charset="0"/>
                           <a:cs typeface="Arial"/>
                         </a:rPr>
@@ -49310,6 +49349,9 @@
                       </a:r>
                       <a:r>
                         <a:rPr sz="2000" spc="-540" dirty="0">
+                          <a:solidFill>
+                            <a:schemeClr val="bg1"/>
+                          </a:solidFill>
                           <a:latin typeface="Candara" panose="020E0502030303020204" pitchFamily="34" charset="0"/>
                           <a:cs typeface="Arial"/>
                         </a:rPr>
@@ -49317,12 +49359,18 @@
                       </a:r>
                       <a:r>
                         <a:rPr sz="2000" spc="-5" dirty="0">
+                          <a:solidFill>
+                            <a:schemeClr val="bg1"/>
+                          </a:solidFill>
                           <a:latin typeface="Candara" panose="020E0502030303020204" pitchFamily="34" charset="0"/>
                           <a:cs typeface="Arial"/>
                         </a:rPr>
                         <a:t>interfaces</a:t>
                       </a:r>
                       <a:endParaRPr sz="2000" dirty="0">
+                        <a:solidFill>
+                          <a:schemeClr val="bg1"/>
+                        </a:solidFill>
                         <a:latin typeface="Candara" panose="020E0502030303020204" pitchFamily="34" charset="0"/>
                         <a:cs typeface="Arial"/>
                       </a:endParaRPr>
@@ -49353,6 +49401,9 @@
                       </a:solidFill>
                       <a:prstDash val="solid"/>
                     </a:lnB>
+                    <a:solidFill>
+                      <a:srgbClr val="8A8A8A"/>
+                    </a:solidFill>
                   </a:tcPr>
                 </a:tc>
                 <a:tc>
@@ -49360,7 +49411,7 @@
                     <a:bodyPr/>
                     <a:lstStyle/>
                     <a:p>
-                      <a:pPr marL="91440" marR="188595">
+                      <a:pPr marL="91440" marR="188595" algn="ctr">
                         <a:lnSpc>
                           <a:spcPct val="100000"/>
                         </a:lnSpc>
@@ -49370,6 +49421,9 @@
                       </a:pPr>
                       <a:r>
                         <a:rPr sz="2000" spc="-5" dirty="0">
+                          <a:solidFill>
+                            <a:schemeClr val="bg1"/>
+                          </a:solidFill>
                           <a:latin typeface="Candara" panose="020E0502030303020204" pitchFamily="34" charset="0"/>
                           <a:cs typeface="Arial"/>
                         </a:rPr>
@@ -49377,6 +49431,9 @@
                       </a:r>
                       <a:r>
                         <a:rPr sz="2000" dirty="0">
+                          <a:solidFill>
+                            <a:schemeClr val="bg1"/>
+                          </a:solidFill>
                           <a:latin typeface="Candara" panose="020E0502030303020204" pitchFamily="34" charset="0"/>
                           <a:cs typeface="Arial"/>
                         </a:rPr>
@@ -49384,6 +49441,9 @@
                       </a:r>
                       <a:r>
                         <a:rPr sz="2000" spc="-5" dirty="0">
+                          <a:solidFill>
+                            <a:schemeClr val="bg1"/>
+                          </a:solidFill>
                           <a:latin typeface="Candara" panose="020E0502030303020204" pitchFamily="34" charset="0"/>
                           <a:cs typeface="Arial"/>
                         </a:rPr>
@@ -49391,6 +49451,9 @@
                       </a:r>
                       <a:r>
                         <a:rPr sz="2000" dirty="0">
+                          <a:solidFill>
+                            <a:schemeClr val="bg1"/>
+                          </a:solidFill>
                           <a:latin typeface="Candara" panose="020E0502030303020204" pitchFamily="34" charset="0"/>
                           <a:cs typeface="Arial"/>
                         </a:rPr>
@@ -49398,6 +49461,9 @@
                       </a:r>
                       <a:r>
                         <a:rPr sz="2000" spc="-5" dirty="0">
+                          <a:solidFill>
+                            <a:schemeClr val="bg1"/>
+                          </a:solidFill>
                           <a:latin typeface="Candara" panose="020E0502030303020204" pitchFamily="34" charset="0"/>
                           <a:cs typeface="Arial"/>
                         </a:rPr>
@@ -49405,6 +49471,9 @@
                       </a:r>
                       <a:r>
                         <a:rPr sz="2000" dirty="0">
+                          <a:solidFill>
+                            <a:schemeClr val="bg1"/>
+                          </a:solidFill>
                           <a:latin typeface="Candara" panose="020E0502030303020204" pitchFamily="34" charset="0"/>
                           <a:cs typeface="Arial"/>
                         </a:rPr>
@@ -49412,6 +49481,9 @@
                       </a:r>
                       <a:r>
                         <a:rPr sz="2000" spc="-5" dirty="0">
+                          <a:solidFill>
+                            <a:schemeClr val="bg1"/>
+                          </a:solidFill>
                           <a:latin typeface="Candara" panose="020E0502030303020204" pitchFamily="34" charset="0"/>
                           <a:cs typeface="Arial"/>
                         </a:rPr>
@@ -49419,6 +49491,9 @@
                       </a:r>
                       <a:r>
                         <a:rPr sz="2000" dirty="0">
+                          <a:solidFill>
+                            <a:schemeClr val="bg1"/>
+                          </a:solidFill>
                           <a:latin typeface="Candara" panose="020E0502030303020204" pitchFamily="34" charset="0"/>
                           <a:cs typeface="Arial"/>
                         </a:rPr>
@@ -49451,6 +49526,9 @@
                       </a:solidFill>
                       <a:prstDash val="solid"/>
                     </a:lnB>
+                    <a:solidFill>
+                      <a:srgbClr val="8A8A8A"/>
+                    </a:solidFill>
                   </a:tcPr>
                 </a:tc>
                 <a:tc>
@@ -49458,7 +49536,7 @@
                     <a:bodyPr/>
                     <a:lstStyle/>
                     <a:p>
-                      <a:pPr marL="90805" marR="285750">
+                      <a:pPr marL="90805" marR="285750" algn="ctr">
                         <a:lnSpc>
                           <a:spcPct val="100000"/>
                         </a:lnSpc>
@@ -49468,6 +49546,9 @@
                       </a:pPr>
                       <a:r>
                         <a:rPr sz="2000" spc="-5" dirty="0">
+                          <a:solidFill>
+                            <a:schemeClr val="bg1"/>
+                          </a:solidFill>
                           <a:latin typeface="Candara" panose="020E0502030303020204" pitchFamily="34" charset="0"/>
                           <a:cs typeface="Arial"/>
                         </a:rPr>
@@ -49475,6 +49556,9 @@
                       </a:r>
                       <a:r>
                         <a:rPr sz="2000" spc="-545" dirty="0">
+                          <a:solidFill>
+                            <a:schemeClr val="bg1"/>
+                          </a:solidFill>
                           <a:latin typeface="Candara" panose="020E0502030303020204" pitchFamily="34" charset="0"/>
                           <a:cs typeface="Arial"/>
                         </a:rPr>
@@ -49482,6 +49566,9 @@
                       </a:r>
                       <a:r>
                         <a:rPr sz="2000" dirty="0">
+                          <a:solidFill>
+                            <a:schemeClr val="bg1"/>
+                          </a:solidFill>
                           <a:latin typeface="Candara" panose="020E0502030303020204" pitchFamily="34" charset="0"/>
                           <a:cs typeface="Arial"/>
                         </a:rPr>
@@ -49489,6 +49576,9 @@
                       </a:r>
                       <a:r>
                         <a:rPr sz="2000" spc="-55" dirty="0">
+                          <a:solidFill>
+                            <a:schemeClr val="bg1"/>
+                          </a:solidFill>
                           <a:latin typeface="Candara" panose="020E0502030303020204" pitchFamily="34" charset="0"/>
                           <a:cs typeface="Arial"/>
                         </a:rPr>
@@ -49496,12 +49586,18 @@
                       </a:r>
                       <a:r>
                         <a:rPr sz="2000" spc="-5" dirty="0">
+                          <a:solidFill>
+                            <a:schemeClr val="bg1"/>
+                          </a:solidFill>
                           <a:latin typeface="Candara" panose="020E0502030303020204" pitchFamily="34" charset="0"/>
                           <a:cs typeface="Arial"/>
                         </a:rPr>
                         <a:t>resolution</a:t>
                       </a:r>
-                      <a:endParaRPr sz="2000">
+                      <a:endParaRPr sz="2000" dirty="0">
+                        <a:solidFill>
+                          <a:schemeClr val="bg1"/>
+                        </a:solidFill>
                         <a:latin typeface="Candara" panose="020E0502030303020204" pitchFamily="34" charset="0"/>
                         <a:cs typeface="Arial"/>
                       </a:endParaRPr>
@@ -49532,6 +49628,9 @@
                       </a:solidFill>
                       <a:prstDash val="solid"/>
                     </a:lnB>
+                    <a:solidFill>
+                      <a:srgbClr val="8A8A8A"/>
+                    </a:solidFill>
                   </a:tcPr>
                 </a:tc>
                 <a:extLst>
@@ -50611,7 +50710,11 @@
             <a:pPr lvl="1"/>
             <a:r>
               <a:rPr lang="en-GB" dirty="0" smtClean="0"/>
-              <a:t>Issue tracking.</a:t>
+              <a:t>Issue </a:t>
+            </a:r>
+            <a:r>
+              <a:rPr lang="en-GB" dirty="0" smtClean="0"/>
+              <a:t>tracking</a:t>
             </a:r>
             <a:endParaRPr lang="en-GB" dirty="0"/>
           </a:p>
@@ -50902,7 +51005,7 @@
           </a:ln>
           <a:extLst>
             <a:ext uri="{91240B29-F687-4f45-9708-019B960494DF}">
-              <a14:hiddenLine xmlns="" xmlns:a14="http://schemas.microsoft.com/office/drawing/2010/main" w="12700">
+              <a14:hiddenLine xmlns:a14="http://schemas.microsoft.com/office/drawing/2010/main" xmlns="" w="12700">
                 <a:solidFill>
                   <a:srgbClr val="000000"/>
                 </a:solidFill>
@@ -50945,7 +51048,7 @@
           </a:ln>
           <a:extLst>
             <a:ext uri="{91240B29-F687-4f45-9708-019B960494DF}">
-              <a14:hiddenLine xmlns="" xmlns:a14="http://schemas.microsoft.com/office/drawing/2010/main" w="12700">
+              <a14:hiddenLine xmlns:a14="http://schemas.microsoft.com/office/drawing/2010/main" xmlns="" w="12700">
                 <a:solidFill>
                   <a:srgbClr val="000000"/>
                 </a:solidFill>
@@ -50988,7 +51091,7 @@
           </a:ln>
           <a:extLst>
             <a:ext uri="{91240B29-F687-4f45-9708-019B960494DF}">
-              <a14:hiddenLine xmlns="" xmlns:a14="http://schemas.microsoft.com/office/drawing/2010/main" w="12700">
+              <a14:hiddenLine xmlns:a14="http://schemas.microsoft.com/office/drawing/2010/main" xmlns="" w="12700">
                 <a:solidFill>
                   <a:srgbClr val="000000"/>
                 </a:solidFill>
@@ -51031,7 +51134,7 @@
           </a:ln>
           <a:extLst>
             <a:ext uri="{91240B29-F687-4f45-9708-019B960494DF}">
-              <a14:hiddenLine xmlns="" xmlns:a14="http://schemas.microsoft.com/office/drawing/2010/main" w="12700">
+              <a14:hiddenLine xmlns:a14="http://schemas.microsoft.com/office/drawing/2010/main" xmlns="" w="12700">
                 <a:solidFill>
                   <a:srgbClr val="000000"/>
                 </a:solidFill>
@@ -51074,7 +51177,7 @@
           </a:ln>
           <a:extLst>
             <a:ext uri="{91240B29-F687-4f45-9708-019B960494DF}">
-              <a14:hiddenLine xmlns="" xmlns:a14="http://schemas.microsoft.com/office/drawing/2010/main" w="12700">
+              <a14:hiddenLine xmlns:a14="http://schemas.microsoft.com/office/drawing/2010/main" xmlns="" w="12700">
                 <a:solidFill>
                   <a:srgbClr val="000000"/>
                 </a:solidFill>
@@ -51117,7 +51220,7 @@
           </a:ln>
           <a:extLst>
             <a:ext uri="{91240B29-F687-4f45-9708-019B960494DF}">
-              <a14:hiddenLine xmlns="" xmlns:a14="http://schemas.microsoft.com/office/drawing/2010/main" w="12700">
+              <a14:hiddenLine xmlns:a14="http://schemas.microsoft.com/office/drawing/2010/main" xmlns="" w="12700">
                 <a:solidFill>
                   <a:srgbClr val="000000"/>
                 </a:solidFill>
@@ -51160,7 +51263,7 @@
           </a:ln>
           <a:extLst>
             <a:ext uri="{91240B29-F687-4f45-9708-019B960494DF}">
-              <a14:hiddenLine xmlns="" xmlns:a14="http://schemas.microsoft.com/office/drawing/2010/main" w="12700">
+              <a14:hiddenLine xmlns:a14="http://schemas.microsoft.com/office/drawing/2010/main" xmlns="" w="12700">
                 <a:solidFill>
                   <a:srgbClr val="000000"/>
                 </a:solidFill>
@@ -51206,7 +51309,7 @@
           </a:ln>
           <a:extLst>
             <a:ext uri="{909E8E84-426E-40dd-AFC4-6F175D3DCCD1}">
-              <a14:hiddenFill xmlns="" xmlns:a14="http://schemas.microsoft.com/office/drawing/2010/main">
+              <a14:hiddenFill xmlns:a14="http://schemas.microsoft.com/office/drawing/2010/main" xmlns="">
                 <a:solidFill>
                   <a:srgbClr val="FFFFFF"/>
                 </a:solidFill>
@@ -51260,7 +51363,7 @@
           </a:ln>
           <a:extLst>
             <a:ext uri="{909E8E84-426E-40dd-AFC4-6F175D3DCCD1}">
-              <a14:hiddenFill xmlns="" xmlns:a14="http://schemas.microsoft.com/office/drawing/2010/main">
+              <a14:hiddenFill xmlns:a14="http://schemas.microsoft.com/office/drawing/2010/main" xmlns="">
                 <a:solidFill>
                   <a:srgbClr val="FFFFFF"/>
                 </a:solidFill>
@@ -51314,7 +51417,7 @@
           </a:ln>
           <a:extLst>
             <a:ext uri="{909E8E84-426E-40dd-AFC4-6F175D3DCCD1}">
-              <a14:hiddenFill xmlns="" xmlns:a14="http://schemas.microsoft.com/office/drawing/2010/main">
+              <a14:hiddenFill xmlns:a14="http://schemas.microsoft.com/office/drawing/2010/main" xmlns="">
                 <a:solidFill>
                   <a:srgbClr val="FFFFFF"/>
                 </a:solidFill>
@@ -51396,7 +51499,7 @@
           </a:ln>
           <a:extLst>
             <a:ext uri="{909E8E84-426E-40dd-AFC4-6F175D3DCCD1}">
-              <a14:hiddenFill xmlns="" xmlns:a14="http://schemas.microsoft.com/office/drawing/2010/main">
+              <a14:hiddenFill xmlns:a14="http://schemas.microsoft.com/office/drawing/2010/main" xmlns="">
                 <a:noFill/>
               </a14:hiddenFill>
             </a:ext>
@@ -51437,7 +51540,7 @@
           </a:ln>
           <a:extLst>
             <a:ext uri="{909E8E84-426E-40dd-AFC4-6F175D3DCCD1}">
-              <a14:hiddenFill xmlns="" xmlns:a14="http://schemas.microsoft.com/office/drawing/2010/main">
+              <a14:hiddenFill xmlns:a14="http://schemas.microsoft.com/office/drawing/2010/main" xmlns="">
                 <a:noFill/>
               </a14:hiddenFill>
             </a:ext>
@@ -51473,14 +51576,14 @@
           </a:ln>
           <a:extLst>
             <a:ext uri="{909E8E84-426E-40dd-AFC4-6F175D3DCCD1}">
-              <a14:hiddenFill xmlns="" xmlns:a14="http://schemas.microsoft.com/office/drawing/2010/main">
+              <a14:hiddenFill xmlns:a14="http://schemas.microsoft.com/office/drawing/2010/main" xmlns="">
                 <a:solidFill>
                   <a:srgbClr val="FFFFFF"/>
                 </a:solidFill>
               </a14:hiddenFill>
             </a:ext>
             <a:ext uri="{91240B29-F687-4f45-9708-019B960494DF}">
-              <a14:hiddenLine xmlns="" xmlns:a14="http://schemas.microsoft.com/office/drawing/2010/main" w="12700">
+              <a14:hiddenLine xmlns:a14="http://schemas.microsoft.com/office/drawing/2010/main" xmlns="" w="12700">
                 <a:solidFill>
                   <a:srgbClr val="000000"/>
                 </a:solidFill>
@@ -51526,14 +51629,14 @@
           </a:ln>
           <a:extLst>
             <a:ext uri="{909E8E84-426E-40dd-AFC4-6F175D3DCCD1}">
-              <a14:hiddenFill xmlns="" xmlns:a14="http://schemas.microsoft.com/office/drawing/2010/main">
+              <a14:hiddenFill xmlns:a14="http://schemas.microsoft.com/office/drawing/2010/main" xmlns="">
                 <a:solidFill>
                   <a:srgbClr val="FFFFFF"/>
                 </a:solidFill>
               </a14:hiddenFill>
             </a:ext>
             <a:ext uri="{91240B29-F687-4f45-9708-019B960494DF}">
-              <a14:hiddenLine xmlns="" xmlns:a14="http://schemas.microsoft.com/office/drawing/2010/main" w="12700">
+              <a14:hiddenLine xmlns:a14="http://schemas.microsoft.com/office/drawing/2010/main" xmlns="" w="12700">
                 <a:solidFill>
                   <a:srgbClr val="000000"/>
                 </a:solidFill>
@@ -51579,14 +51682,14 @@
           </a:ln>
           <a:extLst>
             <a:ext uri="{909E8E84-426E-40dd-AFC4-6F175D3DCCD1}">
-              <a14:hiddenFill xmlns="" xmlns:a14="http://schemas.microsoft.com/office/drawing/2010/main">
+              <a14:hiddenFill xmlns:a14="http://schemas.microsoft.com/office/drawing/2010/main" xmlns="">
                 <a:solidFill>
                   <a:srgbClr val="FFFFFF"/>
                 </a:solidFill>
               </a14:hiddenFill>
             </a:ext>
             <a:ext uri="{91240B29-F687-4f45-9708-019B960494DF}">
-              <a14:hiddenLine xmlns="" xmlns:a14="http://schemas.microsoft.com/office/drawing/2010/main" w="12700">
+              <a14:hiddenLine xmlns:a14="http://schemas.microsoft.com/office/drawing/2010/main" xmlns="" w="12700">
                 <a:solidFill>
                   <a:srgbClr val="000000"/>
                 </a:solidFill>
@@ -52282,7 +52385,7 @@
           </a:ln>
           <a:extLst>
             <a:ext uri="{909E8E84-426E-40dd-AFC4-6F175D3DCCD1}">
-              <a14:hiddenFill xmlns="" xmlns:a14="http://schemas.microsoft.com/office/drawing/2010/main">
+              <a14:hiddenFill xmlns:a14="http://schemas.microsoft.com/office/drawing/2010/main" xmlns="">
                 <a:noFill/>
               </a14:hiddenFill>
             </a:ext>
@@ -52321,7 +52424,7 @@
           </a:ln>
           <a:extLst>
             <a:ext uri="{909E8E84-426E-40dd-AFC4-6F175D3DCCD1}">
-              <a14:hiddenFill xmlns="" xmlns:a14="http://schemas.microsoft.com/office/drawing/2010/main">
+              <a14:hiddenFill xmlns:a14="http://schemas.microsoft.com/office/drawing/2010/main" xmlns="">
                 <a:noFill/>
               </a14:hiddenFill>
             </a:ext>
@@ -52360,7 +52463,7 @@
           </a:ln>
           <a:extLst>
             <a:ext uri="{909E8E84-426E-40dd-AFC4-6F175D3DCCD1}">
-              <a14:hiddenFill xmlns="" xmlns:a14="http://schemas.microsoft.com/office/drawing/2010/main">
+              <a14:hiddenFill xmlns:a14="http://schemas.microsoft.com/office/drawing/2010/main" xmlns="">
                 <a:noFill/>
               </a14:hiddenFill>
             </a:ext>
@@ -52399,7 +52502,7 @@
           </a:ln>
           <a:extLst>
             <a:ext uri="{909E8E84-426E-40dd-AFC4-6F175D3DCCD1}">
-              <a14:hiddenFill xmlns="" xmlns:a14="http://schemas.microsoft.com/office/drawing/2010/main">
+              <a14:hiddenFill xmlns:a14="http://schemas.microsoft.com/office/drawing/2010/main" xmlns="">
                 <a:noFill/>
               </a14:hiddenFill>
             </a:ext>
@@ -52438,7 +52541,7 @@
           </a:ln>
           <a:extLst>
             <a:ext uri="{909E8E84-426E-40dd-AFC4-6F175D3DCCD1}">
-              <a14:hiddenFill xmlns="" xmlns:a14="http://schemas.microsoft.com/office/drawing/2010/main">
+              <a14:hiddenFill xmlns:a14="http://schemas.microsoft.com/office/drawing/2010/main" xmlns="">
                 <a:noFill/>
               </a14:hiddenFill>
             </a:ext>
@@ -52477,7 +52580,7 @@
           </a:ln>
           <a:extLst>
             <a:ext uri="{909E8E84-426E-40dd-AFC4-6F175D3DCCD1}">
-              <a14:hiddenFill xmlns="" xmlns:a14="http://schemas.microsoft.com/office/drawing/2010/main">
+              <a14:hiddenFill xmlns:a14="http://schemas.microsoft.com/office/drawing/2010/main" xmlns="">
                 <a:noFill/>
               </a14:hiddenFill>
             </a:ext>
@@ -52511,7 +52614,7 @@
           </a:ln>
           <a:extLst>
             <a:ext uri="{909E8E84-426E-40dd-AFC4-6F175D3DCCD1}">
-              <a14:hiddenFill xmlns="" xmlns:a14="http://schemas.microsoft.com/office/drawing/2010/main">
+              <a14:hiddenFill xmlns:a14="http://schemas.microsoft.com/office/drawing/2010/main" xmlns="">
                 <a:solidFill>
                   <a:srgbClr val="FFFFFF"/>
                 </a:solidFill>
@@ -52696,7 +52799,7 @@
           </a:ln>
           <a:extLst>
             <a:ext uri="{909E8E84-426E-40dd-AFC4-6F175D3DCCD1}">
-              <a14:hiddenFill xmlns="" xmlns:a14="http://schemas.microsoft.com/office/drawing/2010/main">
+              <a14:hiddenFill xmlns:a14="http://schemas.microsoft.com/office/drawing/2010/main" xmlns="">
                 <a:noFill/>
               </a14:hiddenFill>
             </a:ext>
@@ -52732,14 +52835,14 @@
           </a:ln>
           <a:extLst>
             <a:ext uri="{909E8E84-426E-40dd-AFC4-6F175D3DCCD1}">
-              <a14:hiddenFill xmlns="" xmlns:a14="http://schemas.microsoft.com/office/drawing/2010/main">
+              <a14:hiddenFill xmlns:a14="http://schemas.microsoft.com/office/drawing/2010/main" xmlns="">
                 <a:solidFill>
                   <a:srgbClr val="FFFFFF"/>
                 </a:solidFill>
               </a14:hiddenFill>
             </a:ext>
             <a:ext uri="{91240B29-F687-4f45-9708-019B960494DF}">
-              <a14:hiddenLine xmlns="" xmlns:a14="http://schemas.microsoft.com/office/drawing/2010/main" w="12700">
+              <a14:hiddenLine xmlns:a14="http://schemas.microsoft.com/office/drawing/2010/main" xmlns="" w="12700">
                 <a:solidFill>
                   <a:srgbClr val="000000"/>
                 </a:solidFill>
@@ -52895,14 +52998,14 @@
           </a:ln>
           <a:extLst>
             <a:ext uri="{909E8E84-426E-40dd-AFC4-6F175D3DCCD1}">
-              <a14:hiddenFill xmlns="" xmlns:a14="http://schemas.microsoft.com/office/drawing/2010/main">
+              <a14:hiddenFill xmlns:a14="http://schemas.microsoft.com/office/drawing/2010/main" xmlns="">
                 <a:solidFill>
                   <a:srgbClr val="FFFFFF"/>
                 </a:solidFill>
               </a14:hiddenFill>
             </a:ext>
             <a:ext uri="{91240B29-F687-4f45-9708-019B960494DF}">
-              <a14:hiddenLine xmlns="" xmlns:a14="http://schemas.microsoft.com/office/drawing/2010/main" w="12700">
+              <a14:hiddenLine xmlns:a14="http://schemas.microsoft.com/office/drawing/2010/main" xmlns="" w="12700">
                 <a:solidFill>
                   <a:srgbClr val="000000"/>
                 </a:solidFill>
@@ -53067,14 +53170,14 @@
           </a:ln>
           <a:extLst>
             <a:ext uri="{909E8E84-426E-40dd-AFC4-6F175D3DCCD1}">
-              <a14:hiddenFill xmlns="" xmlns:a14="http://schemas.microsoft.com/office/drawing/2010/main">
+              <a14:hiddenFill xmlns:a14="http://schemas.microsoft.com/office/drawing/2010/main" xmlns="">
                 <a:solidFill>
                   <a:srgbClr val="FFFFFF"/>
                 </a:solidFill>
               </a14:hiddenFill>
             </a:ext>
             <a:ext uri="{91240B29-F687-4f45-9708-019B960494DF}">
-              <a14:hiddenLine xmlns="" xmlns:a14="http://schemas.microsoft.com/office/drawing/2010/main" w="12700">
+              <a14:hiddenLine xmlns:a14="http://schemas.microsoft.com/office/drawing/2010/main" xmlns="" w="12700">
                 <a:solidFill>
                   <a:srgbClr val="000000"/>
                 </a:solidFill>
@@ -53235,7 +53338,7 @@
           </a:ln>
           <a:extLst>
             <a:ext uri="{909E8E84-426E-40dd-AFC4-6F175D3DCCD1}">
-              <a14:hiddenFill xmlns="" xmlns:a14="http://schemas.microsoft.com/office/drawing/2010/main">
+              <a14:hiddenFill xmlns:a14="http://schemas.microsoft.com/office/drawing/2010/main" xmlns="">
                 <a:noFill/>
               </a14:hiddenFill>
             </a:ext>
@@ -53276,7 +53379,7 @@
           </a:ln>
           <a:extLst>
             <a:ext uri="{909E8E84-426E-40dd-AFC4-6F175D3DCCD1}">
-              <a14:hiddenFill xmlns="" xmlns:a14="http://schemas.microsoft.com/office/drawing/2010/main">
+              <a14:hiddenFill xmlns:a14="http://schemas.microsoft.com/office/drawing/2010/main" xmlns="">
                 <a:noFill/>
               </a14:hiddenFill>
             </a:ext>
@@ -53317,7 +53420,7 @@
           </a:ln>
           <a:extLst>
             <a:ext uri="{909E8E84-426E-40dd-AFC4-6F175D3DCCD1}">
-              <a14:hiddenFill xmlns="" xmlns:a14="http://schemas.microsoft.com/office/drawing/2010/main">
+              <a14:hiddenFill xmlns:a14="http://schemas.microsoft.com/office/drawing/2010/main" xmlns="">
                 <a:noFill/>
               </a14:hiddenFill>
             </a:ext>
@@ -53903,69 +54006,8 @@
             </a:r>
           </a:p>
           <a:p>
-            <a:r>
-              <a:rPr lang="en-US" dirty="0" smtClean="0"/>
-              <a:t>Bottom up approach </a:t>
-            </a:r>
-          </a:p>
-          <a:p>
-            <a:pPr lvl="1"/>
-            <a:r>
-              <a:rPr lang="en-US" dirty="0" smtClean="0"/>
-              <a:t>good for object oriented design methodologies </a:t>
-            </a:r>
-          </a:p>
-          <a:p>
-            <a:pPr lvl="1"/>
-            <a:r>
-              <a:rPr lang="en-US" dirty="0" smtClean="0"/>
-              <a:t>Test driver interfaces must match component interfaces </a:t>
-            </a:r>
-          </a:p>
-          <a:p>
-            <a:pPr lvl="1"/>
-            <a:r>
-              <a:rPr lang="en-US" dirty="0" smtClean="0"/>
-              <a:t>Top-level components are usually important and cannot be neglected up to the end of testing</a:t>
-            </a:r>
-          </a:p>
-          <a:p>
-            <a:pPr lvl="1"/>
-            <a:r>
-              <a:rPr lang="en-US" dirty="0" smtClean="0"/>
-              <a:t>Detection of design errors postponed until end of testing </a:t>
-            </a:r>
-          </a:p>
-          <a:p>
             <a:pPr lvl="1"/>
             <a:endParaRPr lang="en-US" dirty="0"/>
-          </a:p>
-        </p:txBody>
-      </p:sp>
-      <p:sp>
-        <p:nvSpPr>
-          <p:cNvPr id="14" name="Content Placeholder 13"/>
-          <p:cNvSpPr>
-            <a:spLocks noGrp="1"/>
-          </p:cNvSpPr>
-          <p:nvPr>
-            <p:ph sz="half" idx="4294967295"/>
-          </p:nvPr>
-        </p:nvSpPr>
-        <p:spPr>
-          <a:xfrm>
-            <a:off x="6629400" y="990601"/>
-            <a:ext cx="4038600" cy="5140325"/>
-          </a:xfrm>
-        </p:spPr>
-        <p:txBody>
-          <a:bodyPr/>
-          <a:lstStyle/>
-          <a:p>
-            <a:endParaRPr lang="en-US" sz="1200" dirty="0"/>
-          </a:p>
-          <a:p>
-            <a:endParaRPr lang="en-US" sz="1200" dirty="0"/>
           </a:p>
         </p:txBody>
       </p:sp>
@@ -54069,8 +54111,47 @@
           <a:lstStyle/>
           <a:p>
             <a:r>
+              <a:rPr lang="en-US" dirty="0"/>
+              <a:t>Bottom up approach </a:t>
+            </a:r>
+          </a:p>
+          <a:p>
+            <a:pPr lvl="1"/>
+            <a:r>
+              <a:rPr lang="en-US" dirty="0"/>
+              <a:t>Good for object oriented design methodologies </a:t>
+            </a:r>
+          </a:p>
+          <a:p>
+            <a:pPr lvl="1"/>
+            <a:r>
+              <a:rPr lang="en-US" dirty="0"/>
+              <a:t>Test driver interfaces must match component interfaces </a:t>
+            </a:r>
+          </a:p>
+          <a:p>
+            <a:pPr lvl="1"/>
+            <a:r>
+              <a:rPr lang="en-US" dirty="0"/>
+              <a:t>Top-level components are usually important and cannot be neglected up to the end of testing</a:t>
+            </a:r>
+          </a:p>
+          <a:p>
+            <a:pPr lvl="1"/>
+            <a:r>
+              <a:rPr lang="en-US" dirty="0"/>
+              <a:t>Detection of design errors postponed until end of testing </a:t>
+            </a:r>
+            <a:endParaRPr lang="en-US" dirty="0" smtClean="0"/>
+          </a:p>
+          <a:p>
+            <a:r>
               <a:rPr lang="en-US" dirty="0" smtClean="0"/>
-              <a:t>Top down approach </a:t>
+              <a:t>Top </a:t>
+            </a:r>
+            <a:r>
+              <a:rPr lang="en-US" dirty="0" smtClean="0"/>
+              <a:t>down approach </a:t>
             </a:r>
           </a:p>
           <a:p>

--- a/SE401/Lectures/8-Integration, System and Regression Testing/Integration Testing.pptx
+++ b/SE401/Lectures/8-Integration, System and Regression Testing/Integration Testing.pptx
@@ -5,7 +5,7 @@
     <p:sldMasterId id="2147483648" r:id="rId1"/>
   </p:sldMasterIdLst>
   <p:notesMasterIdLst>
-    <p:notesMasterId r:id="rId66"/>
+    <p:notesMasterId r:id="rId67"/>
   </p:notesMasterIdLst>
   <p:sldIdLst>
     <p:sldId id="256" r:id="rId2"/>
@@ -54,24 +54,25 @@
     <p:sldId id="300" r:id="rId45"/>
     <p:sldId id="301" r:id="rId46"/>
     <p:sldId id="302" r:id="rId47"/>
-    <p:sldId id="303" r:id="rId48"/>
-    <p:sldId id="304" r:id="rId49"/>
-    <p:sldId id="305" r:id="rId50"/>
-    <p:sldId id="306" r:id="rId51"/>
-    <p:sldId id="307" r:id="rId52"/>
-    <p:sldId id="308" r:id="rId53"/>
-    <p:sldId id="309" r:id="rId54"/>
-    <p:sldId id="310" r:id="rId55"/>
-    <p:sldId id="311" r:id="rId56"/>
-    <p:sldId id="312" r:id="rId57"/>
-    <p:sldId id="313" r:id="rId58"/>
-    <p:sldId id="314" r:id="rId59"/>
-    <p:sldId id="325" r:id="rId60"/>
-    <p:sldId id="315" r:id="rId61"/>
-    <p:sldId id="316" r:id="rId62"/>
-    <p:sldId id="317" r:id="rId63"/>
-    <p:sldId id="322" r:id="rId64"/>
-    <p:sldId id="319" r:id="rId65"/>
+    <p:sldId id="326" r:id="rId48"/>
+    <p:sldId id="303" r:id="rId49"/>
+    <p:sldId id="304" r:id="rId50"/>
+    <p:sldId id="305" r:id="rId51"/>
+    <p:sldId id="306" r:id="rId52"/>
+    <p:sldId id="307" r:id="rId53"/>
+    <p:sldId id="308" r:id="rId54"/>
+    <p:sldId id="309" r:id="rId55"/>
+    <p:sldId id="310" r:id="rId56"/>
+    <p:sldId id="311" r:id="rId57"/>
+    <p:sldId id="312" r:id="rId58"/>
+    <p:sldId id="313" r:id="rId59"/>
+    <p:sldId id="314" r:id="rId60"/>
+    <p:sldId id="325" r:id="rId61"/>
+    <p:sldId id="315" r:id="rId62"/>
+    <p:sldId id="316" r:id="rId63"/>
+    <p:sldId id="317" r:id="rId64"/>
+    <p:sldId id="322" r:id="rId65"/>
+    <p:sldId id="319" r:id="rId66"/>
   </p:sldIdLst>
   <p:sldSz cx="12192000" cy="6858000"/>
   <p:notesSz cx="6858000" cy="9144000"/>
@@ -260,7 +261,7 @@
           <a:p>
             <a:fld id="{11EAA60E-FCF3-40DF-B4BC-258568585669}" type="datetimeFigureOut">
               <a:rPr lang="en-US" smtClean="0"/>
-              <a:t>4/18/2022</a:t>
+              <a:t>4/19/2022</a:t>
             </a:fld>
             <a:endParaRPr lang="en-US"/>
           </a:p>
@@ -3316,7 +3317,7 @@
           <a:ln/>
           <a:extLst>
             <a:ext uri="{FAA26D3D-D897-4be2-8F04-BA451C77F1D7}">
-              <ma14:placeholderFlag xmlns:ma14="http://schemas.microsoft.com/office/mac/drawingml/2011/main" xmlns="" val="1"/>
+              <ma14:placeholderFlag xmlns="" xmlns:ma14="http://schemas.microsoft.com/office/mac/drawingml/2011/main" val="1"/>
             </a:ext>
           </a:extLst>
         </p:spPr>
@@ -3495,7 +3496,7 @@
           <a:ln/>
           <a:extLst>
             <a:ext uri="{FAA26D3D-D897-4be2-8F04-BA451C77F1D7}">
-              <ma14:placeholderFlag xmlns:ma14="http://schemas.microsoft.com/office/mac/drawingml/2011/main" xmlns="" val="1"/>
+              <ma14:placeholderFlag xmlns="" xmlns:ma14="http://schemas.microsoft.com/office/mac/drawingml/2011/main" val="1"/>
             </a:ext>
           </a:extLst>
         </p:spPr>
@@ -3689,14 +3690,14 @@
           <a:ln w="9525"/>
           <a:extLst>
             <a:ext uri="{909E8E84-426E-40dd-AFC4-6F175D3DCCD1}">
-              <a14:hiddenFill xmlns:a14="http://schemas.microsoft.com/office/drawing/2010/main" xmlns="">
+              <a14:hiddenFill xmlns="" xmlns:a14="http://schemas.microsoft.com/office/drawing/2010/main">
                 <a:solidFill>
                   <a:srgbClr val="FFFFFF"/>
                 </a:solidFill>
               </a14:hiddenFill>
             </a:ext>
             <a:ext uri="{91240B29-F687-4f45-9708-019B960494DF}">
-              <a14:hiddenLine xmlns:a14="http://schemas.microsoft.com/office/drawing/2010/main" xmlns="" w="9525">
+              <a14:hiddenLine xmlns="" xmlns:a14="http://schemas.microsoft.com/office/drawing/2010/main" w="9525">
                 <a:solidFill>
                   <a:srgbClr val="000000"/>
                 </a:solidFill>
@@ -3706,7 +3707,7 @@
               </a14:hiddenLine>
             </a:ext>
             <a:ext uri="{FAA26D3D-D897-4be2-8F04-BA451C77F1D7}">
-              <ma14:placeholderFlag xmlns:ma14="http://schemas.microsoft.com/office/mac/drawingml/2011/main" xmlns="" val="1"/>
+              <ma14:placeholderFlag xmlns="" xmlns:ma14="http://schemas.microsoft.com/office/mac/drawingml/2011/main" val="1"/>
             </a:ext>
           </a:extLst>
         </p:spPr>
@@ -3878,14 +3879,14 @@
           <a:ln w="9525"/>
           <a:extLst>
             <a:ext uri="{909E8E84-426E-40dd-AFC4-6F175D3DCCD1}">
-              <a14:hiddenFill xmlns:a14="http://schemas.microsoft.com/office/drawing/2010/main" xmlns="">
+              <a14:hiddenFill xmlns="" xmlns:a14="http://schemas.microsoft.com/office/drawing/2010/main">
                 <a:solidFill>
                   <a:srgbClr val="FFFFFF"/>
                 </a:solidFill>
               </a14:hiddenFill>
             </a:ext>
             <a:ext uri="{91240B29-F687-4f45-9708-019B960494DF}">
-              <a14:hiddenLine xmlns:a14="http://schemas.microsoft.com/office/drawing/2010/main" xmlns="" w="9525">
+              <a14:hiddenLine xmlns="" xmlns:a14="http://schemas.microsoft.com/office/drawing/2010/main" w="9525">
                 <a:solidFill>
                   <a:srgbClr val="000000"/>
                 </a:solidFill>
@@ -4151,14 +4152,14 @@
           <a:ln w="9525"/>
           <a:extLst>
             <a:ext uri="{909E8E84-426E-40dd-AFC4-6F175D3DCCD1}">
-              <a14:hiddenFill xmlns:a14="http://schemas.microsoft.com/office/drawing/2010/main" xmlns="">
+              <a14:hiddenFill xmlns="" xmlns:a14="http://schemas.microsoft.com/office/drawing/2010/main">
                 <a:solidFill>
                   <a:srgbClr val="FFFFFF"/>
                 </a:solidFill>
               </a14:hiddenFill>
             </a:ext>
             <a:ext uri="{91240B29-F687-4f45-9708-019B960494DF}">
-              <a14:hiddenLine xmlns:a14="http://schemas.microsoft.com/office/drawing/2010/main" xmlns="" w="9525">
+              <a14:hiddenLine xmlns="" xmlns:a14="http://schemas.microsoft.com/office/drawing/2010/main" w="9525">
                 <a:solidFill>
                   <a:srgbClr val="000000"/>
                 </a:solidFill>
@@ -4168,7 +4169,7 @@
               </a14:hiddenLine>
             </a:ext>
             <a:ext uri="{FAA26D3D-D897-4be2-8F04-BA451C77F1D7}">
-              <ma14:placeholderFlag xmlns:ma14="http://schemas.microsoft.com/office/mac/drawingml/2011/main" xmlns="" val="1"/>
+              <ma14:placeholderFlag xmlns="" xmlns:ma14="http://schemas.microsoft.com/office/mac/drawingml/2011/main" val="1"/>
             </a:ext>
           </a:extLst>
         </p:spPr>
@@ -4285,7 +4286,7 @@
               <a:pPr>
                 <a:defRPr/>
               </a:pPr>
-              <a:t>58</a:t>
+              <a:t>59</a:t>
             </a:fld>
             <a:r>
               <a:rPr lang="en-US" smtClean="0"/>
@@ -4354,14 +4355,14 @@
           <a:ln w="9525"/>
           <a:extLst>
             <a:ext uri="{909E8E84-426E-40dd-AFC4-6F175D3DCCD1}">
-              <a14:hiddenFill xmlns:a14="http://schemas.microsoft.com/office/drawing/2010/main" xmlns="">
+              <a14:hiddenFill xmlns="" xmlns:a14="http://schemas.microsoft.com/office/drawing/2010/main">
                 <a:solidFill>
                   <a:srgbClr val="FFFFFF"/>
                 </a:solidFill>
               </a14:hiddenFill>
             </a:ext>
             <a:ext uri="{91240B29-F687-4f45-9708-019B960494DF}">
-              <a14:hiddenLine xmlns:a14="http://schemas.microsoft.com/office/drawing/2010/main" xmlns="" w="9525">
+              <a14:hiddenLine xmlns="" xmlns:a14="http://schemas.microsoft.com/office/drawing/2010/main" w="9525">
                 <a:solidFill>
                   <a:srgbClr val="000000"/>
                 </a:solidFill>
@@ -4371,7 +4372,7 @@
               </a14:hiddenLine>
             </a:ext>
             <a:ext uri="{FAA26D3D-D897-4be2-8F04-BA451C77F1D7}">
-              <ma14:placeholderFlag xmlns:ma14="http://schemas.microsoft.com/office/mac/drawingml/2011/main" xmlns="" val="1"/>
+              <ma14:placeholderFlag xmlns="" xmlns:ma14="http://schemas.microsoft.com/office/mac/drawingml/2011/main" val="1"/>
             </a:ext>
           </a:extLst>
         </p:spPr>
@@ -4488,7 +4489,7 @@
               <a:pPr>
                 <a:defRPr/>
               </a:pPr>
-              <a:t>59</a:t>
+              <a:t>60</a:t>
             </a:fld>
             <a:r>
               <a:rPr lang="en-US" smtClean="0"/>
@@ -4729,14 +4730,14 @@
           <a:ln w="9525"/>
           <a:extLst>
             <a:ext uri="{909E8E84-426E-40dd-AFC4-6F175D3DCCD1}">
-              <a14:hiddenFill xmlns:a14="http://schemas.microsoft.com/office/drawing/2010/main" xmlns="">
+              <a14:hiddenFill xmlns="" xmlns:a14="http://schemas.microsoft.com/office/drawing/2010/main">
                 <a:solidFill>
                   <a:srgbClr val="FFFFFF"/>
                 </a:solidFill>
               </a14:hiddenFill>
             </a:ext>
             <a:ext uri="{91240B29-F687-4f45-9708-019B960494DF}">
-              <a14:hiddenLine xmlns:a14="http://schemas.microsoft.com/office/drawing/2010/main" xmlns="" w="9525">
+              <a14:hiddenLine xmlns="" xmlns:a14="http://schemas.microsoft.com/office/drawing/2010/main" w="9525">
                 <a:solidFill>
                   <a:srgbClr val="000000"/>
                 </a:solidFill>
@@ -4873,7 +4874,7 @@
               <a:pPr>
                 <a:defRPr/>
               </a:pPr>
-              <a:t>60</a:t>
+              <a:t>61</a:t>
             </a:fld>
             <a:r>
               <a:rPr lang="en-US" smtClean="0"/>
@@ -5045,7 +5046,7 @@
               <a:pPr>
                 <a:defRPr/>
               </a:pPr>
-              <a:t>61</a:t>
+              <a:t>62</a:t>
             </a:fld>
             <a:r>
               <a:rPr lang="en-US" smtClean="0"/>
@@ -5217,7 +5218,7 @@
               <a:pPr>
                 <a:defRPr/>
               </a:pPr>
-              <a:t>62</a:t>
+              <a:t>63</a:t>
             </a:fld>
             <a:r>
               <a:rPr lang="en-US" smtClean="0"/>
@@ -5389,7 +5390,7 @@
               <a:pPr>
                 <a:defRPr/>
               </a:pPr>
-              <a:t>63</a:t>
+              <a:t>64</a:t>
             </a:fld>
             <a:r>
               <a:rPr lang="en-US" smtClean="0"/>
@@ -5451,14 +5452,14 @@
           </a:ln>
           <a:extLst>
             <a:ext uri="{909E8E84-426E-40dd-AFC4-6F175D3DCCD1}">
-              <a14:hiddenFill xmlns:a14="http://schemas.microsoft.com/office/drawing/2010/main" xmlns="">
+              <a14:hiddenFill xmlns="" xmlns:a14="http://schemas.microsoft.com/office/drawing/2010/main">
                 <a:solidFill>
                   <a:srgbClr val="FFFFFF"/>
                 </a:solidFill>
               </a14:hiddenFill>
             </a:ext>
             <a:ext uri="{91240B29-F687-4f45-9708-019B960494DF}">
-              <a14:hiddenLine xmlns:a14="http://schemas.microsoft.com/office/drawing/2010/main" xmlns="" w="9525">
+              <a14:hiddenLine xmlns="" xmlns:a14="http://schemas.microsoft.com/office/drawing/2010/main" w="9525">
                 <a:solidFill>
                   <a:srgbClr val="000000"/>
                 </a:solidFill>
@@ -5586,7 +5587,7 @@
                 <a:latin typeface="Verdana" charset="0"/>
               </a:rPr>
               <a:pPr algn="r" eaLnBrk="1" hangingPunct="1"/>
-              <a:t>64</a:t>
+              <a:t>65</a:t>
             </a:fld>
             <a:endParaRPr lang="en-US" sz="1200" dirty="0">
               <a:latin typeface="Verdana" charset="0"/>
@@ -5634,14 +5635,14 @@
           </a:ln>
           <a:extLst>
             <a:ext uri="{909E8E84-426E-40dd-AFC4-6F175D3DCCD1}">
-              <a14:hiddenFill xmlns:a14="http://schemas.microsoft.com/office/drawing/2010/main" xmlns="">
+              <a14:hiddenFill xmlns="" xmlns:a14="http://schemas.microsoft.com/office/drawing/2010/main">
                 <a:solidFill>
                   <a:srgbClr val="FFFFFF"/>
                 </a:solidFill>
               </a14:hiddenFill>
             </a:ext>
             <a:ext uri="{FAA26D3D-D897-4be2-8F04-BA451C77F1D7}">
-              <ma14:placeholderFlag xmlns:ma14="http://schemas.microsoft.com/office/mac/drawingml/2011/main" xmlns="" val="1"/>
+              <ma14:placeholderFlag xmlns="" xmlns:ma14="http://schemas.microsoft.com/office/mac/drawingml/2011/main" val="1"/>
             </a:ext>
           </a:extLst>
         </p:spPr>
@@ -5757,7 +5758,7 @@
               <a:pPr>
                 <a:defRPr/>
               </a:pPr>
-              <a:t>64</a:t>
+              <a:t>65</a:t>
             </a:fld>
             <a:r>
               <a:rPr lang="en-US" smtClean="0"/>
@@ -6011,7 +6012,7 @@
           </a:ln>
           <a:extLst>
             <a:ext uri="{FAA26D3D-D897-4be2-8F04-BA451C77F1D7}">
-              <ma14:placeholderFlag xmlns:ma14="http://schemas.microsoft.com/office/mac/drawingml/2011/main" xmlns="" val="1"/>
+              <ma14:placeholderFlag xmlns="" xmlns:ma14="http://schemas.microsoft.com/office/mac/drawingml/2011/main" val="1"/>
             </a:ext>
           </a:extLst>
         </p:spPr>
@@ -6189,14 +6190,14 @@
           </a:ln>
           <a:extLst>
             <a:ext uri="{909E8E84-426E-40dd-AFC4-6F175D3DCCD1}">
-              <a14:hiddenFill xmlns:a14="http://schemas.microsoft.com/office/drawing/2010/main" xmlns="">
+              <a14:hiddenFill xmlns="" xmlns:a14="http://schemas.microsoft.com/office/drawing/2010/main">
                 <a:solidFill>
                   <a:srgbClr val="FFFFFF"/>
                 </a:solidFill>
               </a14:hiddenFill>
             </a:ext>
             <a:ext uri="{91240B29-F687-4f45-9708-019B960494DF}">
-              <a14:hiddenLine xmlns:a14="http://schemas.microsoft.com/office/drawing/2010/main" xmlns="" w="9525">
+              <a14:hiddenLine xmlns="" xmlns:a14="http://schemas.microsoft.com/office/drawing/2010/main" w="9525">
                 <a:solidFill>
                   <a:srgbClr val="000000"/>
                 </a:solidFill>
@@ -6372,14 +6373,14 @@
           </a:ln>
           <a:extLst>
             <a:ext uri="{909E8E84-426E-40dd-AFC4-6F175D3DCCD1}">
-              <a14:hiddenFill xmlns:a14="http://schemas.microsoft.com/office/drawing/2010/main" xmlns="">
+              <a14:hiddenFill xmlns="" xmlns:a14="http://schemas.microsoft.com/office/drawing/2010/main">
                 <a:solidFill>
                   <a:srgbClr val="FFFFFF"/>
                 </a:solidFill>
               </a14:hiddenFill>
             </a:ext>
             <a:ext uri="{FAA26D3D-D897-4be2-8F04-BA451C77F1D7}">
-              <ma14:placeholderFlag xmlns:ma14="http://schemas.microsoft.com/office/mac/drawingml/2011/main" xmlns="" val="1"/>
+              <ma14:placeholderFlag xmlns="" xmlns:ma14="http://schemas.microsoft.com/office/mac/drawingml/2011/main" val="1"/>
             </a:ext>
           </a:extLst>
         </p:spPr>
@@ -6736,14 +6737,14 @@
           <a:ln w="9525"/>
           <a:extLst>
             <a:ext uri="{909E8E84-426E-40dd-AFC4-6F175D3DCCD1}">
-              <a14:hiddenFill xmlns:a14="http://schemas.microsoft.com/office/drawing/2010/main" xmlns="">
+              <a14:hiddenFill xmlns="" xmlns:a14="http://schemas.microsoft.com/office/drawing/2010/main">
                 <a:solidFill>
                   <a:srgbClr val="FFFFFF"/>
                 </a:solidFill>
               </a14:hiddenFill>
             </a:ext>
             <a:ext uri="{91240B29-F687-4f45-9708-019B960494DF}">
-              <a14:hiddenLine xmlns:a14="http://schemas.microsoft.com/office/drawing/2010/main" xmlns="" w="9525">
+              <a14:hiddenLine xmlns="" xmlns:a14="http://schemas.microsoft.com/office/drawing/2010/main" w="9525">
                 <a:solidFill>
                   <a:srgbClr val="000000"/>
                 </a:solidFill>
@@ -6936,14 +6937,14 @@
           <a:ln w="9525"/>
           <a:extLst>
             <a:ext uri="{909E8E84-426E-40dd-AFC4-6F175D3DCCD1}">
-              <a14:hiddenFill xmlns:a14="http://schemas.microsoft.com/office/drawing/2010/main" xmlns="">
+              <a14:hiddenFill xmlns="" xmlns:a14="http://schemas.microsoft.com/office/drawing/2010/main">
                 <a:solidFill>
                   <a:srgbClr val="FFFFFF"/>
                 </a:solidFill>
               </a14:hiddenFill>
             </a:ext>
             <a:ext uri="{91240B29-F687-4f45-9708-019B960494DF}">
-              <a14:hiddenLine xmlns:a14="http://schemas.microsoft.com/office/drawing/2010/main" xmlns="" w="9525">
+              <a14:hiddenLine xmlns="" xmlns:a14="http://schemas.microsoft.com/office/drawing/2010/main" w="9525">
                 <a:solidFill>
                   <a:srgbClr val="000000"/>
                 </a:solidFill>
@@ -6953,7 +6954,7 @@
               </a14:hiddenLine>
             </a:ext>
             <a:ext uri="{FAA26D3D-D897-4be2-8F04-BA451C77F1D7}">
-              <ma14:placeholderFlag xmlns:ma14="http://schemas.microsoft.com/office/mac/drawingml/2011/main" xmlns="" val="1"/>
+              <ma14:placeholderFlag xmlns="" xmlns:ma14="http://schemas.microsoft.com/office/mac/drawingml/2011/main" val="1"/>
             </a:ext>
           </a:extLst>
         </p:spPr>
@@ -7230,7 +7231,7 @@
           <a:p>
             <a:fld id="{B9D97583-D571-4344-98B8-28017CCA3E03}" type="datetime1">
               <a:rPr lang="en-US" smtClean="0"/>
-              <a:t>4/18/2022</a:t>
+              <a:t>4/19/2022</a:t>
             </a:fld>
             <a:endParaRPr lang="en-US"/>
           </a:p>
@@ -7481,7 +7482,7 @@
           <a:p>
             <a:fld id="{4BBFBB65-4BDE-463E-9E58-42EE1D34CE9F}" type="datetime1">
               <a:rPr lang="en-US" smtClean="0"/>
-              <a:t>4/18/2022</a:t>
+              <a:t>4/19/2022</a:t>
             </a:fld>
             <a:endParaRPr lang="en-US"/>
           </a:p>
@@ -7661,7 +7662,7 @@
           <a:p>
             <a:fld id="{F54BFA55-E628-4FD0-A5D2-4E2EAFF237C3}" type="datetime1">
               <a:rPr lang="en-US" smtClean="0"/>
-              <a:t>4/18/2022</a:t>
+              <a:t>4/19/2022</a:t>
             </a:fld>
             <a:endParaRPr lang="en-US"/>
           </a:p>
@@ -7917,7 +7918,7 @@
           <a:p>
             <a:fld id="{02043C03-488D-4679-9ED8-466B2755DE53}" type="datetime1">
               <a:rPr lang="en-US" smtClean="0"/>
-              <a:t>4/18/2022</a:t>
+              <a:t>4/19/2022</a:t>
             </a:fld>
             <a:endParaRPr lang="en-US"/>
           </a:p>
@@ -8262,7 +8263,7 @@
           <a:p>
             <a:fld id="{B4192580-B5C1-4953-9432-BAF964C9C431}" type="datetime1">
               <a:rPr lang="en-US" smtClean="0"/>
-              <a:t>4/18/2022</a:t>
+              <a:t>4/19/2022</a:t>
             </a:fld>
             <a:endParaRPr lang="en-US"/>
           </a:p>
@@ -8494,7 +8495,7 @@
           <a:p>
             <a:fld id="{9A346A84-DDEA-40BE-8087-15F820987FDF}" type="datetime1">
               <a:rPr lang="en-US" smtClean="0"/>
-              <a:t>4/18/2022</a:t>
+              <a:t>4/19/2022</a:t>
             </a:fld>
             <a:endParaRPr lang="en-US"/>
           </a:p>
@@ -8861,7 +8862,7 @@
           <a:p>
             <a:fld id="{A2903A79-0DCE-4FCE-A4A4-91DA4FE28602}" type="datetime1">
               <a:rPr lang="en-US" smtClean="0"/>
-              <a:t>4/18/2022</a:t>
+              <a:t>4/19/2022</a:t>
             </a:fld>
             <a:endParaRPr lang="en-US"/>
           </a:p>
@@ -8956,7 +8957,7 @@
           <a:p>
             <a:fld id="{5F3E0C55-B436-4700-9E7D-BD44BFF59CDA}" type="datetime1">
               <a:rPr lang="en-US" smtClean="0"/>
-              <a:t>4/18/2022</a:t>
+              <a:t>4/19/2022</a:t>
             </a:fld>
             <a:endParaRPr lang="en-US"/>
           </a:p>
@@ -9179,7 +9180,7 @@
             <a:fld id="{B2F5E2FA-C428-4CE7-95B0-168D3259A5BB}" type="datetimeFigureOut">
               <a:rPr lang="en-US" smtClean="0"/>
               <a:pPr/>
-              <a:t>4/18/2022</a:t>
+              <a:t>4/19/2022</a:t>
             </a:fld>
             <a:endParaRPr lang="en-US"/>
           </a:p>
@@ -9350,7 +9351,7 @@
           <a:p>
             <a:fld id="{1C6D7CCC-F888-4A14-96C0-AE59E5C0FB2B}" type="datetime1">
               <a:rPr lang="en-US" smtClean="0"/>
-              <a:t>4/18/2022</a:t>
+              <a:t>4/19/2022</a:t>
             </a:fld>
             <a:endParaRPr lang="en-US"/>
           </a:p>
@@ -9627,7 +9628,7 @@
           <a:p>
             <a:fld id="{D4751C8C-A248-4612-8437-BABDDCE28255}" type="datetime1">
               <a:rPr lang="en-US" smtClean="0"/>
-              <a:t>4/18/2022</a:t>
+              <a:t>4/19/2022</a:t>
             </a:fld>
             <a:endParaRPr lang="en-US"/>
           </a:p>
@@ -9880,7 +9881,7 @@
           <a:p>
             <a:fld id="{58FDAABC-841F-4EE7-ACE3-E3142B7EF2E8}" type="datetime1">
               <a:rPr lang="en-US" smtClean="0"/>
-              <a:t>4/18/2022</a:t>
+              <a:t>4/19/2022</a:t>
             </a:fld>
             <a:endParaRPr lang="en-US"/>
           </a:p>
@@ -10093,7 +10094,7 @@
           <a:p>
             <a:fld id="{150F3FE1-A936-421F-ABEB-D7D46FC8F947}" type="datetime1">
               <a:rPr lang="en-US" smtClean="0"/>
-              <a:t>4/18/2022</a:t>
+              <a:t>4/19/2022</a:t>
             </a:fld>
             <a:endParaRPr lang="en-US"/>
           </a:p>
@@ -16658,14 +16659,14 @@
             <a:effectLst/>
             <a:extLst>
               <a:ext uri="{909E8E84-426E-40dd-AFC4-6F175D3DCCD1}">
-                <a14:hiddenFill xmlns:a14="http://schemas.microsoft.com/office/drawing/2010/main" xmlns="">
+                <a14:hiddenFill xmlns="" xmlns:a14="http://schemas.microsoft.com/office/drawing/2010/main">
                   <a:solidFill>
                     <a:schemeClr val="accent1"/>
                   </a:solidFill>
                 </a14:hiddenFill>
               </a:ext>
               <a:ext uri="{AF507438-7753-43e0-B8FC-AC1667EBCBE1}">
-                <a14:hiddenEffects xmlns:a14="http://schemas.microsoft.com/office/drawing/2010/main" xmlns="">
+                <a14:hiddenEffects xmlns="" xmlns:a14="http://schemas.microsoft.com/office/drawing/2010/main">
                   <a:effectLst>
                     <a:outerShdw blurRad="63500" dist="38099" dir="2700000" algn="ctr" rotWithShape="0">
                       <a:schemeClr val="bg2">
@@ -16715,14 +16716,14 @@
             <a:effectLst/>
             <a:extLst>
               <a:ext uri="{909E8E84-426E-40dd-AFC4-6F175D3DCCD1}">
-                <a14:hiddenFill xmlns:a14="http://schemas.microsoft.com/office/drawing/2010/main" xmlns="">
+                <a14:hiddenFill xmlns="" xmlns:a14="http://schemas.microsoft.com/office/drawing/2010/main">
                   <a:solidFill>
                     <a:schemeClr val="accent1"/>
                   </a:solidFill>
                 </a14:hiddenFill>
               </a:ext>
               <a:ext uri="{AF507438-7753-43e0-B8FC-AC1667EBCBE1}">
-                <a14:hiddenEffects xmlns:a14="http://schemas.microsoft.com/office/drawing/2010/main" xmlns="">
+                <a14:hiddenEffects xmlns="" xmlns:a14="http://schemas.microsoft.com/office/drawing/2010/main">
                   <a:effectLst>
                     <a:outerShdw blurRad="63500" dist="38099" dir="2700000" algn="ctr" rotWithShape="0">
                       <a:schemeClr val="bg2">
@@ -16774,14 +16775,14 @@
             <a:effectLst/>
             <a:extLst>
               <a:ext uri="{909E8E84-426E-40dd-AFC4-6F175D3DCCD1}">
-                <a14:hiddenFill xmlns:a14="http://schemas.microsoft.com/office/drawing/2010/main" xmlns="">
+                <a14:hiddenFill xmlns="" xmlns:a14="http://schemas.microsoft.com/office/drawing/2010/main">
                   <a:solidFill>
                     <a:schemeClr val="accent1"/>
                   </a:solidFill>
                 </a14:hiddenFill>
               </a:ext>
               <a:ext uri="{AF507438-7753-43e0-B8FC-AC1667EBCBE1}">
-                <a14:hiddenEffects xmlns:a14="http://schemas.microsoft.com/office/drawing/2010/main" xmlns="">
+                <a14:hiddenEffects xmlns="" xmlns:a14="http://schemas.microsoft.com/office/drawing/2010/main">
                   <a:effectLst>
                     <a:outerShdw blurRad="63500" dist="38099" dir="2700000" algn="ctr" rotWithShape="0">
                       <a:schemeClr val="bg2">
@@ -16826,14 +16827,14 @@
             <a:effectLst/>
             <a:extLst>
               <a:ext uri="{909E8E84-426E-40dd-AFC4-6F175D3DCCD1}">
-                <a14:hiddenFill xmlns:a14="http://schemas.microsoft.com/office/drawing/2010/main" xmlns="">
+                <a14:hiddenFill xmlns="" xmlns:a14="http://schemas.microsoft.com/office/drawing/2010/main">
                   <a:solidFill>
                     <a:schemeClr val="accent1"/>
                   </a:solidFill>
                 </a14:hiddenFill>
               </a:ext>
               <a:ext uri="{91240B29-F687-4f45-9708-019B960494DF}">
-                <a14:hiddenLine xmlns:a14="http://schemas.microsoft.com/office/drawing/2010/main" xmlns="" w="9525">
+                <a14:hiddenLine xmlns="" xmlns:a14="http://schemas.microsoft.com/office/drawing/2010/main" w="9525">
                   <a:solidFill>
                     <a:schemeClr val="tx1"/>
                   </a:solidFill>
@@ -16843,7 +16844,7 @@
                 </a14:hiddenLine>
               </a:ext>
               <a:ext uri="{AF507438-7753-43e0-B8FC-AC1667EBCBE1}">
-                <a14:hiddenEffects xmlns:a14="http://schemas.microsoft.com/office/drawing/2010/main" xmlns="">
+                <a14:hiddenEffects xmlns="" xmlns:a14="http://schemas.microsoft.com/office/drawing/2010/main">
                   <a:effectLst>
                     <a:outerShdw blurRad="63500" dist="38099" dir="2700000" algn="ctr" rotWithShape="0">
                       <a:schemeClr val="bg2">
@@ -16893,14 +16894,14 @@
             <a:effectLst/>
             <a:extLst>
               <a:ext uri="{909E8E84-426E-40dd-AFC4-6F175D3DCCD1}">
-                <a14:hiddenFill xmlns:a14="http://schemas.microsoft.com/office/drawing/2010/main" xmlns="">
+                <a14:hiddenFill xmlns="" xmlns:a14="http://schemas.microsoft.com/office/drawing/2010/main">
                   <a:solidFill>
                     <a:schemeClr val="accent1"/>
                   </a:solidFill>
                 </a14:hiddenFill>
               </a:ext>
               <a:ext uri="{91240B29-F687-4f45-9708-019B960494DF}">
-                <a14:hiddenLine xmlns:a14="http://schemas.microsoft.com/office/drawing/2010/main" xmlns="" w="9525">
+                <a14:hiddenLine xmlns="" xmlns:a14="http://schemas.microsoft.com/office/drawing/2010/main" w="9525">
                   <a:solidFill>
                     <a:schemeClr val="tx1"/>
                   </a:solidFill>
@@ -16910,7 +16911,7 @@
                 </a14:hiddenLine>
               </a:ext>
               <a:ext uri="{AF507438-7753-43e0-B8FC-AC1667EBCBE1}">
-                <a14:hiddenEffects xmlns:a14="http://schemas.microsoft.com/office/drawing/2010/main" xmlns="">
+                <a14:hiddenEffects xmlns="" xmlns:a14="http://schemas.microsoft.com/office/drawing/2010/main">
                   <a:effectLst>
                     <a:outerShdw blurRad="63500" dist="38099" dir="2700000" algn="ctr" rotWithShape="0">
                       <a:schemeClr val="bg2">
@@ -16968,14 +16969,14 @@
             <a:effectLst/>
             <a:extLst>
               <a:ext uri="{909E8E84-426E-40dd-AFC4-6F175D3DCCD1}">
-                <a14:hiddenFill xmlns:a14="http://schemas.microsoft.com/office/drawing/2010/main" xmlns="">
+                <a14:hiddenFill xmlns="" xmlns:a14="http://schemas.microsoft.com/office/drawing/2010/main">
                   <a:solidFill>
                     <a:schemeClr val="accent1"/>
                   </a:solidFill>
                 </a14:hiddenFill>
               </a:ext>
               <a:ext uri="{91240B29-F687-4f45-9708-019B960494DF}">
-                <a14:hiddenLine xmlns:a14="http://schemas.microsoft.com/office/drawing/2010/main" xmlns="" w="9525">
+                <a14:hiddenLine xmlns="" xmlns:a14="http://schemas.microsoft.com/office/drawing/2010/main" w="9525">
                   <a:solidFill>
                     <a:schemeClr val="tx1"/>
                   </a:solidFill>
@@ -16985,7 +16986,7 @@
                 </a14:hiddenLine>
               </a:ext>
               <a:ext uri="{AF507438-7753-43e0-B8FC-AC1667EBCBE1}">
-                <a14:hiddenEffects xmlns:a14="http://schemas.microsoft.com/office/drawing/2010/main" xmlns="">
+                <a14:hiddenEffects xmlns="" xmlns:a14="http://schemas.microsoft.com/office/drawing/2010/main">
                   <a:effectLst>
                     <a:outerShdw blurRad="63500" dist="38099" dir="2700000" algn="ctr" rotWithShape="0">
                       <a:schemeClr val="bg2">
@@ -17035,14 +17036,14 @@
             <a:effectLst/>
             <a:extLst>
               <a:ext uri="{909E8E84-426E-40dd-AFC4-6F175D3DCCD1}">
-                <a14:hiddenFill xmlns:a14="http://schemas.microsoft.com/office/drawing/2010/main" xmlns="">
+                <a14:hiddenFill xmlns="" xmlns:a14="http://schemas.microsoft.com/office/drawing/2010/main">
                   <a:solidFill>
                     <a:schemeClr val="accent1"/>
                   </a:solidFill>
                 </a14:hiddenFill>
               </a:ext>
               <a:ext uri="{91240B29-F687-4f45-9708-019B960494DF}">
-                <a14:hiddenLine xmlns:a14="http://schemas.microsoft.com/office/drawing/2010/main" xmlns="" w="9525">
+                <a14:hiddenLine xmlns="" xmlns:a14="http://schemas.microsoft.com/office/drawing/2010/main" w="9525">
                   <a:solidFill>
                     <a:schemeClr val="tx1"/>
                   </a:solidFill>
@@ -17052,7 +17053,7 @@
                 </a14:hiddenLine>
               </a:ext>
               <a:ext uri="{AF507438-7753-43e0-B8FC-AC1667EBCBE1}">
-                <a14:hiddenEffects xmlns:a14="http://schemas.microsoft.com/office/drawing/2010/main" xmlns="">
+                <a14:hiddenEffects xmlns="" xmlns:a14="http://schemas.microsoft.com/office/drawing/2010/main">
                   <a:effectLst>
                     <a:outerShdw blurRad="63500" dist="38099" dir="2700000" algn="ctr" rotWithShape="0">
                       <a:schemeClr val="bg2">
@@ -17110,14 +17111,14 @@
             <a:effectLst/>
             <a:extLst>
               <a:ext uri="{909E8E84-426E-40dd-AFC4-6F175D3DCCD1}">
-                <a14:hiddenFill xmlns:a14="http://schemas.microsoft.com/office/drawing/2010/main" xmlns="">
+                <a14:hiddenFill xmlns="" xmlns:a14="http://schemas.microsoft.com/office/drawing/2010/main">
                   <a:solidFill>
                     <a:schemeClr val="accent1"/>
                   </a:solidFill>
                 </a14:hiddenFill>
               </a:ext>
               <a:ext uri="{91240B29-F687-4f45-9708-019B960494DF}">
-                <a14:hiddenLine xmlns:a14="http://schemas.microsoft.com/office/drawing/2010/main" xmlns="" w="9525">
+                <a14:hiddenLine xmlns="" xmlns:a14="http://schemas.microsoft.com/office/drawing/2010/main" w="9525">
                   <a:solidFill>
                     <a:schemeClr val="tx1"/>
                   </a:solidFill>
@@ -17127,7 +17128,7 @@
                 </a14:hiddenLine>
               </a:ext>
               <a:ext uri="{AF507438-7753-43e0-B8FC-AC1667EBCBE1}">
-                <a14:hiddenEffects xmlns:a14="http://schemas.microsoft.com/office/drawing/2010/main" xmlns="">
+                <a14:hiddenEffects xmlns="" xmlns:a14="http://schemas.microsoft.com/office/drawing/2010/main">
                   <a:effectLst>
                     <a:outerShdw blurRad="63500" dist="38099" dir="2700000" algn="ctr" rotWithShape="0">
                       <a:schemeClr val="bg2">
@@ -17194,12 +17195,12 @@
             <a:effectLst/>
             <a:extLst>
               <a:ext uri="{909E8E84-426E-40dd-AFC4-6F175D3DCCD1}">
-                <a14:hiddenFill xmlns:a14="http://schemas.microsoft.com/office/drawing/2010/main" xmlns="">
+                <a14:hiddenFill xmlns="" xmlns:a14="http://schemas.microsoft.com/office/drawing/2010/main">
                   <a:noFill/>
                 </a14:hiddenFill>
               </a:ext>
               <a:ext uri="{AF507438-7753-43e0-B8FC-AC1667EBCBE1}">
-                <a14:hiddenEffects xmlns:a14="http://schemas.microsoft.com/office/drawing/2010/main" xmlns="">
+                <a14:hiddenEffects xmlns="" xmlns:a14="http://schemas.microsoft.com/office/drawing/2010/main">
                   <a:effectLst>
                     <a:outerShdw blurRad="63500" dist="38099" dir="2700000" algn="ctr" rotWithShape="0">
                       <a:schemeClr val="bg2">
@@ -17242,12 +17243,12 @@
             <a:effectLst/>
             <a:extLst>
               <a:ext uri="{909E8E84-426E-40dd-AFC4-6F175D3DCCD1}">
-                <a14:hiddenFill xmlns:a14="http://schemas.microsoft.com/office/drawing/2010/main" xmlns="">
+                <a14:hiddenFill xmlns="" xmlns:a14="http://schemas.microsoft.com/office/drawing/2010/main">
                   <a:noFill/>
                 </a14:hiddenFill>
               </a:ext>
               <a:ext uri="{AF507438-7753-43e0-B8FC-AC1667EBCBE1}">
-                <a14:hiddenEffects xmlns:a14="http://schemas.microsoft.com/office/drawing/2010/main" xmlns="">
+                <a14:hiddenEffects xmlns="" xmlns:a14="http://schemas.microsoft.com/office/drawing/2010/main">
                   <a:effectLst>
                     <a:outerShdw blurRad="63500" dist="38099" dir="2700000" algn="ctr" rotWithShape="0">
                       <a:schemeClr val="bg2">
@@ -17290,12 +17291,12 @@
             <a:effectLst/>
             <a:extLst>
               <a:ext uri="{909E8E84-426E-40dd-AFC4-6F175D3DCCD1}">
-                <a14:hiddenFill xmlns:a14="http://schemas.microsoft.com/office/drawing/2010/main" xmlns="">
+                <a14:hiddenFill xmlns="" xmlns:a14="http://schemas.microsoft.com/office/drawing/2010/main">
                   <a:noFill/>
                 </a14:hiddenFill>
               </a:ext>
               <a:ext uri="{AF507438-7753-43e0-B8FC-AC1667EBCBE1}">
-                <a14:hiddenEffects xmlns:a14="http://schemas.microsoft.com/office/drawing/2010/main" xmlns="">
+                <a14:hiddenEffects xmlns="" xmlns:a14="http://schemas.microsoft.com/office/drawing/2010/main">
                   <a:effectLst>
                     <a:outerShdw blurRad="63500" dist="38099" dir="2700000" algn="ctr" rotWithShape="0">
                       <a:schemeClr val="bg2">
@@ -17331,14 +17332,14 @@
             <a:effectLst/>
             <a:extLst>
               <a:ext uri="{909E8E84-426E-40dd-AFC4-6F175D3DCCD1}">
-                <a14:hiddenFill xmlns:a14="http://schemas.microsoft.com/office/drawing/2010/main" xmlns="">
+                <a14:hiddenFill xmlns="" xmlns:a14="http://schemas.microsoft.com/office/drawing/2010/main">
                   <a:solidFill>
                     <a:schemeClr val="accent1"/>
                   </a:solidFill>
                 </a14:hiddenFill>
               </a:ext>
               <a:ext uri="{91240B29-F687-4f45-9708-019B960494DF}">
-                <a14:hiddenLine xmlns:a14="http://schemas.microsoft.com/office/drawing/2010/main" xmlns="" w="9525">
+                <a14:hiddenLine xmlns="" xmlns:a14="http://schemas.microsoft.com/office/drawing/2010/main" w="9525">
                   <a:solidFill>
                     <a:schemeClr val="tx1"/>
                   </a:solidFill>
@@ -17348,7 +17349,7 @@
                 </a14:hiddenLine>
               </a:ext>
               <a:ext uri="{AF507438-7753-43e0-B8FC-AC1667EBCBE1}">
-                <a14:hiddenEffects xmlns:a14="http://schemas.microsoft.com/office/drawing/2010/main" xmlns="">
+                <a14:hiddenEffects xmlns="" xmlns:a14="http://schemas.microsoft.com/office/drawing/2010/main">
                   <a:effectLst>
                     <a:outerShdw blurRad="63500" dist="38099" dir="2700000" algn="ctr" rotWithShape="0">
                       <a:schemeClr val="bg2">
@@ -17407,14 +17408,14 @@
           <a:effectLst/>
           <a:extLst>
             <a:ext uri="{909E8E84-426E-40dd-AFC4-6F175D3DCCD1}">
-              <a14:hiddenFill xmlns:a14="http://schemas.microsoft.com/office/drawing/2010/main" xmlns="">
+              <a14:hiddenFill xmlns="" xmlns:a14="http://schemas.microsoft.com/office/drawing/2010/main">
                 <a:solidFill>
                   <a:schemeClr val="accent1"/>
                 </a:solidFill>
               </a14:hiddenFill>
             </a:ext>
             <a:ext uri="{91240B29-F687-4f45-9708-019B960494DF}">
-              <a14:hiddenLine xmlns:a14="http://schemas.microsoft.com/office/drawing/2010/main" xmlns="" w="9525">
+              <a14:hiddenLine xmlns="" xmlns:a14="http://schemas.microsoft.com/office/drawing/2010/main" w="9525">
                 <a:solidFill>
                   <a:schemeClr val="tx1"/>
                 </a:solidFill>
@@ -17424,7 +17425,7 @@
               </a14:hiddenLine>
             </a:ext>
             <a:ext uri="{AF507438-7753-43e0-B8FC-AC1667EBCBE1}">
-              <a14:hiddenEffects xmlns:a14="http://schemas.microsoft.com/office/drawing/2010/main" xmlns="">
+              <a14:hiddenEffects xmlns="" xmlns:a14="http://schemas.microsoft.com/office/drawing/2010/main">
                 <a:effectLst>
                   <a:outerShdw blurRad="63500" dist="38099" dir="2700000" algn="ctr" rotWithShape="0">
                     <a:schemeClr val="bg2">
@@ -18137,7 +18138,7 @@
           </a:ln>
           <a:extLst>
             <a:ext uri="{909E8E84-426E-40dd-AFC4-6F175D3DCCD1}">
-              <a14:hiddenFill xmlns:a14="http://schemas.microsoft.com/office/drawing/2010/main" xmlns="">
+              <a14:hiddenFill xmlns="" xmlns:a14="http://schemas.microsoft.com/office/drawing/2010/main">
                 <a:noFill/>
               </a14:hiddenFill>
             </a:ext>
@@ -18176,7 +18177,7 @@
           </a:ln>
           <a:extLst>
             <a:ext uri="{909E8E84-426E-40dd-AFC4-6F175D3DCCD1}">
-              <a14:hiddenFill xmlns:a14="http://schemas.microsoft.com/office/drawing/2010/main" xmlns="">
+              <a14:hiddenFill xmlns="" xmlns:a14="http://schemas.microsoft.com/office/drawing/2010/main">
                 <a:noFill/>
               </a14:hiddenFill>
             </a:ext>
@@ -18287,14 +18288,14 @@
           </a:ln>
           <a:extLst>
             <a:ext uri="{909E8E84-426E-40dd-AFC4-6F175D3DCCD1}">
-              <a14:hiddenFill xmlns:a14="http://schemas.microsoft.com/office/drawing/2010/main" xmlns="">
+              <a14:hiddenFill xmlns="" xmlns:a14="http://schemas.microsoft.com/office/drawing/2010/main">
                 <a:solidFill>
                   <a:srgbClr val="FFFFFF"/>
                 </a:solidFill>
               </a14:hiddenFill>
             </a:ext>
             <a:ext uri="{91240B29-F687-4f45-9708-019B960494DF}">
-              <a14:hiddenLine xmlns:a14="http://schemas.microsoft.com/office/drawing/2010/main" xmlns="" w="12700">
+              <a14:hiddenLine xmlns="" xmlns:a14="http://schemas.microsoft.com/office/drawing/2010/main" w="12700">
                 <a:solidFill>
                   <a:srgbClr val="000000"/>
                 </a:solidFill>
@@ -18473,7 +18474,7 @@
             </a:ln>
             <a:extLst>
               <a:ext uri="{909E8E84-426E-40dd-AFC4-6F175D3DCCD1}">
-                <a14:hiddenFill xmlns:a14="http://schemas.microsoft.com/office/drawing/2010/main" xmlns="">
+                <a14:hiddenFill xmlns="" xmlns:a14="http://schemas.microsoft.com/office/drawing/2010/main">
                   <a:noFill/>
                 </a14:hiddenFill>
               </a:ext>
@@ -18514,7 +18515,7 @@
             </a:ln>
             <a:extLst>
               <a:ext uri="{909E8E84-426E-40dd-AFC4-6F175D3DCCD1}">
-                <a14:hiddenFill xmlns:a14="http://schemas.microsoft.com/office/drawing/2010/main" xmlns="">
+                <a14:hiddenFill xmlns="" xmlns:a14="http://schemas.microsoft.com/office/drawing/2010/main">
                   <a:noFill/>
                 </a14:hiddenFill>
               </a:ext>
@@ -18550,14 +18551,14 @@
             </a:ln>
             <a:extLst>
               <a:ext uri="{909E8E84-426E-40dd-AFC4-6F175D3DCCD1}">
-                <a14:hiddenFill xmlns:a14="http://schemas.microsoft.com/office/drawing/2010/main" xmlns="">
+                <a14:hiddenFill xmlns="" xmlns:a14="http://schemas.microsoft.com/office/drawing/2010/main">
                   <a:solidFill>
                     <a:srgbClr val="FFFFFF"/>
                   </a:solidFill>
                 </a14:hiddenFill>
               </a:ext>
               <a:ext uri="{91240B29-F687-4f45-9708-019B960494DF}">
-                <a14:hiddenLine xmlns:a14="http://schemas.microsoft.com/office/drawing/2010/main" xmlns="" w="12700">
+                <a14:hiddenLine xmlns="" xmlns:a14="http://schemas.microsoft.com/office/drawing/2010/main" w="12700">
                   <a:solidFill>
                     <a:srgbClr val="000000"/>
                   </a:solidFill>
@@ -18603,14 +18604,14 @@
             </a:ln>
             <a:extLst>
               <a:ext uri="{909E8E84-426E-40dd-AFC4-6F175D3DCCD1}">
-                <a14:hiddenFill xmlns:a14="http://schemas.microsoft.com/office/drawing/2010/main" xmlns="">
+                <a14:hiddenFill xmlns="" xmlns:a14="http://schemas.microsoft.com/office/drawing/2010/main">
                   <a:solidFill>
                     <a:srgbClr val="FFFFFF"/>
                   </a:solidFill>
                 </a14:hiddenFill>
               </a:ext>
               <a:ext uri="{91240B29-F687-4f45-9708-019B960494DF}">
-                <a14:hiddenLine xmlns:a14="http://schemas.microsoft.com/office/drawing/2010/main" xmlns="" w="12700">
+                <a14:hiddenLine xmlns="" xmlns:a14="http://schemas.microsoft.com/office/drawing/2010/main" w="12700">
                   <a:solidFill>
                     <a:srgbClr val="000000"/>
                   </a:solidFill>
@@ -18656,14 +18657,14 @@
             </a:ln>
             <a:extLst>
               <a:ext uri="{909E8E84-426E-40dd-AFC4-6F175D3DCCD1}">
-                <a14:hiddenFill xmlns:a14="http://schemas.microsoft.com/office/drawing/2010/main" xmlns="">
+                <a14:hiddenFill xmlns="" xmlns:a14="http://schemas.microsoft.com/office/drawing/2010/main">
                   <a:solidFill>
                     <a:srgbClr val="FFFFFF"/>
                   </a:solidFill>
                 </a14:hiddenFill>
               </a:ext>
               <a:ext uri="{91240B29-F687-4f45-9708-019B960494DF}">
-                <a14:hiddenLine xmlns:a14="http://schemas.microsoft.com/office/drawing/2010/main" xmlns="" w="12700">
+                <a14:hiddenLine xmlns="" xmlns:a14="http://schemas.microsoft.com/office/drawing/2010/main" w="12700">
                   <a:solidFill>
                     <a:srgbClr val="000000"/>
                   </a:solidFill>
@@ -19678,7 +19679,7 @@
             </a:ln>
             <a:extLst>
               <a:ext uri="{909E8E84-426E-40dd-AFC4-6F175D3DCCD1}">
-                <a14:hiddenFill xmlns:a14="http://schemas.microsoft.com/office/drawing/2010/main" xmlns="">
+                <a14:hiddenFill xmlns="" xmlns:a14="http://schemas.microsoft.com/office/drawing/2010/main">
                   <a:noFill/>
                 </a14:hiddenFill>
               </a:ext>
@@ -19717,7 +19718,7 @@
             </a:ln>
             <a:extLst>
               <a:ext uri="{909E8E84-426E-40dd-AFC4-6F175D3DCCD1}">
-                <a14:hiddenFill xmlns:a14="http://schemas.microsoft.com/office/drawing/2010/main" xmlns="">
+                <a14:hiddenFill xmlns="" xmlns:a14="http://schemas.microsoft.com/office/drawing/2010/main">
                   <a:noFill/>
                 </a14:hiddenFill>
               </a:ext>
@@ -19756,7 +19757,7 @@
             </a:ln>
             <a:extLst>
               <a:ext uri="{909E8E84-426E-40dd-AFC4-6F175D3DCCD1}">
-                <a14:hiddenFill xmlns:a14="http://schemas.microsoft.com/office/drawing/2010/main" xmlns="">
+                <a14:hiddenFill xmlns="" xmlns:a14="http://schemas.microsoft.com/office/drawing/2010/main">
                   <a:noFill/>
                 </a14:hiddenFill>
               </a:ext>
@@ -19795,7 +19796,7 @@
             </a:ln>
             <a:extLst>
               <a:ext uri="{909E8E84-426E-40dd-AFC4-6F175D3DCCD1}">
-                <a14:hiddenFill xmlns:a14="http://schemas.microsoft.com/office/drawing/2010/main" xmlns="">
+                <a14:hiddenFill xmlns="" xmlns:a14="http://schemas.microsoft.com/office/drawing/2010/main">
                   <a:noFill/>
                 </a14:hiddenFill>
               </a:ext>
@@ -19834,7 +19835,7 @@
             </a:ln>
             <a:extLst>
               <a:ext uri="{909E8E84-426E-40dd-AFC4-6F175D3DCCD1}">
-                <a14:hiddenFill xmlns:a14="http://schemas.microsoft.com/office/drawing/2010/main" xmlns="">
+                <a14:hiddenFill xmlns="" xmlns:a14="http://schemas.microsoft.com/office/drawing/2010/main">
                   <a:noFill/>
                 </a14:hiddenFill>
               </a:ext>
@@ -19873,7 +19874,7 @@
             </a:ln>
             <a:extLst>
               <a:ext uri="{909E8E84-426E-40dd-AFC4-6F175D3DCCD1}">
-                <a14:hiddenFill xmlns:a14="http://schemas.microsoft.com/office/drawing/2010/main" xmlns="">
+                <a14:hiddenFill xmlns="" xmlns:a14="http://schemas.microsoft.com/office/drawing/2010/main">
                   <a:noFill/>
                 </a14:hiddenFill>
               </a:ext>
@@ -32266,14 +32267,14 @@
           <a:effectLst/>
           <a:extLst>
             <a:ext uri="{909E8E84-426E-40dd-AFC4-6F175D3DCCD1}">
-              <a14:hiddenFill xmlns:a14="http://schemas.microsoft.com/office/drawing/2010/main" xmlns="">
+              <a14:hiddenFill xmlns="" xmlns:a14="http://schemas.microsoft.com/office/drawing/2010/main">
                 <a:solidFill>
                   <a:schemeClr val="accent1"/>
                 </a:solidFill>
               </a14:hiddenFill>
             </a:ext>
             <a:ext uri="{91240B29-F687-4f45-9708-019B960494DF}">
-              <a14:hiddenLine xmlns:a14="http://schemas.microsoft.com/office/drawing/2010/main" xmlns="" w="9525">
+              <a14:hiddenLine xmlns="" xmlns:a14="http://schemas.microsoft.com/office/drawing/2010/main" w="9525">
                 <a:solidFill>
                   <a:schemeClr val="tx1"/>
                 </a:solidFill>
@@ -32283,7 +32284,7 @@
               </a14:hiddenLine>
             </a:ext>
             <a:ext uri="{AF507438-7753-43e0-B8FC-AC1667EBCBE1}">
-              <a14:hiddenEffects xmlns:a14="http://schemas.microsoft.com/office/drawing/2010/main" xmlns="">
+              <a14:hiddenEffects xmlns="" xmlns:a14="http://schemas.microsoft.com/office/drawing/2010/main">
                 <a:effectLst>
                   <a:outerShdw blurRad="63500" dist="38099" dir="2700000" algn="ctr" rotWithShape="0">
                     <a:schemeClr val="bg2">
@@ -40887,524 +40888,437 @@
         </p:nvSpPr>
         <p:spPr/>
         <p:txBody>
-          <a:bodyPr>
-            <a:normAutofit/>
-          </a:bodyPr>
+          <a:bodyPr/>
           <a:lstStyle/>
           <a:p>
             <a:r>
-              <a:rPr lang="en-US" sz="3600" dirty="0"/>
-              <a:t>Pros and Cons of Decomposition-Based Integration</a:t>
-            </a:r>
-          </a:p>
-        </p:txBody>
-      </p:sp>
-      <p:sp>
-        <p:nvSpPr>
-          <p:cNvPr id="3" name="Content Placeholder 2"/>
-          <p:cNvSpPr>
-            <a:spLocks noGrp="1"/>
-          </p:cNvSpPr>
+              <a:rPr lang="en-US" dirty="0"/>
+              <a:t>Top-down Approach Vs Bottom-up Approach</a:t>
+            </a:r>
+          </a:p>
+        </p:txBody>
+      </p:sp>
+      <p:graphicFrame>
+        <p:nvGraphicFramePr>
+          <p:cNvPr id="5" name="Content Placeholder 4"/>
+          <p:cNvGraphicFramePr>
+            <a:graphicFrameLocks noGrp="1"/>
+          </p:cNvGraphicFramePr>
           <p:nvPr>
             <p:ph idx="1"/>
+            <p:extLst>
+              <p:ext uri="{D42A27DB-BD31-4B8C-83A1-F6EECF244321}">
+                <p14:modId xmlns:p14="http://schemas.microsoft.com/office/powerpoint/2010/main" val="3748208088"/>
+              </p:ext>
+            </p:extLst>
           </p:nvPr>
-        </p:nvSpPr>
-        <p:spPr/>
-        <p:txBody>
-          <a:bodyPr/>
-          <a:lstStyle/>
-          <a:p>
-            <a:pPr marL="355600" indent="-342900">
-              <a:lnSpc>
-                <a:spcPct val="100000"/>
-              </a:lnSpc>
-              <a:spcBef>
-                <a:spcPts val="580"/>
-              </a:spcBef>
-              <a:tabLst>
-                <a:tab pos="354965" algn="l"/>
-                <a:tab pos="355600" algn="l"/>
-              </a:tabLst>
-            </a:pPr>
-            <a:r>
-              <a:rPr lang="en-US" sz="2400" dirty="0">
-                <a:cs typeface="Arial"/>
-              </a:rPr>
-              <a:t>Pros</a:t>
-            </a:r>
-          </a:p>
-          <a:p>
-            <a:pPr marL="755650" lvl="1" indent="-285750">
-              <a:lnSpc>
-                <a:spcPct val="100000"/>
-              </a:lnSpc>
-              <a:spcBef>
-                <a:spcPts val="400"/>
-              </a:spcBef>
-              <a:buChar char="–"/>
-              <a:tabLst>
-                <a:tab pos="755015" algn="l"/>
-                <a:tab pos="755650" algn="l"/>
-              </a:tabLst>
-            </a:pPr>
-            <a:r>
-              <a:rPr lang="en-US" sz="2000" spc="-5" dirty="0">
-                <a:cs typeface="Arial"/>
-              </a:rPr>
-              <a:t>intuitively</a:t>
-            </a:r>
-            <a:r>
-              <a:rPr lang="en-US" sz="2000" spc="-30" dirty="0">
-                <a:cs typeface="Arial"/>
-              </a:rPr>
-              <a:t> </a:t>
-            </a:r>
-            <a:r>
-              <a:rPr lang="en-US" sz="2000" dirty="0">
-                <a:cs typeface="Arial"/>
-              </a:rPr>
-              <a:t>clear</a:t>
-            </a:r>
-          </a:p>
-          <a:p>
-            <a:pPr marL="755650" lvl="1" indent="-285750">
-              <a:lnSpc>
-                <a:spcPct val="100000"/>
-              </a:lnSpc>
-              <a:buChar char="–"/>
-              <a:tabLst>
-                <a:tab pos="755015" algn="l"/>
-                <a:tab pos="755650" algn="l"/>
-              </a:tabLst>
-            </a:pPr>
-            <a:r>
-              <a:rPr lang="en-US" sz="2000" spc="-5" dirty="0">
-                <a:cs typeface="Arial"/>
-              </a:rPr>
-              <a:t>“build”</a:t>
-            </a:r>
-            <a:r>
-              <a:rPr lang="en-US" sz="2000" spc="-10" dirty="0">
-                <a:cs typeface="Arial"/>
-              </a:rPr>
-              <a:t> </a:t>
-            </a:r>
-            <a:r>
-              <a:rPr lang="en-US" sz="2000" spc="-5" dirty="0">
-                <a:cs typeface="Arial"/>
-              </a:rPr>
-              <a:t>with</a:t>
-            </a:r>
-            <a:r>
-              <a:rPr lang="en-US" sz="2000" dirty="0">
-                <a:cs typeface="Arial"/>
-              </a:rPr>
-              <a:t> proven</a:t>
-            </a:r>
-            <a:r>
-              <a:rPr lang="en-US" sz="2000" spc="-5" dirty="0">
-                <a:cs typeface="Arial"/>
-              </a:rPr>
-              <a:t> components</a:t>
-            </a:r>
-            <a:endParaRPr lang="en-US" sz="2000" dirty="0">
-              <a:cs typeface="Arial"/>
-            </a:endParaRPr>
-          </a:p>
-          <a:p>
-            <a:pPr marL="749300" marR="372110" lvl="1" indent="-279400">
-              <a:lnSpc>
-                <a:spcPct val="100800"/>
-              </a:lnSpc>
-              <a:spcBef>
-                <a:spcPts val="480"/>
-              </a:spcBef>
-              <a:buChar char="–"/>
-              <a:tabLst>
-                <a:tab pos="755015" algn="l"/>
-                <a:tab pos="755650" algn="l"/>
-              </a:tabLst>
-            </a:pPr>
-            <a:r>
-              <a:rPr lang="en-US" sz="2000" spc="-5" dirty="0">
-                <a:cs typeface="Arial"/>
-              </a:rPr>
-              <a:t>fault isolation</a:t>
-            </a:r>
-            <a:r>
-              <a:rPr lang="en-US" sz="2000" dirty="0">
-                <a:cs typeface="Arial"/>
-              </a:rPr>
-              <a:t> varies</a:t>
-            </a:r>
-            <a:r>
-              <a:rPr lang="en-US" sz="2000" spc="-5" dirty="0">
-                <a:cs typeface="Arial"/>
-              </a:rPr>
-              <a:t> with</a:t>
-            </a:r>
-            <a:r>
-              <a:rPr lang="en-US" sz="2000" dirty="0">
-                <a:cs typeface="Arial"/>
-              </a:rPr>
-              <a:t> </a:t>
-            </a:r>
-            <a:r>
-              <a:rPr lang="en-US" sz="2000" spc="-5" dirty="0">
-                <a:cs typeface="Arial"/>
-              </a:rPr>
-              <a:t>the</a:t>
-            </a:r>
-            <a:r>
-              <a:rPr lang="en-US" sz="2000" dirty="0">
-                <a:cs typeface="Arial"/>
-              </a:rPr>
-              <a:t> number</a:t>
-            </a:r>
-            <a:r>
-              <a:rPr lang="en-US" sz="2000" spc="-5" dirty="0">
-                <a:cs typeface="Arial"/>
-              </a:rPr>
-              <a:t> </a:t>
-            </a:r>
-            <a:r>
-              <a:rPr lang="en-US" sz="2000" dirty="0">
-                <a:cs typeface="Arial"/>
-              </a:rPr>
-              <a:t>of</a:t>
-            </a:r>
-            <a:r>
-              <a:rPr lang="en-US" sz="2000" spc="-5" dirty="0">
-                <a:cs typeface="Arial"/>
-              </a:rPr>
-              <a:t> units </a:t>
-            </a:r>
-            <a:r>
-              <a:rPr lang="en-US" sz="2000" dirty="0">
-                <a:cs typeface="Arial"/>
-              </a:rPr>
-              <a:t>being </a:t>
-            </a:r>
-            <a:r>
-              <a:rPr lang="en-US" sz="2000" spc="-540" dirty="0">
-                <a:cs typeface="Arial"/>
-              </a:rPr>
-              <a:t> </a:t>
-            </a:r>
-            <a:r>
-              <a:rPr lang="en-US" sz="2000" spc="-5" dirty="0">
-                <a:cs typeface="Arial"/>
-              </a:rPr>
-              <a:t>integrated</a:t>
-            </a:r>
-            <a:endParaRPr lang="en-US" sz="2000" dirty="0">
-              <a:cs typeface="Arial"/>
-            </a:endParaRPr>
-          </a:p>
-          <a:p>
-            <a:pPr marL="355600" indent="-342900">
-              <a:lnSpc>
-                <a:spcPct val="100000"/>
-              </a:lnSpc>
-              <a:spcBef>
-                <a:spcPts val="575"/>
-              </a:spcBef>
-              <a:tabLst>
-                <a:tab pos="354965" algn="l"/>
-                <a:tab pos="355600" algn="l"/>
-              </a:tabLst>
-            </a:pPr>
-            <a:r>
-              <a:rPr lang="en-US" sz="2400" dirty="0">
-                <a:cs typeface="Arial"/>
-              </a:rPr>
-              <a:t>Cons</a:t>
-            </a:r>
-          </a:p>
-          <a:p>
-            <a:pPr marL="749300" marR="230504" lvl="1" indent="-279400">
-              <a:lnSpc>
-                <a:spcPct val="100800"/>
-              </a:lnSpc>
-              <a:spcBef>
-                <a:spcPts val="405"/>
-              </a:spcBef>
-              <a:buChar char="–"/>
-              <a:tabLst>
-                <a:tab pos="755015" algn="l"/>
-                <a:tab pos="755650" algn="l"/>
-              </a:tabLst>
-            </a:pPr>
-            <a:r>
-              <a:rPr lang="en-US" sz="2000" dirty="0">
-                <a:cs typeface="Arial"/>
-              </a:rPr>
-              <a:t>based</a:t>
-            </a:r>
-            <a:r>
-              <a:rPr lang="en-US" sz="2000" spc="-10" dirty="0">
-                <a:cs typeface="Arial"/>
-              </a:rPr>
-              <a:t> </a:t>
-            </a:r>
-            <a:r>
-              <a:rPr lang="en-US" sz="2000" dirty="0">
-                <a:cs typeface="Arial"/>
-              </a:rPr>
-              <a:t>on</a:t>
-            </a:r>
-            <a:r>
-              <a:rPr lang="en-US" sz="2000" spc="-10" dirty="0">
-                <a:cs typeface="Arial"/>
-              </a:rPr>
-              <a:t> </a:t>
-            </a:r>
-            <a:r>
-              <a:rPr lang="en-US" sz="2000" dirty="0">
-                <a:cs typeface="Arial"/>
-              </a:rPr>
-              <a:t>lexicographic</a:t>
-            </a:r>
-            <a:r>
-              <a:rPr lang="en-US" sz="2000" spc="-15" dirty="0">
-                <a:cs typeface="Arial"/>
-              </a:rPr>
-              <a:t> </a:t>
-            </a:r>
-            <a:r>
-              <a:rPr lang="en-US" sz="2000" dirty="0">
-                <a:cs typeface="Arial"/>
-              </a:rPr>
-              <a:t>inclusion</a:t>
-            </a:r>
-            <a:r>
-              <a:rPr lang="en-US" sz="2000" spc="-10" dirty="0">
-                <a:cs typeface="Arial"/>
-              </a:rPr>
-              <a:t> </a:t>
-            </a:r>
-            <a:r>
-              <a:rPr lang="en-US" sz="2000" dirty="0">
-                <a:cs typeface="Arial"/>
-              </a:rPr>
-              <a:t>(a</a:t>
-            </a:r>
-            <a:r>
-              <a:rPr lang="en-US" sz="2000" spc="-10" dirty="0">
-                <a:cs typeface="Arial"/>
-              </a:rPr>
-              <a:t> </a:t>
-            </a:r>
-            <a:r>
-              <a:rPr lang="en-US" sz="2000" dirty="0">
-                <a:cs typeface="Arial"/>
-              </a:rPr>
-              <a:t>purely</a:t>
-            </a:r>
-            <a:r>
-              <a:rPr lang="en-US" sz="2000" spc="-15" dirty="0">
-                <a:cs typeface="Arial"/>
-              </a:rPr>
-              <a:t> </a:t>
-            </a:r>
-            <a:r>
-              <a:rPr lang="en-US" sz="2000" spc="-5" dirty="0">
-                <a:cs typeface="Arial"/>
-              </a:rPr>
-              <a:t>structural </a:t>
-            </a:r>
-            <a:r>
-              <a:rPr lang="en-US" sz="2000" spc="-540" dirty="0">
-                <a:cs typeface="Arial"/>
-              </a:rPr>
-              <a:t> </a:t>
-            </a:r>
-            <a:r>
-              <a:rPr lang="en-US" sz="2000" spc="-5" dirty="0">
-                <a:cs typeface="Arial"/>
-              </a:rPr>
-              <a:t>consideration)</a:t>
-            </a:r>
-            <a:endParaRPr lang="en-US" sz="2000" dirty="0">
-              <a:cs typeface="Arial"/>
-            </a:endParaRPr>
-          </a:p>
-          <a:p>
-            <a:pPr marL="749300" marR="5080" lvl="1" indent="-279400">
-              <a:lnSpc>
-                <a:spcPct val="100800"/>
-              </a:lnSpc>
-              <a:spcBef>
-                <a:spcPts val="459"/>
-              </a:spcBef>
-              <a:buChar char="–"/>
-              <a:tabLst>
-                <a:tab pos="755015" algn="l"/>
-                <a:tab pos="755650" algn="l"/>
-              </a:tabLst>
-            </a:pPr>
-            <a:r>
-              <a:rPr lang="en-US" sz="2000" dirty="0">
-                <a:cs typeface="Arial"/>
-              </a:rPr>
-              <a:t>some branches in a </a:t>
-            </a:r>
-            <a:r>
-              <a:rPr lang="en-US" sz="2000" spc="-5" dirty="0">
-                <a:cs typeface="Arial"/>
-              </a:rPr>
-              <a:t>functional decomposition </a:t>
-            </a:r>
-            <a:r>
-              <a:rPr lang="en-US" sz="2000" dirty="0">
-                <a:cs typeface="Arial"/>
-              </a:rPr>
-              <a:t>may not </a:t>
-            </a:r>
-            <a:r>
-              <a:rPr lang="en-US" sz="2000" spc="-545" dirty="0">
-                <a:cs typeface="Arial"/>
-              </a:rPr>
-              <a:t> </a:t>
-            </a:r>
-            <a:r>
-              <a:rPr lang="en-US" sz="2000" dirty="0">
-                <a:cs typeface="Arial"/>
-              </a:rPr>
-              <a:t>correspond</a:t>
-            </a:r>
-            <a:r>
-              <a:rPr lang="en-US" sz="2000" spc="-5" dirty="0">
-                <a:cs typeface="Arial"/>
-              </a:rPr>
-              <a:t> with</a:t>
-            </a:r>
-            <a:r>
-              <a:rPr lang="en-US" sz="2000" dirty="0">
-                <a:cs typeface="Arial"/>
-              </a:rPr>
-              <a:t> </a:t>
-            </a:r>
-            <a:r>
-              <a:rPr lang="en-US" sz="2000" spc="-5" dirty="0">
-                <a:cs typeface="Arial"/>
-              </a:rPr>
-              <a:t>actual</a:t>
-            </a:r>
-            <a:r>
-              <a:rPr lang="en-US" sz="2000" dirty="0">
-                <a:cs typeface="Arial"/>
-              </a:rPr>
-              <a:t> </a:t>
-            </a:r>
-            <a:r>
-              <a:rPr lang="en-US" sz="2000" spc="-5" dirty="0">
-                <a:cs typeface="Arial"/>
-              </a:rPr>
-              <a:t>interfaces.</a:t>
-            </a:r>
-            <a:endParaRPr lang="en-US" sz="2000" dirty="0">
-              <a:cs typeface="Arial"/>
-            </a:endParaRPr>
-          </a:p>
-          <a:p>
-            <a:pPr marL="755650" lvl="1" indent="-285750">
-              <a:lnSpc>
-                <a:spcPct val="100000"/>
-              </a:lnSpc>
-              <a:spcBef>
-                <a:spcPts val="480"/>
-              </a:spcBef>
-              <a:buChar char="–"/>
-              <a:tabLst>
-                <a:tab pos="755015" algn="l"/>
-                <a:tab pos="755650" algn="l"/>
-              </a:tabLst>
-            </a:pPr>
-            <a:r>
-              <a:rPr lang="en-US" sz="2000" spc="-5" dirty="0">
-                <a:cs typeface="Arial"/>
-              </a:rPr>
-              <a:t>stub</a:t>
-            </a:r>
-            <a:r>
-              <a:rPr lang="en-US" sz="2000" spc="-10" dirty="0">
-                <a:cs typeface="Arial"/>
-              </a:rPr>
-              <a:t> </a:t>
-            </a:r>
-            <a:r>
-              <a:rPr lang="en-US" sz="2000" dirty="0">
-                <a:cs typeface="Arial"/>
-              </a:rPr>
-              <a:t>and</a:t>
-            </a:r>
-            <a:r>
-              <a:rPr lang="en-US" sz="2000" spc="-5" dirty="0">
-                <a:cs typeface="Arial"/>
-              </a:rPr>
-              <a:t> </a:t>
-            </a:r>
-            <a:r>
-              <a:rPr lang="en-US" sz="2000" dirty="0">
-                <a:cs typeface="Arial"/>
-              </a:rPr>
-              <a:t>driver</a:t>
-            </a:r>
-            <a:r>
-              <a:rPr lang="en-US" sz="2000" spc="-10" dirty="0">
-                <a:cs typeface="Arial"/>
-              </a:rPr>
-              <a:t> </a:t>
-            </a:r>
-            <a:r>
-              <a:rPr lang="en-US" sz="2000" dirty="0">
-                <a:cs typeface="Arial"/>
-              </a:rPr>
-              <a:t>development</a:t>
-            </a:r>
-            <a:r>
-              <a:rPr lang="en-US" sz="2000" spc="-10" dirty="0">
-                <a:cs typeface="Arial"/>
-              </a:rPr>
-              <a:t> </a:t>
-            </a:r>
-            <a:r>
-              <a:rPr lang="en-US" sz="2000" dirty="0">
-                <a:cs typeface="Arial"/>
-              </a:rPr>
-              <a:t>can</a:t>
-            </a:r>
-            <a:r>
-              <a:rPr lang="en-US" sz="2000" spc="-10" dirty="0">
-                <a:cs typeface="Arial"/>
-              </a:rPr>
-              <a:t> </a:t>
-            </a:r>
-            <a:r>
-              <a:rPr lang="en-US" sz="2000" dirty="0">
-                <a:cs typeface="Arial"/>
-              </a:rPr>
-              <a:t>be</a:t>
-            </a:r>
-            <a:r>
-              <a:rPr lang="en-US" sz="2000" spc="-5" dirty="0">
-                <a:cs typeface="Arial"/>
-              </a:rPr>
-              <a:t> </a:t>
-            </a:r>
-            <a:r>
-              <a:rPr lang="en-US" sz="2000" spc="-5" dirty="0" smtClean="0">
-                <a:cs typeface="Arial"/>
-              </a:rPr>
-              <a:t>extensive</a:t>
-            </a:r>
-            <a:endParaRPr lang="en-US" sz="2000" dirty="0">
-              <a:cs typeface="Arial"/>
-            </a:endParaRPr>
-          </a:p>
-        </p:txBody>
-      </p:sp>
+        </p:nvGraphicFramePr>
+        <p:xfrm>
+          <a:off x="347663" y="1406525"/>
+          <a:ext cx="11650662" cy="3302000"/>
+        </p:xfrm>
+        <a:graphic>
+          <a:graphicData uri="http://schemas.openxmlformats.org/drawingml/2006/table">
+            <a:tbl>
+              <a:tblPr firstRow="1" bandRow="1">
+                <a:tableStyleId>{F5AB1C69-6EDB-4FF4-983F-18BD219EF322}</a:tableStyleId>
+              </a:tblPr>
+              <a:tblGrid>
+                <a:gridCol w="2412790">
+                  <a:extLst>
+                    <a:ext uri="{9D8B030D-6E8A-4147-A177-3AD203B41FA5}">
+                      <a16:colId xmlns:a16="http://schemas.microsoft.com/office/drawing/2014/main" val="2027079109"/>
+                    </a:ext>
+                  </a:extLst>
+                </a:gridCol>
+                <a:gridCol w="4618936">
+                  <a:extLst>
+                    <a:ext uri="{9D8B030D-6E8A-4147-A177-3AD203B41FA5}">
+                      <a16:colId xmlns:a16="http://schemas.microsoft.com/office/drawing/2014/main" val="2130022451"/>
+                    </a:ext>
+                  </a:extLst>
+                </a:gridCol>
+                <a:gridCol w="4618936">
+                  <a:extLst>
+                    <a:ext uri="{9D8B030D-6E8A-4147-A177-3AD203B41FA5}">
+                      <a16:colId xmlns:a16="http://schemas.microsoft.com/office/drawing/2014/main" val="4008497852"/>
+                    </a:ext>
+                  </a:extLst>
+                </a:gridCol>
+              </a:tblGrid>
+              <a:tr h="370840">
+                <a:tc>
+                  <a:txBody>
+                    <a:bodyPr/>
+                    <a:lstStyle/>
+                    <a:p>
+                      <a:pPr algn="ctr"/>
+                      <a:r>
+                        <a:rPr lang="en-US" dirty="0" smtClean="0">
+                          <a:latin typeface="Candara" panose="020E0502030303020204" pitchFamily="34" charset="0"/>
+                        </a:rPr>
+                        <a:t>Basis for Comparison</a:t>
+                      </a:r>
+                      <a:endParaRPr lang="en-US" dirty="0">
+                        <a:latin typeface="Candara" panose="020E0502030303020204" pitchFamily="34" charset="0"/>
+                      </a:endParaRPr>
+                    </a:p>
+                  </a:txBody>
+                  <a:tcPr/>
+                </a:tc>
+                <a:tc>
+                  <a:txBody>
+                    <a:bodyPr/>
+                    <a:lstStyle/>
+                    <a:p>
+                      <a:pPr algn="ctr"/>
+                      <a:r>
+                        <a:rPr lang="en-US" dirty="0" smtClean="0">
+                          <a:latin typeface="Candara" panose="020E0502030303020204" pitchFamily="34" charset="0"/>
+                        </a:rPr>
+                        <a:t>Top-down Approach</a:t>
+                      </a:r>
+                      <a:endParaRPr lang="en-US" dirty="0">
+                        <a:latin typeface="Candara" panose="020E0502030303020204" pitchFamily="34" charset="0"/>
+                      </a:endParaRPr>
+                    </a:p>
+                  </a:txBody>
+                  <a:tcPr/>
+                </a:tc>
+                <a:tc>
+                  <a:txBody>
+                    <a:bodyPr/>
+                    <a:lstStyle/>
+                    <a:p>
+                      <a:pPr algn="ctr"/>
+                      <a:r>
+                        <a:rPr lang="en-US" dirty="0" smtClean="0">
+                          <a:latin typeface="Candara" panose="020E0502030303020204" pitchFamily="34" charset="0"/>
+                        </a:rPr>
+                        <a:t>Bottom-up Approach</a:t>
+                      </a:r>
+                      <a:endParaRPr lang="en-US" dirty="0">
+                        <a:latin typeface="Candara" panose="020E0502030303020204" pitchFamily="34" charset="0"/>
+                      </a:endParaRPr>
+                    </a:p>
+                  </a:txBody>
+                  <a:tcPr/>
+                </a:tc>
+                <a:extLst>
+                  <a:ext uri="{0D108BD9-81ED-4DB2-BD59-A6C34878D82A}">
+                    <a16:rowId xmlns:a16="http://schemas.microsoft.com/office/drawing/2014/main" val="1201621666"/>
+                  </a:ext>
+                </a:extLst>
+              </a:tr>
+              <a:tr h="370840">
+                <a:tc>
+                  <a:txBody>
+                    <a:bodyPr/>
+                    <a:lstStyle/>
+                    <a:p>
+                      <a:r>
+                        <a:rPr lang="en-US" dirty="0" smtClean="0">
+                          <a:latin typeface="Candara" panose="020E0502030303020204" pitchFamily="34" charset="0"/>
+                        </a:rPr>
+                        <a:t>Basic</a:t>
+                      </a:r>
+                      <a:endParaRPr lang="en-US" dirty="0">
+                        <a:latin typeface="Candara" panose="020E0502030303020204" pitchFamily="34" charset="0"/>
+                      </a:endParaRPr>
+                    </a:p>
+                  </a:txBody>
+                  <a:tcPr/>
+                </a:tc>
+                <a:tc>
+                  <a:txBody>
+                    <a:bodyPr/>
+                    <a:lstStyle/>
+                    <a:p>
+                      <a:r>
+                        <a:rPr lang="en-US" dirty="0" smtClean="0">
+                          <a:latin typeface="Candara" panose="020E0502030303020204" pitchFamily="34" charset="0"/>
+                        </a:rPr>
+                        <a:t>Breaks the massive problem into smaller sub-problems</a:t>
+                      </a:r>
+                      <a:endParaRPr lang="en-US" dirty="0">
+                        <a:latin typeface="Candara" panose="020E0502030303020204" pitchFamily="34" charset="0"/>
+                      </a:endParaRPr>
+                    </a:p>
+                  </a:txBody>
+                  <a:tcPr/>
+                </a:tc>
+                <a:tc>
+                  <a:txBody>
+                    <a:bodyPr/>
+                    <a:lstStyle/>
+                    <a:p>
+                      <a:r>
+                        <a:rPr lang="en-US" dirty="0" smtClean="0">
+                          <a:latin typeface="Candara" panose="020E0502030303020204" pitchFamily="34" charset="0"/>
+                        </a:rPr>
+                        <a:t>Solves the fundamental low-level problem and integrates them into a larger one</a:t>
+                      </a:r>
+                      <a:endParaRPr lang="en-US" dirty="0">
+                        <a:latin typeface="Candara" panose="020E0502030303020204" pitchFamily="34" charset="0"/>
+                      </a:endParaRPr>
+                    </a:p>
+                  </a:txBody>
+                  <a:tcPr/>
+                </a:tc>
+                <a:extLst>
+                  <a:ext uri="{0D108BD9-81ED-4DB2-BD59-A6C34878D82A}">
+                    <a16:rowId xmlns:a16="http://schemas.microsoft.com/office/drawing/2014/main" val="2582258884"/>
+                  </a:ext>
+                </a:extLst>
+              </a:tr>
+              <a:tr h="370840">
+                <a:tc>
+                  <a:txBody>
+                    <a:bodyPr/>
+                    <a:lstStyle/>
+                    <a:p>
+                      <a:r>
+                        <a:rPr lang="en-US" dirty="0" smtClean="0">
+                          <a:latin typeface="Candara" panose="020E0502030303020204" pitchFamily="34" charset="0"/>
+                        </a:rPr>
+                        <a:t>Process</a:t>
+                      </a:r>
+                      <a:endParaRPr lang="en-US" dirty="0">
+                        <a:latin typeface="Candara" panose="020E0502030303020204" pitchFamily="34" charset="0"/>
+                      </a:endParaRPr>
+                    </a:p>
+                  </a:txBody>
+                  <a:tcPr/>
+                </a:tc>
+                <a:tc>
+                  <a:txBody>
+                    <a:bodyPr/>
+                    <a:lstStyle/>
+                    <a:p>
+                      <a:r>
+                        <a:rPr lang="en-US" dirty="0" smtClean="0">
+                          <a:latin typeface="Candara" panose="020E0502030303020204" pitchFamily="34" charset="0"/>
+                        </a:rPr>
+                        <a:t>Submodules are solitarily analyzed</a:t>
+                      </a:r>
+                      <a:endParaRPr lang="en-US" dirty="0">
+                        <a:latin typeface="Candara" panose="020E0502030303020204" pitchFamily="34" charset="0"/>
+                      </a:endParaRPr>
+                    </a:p>
+                  </a:txBody>
+                  <a:tcPr/>
+                </a:tc>
+                <a:tc>
+                  <a:txBody>
+                    <a:bodyPr/>
+                    <a:lstStyle/>
+                    <a:p>
+                      <a:r>
+                        <a:rPr lang="en-US" dirty="0" smtClean="0">
+                          <a:latin typeface="Candara" panose="020E0502030303020204" pitchFamily="34" charset="0"/>
+                        </a:rPr>
+                        <a:t>Examine what data is to be encapsulated, and implies the concept of information hiding</a:t>
+                      </a:r>
+                      <a:endParaRPr lang="en-US" dirty="0">
+                        <a:latin typeface="Candara" panose="020E0502030303020204" pitchFamily="34" charset="0"/>
+                      </a:endParaRPr>
+                    </a:p>
+                  </a:txBody>
+                  <a:tcPr/>
+                </a:tc>
+                <a:extLst>
+                  <a:ext uri="{0D108BD9-81ED-4DB2-BD59-A6C34878D82A}">
+                    <a16:rowId xmlns:a16="http://schemas.microsoft.com/office/drawing/2014/main" val="2672115693"/>
+                  </a:ext>
+                </a:extLst>
+              </a:tr>
+              <a:tr h="370840">
+                <a:tc>
+                  <a:txBody>
+                    <a:bodyPr/>
+                    <a:lstStyle/>
+                    <a:p>
+                      <a:r>
+                        <a:rPr lang="en-US" dirty="0" smtClean="0">
+                          <a:latin typeface="Candara" panose="020E0502030303020204" pitchFamily="34" charset="0"/>
+                        </a:rPr>
+                        <a:t>Redundancy</a:t>
+                      </a:r>
+                      <a:endParaRPr lang="en-US" dirty="0">
+                        <a:latin typeface="Candara" panose="020E0502030303020204" pitchFamily="34" charset="0"/>
+                      </a:endParaRPr>
+                    </a:p>
+                  </a:txBody>
+                  <a:tcPr/>
+                </a:tc>
+                <a:tc>
+                  <a:txBody>
+                    <a:bodyPr/>
+                    <a:lstStyle/>
+                    <a:p>
+                      <a:r>
+                        <a:rPr lang="en-US" dirty="0" smtClean="0">
+                          <a:latin typeface="Candara" panose="020E0502030303020204" pitchFamily="34" charset="0"/>
+                        </a:rPr>
+                        <a:t>Contain redundant information</a:t>
+                      </a:r>
+                      <a:endParaRPr lang="en-US" dirty="0">
+                        <a:latin typeface="Candara" panose="020E0502030303020204" pitchFamily="34" charset="0"/>
+                      </a:endParaRPr>
+                    </a:p>
+                  </a:txBody>
+                  <a:tcPr/>
+                </a:tc>
+                <a:tc>
+                  <a:txBody>
+                    <a:bodyPr/>
+                    <a:lstStyle/>
+                    <a:p>
+                      <a:r>
+                        <a:rPr lang="en-US" dirty="0" smtClean="0">
+                          <a:latin typeface="Candara" panose="020E0502030303020204" pitchFamily="34" charset="0"/>
+                        </a:rPr>
+                        <a:t>Redundancy can be eliminated</a:t>
+                      </a:r>
+                      <a:endParaRPr lang="en-US" dirty="0">
+                        <a:latin typeface="Candara" panose="020E0502030303020204" pitchFamily="34" charset="0"/>
+                      </a:endParaRPr>
+                    </a:p>
+                  </a:txBody>
+                  <a:tcPr/>
+                </a:tc>
+                <a:extLst>
+                  <a:ext uri="{0D108BD9-81ED-4DB2-BD59-A6C34878D82A}">
+                    <a16:rowId xmlns:a16="http://schemas.microsoft.com/office/drawing/2014/main" val="2711963563"/>
+                  </a:ext>
+                </a:extLst>
+              </a:tr>
+              <a:tr h="370840">
+                <a:tc>
+                  <a:txBody>
+                    <a:bodyPr/>
+                    <a:lstStyle/>
+                    <a:p>
+                      <a:r>
+                        <a:rPr lang="en-US" dirty="0" smtClean="0">
+                          <a:latin typeface="Candara" panose="020E0502030303020204" pitchFamily="34" charset="0"/>
+                        </a:rPr>
+                        <a:t>Programming languages</a:t>
+                      </a:r>
+                      <a:endParaRPr lang="en-US" dirty="0">
+                        <a:latin typeface="Candara" panose="020E0502030303020204" pitchFamily="34" charset="0"/>
+                      </a:endParaRPr>
+                    </a:p>
+                  </a:txBody>
+                  <a:tcPr/>
+                </a:tc>
+                <a:tc>
+                  <a:txBody>
+                    <a:bodyPr/>
+                    <a:lstStyle/>
+                    <a:p>
+                      <a:r>
+                        <a:rPr lang="en-US" dirty="0" smtClean="0">
+                          <a:latin typeface="Candara" panose="020E0502030303020204" pitchFamily="34" charset="0"/>
+                        </a:rPr>
+                        <a:t>Structure/procedural oriented programming languages</a:t>
+                      </a:r>
+                      <a:endParaRPr lang="en-US" dirty="0">
+                        <a:latin typeface="Candara" panose="020E0502030303020204" pitchFamily="34" charset="0"/>
+                      </a:endParaRPr>
+                    </a:p>
+                  </a:txBody>
+                  <a:tcPr/>
+                </a:tc>
+                <a:tc>
+                  <a:txBody>
+                    <a:bodyPr/>
+                    <a:lstStyle/>
+                    <a:p>
+                      <a:r>
+                        <a:rPr lang="en-US" dirty="0" smtClean="0">
+                          <a:latin typeface="Candara" panose="020E0502030303020204" pitchFamily="34" charset="0"/>
+                        </a:rPr>
+                        <a:t>Object-oriented programming languages</a:t>
+                      </a:r>
+                      <a:endParaRPr lang="en-US" dirty="0">
+                        <a:latin typeface="Candara" panose="020E0502030303020204" pitchFamily="34" charset="0"/>
+                      </a:endParaRPr>
+                    </a:p>
+                  </a:txBody>
+                  <a:tcPr/>
+                </a:tc>
+                <a:extLst>
+                  <a:ext uri="{0D108BD9-81ED-4DB2-BD59-A6C34878D82A}">
+                    <a16:rowId xmlns:a16="http://schemas.microsoft.com/office/drawing/2014/main" val="2367219573"/>
+                  </a:ext>
+                </a:extLst>
+              </a:tr>
+              <a:tr h="370840">
+                <a:tc>
+                  <a:txBody>
+                    <a:bodyPr/>
+                    <a:lstStyle/>
+                    <a:p>
+                      <a:r>
+                        <a:rPr lang="en-US" dirty="0" smtClean="0">
+                          <a:latin typeface="Candara" panose="020E0502030303020204" pitchFamily="34" charset="0"/>
+                        </a:rPr>
+                        <a:t>Mainly used in</a:t>
+                      </a:r>
+                      <a:endParaRPr lang="en-US" dirty="0">
+                        <a:latin typeface="Candara" panose="020E0502030303020204" pitchFamily="34" charset="0"/>
+                      </a:endParaRPr>
+                    </a:p>
+                  </a:txBody>
+                  <a:tcPr/>
+                </a:tc>
+                <a:tc>
+                  <a:txBody>
+                    <a:bodyPr/>
+                    <a:lstStyle/>
+                    <a:p>
+                      <a:r>
+                        <a:rPr lang="en-US" dirty="0" smtClean="0">
+                          <a:latin typeface="Candara" panose="020E0502030303020204" pitchFamily="34" charset="0"/>
+                        </a:rPr>
+                        <a:t>Module documentation, test case creation, code implementation and debugging</a:t>
+                      </a:r>
+                      <a:endParaRPr lang="en-US" dirty="0">
+                        <a:latin typeface="Candara" panose="020E0502030303020204" pitchFamily="34" charset="0"/>
+                      </a:endParaRPr>
+                    </a:p>
+                  </a:txBody>
+                  <a:tcPr/>
+                </a:tc>
+                <a:tc>
+                  <a:txBody>
+                    <a:bodyPr/>
+                    <a:lstStyle/>
+                    <a:p>
+                      <a:r>
+                        <a:rPr lang="en-US" dirty="0" smtClean="0">
+                          <a:latin typeface="Candara" panose="020E0502030303020204" pitchFamily="34" charset="0"/>
+                        </a:rPr>
+                        <a:t>Testing</a:t>
+                      </a:r>
+                      <a:endParaRPr lang="en-US" dirty="0">
+                        <a:latin typeface="Candara" panose="020E0502030303020204" pitchFamily="34" charset="0"/>
+                      </a:endParaRPr>
+                    </a:p>
+                  </a:txBody>
+                  <a:tcPr/>
+                </a:tc>
+                <a:extLst>
+                  <a:ext uri="{0D108BD9-81ED-4DB2-BD59-A6C34878D82A}">
+                    <a16:rowId xmlns:a16="http://schemas.microsoft.com/office/drawing/2014/main" val="681566888"/>
+                  </a:ext>
+                </a:extLst>
+              </a:tr>
+            </a:tbl>
+          </a:graphicData>
+        </a:graphic>
+      </p:graphicFrame>
       <p:sp>
         <p:nvSpPr>
           <p:cNvPr id="4" name="Slide Number Placeholder 3"/>
@@ -41420,18 +41334,19 @@
           <a:bodyPr/>
           <a:lstStyle/>
           <a:p>
-            <a:fld id="{B543A0FD-1CA6-4228-86A2-78061B4844C8}" type="slidenum">
+            <a:fld id="{B8DACC02-A2BD-4578-8E03-6D891060A695}" type="slidenum">
               <a:rPr lang="en-US" smtClean="0"/>
+              <a:pPr/>
               <a:t>47</a:t>
             </a:fld>
-            <a:endParaRPr lang="en-US"/>
+            <a:endParaRPr lang="en-US" dirty="0"/>
           </a:p>
         </p:txBody>
       </p:sp>
     </p:spTree>
     <p:extLst>
       <p:ext uri="{BB962C8B-B14F-4D97-AF65-F5344CB8AC3E}">
-        <p14:creationId xmlns:p14="http://schemas.microsoft.com/office/powerpoint/2010/main" val="398763775"/>
+        <p14:creationId xmlns:p14="http://schemas.microsoft.com/office/powerpoint/2010/main" val="3282512491"/>
       </p:ext>
     </p:extLst>
   </p:cSld>
@@ -41470,12 +41385,14 @@
         </p:nvSpPr>
         <p:spPr/>
         <p:txBody>
-          <a:bodyPr/>
+          <a:bodyPr>
+            <a:normAutofit/>
+          </a:bodyPr>
           <a:lstStyle/>
           <a:p>
             <a:r>
-              <a:rPr lang="en-US" dirty="0"/>
-              <a:t>Call Graph-Based Integration</a:t>
+              <a:rPr lang="en-US" sz="3600" dirty="0"/>
+              <a:t>Pros and Cons of Decomposition-Based Integration</a:t>
             </a:r>
           </a:p>
         </p:txBody>
@@ -41495,12 +41412,12 @@
           <a:bodyPr/>
           <a:lstStyle/>
           <a:p>
-            <a:pPr marL="355600" marR="716280" indent="-342900">
+            <a:pPr marL="355600" indent="-342900">
               <a:lnSpc>
-                <a:spcPts val="2800"/>
+                <a:spcPct val="100000"/>
               </a:lnSpc>
               <a:spcBef>
-                <a:spcPts val="260"/>
+                <a:spcPts val="580"/>
               </a:spcBef>
               <a:tabLst>
                 <a:tab pos="354965" algn="l"/>
@@ -41508,136 +41425,10 @@
               </a:tabLst>
             </a:pPr>
             <a:r>
-              <a:rPr lang="en-US" sz="2400" spc="-5" dirty="0">
-                <a:cs typeface="Arial"/>
-              </a:rPr>
-              <a:t>Definition:</a:t>
-            </a:r>
-            <a:r>
-              <a:rPr lang="en-US" sz="2400" spc="-10" dirty="0">
-                <a:cs typeface="Arial"/>
-              </a:rPr>
-              <a:t> </a:t>
-            </a:r>
-            <a:r>
               <a:rPr lang="en-US" sz="2400" dirty="0">
                 <a:cs typeface="Arial"/>
               </a:rPr>
-              <a:t>The</a:t>
-            </a:r>
-            <a:r>
-              <a:rPr lang="en-US" sz="2400" spc="-10" dirty="0">
-                <a:cs typeface="Arial"/>
-              </a:rPr>
-              <a:t> </a:t>
-            </a:r>
-            <a:r>
-              <a:rPr lang="en-US" sz="2400" i="1" dirty="0">
-                <a:cs typeface="Arial"/>
-              </a:rPr>
-              <a:t>Call</a:t>
-            </a:r>
-            <a:r>
-              <a:rPr lang="en-US" sz="2400" i="1" spc="-10" dirty="0">
-                <a:cs typeface="Arial"/>
-              </a:rPr>
-              <a:t> </a:t>
-            </a:r>
-            <a:r>
-              <a:rPr lang="en-US" sz="2400" i="1" spc="-5" dirty="0">
-                <a:cs typeface="Arial"/>
-              </a:rPr>
-              <a:t>Graph</a:t>
-            </a:r>
-            <a:r>
-              <a:rPr lang="en-US" sz="2400" i="1" spc="-15" dirty="0">
-                <a:cs typeface="Arial"/>
-              </a:rPr>
-              <a:t> </a:t>
-            </a:r>
-            <a:r>
-              <a:rPr lang="en-US" sz="2400" dirty="0">
-                <a:cs typeface="Arial"/>
-              </a:rPr>
-              <a:t>of</a:t>
-            </a:r>
-            <a:r>
-              <a:rPr lang="en-US" sz="2400" spc="-15" dirty="0">
-                <a:cs typeface="Arial"/>
-              </a:rPr>
-              <a:t> </a:t>
-            </a:r>
-            <a:r>
-              <a:rPr lang="en-US" sz="2400" dirty="0">
-                <a:cs typeface="Arial"/>
-              </a:rPr>
-              <a:t>a</a:t>
-            </a:r>
-            <a:r>
-              <a:rPr lang="en-US" sz="2400" spc="-10" dirty="0">
-                <a:cs typeface="Arial"/>
-              </a:rPr>
-              <a:t> </a:t>
-            </a:r>
-            <a:r>
-              <a:rPr lang="en-US" sz="2400" dirty="0">
-                <a:cs typeface="Arial"/>
-              </a:rPr>
-              <a:t>program</a:t>
-            </a:r>
-            <a:r>
-              <a:rPr lang="en-US" sz="2400" spc="-10" dirty="0">
-                <a:cs typeface="Arial"/>
-              </a:rPr>
-              <a:t> </a:t>
-            </a:r>
-            <a:r>
-              <a:rPr lang="en-US" sz="2400" dirty="0">
-                <a:cs typeface="Arial"/>
-              </a:rPr>
-              <a:t>is</a:t>
-            </a:r>
-            <a:r>
-              <a:rPr lang="en-US" sz="2400" spc="-15" dirty="0">
-                <a:cs typeface="Arial"/>
-              </a:rPr>
-              <a:t> </a:t>
-            </a:r>
-            <a:r>
-              <a:rPr lang="en-US" sz="2400" dirty="0">
-                <a:cs typeface="Arial"/>
-              </a:rPr>
-              <a:t>a </a:t>
-            </a:r>
-            <a:r>
-              <a:rPr lang="en-US" sz="2400" spc="-655" dirty="0">
-                <a:cs typeface="Arial"/>
-              </a:rPr>
-              <a:t> </a:t>
-            </a:r>
-            <a:r>
-              <a:rPr lang="en-US" sz="2400" spc="-5" dirty="0">
-                <a:cs typeface="Arial"/>
-              </a:rPr>
-              <a:t>directed </a:t>
-            </a:r>
-            <a:r>
-              <a:rPr lang="en-US" sz="2400" dirty="0">
-                <a:cs typeface="Arial"/>
-              </a:rPr>
-              <a:t>graph in</a:t>
-            </a:r>
-            <a:r>
-              <a:rPr lang="en-US" sz="2400" spc="-5" dirty="0">
-                <a:cs typeface="Arial"/>
-              </a:rPr>
-              <a:t> </a:t>
-            </a:r>
-            <a:r>
-              <a:rPr lang="en-US" sz="2400" dirty="0">
-                <a:cs typeface="Arial"/>
-              </a:rPr>
-              <a:t>which</a:t>
+              <a:t>Pros</a:t>
             </a:r>
           </a:p>
           <a:p>
@@ -41646,7 +41437,7 @@
                 <a:spcPct val="100000"/>
               </a:lnSpc>
               <a:spcBef>
-                <a:spcPts val="420"/>
+                <a:spcPts val="400"/>
               </a:spcBef>
               <a:buChar char="–"/>
               <a:tabLst>
@@ -41655,38 +41446,71 @@
               </a:tabLst>
             </a:pPr>
             <a:r>
+              <a:rPr lang="en-US" sz="2000" spc="-5" dirty="0">
+                <a:cs typeface="Arial"/>
+              </a:rPr>
+              <a:t>intuitively</a:t>
+            </a:r>
+            <a:r>
+              <a:rPr lang="en-US" sz="2000" spc="-30" dirty="0">
+                <a:cs typeface="Arial"/>
+              </a:rPr>
+              <a:t> </a:t>
+            </a:r>
+            <a:r>
               <a:rPr lang="en-US" sz="2000" dirty="0">
                 <a:cs typeface="Arial"/>
               </a:rPr>
-              <a:t>nodes</a:t>
-            </a:r>
-            <a:r>
-              <a:rPr lang="en-US" sz="2000" spc="-40" dirty="0">
+              <a:t>clear</a:t>
+            </a:r>
+          </a:p>
+          <a:p>
+            <a:pPr marL="755650" lvl="1" indent="-285750">
+              <a:lnSpc>
+                <a:spcPct val="100000"/>
+              </a:lnSpc>
+              <a:buChar char="–"/>
+              <a:tabLst>
+                <a:tab pos="755015" algn="l"/>
+                <a:tab pos="755650" algn="l"/>
+              </a:tabLst>
+            </a:pPr>
+            <a:r>
+              <a:rPr lang="en-US" sz="2000" spc="-5" dirty="0">
+                <a:cs typeface="Arial"/>
+              </a:rPr>
+              <a:t>“build”</a:t>
+            </a:r>
+            <a:r>
+              <a:rPr lang="en-US" sz="2000" spc="-10" dirty="0">
                 <a:cs typeface="Arial"/>
               </a:rPr>
               <a:t> </a:t>
             </a:r>
             <a:r>
+              <a:rPr lang="en-US" sz="2000" spc="-5" dirty="0">
+                <a:cs typeface="Arial"/>
+              </a:rPr>
+              <a:t>with</a:t>
+            </a:r>
+            <a:r>
               <a:rPr lang="en-US" sz="2000" dirty="0">
                 <a:cs typeface="Arial"/>
               </a:rPr>
-              <a:t>are</a:t>
-            </a:r>
-            <a:r>
-              <a:rPr lang="en-US" sz="2000" spc="-30" dirty="0">
-                <a:cs typeface="Arial"/>
-              </a:rPr>
-              <a:t> </a:t>
-            </a:r>
-            <a:r>
-              <a:rPr lang="en-US" sz="2000" dirty="0">
-                <a:cs typeface="Arial"/>
-              </a:rPr>
-              <a:t>unit</a:t>
-            </a:r>
-          </a:p>
-          <a:p>
-            <a:pPr marL="749300" marR="1154430" lvl="1" indent="-279400">
+              <a:t> proven</a:t>
+            </a:r>
+            <a:r>
+              <a:rPr lang="en-US" sz="2000" spc="-5" dirty="0">
+                <a:cs typeface="Arial"/>
+              </a:rPr>
+              <a:t> components</a:t>
+            </a:r>
+            <a:endParaRPr lang="en-US" sz="2000" dirty="0">
+              <a:cs typeface="Arial"/>
+            </a:endParaRPr>
+          </a:p>
+          <a:p>
+            <a:pPr marL="749300" marR="372110" lvl="1" indent="-279400">
               <a:lnSpc>
                 <a:spcPct val="100800"/>
               </a:lnSpc>
@@ -41700,37 +41524,67 @@
               </a:tabLst>
             </a:pPr>
             <a:r>
+              <a:rPr lang="en-US" sz="2000" spc="-5" dirty="0">
+                <a:cs typeface="Arial"/>
+              </a:rPr>
+              <a:t>fault isolation</a:t>
+            </a:r>
+            <a:r>
               <a:rPr lang="en-US" sz="2000" dirty="0">
                 <a:cs typeface="Arial"/>
               </a:rPr>
-              <a:t>edges</a:t>
-            </a:r>
-            <a:r>
-              <a:rPr lang="en-US" sz="2000" spc="-20" dirty="0">
+              <a:t> varies</a:t>
+            </a:r>
+            <a:r>
+              <a:rPr lang="en-US" sz="2000" spc="-5" dirty="0">
+                <a:cs typeface="Arial"/>
+              </a:rPr>
+              <a:t> with</a:t>
+            </a:r>
+            <a:r>
+              <a:rPr lang="en-US" sz="2000" dirty="0">
                 <a:cs typeface="Arial"/>
               </a:rPr>
               <a:t> </a:t>
             </a:r>
             <a:r>
+              <a:rPr lang="en-US" sz="2000" spc="-5" dirty="0">
+                <a:cs typeface="Arial"/>
+              </a:rPr>
+              <a:t>the</a:t>
+            </a:r>
+            <a:r>
               <a:rPr lang="en-US" sz="2000" dirty="0">
                 <a:cs typeface="Arial"/>
               </a:rPr>
-              <a:t>correspond</a:t>
-            </a:r>
-            <a:r>
-              <a:rPr lang="en-US" sz="2000" spc="-10" dirty="0">
+              <a:t> number</a:t>
+            </a:r>
+            <a:r>
+              <a:rPr lang="en-US" sz="2000" spc="-5" dirty="0">
                 <a:cs typeface="Arial"/>
               </a:rPr>
               <a:t> </a:t>
             </a:r>
             <a:r>
+              <a:rPr lang="en-US" sz="2000" dirty="0">
+                <a:cs typeface="Arial"/>
+              </a:rPr>
+              <a:t>of</a:t>
+            </a:r>
+            <a:r>
               <a:rPr lang="en-US" sz="2000" spc="-5" dirty="0">
                 <a:cs typeface="Arial"/>
               </a:rPr>
-              <a:t>to</a:t>
-            </a:r>
-            <a:r>
-              <a:rPr lang="en-US" sz="2000" spc="-10" dirty="0">
+              <a:t> units </a:t>
+            </a:r>
+            <a:r>
+              <a:rPr lang="en-US" sz="2000" dirty="0">
+                <a:cs typeface="Arial"/>
+              </a:rPr>
+              <a:t>being </a:t>
+            </a:r>
+            <a:r>
+              <a:rPr lang="en-US" sz="2000" spc="-540" dirty="0">
                 <a:cs typeface="Arial"/>
               </a:rPr>
               <a:t> </a:t>
@@ -41739,64 +41593,19 @@
               <a:rPr lang="en-US" sz="2000" spc="-5" dirty="0">
                 <a:cs typeface="Arial"/>
               </a:rPr>
-              <a:t>actual</a:t>
-            </a:r>
-            <a:r>
-              <a:rPr lang="en-US" sz="2000" spc="-15" dirty="0">
-                <a:cs typeface="Arial"/>
-              </a:rPr>
-              <a:t> </a:t>
-            </a:r>
-            <a:r>
-              <a:rPr lang="en-US" sz="2000" dirty="0">
-                <a:cs typeface="Arial"/>
-              </a:rPr>
-              <a:t>program</a:t>
-            </a:r>
-            <a:r>
-              <a:rPr lang="en-US" sz="2000" spc="-15" dirty="0">
-                <a:cs typeface="Arial"/>
-              </a:rPr>
-              <a:t> </a:t>
-            </a:r>
-            <a:r>
-              <a:rPr lang="en-US" sz="2000" dirty="0">
-                <a:cs typeface="Arial"/>
-              </a:rPr>
-              <a:t>calls</a:t>
-            </a:r>
-            <a:r>
-              <a:rPr lang="en-US" sz="2000" spc="-15" dirty="0">
-                <a:cs typeface="Arial"/>
-              </a:rPr>
-              <a:t> </a:t>
-            </a:r>
-            <a:r>
-              <a:rPr lang="en-US" sz="2000" dirty="0">
-                <a:cs typeface="Arial"/>
-              </a:rPr>
-              <a:t>(or </a:t>
-            </a:r>
-            <a:r>
-              <a:rPr lang="en-US" sz="2000" spc="-540" dirty="0">
-                <a:cs typeface="Arial"/>
-              </a:rPr>
-              <a:t> </a:t>
-            </a:r>
-            <a:r>
-              <a:rPr lang="en-US" sz="2000" dirty="0">
-                <a:cs typeface="Arial"/>
-              </a:rPr>
-              <a:t>messages)</a:t>
-            </a:r>
-          </a:p>
-          <a:p>
-            <a:pPr marL="355600" marR="393700" indent="-342900">
+              <a:t>integrated</a:t>
+            </a:r>
+            <a:endParaRPr lang="en-US" sz="2000" dirty="0">
+              <a:cs typeface="Arial"/>
+            </a:endParaRPr>
+          </a:p>
+          <a:p>
+            <a:pPr marL="355600" indent="-342900">
               <a:lnSpc>
-                <a:spcPct val="99400"/>
+                <a:spcPct val="100000"/>
               </a:lnSpc>
               <a:spcBef>
-                <a:spcPts val="595"/>
+                <a:spcPts val="575"/>
               </a:spcBef>
               <a:tabLst>
                 <a:tab pos="354965" algn="l"/>
@@ -41807,286 +41616,288 @@
               <a:rPr lang="en-US" sz="2400" dirty="0">
                 <a:cs typeface="Arial"/>
               </a:rPr>
-              <a:t>Call </a:t>
-            </a:r>
-            <a:r>
-              <a:rPr lang="en-US" sz="2400" spc="-5" dirty="0">
-                <a:cs typeface="Arial"/>
-              </a:rPr>
-              <a:t>Graph</a:t>
-            </a:r>
-            <a:r>
-              <a:rPr lang="en-US" sz="2400" spc="5" dirty="0">
+              <a:t>Cons</a:t>
+            </a:r>
+          </a:p>
+          <a:p>
+            <a:pPr marL="749300" marR="230504" lvl="1" indent="-279400">
+              <a:lnSpc>
+                <a:spcPct val="100800"/>
+              </a:lnSpc>
+              <a:spcBef>
+                <a:spcPts val="405"/>
+              </a:spcBef>
+              <a:buChar char="–"/>
+              <a:tabLst>
+                <a:tab pos="755015" algn="l"/>
+                <a:tab pos="755650" algn="l"/>
+              </a:tabLst>
+            </a:pPr>
+            <a:r>
+              <a:rPr lang="en-US" sz="2000" dirty="0">
+                <a:cs typeface="Arial"/>
+              </a:rPr>
+              <a:t>based</a:t>
+            </a:r>
+            <a:r>
+              <a:rPr lang="en-US" sz="2000" spc="-10" dirty="0">
                 <a:cs typeface="Arial"/>
               </a:rPr>
               <a:t> </a:t>
             </a:r>
             <a:r>
-              <a:rPr lang="en-US" sz="2400" spc="-5" dirty="0">
-                <a:cs typeface="Arial"/>
-              </a:rPr>
-              <a:t>Integration</a:t>
-            </a:r>
-            <a:r>
-              <a:rPr lang="en-US" sz="2400" dirty="0">
-                <a:cs typeface="Arial"/>
-              </a:rPr>
-              <a:t> avoids </a:t>
-            </a:r>
-            <a:r>
-              <a:rPr lang="en-US" sz="2400" spc="-5" dirty="0">
-                <a:cs typeface="Arial"/>
-              </a:rPr>
-              <a:t>the</a:t>
-            </a:r>
-            <a:r>
-              <a:rPr lang="en-US" sz="2400" spc="5" dirty="0">
+              <a:rPr lang="en-US" sz="2000" dirty="0">
+                <a:cs typeface="Arial"/>
+              </a:rPr>
+              <a:t>on</a:t>
+            </a:r>
+            <a:r>
+              <a:rPr lang="en-US" sz="2000" spc="-10" dirty="0">
                 <a:cs typeface="Arial"/>
               </a:rPr>
               <a:t> </a:t>
             </a:r>
             <a:r>
-              <a:rPr lang="en-US" sz="2400" spc="-5" dirty="0">
-                <a:cs typeface="Arial"/>
-              </a:rPr>
-              <a:t>possibility </a:t>
-            </a:r>
-            <a:r>
-              <a:rPr lang="en-US" sz="2400" dirty="0">
-                <a:cs typeface="Arial"/>
-              </a:rPr>
-              <a:t>of </a:t>
-            </a:r>
-            <a:r>
-              <a:rPr lang="en-US" sz="2400" spc="-650" dirty="0">
+              <a:rPr lang="en-US" sz="2000" dirty="0">
+                <a:cs typeface="Arial"/>
+              </a:rPr>
+              <a:t>lexicographic</a:t>
+            </a:r>
+            <a:r>
+              <a:rPr lang="en-US" sz="2000" spc="-15" dirty="0">
                 <a:cs typeface="Arial"/>
               </a:rPr>
               <a:t> </a:t>
             </a:r>
             <a:r>
-              <a:rPr lang="en-US" sz="2400" dirty="0">
-                <a:cs typeface="Arial"/>
-              </a:rPr>
-              <a:t>impossible edges in </a:t>
-            </a:r>
-            <a:r>
-              <a:rPr lang="en-US" sz="2400" spc="-5" dirty="0">
-                <a:cs typeface="Arial"/>
-              </a:rPr>
-              <a:t>decomposition-based </a:t>
-            </a:r>
-            <a:r>
-              <a:rPr lang="en-US" sz="2400" spc="-5" dirty="0" smtClean="0">
-                <a:cs typeface="Arial"/>
-              </a:rPr>
-              <a:t>integration</a:t>
-            </a:r>
-            <a:r>
-              <a:rPr lang="en-US" sz="2400" spc="-5" dirty="0">
-                <a:cs typeface="Arial"/>
-              </a:rPr>
-              <a:t>.</a:t>
-            </a:r>
-            <a:endParaRPr lang="en-US" sz="2400" dirty="0">
+              <a:rPr lang="en-US" sz="2000" dirty="0">
+                <a:cs typeface="Arial"/>
+              </a:rPr>
+              <a:t>inclusion</a:t>
+            </a:r>
+            <a:r>
+              <a:rPr lang="en-US" sz="2000" spc="-10" dirty="0">
+                <a:cs typeface="Arial"/>
+              </a:rPr>
+              <a:t> </a:t>
+            </a:r>
+            <a:r>
+              <a:rPr lang="en-US" sz="2000" dirty="0">
+                <a:cs typeface="Arial"/>
+              </a:rPr>
+              <a:t>(a</a:t>
+            </a:r>
+            <a:r>
+              <a:rPr lang="en-US" sz="2000" spc="-10" dirty="0">
+                <a:cs typeface="Arial"/>
+              </a:rPr>
+              <a:t> </a:t>
+            </a:r>
+            <a:r>
+              <a:rPr lang="en-US" sz="2000" dirty="0">
+                <a:cs typeface="Arial"/>
+              </a:rPr>
+              <a:t>purely</a:t>
+            </a:r>
+            <a:r>
+              <a:rPr lang="en-US" sz="2000" spc="-15" dirty="0">
+                <a:cs typeface="Arial"/>
+              </a:rPr>
+              <a:t> </a:t>
+            </a:r>
+            <a:r>
+              <a:rPr lang="en-US" sz="2000" spc="-5" dirty="0">
+                <a:cs typeface="Arial"/>
+              </a:rPr>
+              <a:t>structural </a:t>
+            </a:r>
+            <a:r>
+              <a:rPr lang="en-US" sz="2000" spc="-540" dirty="0">
+                <a:cs typeface="Arial"/>
+              </a:rPr>
+              <a:t> </a:t>
+            </a:r>
+            <a:r>
+              <a:rPr lang="en-US" sz="2000" spc="-5" dirty="0">
+                <a:cs typeface="Arial"/>
+              </a:rPr>
+              <a:t>consideration)</a:t>
+            </a:r>
+            <a:endParaRPr lang="en-US" sz="2000" dirty="0">
               <a:cs typeface="Arial"/>
             </a:endParaRPr>
           </a:p>
           <a:p>
-            <a:pPr marL="355600" indent="-342900">
+            <a:pPr marL="749300" marR="5080" lvl="1" indent="-279400">
+              <a:lnSpc>
+                <a:spcPct val="100800"/>
+              </a:lnSpc>
+              <a:spcBef>
+                <a:spcPts val="459"/>
+              </a:spcBef>
+              <a:buChar char="–"/>
+              <a:tabLst>
+                <a:tab pos="755015" algn="l"/>
+                <a:tab pos="755650" algn="l"/>
+              </a:tabLst>
+            </a:pPr>
+            <a:r>
+              <a:rPr lang="en-US" sz="2000" dirty="0">
+                <a:cs typeface="Arial"/>
+              </a:rPr>
+              <a:t>some branches in a </a:t>
+            </a:r>
+            <a:r>
+              <a:rPr lang="en-US" sz="2000" spc="-5" dirty="0">
+                <a:cs typeface="Arial"/>
+              </a:rPr>
+              <a:t>functional decomposition </a:t>
+            </a:r>
+            <a:r>
+              <a:rPr lang="en-US" sz="2000" dirty="0">
+                <a:cs typeface="Arial"/>
+              </a:rPr>
+              <a:t>may not </a:t>
+            </a:r>
+            <a:r>
+              <a:rPr lang="en-US" sz="2000" spc="-545" dirty="0">
+                <a:cs typeface="Arial"/>
+              </a:rPr>
+              <a:t> </a:t>
+            </a:r>
+            <a:r>
+              <a:rPr lang="en-US" sz="2000" dirty="0">
+                <a:cs typeface="Arial"/>
+              </a:rPr>
+              <a:t>correspond</a:t>
+            </a:r>
+            <a:r>
+              <a:rPr lang="en-US" sz="2000" spc="-5" dirty="0">
+                <a:cs typeface="Arial"/>
+              </a:rPr>
+              <a:t> with</a:t>
+            </a:r>
+            <a:r>
+              <a:rPr lang="en-US" sz="2000" dirty="0">
+                <a:cs typeface="Arial"/>
+              </a:rPr>
+              <a:t> </a:t>
+            </a:r>
+            <a:r>
+              <a:rPr lang="en-US" sz="2000" spc="-5" dirty="0">
+                <a:cs typeface="Arial"/>
+              </a:rPr>
+              <a:t>actual</a:t>
+            </a:r>
+            <a:r>
+              <a:rPr lang="en-US" sz="2000" dirty="0">
+                <a:cs typeface="Arial"/>
+              </a:rPr>
+              <a:t> </a:t>
+            </a:r>
+            <a:r>
+              <a:rPr lang="en-US" sz="2000" spc="-5" dirty="0">
+                <a:cs typeface="Arial"/>
+              </a:rPr>
+              <a:t>interfaces.</a:t>
+            </a:r>
+            <a:endParaRPr lang="en-US" sz="2000" dirty="0">
+              <a:cs typeface="Arial"/>
+            </a:endParaRPr>
+          </a:p>
+          <a:p>
+            <a:pPr marL="755650" lvl="1" indent="-285750">
               <a:lnSpc>
                 <a:spcPct val="100000"/>
               </a:lnSpc>
               <a:spcBef>
-                <a:spcPts val="595"/>
+                <a:spcPts val="480"/>
               </a:spcBef>
+              <a:buChar char="–"/>
               <a:tabLst>
-                <a:tab pos="354965" algn="l"/>
-                <a:tab pos="355600" algn="l"/>
+                <a:tab pos="755015" algn="l"/>
+                <a:tab pos="755650" algn="l"/>
               </a:tabLst>
             </a:pPr>
             <a:r>
-              <a:rPr lang="en-US" sz="2400" dirty="0">
-                <a:cs typeface="Arial"/>
-              </a:rPr>
-              <a:t>Can</a:t>
-            </a:r>
-            <a:r>
-              <a:rPr lang="en-US" sz="2400" spc="-5" dirty="0">
-                <a:cs typeface="Arial"/>
-              </a:rPr>
-              <a:t> still</a:t>
-            </a:r>
-            <a:r>
-              <a:rPr lang="en-US" sz="2400" dirty="0">
-                <a:cs typeface="Arial"/>
-              </a:rPr>
-              <a:t> use</a:t>
-            </a:r>
-            <a:r>
-              <a:rPr lang="en-US" sz="2400" spc="-5" dirty="0">
-                <a:cs typeface="Arial"/>
-              </a:rPr>
-              <a:t> the</a:t>
-            </a:r>
-            <a:r>
-              <a:rPr lang="en-US" sz="2400" dirty="0">
+              <a:rPr lang="en-US" sz="2000" spc="-5" dirty="0">
+                <a:cs typeface="Arial"/>
+              </a:rPr>
+              <a:t>stub</a:t>
+            </a:r>
+            <a:r>
+              <a:rPr lang="en-US" sz="2000" spc="-10" dirty="0">
                 <a:cs typeface="Arial"/>
               </a:rPr>
               <a:t> </a:t>
             </a:r>
             <a:r>
-              <a:rPr lang="en-US" sz="2400" spc="-5" dirty="0">
-                <a:cs typeface="Arial"/>
-              </a:rPr>
-              <a:t>notions</a:t>
-            </a:r>
-            <a:r>
-              <a:rPr lang="en-US" sz="2400" spc="-10" dirty="0">
+              <a:rPr lang="en-US" sz="2000" dirty="0">
+                <a:cs typeface="Arial"/>
+              </a:rPr>
+              <a:t>and</a:t>
+            </a:r>
+            <a:r>
+              <a:rPr lang="en-US" sz="2000" spc="-5" dirty="0">
                 <a:cs typeface="Arial"/>
               </a:rPr>
               <a:t> </a:t>
             </a:r>
             <a:r>
-              <a:rPr lang="en-US" sz="2400" dirty="0">
-                <a:cs typeface="Arial"/>
-              </a:rPr>
-              <a:t>of</a:t>
-            </a:r>
-            <a:r>
-              <a:rPr lang="en-US" sz="2400" spc="-5" dirty="0">
-                <a:cs typeface="Arial"/>
-              </a:rPr>
-              <a:t> stubs</a:t>
-            </a:r>
-            <a:r>
-              <a:rPr lang="en-US" sz="2400" spc="-10" dirty="0">
+              <a:rPr lang="en-US" sz="2000" dirty="0">
+                <a:cs typeface="Arial"/>
+              </a:rPr>
+              <a:t>driver</a:t>
+            </a:r>
+            <a:r>
+              <a:rPr lang="en-US" sz="2000" spc="-10" dirty="0">
                 <a:cs typeface="Arial"/>
               </a:rPr>
               <a:t> </a:t>
             </a:r>
             <a:r>
-              <a:rPr lang="en-US" sz="2400" dirty="0">
-                <a:cs typeface="Arial"/>
-              </a:rPr>
-              <a:t>and drivers.</a:t>
-            </a:r>
-          </a:p>
-          <a:p>
-            <a:pPr marL="355600" marR="5080" indent="-342900">
-              <a:lnSpc>
-                <a:spcPct val="101499"/>
-              </a:lnSpc>
-              <a:spcBef>
-                <a:spcPts val="475"/>
-              </a:spcBef>
-              <a:tabLst>
-                <a:tab pos="354965" algn="l"/>
-                <a:tab pos="355600" algn="l"/>
-              </a:tabLst>
-            </a:pPr>
-            <a:r>
-              <a:rPr lang="en-US" sz="2400" dirty="0">
-                <a:cs typeface="Arial"/>
-              </a:rPr>
-              <a:t>Can </a:t>
-            </a:r>
-            <a:r>
-              <a:rPr lang="en-US" sz="2400" spc="-5" dirty="0">
-                <a:cs typeface="Arial"/>
-              </a:rPr>
-              <a:t>still</a:t>
-            </a:r>
-            <a:r>
-              <a:rPr lang="en-US" sz="2400" dirty="0">
+              <a:rPr lang="en-US" sz="2000" dirty="0">
+                <a:cs typeface="Arial"/>
+              </a:rPr>
+              <a:t>development</a:t>
+            </a:r>
+            <a:r>
+              <a:rPr lang="en-US" sz="2000" spc="-10" dirty="0">
                 <a:cs typeface="Arial"/>
               </a:rPr>
               <a:t> </a:t>
             </a:r>
             <a:r>
-              <a:rPr lang="en-US" sz="2400" spc="-5" dirty="0">
-                <a:cs typeface="Arial"/>
-              </a:rPr>
-              <a:t>traverse</a:t>
-            </a:r>
-            <a:r>
-              <a:rPr lang="en-US" sz="2400" spc="5" dirty="0">
+              <a:rPr lang="en-US" sz="2000" dirty="0">
+                <a:cs typeface="Arial"/>
+              </a:rPr>
+              <a:t>can</a:t>
+            </a:r>
+            <a:r>
+              <a:rPr lang="en-US" sz="2000" spc="-10" dirty="0">
                 <a:cs typeface="Arial"/>
               </a:rPr>
               <a:t> </a:t>
             </a:r>
             <a:r>
-              <a:rPr lang="en-US" sz="2400" spc="-5" dirty="0">
-                <a:cs typeface="Arial"/>
-              </a:rPr>
-              <a:t>the</a:t>
-            </a:r>
-            <a:r>
-              <a:rPr lang="en-US" sz="2400" dirty="0">
-                <a:cs typeface="Arial"/>
-              </a:rPr>
-              <a:t> Call</a:t>
-            </a:r>
-            <a:r>
-              <a:rPr lang="en-US" sz="2400" spc="5" dirty="0">
+              <a:rPr lang="en-US" sz="2000" dirty="0">
+                <a:cs typeface="Arial"/>
+              </a:rPr>
+              <a:t>be</a:t>
+            </a:r>
+            <a:r>
+              <a:rPr lang="en-US" sz="2000" spc="-5" dirty="0">
                 <a:cs typeface="Arial"/>
               </a:rPr>
               <a:t> </a:t>
             </a:r>
             <a:r>
-              <a:rPr lang="en-US" sz="2400" spc="-5" dirty="0">
-                <a:cs typeface="Arial"/>
-              </a:rPr>
-              <a:t>Graph</a:t>
-            </a:r>
-            <a:r>
-              <a:rPr lang="en-US" sz="2400" dirty="0">
-                <a:cs typeface="Arial"/>
-              </a:rPr>
-              <a:t> in</a:t>
-            </a:r>
-            <a:r>
-              <a:rPr lang="en-US" sz="2400" spc="5" dirty="0">
-                <a:cs typeface="Arial"/>
-              </a:rPr>
-              <a:t> </a:t>
-            </a:r>
-            <a:r>
-              <a:rPr lang="en-US" sz="2400" dirty="0">
-                <a:cs typeface="Arial"/>
-              </a:rPr>
-              <a:t>a </a:t>
-            </a:r>
-            <a:r>
-              <a:rPr lang="en-US" sz="2400" spc="-5" dirty="0">
-                <a:cs typeface="Arial"/>
-              </a:rPr>
-              <a:t>top-down</a:t>
-            </a:r>
-            <a:r>
-              <a:rPr lang="en-US" sz="2400" dirty="0">
-                <a:cs typeface="Arial"/>
-              </a:rPr>
-              <a:t> or </a:t>
-            </a:r>
-            <a:r>
-              <a:rPr lang="en-US" sz="2400" spc="-650" dirty="0">
-                <a:cs typeface="Arial"/>
-              </a:rPr>
-              <a:t> </a:t>
-            </a:r>
-            <a:r>
-              <a:rPr lang="en-US" sz="2400" spc="-5" dirty="0">
-                <a:cs typeface="Arial"/>
-              </a:rPr>
-              <a:t>bottom-up strategy</a:t>
-            </a:r>
-            <a:r>
-              <a:rPr lang="en-US" sz="2400" spc="-5" dirty="0" smtClean="0">
-                <a:cs typeface="Arial"/>
-              </a:rPr>
-              <a:t>.</a:t>
-            </a:r>
-            <a:endParaRPr lang="en-US" sz="2400" dirty="0">
+              <a:rPr lang="en-US" sz="2000" spc="-5" dirty="0" smtClean="0">
+                <a:cs typeface="Arial"/>
+              </a:rPr>
+              <a:t>extensive</a:t>
+            </a:r>
+            <a:endParaRPr lang="en-US" sz="2000" dirty="0">
               <a:cs typeface="Arial"/>
             </a:endParaRPr>
           </a:p>
@@ -42118,7 +41929,7 @@
     </p:spTree>
     <p:extLst>
       <p:ext uri="{BB962C8B-B14F-4D97-AF65-F5344CB8AC3E}">
-        <p14:creationId xmlns:p14="http://schemas.microsoft.com/office/powerpoint/2010/main" val="143293165"/>
+        <p14:creationId xmlns:p14="http://schemas.microsoft.com/office/powerpoint/2010/main" val="398763775"/>
       </p:ext>
     </p:extLst>
   </p:cSld>
@@ -42162,8 +41973,620 @@
           <a:p>
             <a:r>
               <a:rPr lang="en-US" dirty="0"/>
-              <a:t>Call Graph of the Calendar Program</a:t>
-            </a:r>
+              <a:t>Call Graph-Based Integration</a:t>
+            </a:r>
+          </a:p>
+        </p:txBody>
+      </p:sp>
+      <p:sp>
+        <p:nvSpPr>
+          <p:cNvPr id="3" name="Content Placeholder 2"/>
+          <p:cNvSpPr>
+            <a:spLocks noGrp="1"/>
+          </p:cNvSpPr>
+          <p:nvPr>
+            <p:ph idx="1"/>
+          </p:nvPr>
+        </p:nvSpPr>
+        <p:spPr/>
+        <p:txBody>
+          <a:bodyPr/>
+          <a:lstStyle/>
+          <a:p>
+            <a:pPr marL="355600" marR="716280" indent="-342900">
+              <a:lnSpc>
+                <a:spcPts val="2800"/>
+              </a:lnSpc>
+              <a:spcBef>
+                <a:spcPts val="260"/>
+              </a:spcBef>
+              <a:tabLst>
+                <a:tab pos="354965" algn="l"/>
+                <a:tab pos="355600" algn="l"/>
+              </a:tabLst>
+            </a:pPr>
+            <a:r>
+              <a:rPr lang="en-US" sz="2400" spc="-5" dirty="0">
+                <a:cs typeface="Arial"/>
+              </a:rPr>
+              <a:t>Definition:</a:t>
+            </a:r>
+            <a:r>
+              <a:rPr lang="en-US" sz="2400" spc="-10" dirty="0">
+                <a:cs typeface="Arial"/>
+              </a:rPr>
+              <a:t> </a:t>
+            </a:r>
+            <a:r>
+              <a:rPr lang="en-US" sz="2400" dirty="0">
+                <a:cs typeface="Arial"/>
+              </a:rPr>
+              <a:t>The</a:t>
+            </a:r>
+            <a:r>
+              <a:rPr lang="en-US" sz="2400" spc="-10" dirty="0">
+                <a:cs typeface="Arial"/>
+              </a:rPr>
+              <a:t> </a:t>
+            </a:r>
+            <a:r>
+              <a:rPr lang="en-US" sz="2400" i="1" dirty="0">
+                <a:cs typeface="Arial"/>
+              </a:rPr>
+              <a:t>Call</a:t>
+            </a:r>
+            <a:r>
+              <a:rPr lang="en-US" sz="2400" i="1" spc="-10" dirty="0">
+                <a:cs typeface="Arial"/>
+              </a:rPr>
+              <a:t> </a:t>
+            </a:r>
+            <a:r>
+              <a:rPr lang="en-US" sz="2400" i="1" spc="-5" dirty="0">
+                <a:cs typeface="Arial"/>
+              </a:rPr>
+              <a:t>Graph</a:t>
+            </a:r>
+            <a:r>
+              <a:rPr lang="en-US" sz="2400" i="1" spc="-15" dirty="0">
+                <a:cs typeface="Arial"/>
+              </a:rPr>
+              <a:t> </a:t>
+            </a:r>
+            <a:r>
+              <a:rPr lang="en-US" sz="2400" dirty="0">
+                <a:cs typeface="Arial"/>
+              </a:rPr>
+              <a:t>of</a:t>
+            </a:r>
+            <a:r>
+              <a:rPr lang="en-US" sz="2400" spc="-15" dirty="0">
+                <a:cs typeface="Arial"/>
+              </a:rPr>
+              <a:t> </a:t>
+            </a:r>
+            <a:r>
+              <a:rPr lang="en-US" sz="2400" dirty="0">
+                <a:cs typeface="Arial"/>
+              </a:rPr>
+              <a:t>a</a:t>
+            </a:r>
+            <a:r>
+              <a:rPr lang="en-US" sz="2400" spc="-10" dirty="0">
+                <a:cs typeface="Arial"/>
+              </a:rPr>
+              <a:t> </a:t>
+            </a:r>
+            <a:r>
+              <a:rPr lang="en-US" sz="2400" dirty="0">
+                <a:cs typeface="Arial"/>
+              </a:rPr>
+              <a:t>program</a:t>
+            </a:r>
+            <a:r>
+              <a:rPr lang="en-US" sz="2400" spc="-10" dirty="0">
+                <a:cs typeface="Arial"/>
+              </a:rPr>
+              <a:t> </a:t>
+            </a:r>
+            <a:r>
+              <a:rPr lang="en-US" sz="2400" dirty="0">
+                <a:cs typeface="Arial"/>
+              </a:rPr>
+              <a:t>is</a:t>
+            </a:r>
+            <a:r>
+              <a:rPr lang="en-US" sz="2400" spc="-15" dirty="0">
+                <a:cs typeface="Arial"/>
+              </a:rPr>
+              <a:t> </a:t>
+            </a:r>
+            <a:r>
+              <a:rPr lang="en-US" sz="2400" dirty="0">
+                <a:cs typeface="Arial"/>
+              </a:rPr>
+              <a:t>a </a:t>
+            </a:r>
+            <a:r>
+              <a:rPr lang="en-US" sz="2400" spc="-655" dirty="0">
+                <a:cs typeface="Arial"/>
+              </a:rPr>
+              <a:t> </a:t>
+            </a:r>
+            <a:r>
+              <a:rPr lang="en-US" sz="2400" spc="-5" dirty="0">
+                <a:cs typeface="Arial"/>
+              </a:rPr>
+              <a:t>directed </a:t>
+            </a:r>
+            <a:r>
+              <a:rPr lang="en-US" sz="2400" dirty="0">
+                <a:cs typeface="Arial"/>
+              </a:rPr>
+              <a:t>graph in</a:t>
+            </a:r>
+            <a:r>
+              <a:rPr lang="en-US" sz="2400" spc="-5" dirty="0">
+                <a:cs typeface="Arial"/>
+              </a:rPr>
+              <a:t> </a:t>
+            </a:r>
+            <a:r>
+              <a:rPr lang="en-US" sz="2400" dirty="0">
+                <a:cs typeface="Arial"/>
+              </a:rPr>
+              <a:t>which</a:t>
+            </a:r>
+          </a:p>
+          <a:p>
+            <a:pPr marL="755650" lvl="1" indent="-285750">
+              <a:lnSpc>
+                <a:spcPct val="100000"/>
+              </a:lnSpc>
+              <a:spcBef>
+                <a:spcPts val="420"/>
+              </a:spcBef>
+              <a:buChar char="–"/>
+              <a:tabLst>
+                <a:tab pos="755015" algn="l"/>
+                <a:tab pos="755650" algn="l"/>
+              </a:tabLst>
+            </a:pPr>
+            <a:r>
+              <a:rPr lang="en-US" sz="2000" dirty="0">
+                <a:cs typeface="Arial"/>
+              </a:rPr>
+              <a:t>nodes</a:t>
+            </a:r>
+            <a:r>
+              <a:rPr lang="en-US" sz="2000" spc="-40" dirty="0">
+                <a:cs typeface="Arial"/>
+              </a:rPr>
+              <a:t> </a:t>
+            </a:r>
+            <a:r>
+              <a:rPr lang="en-US" sz="2000" dirty="0">
+                <a:cs typeface="Arial"/>
+              </a:rPr>
+              <a:t>are</a:t>
+            </a:r>
+            <a:r>
+              <a:rPr lang="en-US" sz="2000" spc="-30" dirty="0">
+                <a:cs typeface="Arial"/>
+              </a:rPr>
+              <a:t> </a:t>
+            </a:r>
+            <a:r>
+              <a:rPr lang="en-US" sz="2000" dirty="0">
+                <a:cs typeface="Arial"/>
+              </a:rPr>
+              <a:t>unit</a:t>
+            </a:r>
+          </a:p>
+          <a:p>
+            <a:pPr marL="749300" marR="1154430" lvl="1" indent="-279400">
+              <a:lnSpc>
+                <a:spcPct val="100800"/>
+              </a:lnSpc>
+              <a:spcBef>
+                <a:spcPts val="480"/>
+              </a:spcBef>
+              <a:buChar char="–"/>
+              <a:tabLst>
+                <a:tab pos="755015" algn="l"/>
+                <a:tab pos="755650" algn="l"/>
+              </a:tabLst>
+            </a:pPr>
+            <a:r>
+              <a:rPr lang="en-US" sz="2000" dirty="0">
+                <a:cs typeface="Arial"/>
+              </a:rPr>
+              <a:t>edges</a:t>
+            </a:r>
+            <a:r>
+              <a:rPr lang="en-US" sz="2000" spc="-20" dirty="0">
+                <a:cs typeface="Arial"/>
+              </a:rPr>
+              <a:t> </a:t>
+            </a:r>
+            <a:r>
+              <a:rPr lang="en-US" sz="2000" dirty="0">
+                <a:cs typeface="Arial"/>
+              </a:rPr>
+              <a:t>correspond</a:t>
+            </a:r>
+            <a:r>
+              <a:rPr lang="en-US" sz="2000" spc="-10" dirty="0">
+                <a:cs typeface="Arial"/>
+              </a:rPr>
+              <a:t> </a:t>
+            </a:r>
+            <a:r>
+              <a:rPr lang="en-US" sz="2000" spc="-5" dirty="0">
+                <a:cs typeface="Arial"/>
+              </a:rPr>
+              <a:t>to</a:t>
+            </a:r>
+            <a:r>
+              <a:rPr lang="en-US" sz="2000" spc="-10" dirty="0">
+                <a:cs typeface="Arial"/>
+              </a:rPr>
+              <a:t> </a:t>
+            </a:r>
+            <a:r>
+              <a:rPr lang="en-US" sz="2000" spc="-5" dirty="0">
+                <a:cs typeface="Arial"/>
+              </a:rPr>
+              <a:t>actual</a:t>
+            </a:r>
+            <a:r>
+              <a:rPr lang="en-US" sz="2000" spc="-15" dirty="0">
+                <a:cs typeface="Arial"/>
+              </a:rPr>
+              <a:t> </a:t>
+            </a:r>
+            <a:r>
+              <a:rPr lang="en-US" sz="2000" dirty="0">
+                <a:cs typeface="Arial"/>
+              </a:rPr>
+              <a:t>program</a:t>
+            </a:r>
+            <a:r>
+              <a:rPr lang="en-US" sz="2000" spc="-15" dirty="0">
+                <a:cs typeface="Arial"/>
+              </a:rPr>
+              <a:t> </a:t>
+            </a:r>
+            <a:r>
+              <a:rPr lang="en-US" sz="2000" dirty="0">
+                <a:cs typeface="Arial"/>
+              </a:rPr>
+              <a:t>calls</a:t>
+            </a:r>
+            <a:r>
+              <a:rPr lang="en-US" sz="2000" spc="-15" dirty="0">
+                <a:cs typeface="Arial"/>
+              </a:rPr>
+              <a:t> </a:t>
+            </a:r>
+            <a:r>
+              <a:rPr lang="en-US" sz="2000" dirty="0">
+                <a:cs typeface="Arial"/>
+              </a:rPr>
+              <a:t>(or </a:t>
+            </a:r>
+            <a:r>
+              <a:rPr lang="en-US" sz="2000" spc="-540" dirty="0">
+                <a:cs typeface="Arial"/>
+              </a:rPr>
+              <a:t> </a:t>
+            </a:r>
+            <a:r>
+              <a:rPr lang="en-US" sz="2000" dirty="0">
+                <a:cs typeface="Arial"/>
+              </a:rPr>
+              <a:t>messages)</a:t>
+            </a:r>
+          </a:p>
+          <a:p>
+            <a:pPr marL="355600" marR="393700" indent="-342900">
+              <a:lnSpc>
+                <a:spcPct val="99400"/>
+              </a:lnSpc>
+              <a:spcBef>
+                <a:spcPts val="595"/>
+              </a:spcBef>
+              <a:tabLst>
+                <a:tab pos="354965" algn="l"/>
+                <a:tab pos="355600" algn="l"/>
+              </a:tabLst>
+            </a:pPr>
+            <a:r>
+              <a:rPr lang="en-US" sz="2400" dirty="0">
+                <a:cs typeface="Arial"/>
+              </a:rPr>
+              <a:t>Call </a:t>
+            </a:r>
+            <a:r>
+              <a:rPr lang="en-US" sz="2400" spc="-5" dirty="0">
+                <a:cs typeface="Arial"/>
+              </a:rPr>
+              <a:t>Graph</a:t>
+            </a:r>
+            <a:r>
+              <a:rPr lang="en-US" sz="2400" spc="5" dirty="0">
+                <a:cs typeface="Arial"/>
+              </a:rPr>
+              <a:t> </a:t>
+            </a:r>
+            <a:r>
+              <a:rPr lang="en-US" sz="2400" spc="-5" dirty="0">
+                <a:cs typeface="Arial"/>
+              </a:rPr>
+              <a:t>Integration</a:t>
+            </a:r>
+            <a:r>
+              <a:rPr lang="en-US" sz="2400" dirty="0">
+                <a:cs typeface="Arial"/>
+              </a:rPr>
+              <a:t> avoids </a:t>
+            </a:r>
+            <a:r>
+              <a:rPr lang="en-US" sz="2400" spc="-5" dirty="0">
+                <a:cs typeface="Arial"/>
+              </a:rPr>
+              <a:t>the</a:t>
+            </a:r>
+            <a:r>
+              <a:rPr lang="en-US" sz="2400" spc="5" dirty="0">
+                <a:cs typeface="Arial"/>
+              </a:rPr>
+              <a:t> </a:t>
+            </a:r>
+            <a:r>
+              <a:rPr lang="en-US" sz="2400" spc="-5" dirty="0">
+                <a:cs typeface="Arial"/>
+              </a:rPr>
+              <a:t>possibility </a:t>
+            </a:r>
+            <a:r>
+              <a:rPr lang="en-US" sz="2400" dirty="0">
+                <a:cs typeface="Arial"/>
+              </a:rPr>
+              <a:t>of </a:t>
+            </a:r>
+            <a:r>
+              <a:rPr lang="en-US" sz="2400" spc="-650" dirty="0">
+                <a:cs typeface="Arial"/>
+              </a:rPr>
+              <a:t> </a:t>
+            </a:r>
+            <a:r>
+              <a:rPr lang="en-US" sz="2400" dirty="0">
+                <a:cs typeface="Arial"/>
+              </a:rPr>
+              <a:t>impossible edges in </a:t>
+            </a:r>
+            <a:r>
+              <a:rPr lang="en-US" sz="2400" spc="-5" dirty="0">
+                <a:cs typeface="Arial"/>
+              </a:rPr>
+              <a:t>decomposition-based </a:t>
+            </a:r>
+            <a:r>
+              <a:rPr lang="en-US" sz="2400" spc="-5" dirty="0" smtClean="0">
+                <a:cs typeface="Arial"/>
+              </a:rPr>
+              <a:t>integration</a:t>
+            </a:r>
+            <a:r>
+              <a:rPr lang="en-US" sz="2400" spc="-5" dirty="0">
+                <a:cs typeface="Arial"/>
+              </a:rPr>
+              <a:t>.</a:t>
+            </a:r>
+            <a:endParaRPr lang="en-US" sz="2400" dirty="0">
+              <a:cs typeface="Arial"/>
+            </a:endParaRPr>
+          </a:p>
+          <a:p>
+            <a:pPr marL="355600" indent="-342900">
+              <a:lnSpc>
+                <a:spcPct val="100000"/>
+              </a:lnSpc>
+              <a:spcBef>
+                <a:spcPts val="595"/>
+              </a:spcBef>
+              <a:tabLst>
+                <a:tab pos="354965" algn="l"/>
+                <a:tab pos="355600" algn="l"/>
+              </a:tabLst>
+            </a:pPr>
+            <a:r>
+              <a:rPr lang="en-US" sz="2400" dirty="0">
+                <a:cs typeface="Arial"/>
+              </a:rPr>
+              <a:t>Can</a:t>
+            </a:r>
+            <a:r>
+              <a:rPr lang="en-US" sz="2400" spc="-5" dirty="0">
+                <a:cs typeface="Arial"/>
+              </a:rPr>
+              <a:t> still</a:t>
+            </a:r>
+            <a:r>
+              <a:rPr lang="en-US" sz="2400" dirty="0">
+                <a:cs typeface="Arial"/>
+              </a:rPr>
+              <a:t> use</a:t>
+            </a:r>
+            <a:r>
+              <a:rPr lang="en-US" sz="2400" spc="-5" dirty="0">
+                <a:cs typeface="Arial"/>
+              </a:rPr>
+              <a:t> the</a:t>
+            </a:r>
+            <a:r>
+              <a:rPr lang="en-US" sz="2400" dirty="0">
+                <a:cs typeface="Arial"/>
+              </a:rPr>
+              <a:t> </a:t>
+            </a:r>
+            <a:r>
+              <a:rPr lang="en-US" sz="2400" spc="-5" dirty="0">
+                <a:cs typeface="Arial"/>
+              </a:rPr>
+              <a:t>notions</a:t>
+            </a:r>
+            <a:r>
+              <a:rPr lang="en-US" sz="2400" spc="-10" dirty="0">
+                <a:cs typeface="Arial"/>
+              </a:rPr>
+              <a:t> </a:t>
+            </a:r>
+            <a:r>
+              <a:rPr lang="en-US" sz="2400" dirty="0">
+                <a:cs typeface="Arial"/>
+              </a:rPr>
+              <a:t>of</a:t>
+            </a:r>
+            <a:r>
+              <a:rPr lang="en-US" sz="2400" spc="-5" dirty="0">
+                <a:cs typeface="Arial"/>
+              </a:rPr>
+              <a:t> stubs</a:t>
+            </a:r>
+            <a:r>
+              <a:rPr lang="en-US" sz="2400" spc="-10" dirty="0">
+                <a:cs typeface="Arial"/>
+              </a:rPr>
+              <a:t> </a:t>
+            </a:r>
+            <a:r>
+              <a:rPr lang="en-US" sz="2400" dirty="0">
+                <a:cs typeface="Arial"/>
+              </a:rPr>
+              <a:t>and drivers.</a:t>
+            </a:r>
+          </a:p>
+          <a:p>
+            <a:pPr marL="355600" marR="5080" indent="-342900">
+              <a:lnSpc>
+                <a:spcPct val="101499"/>
+              </a:lnSpc>
+              <a:spcBef>
+                <a:spcPts val="475"/>
+              </a:spcBef>
+              <a:tabLst>
+                <a:tab pos="354965" algn="l"/>
+                <a:tab pos="355600" algn="l"/>
+              </a:tabLst>
+            </a:pPr>
+            <a:r>
+              <a:rPr lang="en-US" sz="2400" dirty="0">
+                <a:cs typeface="Arial"/>
+              </a:rPr>
+              <a:t>Can </a:t>
+            </a:r>
+            <a:r>
+              <a:rPr lang="en-US" sz="2400" spc="-5" dirty="0">
+                <a:cs typeface="Arial"/>
+              </a:rPr>
+              <a:t>still</a:t>
+            </a:r>
+            <a:r>
+              <a:rPr lang="en-US" sz="2400" dirty="0">
+                <a:cs typeface="Arial"/>
+              </a:rPr>
+              <a:t> </a:t>
+            </a:r>
+            <a:r>
+              <a:rPr lang="en-US" sz="2400" spc="-5" dirty="0">
+                <a:cs typeface="Arial"/>
+              </a:rPr>
+              <a:t>traverse</a:t>
+            </a:r>
+            <a:r>
+              <a:rPr lang="en-US" sz="2400" spc="5" dirty="0">
+                <a:cs typeface="Arial"/>
+              </a:rPr>
+              <a:t> </a:t>
+            </a:r>
+            <a:r>
+              <a:rPr lang="en-US" sz="2400" spc="-5" dirty="0">
+                <a:cs typeface="Arial"/>
+              </a:rPr>
+              <a:t>the</a:t>
+            </a:r>
+            <a:r>
+              <a:rPr lang="en-US" sz="2400" dirty="0">
+                <a:cs typeface="Arial"/>
+              </a:rPr>
+              <a:t> Call</a:t>
+            </a:r>
+            <a:r>
+              <a:rPr lang="en-US" sz="2400" spc="5" dirty="0">
+                <a:cs typeface="Arial"/>
+              </a:rPr>
+              <a:t> </a:t>
+            </a:r>
+            <a:r>
+              <a:rPr lang="en-US" sz="2400" spc="-5" dirty="0">
+                <a:cs typeface="Arial"/>
+              </a:rPr>
+              <a:t>Graph</a:t>
+            </a:r>
+            <a:r>
+              <a:rPr lang="en-US" sz="2400" dirty="0">
+                <a:cs typeface="Arial"/>
+              </a:rPr>
+              <a:t> in</a:t>
+            </a:r>
+            <a:r>
+              <a:rPr lang="en-US" sz="2400" spc="5" dirty="0">
+                <a:cs typeface="Arial"/>
+              </a:rPr>
+              <a:t> </a:t>
+            </a:r>
+            <a:r>
+              <a:rPr lang="en-US" sz="2400" dirty="0">
+                <a:cs typeface="Arial"/>
+              </a:rPr>
+              <a:t>a </a:t>
+            </a:r>
+            <a:r>
+              <a:rPr lang="en-US" sz="2400" spc="-5" dirty="0">
+                <a:cs typeface="Arial"/>
+              </a:rPr>
+              <a:t>top-down</a:t>
+            </a:r>
+            <a:r>
+              <a:rPr lang="en-US" sz="2400" dirty="0">
+                <a:cs typeface="Arial"/>
+              </a:rPr>
+              <a:t> or </a:t>
+            </a:r>
+            <a:r>
+              <a:rPr lang="en-US" sz="2400" spc="-650" dirty="0">
+                <a:cs typeface="Arial"/>
+              </a:rPr>
+              <a:t> </a:t>
+            </a:r>
+            <a:r>
+              <a:rPr lang="en-US" sz="2400" spc="-5" dirty="0">
+                <a:cs typeface="Arial"/>
+              </a:rPr>
+              <a:t>bottom-up strategy</a:t>
+            </a:r>
+            <a:r>
+              <a:rPr lang="en-US" sz="2400" spc="-5" dirty="0" smtClean="0">
+                <a:cs typeface="Arial"/>
+              </a:rPr>
+              <a:t>.</a:t>
+            </a:r>
+            <a:endParaRPr lang="en-US" sz="2400" dirty="0">
+              <a:cs typeface="Arial"/>
+            </a:endParaRPr>
           </a:p>
         </p:txBody>
       </p:sp>
@@ -42190,787 +42613,10 @@
           </a:p>
         </p:txBody>
       </p:sp>
-      <p:sp>
-        <p:nvSpPr>
-          <p:cNvPr id="21" name="object 12"/>
-          <p:cNvSpPr txBox="1"/>
-          <p:nvPr/>
-        </p:nvSpPr>
-        <p:spPr>
-          <a:xfrm>
-            <a:off x="5800342" y="2156568"/>
-            <a:ext cx="714375" cy="432434"/>
-          </a:xfrm>
-          <a:prstGeom prst="rect">
-            <a:avLst/>
-          </a:prstGeom>
-        </p:spPr>
-        <p:txBody>
-          <a:bodyPr vert="horz" wrap="square" lIns="0" tIns="11430" rIns="0" bIns="0" rtlCol="0">
-            <a:spAutoFit/>
-          </a:bodyPr>
-          <a:lstStyle/>
-          <a:p>
-            <a:pPr marL="116205" marR="5080" indent="-104139">
-              <a:lnSpc>
-                <a:spcPct val="102699"/>
-              </a:lnSpc>
-              <a:spcBef>
-                <a:spcPts val="90"/>
-              </a:spcBef>
-            </a:pPr>
-            <a:r>
-              <a:rPr sz="1300" spc="15" dirty="0">
-                <a:latin typeface="Candara" panose="020E0502030303020204" pitchFamily="34" charset="0"/>
-                <a:cs typeface="Arial"/>
-              </a:rPr>
-              <a:t>Calendar  (Main)</a:t>
-            </a:r>
-            <a:endParaRPr sz="1300">
-              <a:latin typeface="Candara" panose="020E0502030303020204" pitchFamily="34" charset="0"/>
-              <a:cs typeface="Arial"/>
-            </a:endParaRPr>
-          </a:p>
-        </p:txBody>
-      </p:sp>
-      <p:sp>
-        <p:nvSpPr>
-          <p:cNvPr id="22" name="object 13"/>
-          <p:cNvSpPr txBox="1"/>
-          <p:nvPr/>
-        </p:nvSpPr>
-        <p:spPr>
-          <a:xfrm>
-            <a:off x="3595304" y="3059508"/>
-            <a:ext cx="619760" cy="217367"/>
-          </a:xfrm>
-          <a:prstGeom prst="rect">
-            <a:avLst/>
-          </a:prstGeom>
-        </p:spPr>
-        <p:txBody>
-          <a:bodyPr vert="horz" wrap="square" lIns="0" tIns="17145" rIns="0" bIns="0" rtlCol="0">
-            <a:spAutoFit/>
-          </a:bodyPr>
-          <a:lstStyle/>
-          <a:p>
-            <a:pPr marL="12700">
-              <a:lnSpc>
-                <a:spcPct val="100000"/>
-              </a:lnSpc>
-              <a:spcBef>
-                <a:spcPts val="135"/>
-              </a:spcBef>
-            </a:pPr>
-            <a:r>
-              <a:rPr sz="1300" spc="15" dirty="0">
-                <a:latin typeface="Candara" panose="020E0502030303020204" pitchFamily="34" charset="0"/>
-                <a:cs typeface="Arial"/>
-              </a:rPr>
-              <a:t>getDate</a:t>
-            </a:r>
-            <a:endParaRPr sz="1300">
-              <a:latin typeface="Candara" panose="020E0502030303020204" pitchFamily="34" charset="0"/>
-              <a:cs typeface="Arial"/>
-            </a:endParaRPr>
-          </a:p>
-        </p:txBody>
-      </p:sp>
-      <p:sp>
-        <p:nvSpPr>
-          <p:cNvPr id="23" name="object 14"/>
-          <p:cNvSpPr txBox="1"/>
-          <p:nvPr/>
-        </p:nvSpPr>
-        <p:spPr>
-          <a:xfrm>
-            <a:off x="4505844" y="3059508"/>
-            <a:ext cx="516255" cy="217367"/>
-          </a:xfrm>
-          <a:prstGeom prst="rect">
-            <a:avLst/>
-          </a:prstGeom>
-        </p:spPr>
-        <p:txBody>
-          <a:bodyPr vert="horz" wrap="square" lIns="0" tIns="17145" rIns="0" bIns="0" rtlCol="0">
-            <a:spAutoFit/>
-          </a:bodyPr>
-          <a:lstStyle/>
-          <a:p>
-            <a:pPr marL="12700">
-              <a:lnSpc>
-                <a:spcPct val="100000"/>
-              </a:lnSpc>
-              <a:spcBef>
-                <a:spcPts val="135"/>
-              </a:spcBef>
-            </a:pPr>
-            <a:r>
-              <a:rPr sz="1300" spc="15" dirty="0">
-                <a:latin typeface="Candara" panose="020E0502030303020204" pitchFamily="34" charset="0"/>
-                <a:cs typeface="Arial"/>
-              </a:rPr>
-              <a:t>zodiac</a:t>
-            </a:r>
-            <a:endParaRPr sz="1300">
-              <a:latin typeface="Candara" panose="020E0502030303020204" pitchFamily="34" charset="0"/>
-              <a:cs typeface="Arial"/>
-            </a:endParaRPr>
-          </a:p>
-        </p:txBody>
-      </p:sp>
-      <p:sp>
-        <p:nvSpPr>
-          <p:cNvPr id="24" name="object 15"/>
-          <p:cNvSpPr txBox="1"/>
-          <p:nvPr/>
-        </p:nvSpPr>
-        <p:spPr>
-          <a:xfrm>
-            <a:off x="6288828" y="3059508"/>
-            <a:ext cx="1024890" cy="217367"/>
-          </a:xfrm>
-          <a:prstGeom prst="rect">
-            <a:avLst/>
-          </a:prstGeom>
-        </p:spPr>
-        <p:txBody>
-          <a:bodyPr vert="horz" wrap="square" lIns="0" tIns="17145" rIns="0" bIns="0" rtlCol="0">
-            <a:spAutoFit/>
-          </a:bodyPr>
-          <a:lstStyle/>
-          <a:p>
-            <a:pPr marL="12700">
-              <a:lnSpc>
-                <a:spcPct val="100000"/>
-              </a:lnSpc>
-              <a:spcBef>
-                <a:spcPts val="135"/>
-              </a:spcBef>
-            </a:pPr>
-            <a:r>
-              <a:rPr sz="1300" spc="15" dirty="0">
-                <a:latin typeface="Candara" panose="020E0502030303020204" pitchFamily="34" charset="0"/>
-                <a:cs typeface="Arial"/>
-              </a:rPr>
-              <a:t>memorialDay</a:t>
-            </a:r>
-            <a:endParaRPr sz="1300">
-              <a:latin typeface="Candara" panose="020E0502030303020204" pitchFamily="34" charset="0"/>
-              <a:cs typeface="Arial"/>
-            </a:endParaRPr>
-          </a:p>
-        </p:txBody>
-      </p:sp>
-      <p:sp>
-        <p:nvSpPr>
-          <p:cNvPr id="25" name="object 16"/>
-          <p:cNvSpPr txBox="1"/>
-          <p:nvPr/>
-        </p:nvSpPr>
-        <p:spPr>
-          <a:xfrm>
-            <a:off x="8640900" y="3059508"/>
-            <a:ext cx="827405" cy="217367"/>
-          </a:xfrm>
-          <a:prstGeom prst="rect">
-            <a:avLst/>
-          </a:prstGeom>
-        </p:spPr>
-        <p:txBody>
-          <a:bodyPr vert="horz" wrap="square" lIns="0" tIns="17145" rIns="0" bIns="0" rtlCol="0">
-            <a:spAutoFit/>
-          </a:bodyPr>
-          <a:lstStyle/>
-          <a:p>
-            <a:pPr marL="12700">
-              <a:lnSpc>
-                <a:spcPct val="100000"/>
-              </a:lnSpc>
-              <a:spcBef>
-                <a:spcPts val="135"/>
-              </a:spcBef>
-            </a:pPr>
-            <a:r>
-              <a:rPr sz="1300" spc="15" dirty="0">
-                <a:latin typeface="Candara" panose="020E0502030303020204" pitchFamily="34" charset="0"/>
-                <a:cs typeface="Arial"/>
-              </a:rPr>
-              <a:t>Frida</a:t>
-            </a:r>
-            <a:r>
-              <a:rPr sz="1300" spc="10" dirty="0">
-                <a:latin typeface="Candara" panose="020E0502030303020204" pitchFamily="34" charset="0"/>
-                <a:cs typeface="Arial"/>
-              </a:rPr>
-              <a:t>y</a:t>
-            </a:r>
-            <a:r>
-              <a:rPr sz="1300" spc="15" dirty="0">
-                <a:latin typeface="Candara" panose="020E0502030303020204" pitchFamily="34" charset="0"/>
-                <a:cs typeface="Arial"/>
-              </a:rPr>
-              <a:t>13th</a:t>
-            </a:r>
-            <a:endParaRPr sz="1300">
-              <a:latin typeface="Candara" panose="020E0502030303020204" pitchFamily="34" charset="0"/>
-              <a:cs typeface="Arial"/>
-            </a:endParaRPr>
-          </a:p>
-        </p:txBody>
-      </p:sp>
-      <p:sp>
-        <p:nvSpPr>
-          <p:cNvPr id="26" name="object 17"/>
-          <p:cNvSpPr txBox="1"/>
-          <p:nvPr/>
-        </p:nvSpPr>
-        <p:spPr>
-          <a:xfrm>
-            <a:off x="7600083" y="3059508"/>
-            <a:ext cx="723900" cy="217367"/>
-          </a:xfrm>
-          <a:prstGeom prst="rect">
-            <a:avLst/>
-          </a:prstGeom>
-        </p:spPr>
-        <p:txBody>
-          <a:bodyPr vert="horz" wrap="square" lIns="0" tIns="17145" rIns="0" bIns="0" rtlCol="0">
-            <a:spAutoFit/>
-          </a:bodyPr>
-          <a:lstStyle/>
-          <a:p>
-            <a:pPr marL="12700">
-              <a:lnSpc>
-                <a:spcPct val="100000"/>
-              </a:lnSpc>
-              <a:spcBef>
-                <a:spcPts val="135"/>
-              </a:spcBef>
-            </a:pPr>
-            <a:r>
-              <a:rPr sz="1300" spc="20" dirty="0">
-                <a:latin typeface="Candara" panose="020E0502030303020204" pitchFamily="34" charset="0"/>
-                <a:cs typeface="Arial"/>
-              </a:rPr>
-              <a:t>weekDay</a:t>
-            </a:r>
-            <a:endParaRPr sz="1300">
-              <a:latin typeface="Candara" panose="020E0502030303020204" pitchFamily="34" charset="0"/>
-              <a:cs typeface="Arial"/>
-            </a:endParaRPr>
-          </a:p>
-        </p:txBody>
-      </p:sp>
-      <p:sp>
-        <p:nvSpPr>
-          <p:cNvPr id="27" name="object 18"/>
-          <p:cNvSpPr txBox="1"/>
-          <p:nvPr/>
-        </p:nvSpPr>
-        <p:spPr>
-          <a:xfrm>
-            <a:off x="8744409" y="3722403"/>
-            <a:ext cx="619760" cy="217367"/>
-          </a:xfrm>
-          <a:prstGeom prst="rect">
-            <a:avLst/>
-          </a:prstGeom>
-        </p:spPr>
-        <p:txBody>
-          <a:bodyPr vert="horz" wrap="square" lIns="0" tIns="17145" rIns="0" bIns="0" rtlCol="0">
-            <a:spAutoFit/>
-          </a:bodyPr>
-          <a:lstStyle/>
-          <a:p>
-            <a:pPr marL="12700">
-              <a:lnSpc>
-                <a:spcPct val="100000"/>
-              </a:lnSpc>
-              <a:spcBef>
-                <a:spcPts val="135"/>
-              </a:spcBef>
-            </a:pPr>
-            <a:r>
-              <a:rPr sz="1300" spc="15" dirty="0">
-                <a:latin typeface="Candara" panose="020E0502030303020204" pitchFamily="34" charset="0"/>
-                <a:cs typeface="Arial"/>
-              </a:rPr>
-              <a:t>isFriday</a:t>
-            </a:r>
-            <a:endParaRPr sz="1300">
-              <a:latin typeface="Candara" panose="020E0502030303020204" pitchFamily="34" charset="0"/>
-              <a:cs typeface="Arial"/>
-            </a:endParaRPr>
-          </a:p>
-        </p:txBody>
-      </p:sp>
-      <p:sp>
-        <p:nvSpPr>
-          <p:cNvPr id="28" name="object 19"/>
-          <p:cNvSpPr txBox="1"/>
-          <p:nvPr/>
-        </p:nvSpPr>
-        <p:spPr>
-          <a:xfrm>
-            <a:off x="6425426" y="3722403"/>
-            <a:ext cx="751840" cy="217367"/>
-          </a:xfrm>
-          <a:prstGeom prst="rect">
-            <a:avLst/>
-          </a:prstGeom>
-        </p:spPr>
-        <p:txBody>
-          <a:bodyPr vert="horz" wrap="square" lIns="0" tIns="17145" rIns="0" bIns="0" rtlCol="0">
-            <a:spAutoFit/>
-          </a:bodyPr>
-          <a:lstStyle/>
-          <a:p>
-            <a:pPr marL="12700">
-              <a:lnSpc>
-                <a:spcPct val="100000"/>
-              </a:lnSpc>
-              <a:spcBef>
-                <a:spcPts val="135"/>
-              </a:spcBef>
-            </a:pPr>
-            <a:r>
-              <a:rPr sz="1300" spc="15" dirty="0">
-                <a:latin typeface="Candara" panose="020E0502030303020204" pitchFamily="34" charset="0"/>
-                <a:cs typeface="Arial"/>
-              </a:rPr>
-              <a:t>isMonday</a:t>
-            </a:r>
-            <a:endParaRPr sz="1300">
-              <a:latin typeface="Candara" panose="020E0502030303020204" pitchFamily="34" charset="0"/>
-              <a:cs typeface="Arial"/>
-            </a:endParaRPr>
-          </a:p>
-        </p:txBody>
-      </p:sp>
-      <p:sp>
-        <p:nvSpPr>
-          <p:cNvPr id="29" name="object 20"/>
-          <p:cNvSpPr txBox="1"/>
-          <p:nvPr/>
-        </p:nvSpPr>
-        <p:spPr>
-          <a:xfrm>
-            <a:off x="5330734" y="3059508"/>
-            <a:ext cx="704850" cy="217367"/>
-          </a:xfrm>
-          <a:prstGeom prst="rect">
-            <a:avLst/>
-          </a:prstGeom>
-        </p:spPr>
-        <p:txBody>
-          <a:bodyPr vert="horz" wrap="square" lIns="0" tIns="17145" rIns="0" bIns="0" rtlCol="0">
-            <a:spAutoFit/>
-          </a:bodyPr>
-          <a:lstStyle/>
-          <a:p>
-            <a:pPr marL="12700">
-              <a:lnSpc>
-                <a:spcPct val="100000"/>
-              </a:lnSpc>
-              <a:spcBef>
-                <a:spcPts val="135"/>
-              </a:spcBef>
-            </a:pPr>
-            <a:r>
-              <a:rPr sz="1300" spc="15" dirty="0">
-                <a:latin typeface="Candara" panose="020E0502030303020204" pitchFamily="34" charset="0"/>
-                <a:cs typeface="Arial"/>
-              </a:rPr>
-              <a:t>nextDate</a:t>
-            </a:r>
-            <a:endParaRPr sz="1300">
-              <a:latin typeface="Candara" panose="020E0502030303020204" pitchFamily="34" charset="0"/>
-              <a:cs typeface="Arial"/>
-            </a:endParaRPr>
-          </a:p>
-        </p:txBody>
-      </p:sp>
-      <p:sp>
-        <p:nvSpPr>
-          <p:cNvPr id="30" name="object 21"/>
-          <p:cNvSpPr txBox="1"/>
-          <p:nvPr/>
-        </p:nvSpPr>
-        <p:spPr>
-          <a:xfrm>
-            <a:off x="4896760" y="3722403"/>
-            <a:ext cx="1214120" cy="217367"/>
-          </a:xfrm>
-          <a:prstGeom prst="rect">
-            <a:avLst/>
-          </a:prstGeom>
-        </p:spPr>
-        <p:txBody>
-          <a:bodyPr vert="horz" wrap="square" lIns="0" tIns="17145" rIns="0" bIns="0" rtlCol="0">
-            <a:spAutoFit/>
-          </a:bodyPr>
-          <a:lstStyle/>
-          <a:p>
-            <a:pPr marL="12700">
-              <a:lnSpc>
-                <a:spcPct val="100000"/>
-              </a:lnSpc>
-              <a:spcBef>
-                <a:spcPts val="135"/>
-              </a:spcBef>
-            </a:pPr>
-            <a:r>
-              <a:rPr sz="1300" spc="20" dirty="0">
-                <a:latin typeface="Candara" panose="020E0502030303020204" pitchFamily="34" charset="0"/>
-                <a:cs typeface="Arial"/>
-              </a:rPr>
-              <a:t>dayNumToDate</a:t>
-            </a:r>
-            <a:endParaRPr sz="1300">
-              <a:latin typeface="Candara" panose="020E0502030303020204" pitchFamily="34" charset="0"/>
-              <a:cs typeface="Arial"/>
-            </a:endParaRPr>
-          </a:p>
-        </p:txBody>
-      </p:sp>
-      <p:sp>
-        <p:nvSpPr>
-          <p:cNvPr id="31" name="object 22"/>
-          <p:cNvSpPr txBox="1"/>
-          <p:nvPr/>
-        </p:nvSpPr>
-        <p:spPr>
-          <a:xfrm>
-            <a:off x="3312415" y="3722403"/>
-            <a:ext cx="1185545" cy="217367"/>
-          </a:xfrm>
-          <a:prstGeom prst="rect">
-            <a:avLst/>
-          </a:prstGeom>
-        </p:spPr>
-        <p:txBody>
-          <a:bodyPr vert="horz" wrap="square" lIns="0" tIns="17145" rIns="0" bIns="0" rtlCol="0">
-            <a:spAutoFit/>
-          </a:bodyPr>
-          <a:lstStyle/>
-          <a:p>
-            <a:pPr marL="12700">
-              <a:lnSpc>
-                <a:spcPct val="100000"/>
-              </a:lnSpc>
-              <a:spcBef>
-                <a:spcPts val="135"/>
-              </a:spcBef>
-            </a:pPr>
-            <a:r>
-              <a:rPr sz="1300" spc="20" dirty="0">
-                <a:latin typeface="Candara" panose="020E0502030303020204" pitchFamily="34" charset="0"/>
-                <a:cs typeface="Arial"/>
-              </a:rPr>
-              <a:t>dateToDaynum</a:t>
-            </a:r>
-            <a:endParaRPr sz="1300">
-              <a:latin typeface="Candara" panose="020E0502030303020204" pitchFamily="34" charset="0"/>
-              <a:cs typeface="Arial"/>
-            </a:endParaRPr>
-          </a:p>
-        </p:txBody>
-      </p:sp>
-      <p:sp>
-        <p:nvSpPr>
-          <p:cNvPr id="32" name="object 23"/>
-          <p:cNvSpPr txBox="1"/>
-          <p:nvPr/>
-        </p:nvSpPr>
-        <p:spPr>
-          <a:xfrm>
-            <a:off x="2106731" y="4870761"/>
-            <a:ext cx="1242060" cy="217367"/>
-          </a:xfrm>
-          <a:prstGeom prst="rect">
-            <a:avLst/>
-          </a:prstGeom>
-        </p:spPr>
-        <p:txBody>
-          <a:bodyPr vert="horz" wrap="square" lIns="0" tIns="17145" rIns="0" bIns="0" rtlCol="0">
-            <a:spAutoFit/>
-          </a:bodyPr>
-          <a:lstStyle/>
-          <a:p>
-            <a:pPr marL="12700">
-              <a:lnSpc>
-                <a:spcPct val="100000"/>
-              </a:lnSpc>
-              <a:spcBef>
-                <a:spcPts val="135"/>
-              </a:spcBef>
-            </a:pPr>
-            <a:r>
-              <a:rPr sz="1300" spc="15" dirty="0">
-                <a:latin typeface="Candara" panose="020E0502030303020204" pitchFamily="34" charset="0"/>
-                <a:cs typeface="Arial"/>
-              </a:rPr>
-              <a:t>lastDayOfMonth</a:t>
-            </a:r>
-            <a:endParaRPr sz="1300">
-              <a:latin typeface="Candara" panose="020E0502030303020204" pitchFamily="34" charset="0"/>
-              <a:cs typeface="Arial"/>
-            </a:endParaRPr>
-          </a:p>
-        </p:txBody>
-      </p:sp>
-      <p:sp>
-        <p:nvSpPr>
-          <p:cNvPr id="33" name="object 24"/>
-          <p:cNvSpPr txBox="1"/>
-          <p:nvPr/>
-        </p:nvSpPr>
-        <p:spPr>
-          <a:xfrm>
-            <a:off x="2285873" y="4296577"/>
-            <a:ext cx="883919" cy="217367"/>
-          </a:xfrm>
-          <a:prstGeom prst="rect">
-            <a:avLst/>
-          </a:prstGeom>
-        </p:spPr>
-        <p:txBody>
-          <a:bodyPr vert="horz" wrap="square" lIns="0" tIns="17145" rIns="0" bIns="0" rtlCol="0">
-            <a:spAutoFit/>
-          </a:bodyPr>
-          <a:lstStyle/>
-          <a:p>
-            <a:pPr marL="12700">
-              <a:lnSpc>
-                <a:spcPct val="100000"/>
-              </a:lnSpc>
-              <a:spcBef>
-                <a:spcPts val="135"/>
-              </a:spcBef>
-            </a:pPr>
-            <a:r>
-              <a:rPr sz="1300" spc="15" dirty="0">
-                <a:latin typeface="Candara" panose="020E0502030303020204" pitchFamily="34" charset="0"/>
-                <a:cs typeface="Arial"/>
-              </a:rPr>
-              <a:t>isValidDate</a:t>
-            </a:r>
-            <a:endParaRPr sz="1300">
-              <a:latin typeface="Candara" panose="020E0502030303020204" pitchFamily="34" charset="0"/>
-              <a:cs typeface="Arial"/>
-            </a:endParaRPr>
-          </a:p>
-        </p:txBody>
-      </p:sp>
-      <p:sp>
-        <p:nvSpPr>
-          <p:cNvPr id="34" name="object 25"/>
-          <p:cNvSpPr txBox="1"/>
-          <p:nvPr/>
-        </p:nvSpPr>
-        <p:spPr>
-          <a:xfrm>
-            <a:off x="2384907" y="3722403"/>
-            <a:ext cx="685800" cy="217367"/>
-          </a:xfrm>
-          <a:prstGeom prst="rect">
-            <a:avLst/>
-          </a:prstGeom>
-        </p:spPr>
-        <p:txBody>
-          <a:bodyPr vert="horz" wrap="square" lIns="0" tIns="17145" rIns="0" bIns="0" rtlCol="0">
-            <a:spAutoFit/>
-          </a:bodyPr>
-          <a:lstStyle/>
-          <a:p>
-            <a:pPr marL="12700">
-              <a:lnSpc>
-                <a:spcPct val="100000"/>
-              </a:lnSpc>
-              <a:spcBef>
-                <a:spcPts val="135"/>
-              </a:spcBef>
-            </a:pPr>
-            <a:r>
-              <a:rPr sz="1300" spc="15" dirty="0">
-                <a:latin typeface="Candara" panose="020E0502030303020204" pitchFamily="34" charset="0"/>
-                <a:cs typeface="Arial"/>
-              </a:rPr>
-              <a:t>getDigits</a:t>
-            </a:r>
-            <a:endParaRPr sz="1300">
-              <a:latin typeface="Candara" panose="020E0502030303020204" pitchFamily="34" charset="0"/>
-              <a:cs typeface="Arial"/>
-            </a:endParaRPr>
-          </a:p>
-        </p:txBody>
-      </p:sp>
-      <p:sp>
-        <p:nvSpPr>
-          <p:cNvPr id="35" name="object 26"/>
-          <p:cNvSpPr txBox="1"/>
-          <p:nvPr/>
-        </p:nvSpPr>
-        <p:spPr>
-          <a:xfrm>
-            <a:off x="4406153" y="4870759"/>
-            <a:ext cx="525780" cy="217367"/>
-          </a:xfrm>
-          <a:prstGeom prst="rect">
-            <a:avLst/>
-          </a:prstGeom>
-        </p:spPr>
-        <p:txBody>
-          <a:bodyPr vert="horz" wrap="square" lIns="0" tIns="17145" rIns="0" bIns="0" rtlCol="0">
-            <a:spAutoFit/>
-          </a:bodyPr>
-          <a:lstStyle/>
-          <a:p>
-            <a:pPr marL="12700">
-              <a:lnSpc>
-                <a:spcPct val="100000"/>
-              </a:lnSpc>
-              <a:spcBef>
-                <a:spcPts val="135"/>
-              </a:spcBef>
-            </a:pPr>
-            <a:r>
-              <a:rPr sz="1300" spc="15" dirty="0">
-                <a:latin typeface="Candara" panose="020E0502030303020204" pitchFamily="34" charset="0"/>
-                <a:cs typeface="Arial"/>
-              </a:rPr>
-              <a:t>isLeap</a:t>
-            </a:r>
-            <a:endParaRPr sz="1300">
-              <a:latin typeface="Candara" panose="020E0502030303020204" pitchFamily="34" charset="0"/>
-              <a:cs typeface="Arial"/>
-            </a:endParaRPr>
-          </a:p>
-        </p:txBody>
-      </p:sp>
-      <p:pic>
-        <p:nvPicPr>
-          <p:cNvPr id="36" name="object 10"/>
-          <p:cNvPicPr/>
-          <p:nvPr/>
-        </p:nvPicPr>
-        <p:blipFill>
-          <a:blip r:embed="rId2" cstate="print"/>
-          <a:stretch>
-            <a:fillRect/>
-          </a:stretch>
-        </p:blipFill>
-        <p:spPr>
-          <a:xfrm>
-            <a:off x="2017255" y="2151247"/>
-            <a:ext cx="7559864" cy="2995992"/>
-          </a:xfrm>
-          <a:prstGeom prst="rect">
-            <a:avLst/>
-          </a:prstGeom>
-        </p:spPr>
-      </p:pic>
-      <p:cxnSp>
-        <p:nvCxnSpPr>
-          <p:cNvPr id="38" name="Straight Connector 37"/>
-          <p:cNvCxnSpPr/>
-          <p:nvPr/>
-        </p:nvCxnSpPr>
-        <p:spPr>
-          <a:xfrm>
-            <a:off x="6601968" y="2441448"/>
-            <a:ext cx="2386584" cy="618060"/>
-          </a:xfrm>
-          <a:prstGeom prst="line">
-            <a:avLst/>
-          </a:prstGeom>
-        </p:spPr>
-        <p:style>
-          <a:lnRef idx="1">
-            <a:schemeClr val="dk1"/>
-          </a:lnRef>
-          <a:fillRef idx="0">
-            <a:schemeClr val="dk1"/>
-          </a:fillRef>
-          <a:effectRef idx="0">
-            <a:schemeClr val="dk1"/>
-          </a:effectRef>
-          <a:fontRef idx="minor">
-            <a:schemeClr val="tx1"/>
-          </a:fontRef>
-        </p:style>
-      </p:cxnSp>
-      <p:cxnSp>
-        <p:nvCxnSpPr>
-          <p:cNvPr id="41" name="Straight Arrow Connector 40"/>
-          <p:cNvCxnSpPr/>
-          <p:nvPr/>
-        </p:nvCxnSpPr>
-        <p:spPr>
-          <a:xfrm flipH="1">
-            <a:off x="4791456" y="2441448"/>
-            <a:ext cx="896112" cy="618060"/>
-          </a:xfrm>
-          <a:prstGeom prst="straightConnector1">
-            <a:avLst/>
-          </a:prstGeom>
-          <a:ln>
-            <a:tailEnd type="triangle"/>
-          </a:ln>
-        </p:spPr>
-        <p:style>
-          <a:lnRef idx="1">
-            <a:schemeClr val="dk1"/>
-          </a:lnRef>
-          <a:fillRef idx="0">
-            <a:schemeClr val="dk1"/>
-          </a:fillRef>
-          <a:effectRef idx="0">
-            <a:schemeClr val="dk1"/>
-          </a:effectRef>
-          <a:fontRef idx="minor">
-            <a:schemeClr val="tx1"/>
-          </a:fontRef>
-        </p:style>
-      </p:cxnSp>
-      <p:cxnSp>
-        <p:nvCxnSpPr>
-          <p:cNvPr id="43" name="Straight Arrow Connector 42"/>
-          <p:cNvCxnSpPr/>
-          <p:nvPr/>
-        </p:nvCxnSpPr>
-        <p:spPr>
-          <a:xfrm flipH="1">
-            <a:off x="3968496" y="2368296"/>
-            <a:ext cx="1719072" cy="691212"/>
-          </a:xfrm>
-          <a:prstGeom prst="straightConnector1">
-            <a:avLst/>
-          </a:prstGeom>
-          <a:ln>
-            <a:tailEnd type="triangle"/>
-          </a:ln>
-        </p:spPr>
-        <p:style>
-          <a:lnRef idx="1">
-            <a:schemeClr val="dk1"/>
-          </a:lnRef>
-          <a:fillRef idx="0">
-            <a:schemeClr val="dk1"/>
-          </a:fillRef>
-          <a:effectRef idx="0">
-            <a:schemeClr val="dk1"/>
-          </a:effectRef>
-          <a:fontRef idx="minor">
-            <a:schemeClr val="tx1"/>
-          </a:fontRef>
-        </p:style>
-      </p:cxnSp>
     </p:spTree>
     <p:extLst>
       <p:ext uri="{BB962C8B-B14F-4D97-AF65-F5344CB8AC3E}">
-        <p14:creationId xmlns:p14="http://schemas.microsoft.com/office/powerpoint/2010/main" val="2959062402"/>
+        <p14:creationId xmlns:p14="http://schemas.microsoft.com/office/powerpoint/2010/main" val="143293165"/>
       </p:ext>
     </p:extLst>
   </p:cSld>
@@ -43609,569 +43255,8 @@
           <a:p>
             <a:r>
               <a:rPr lang="en-US" dirty="0"/>
-              <a:t>Call</a:t>
-            </a:r>
-            <a:r>
-              <a:rPr lang="en-US" spc="10" dirty="0"/>
-              <a:t> </a:t>
-            </a:r>
-            <a:r>
-              <a:rPr lang="en-US" spc="-5" dirty="0"/>
-              <a:t>Graph-Based</a:t>
-            </a:r>
-            <a:r>
-              <a:rPr lang="en-US" spc="15" dirty="0"/>
-              <a:t> </a:t>
-            </a:r>
-            <a:r>
-              <a:rPr lang="en-US" spc="-5" dirty="0"/>
-              <a:t>Integration</a:t>
-            </a:r>
-            <a:r>
-              <a:rPr lang="en-US" spc="5" dirty="0"/>
-              <a:t> </a:t>
-            </a:r>
-            <a:r>
-              <a:rPr lang="en-US" sz="3600" spc="-5" dirty="0"/>
-              <a:t>(continued)</a:t>
-            </a:r>
-            <a:endParaRPr lang="en-US" dirty="0"/>
-          </a:p>
-        </p:txBody>
-      </p:sp>
-      <p:sp>
-        <p:nvSpPr>
-          <p:cNvPr id="3" name="Content Placeholder 2"/>
-          <p:cNvSpPr>
-            <a:spLocks noGrp="1"/>
-          </p:cNvSpPr>
-          <p:nvPr>
-            <p:ph idx="1"/>
-          </p:nvPr>
-        </p:nvSpPr>
-        <p:spPr/>
-        <p:txBody>
-          <a:bodyPr/>
-          <a:lstStyle/>
-          <a:p>
-            <a:pPr marL="355600" indent="-342900">
-              <a:lnSpc>
-                <a:spcPct val="100000"/>
-              </a:lnSpc>
-              <a:spcBef>
-                <a:spcPts val="580"/>
-              </a:spcBef>
-              <a:tabLst>
-                <a:tab pos="354965" algn="l"/>
-                <a:tab pos="355600" algn="l"/>
-              </a:tabLst>
-            </a:pPr>
-            <a:r>
-              <a:rPr lang="en-US" sz="2400" spc="-5" dirty="0">
-                <a:cs typeface="Arial"/>
-              </a:rPr>
-              <a:t>Two</a:t>
-            </a:r>
-            <a:r>
-              <a:rPr lang="en-US" sz="2400" spc="-25" dirty="0">
-                <a:cs typeface="Arial"/>
-              </a:rPr>
-              <a:t> </a:t>
-            </a:r>
-            <a:r>
-              <a:rPr lang="en-US" sz="2400" spc="-5" dirty="0">
-                <a:cs typeface="Arial"/>
-              </a:rPr>
-              <a:t>strategies</a:t>
-            </a:r>
-            <a:endParaRPr lang="en-US" sz="2400" dirty="0">
-              <a:cs typeface="Arial"/>
-            </a:endParaRPr>
-          </a:p>
-          <a:p>
-            <a:pPr marL="755650" lvl="1" indent="-285750">
-              <a:lnSpc>
-                <a:spcPct val="100000"/>
-              </a:lnSpc>
-              <a:spcBef>
-                <a:spcPts val="400"/>
-              </a:spcBef>
-              <a:buChar char="–"/>
-              <a:tabLst>
-                <a:tab pos="755015" algn="l"/>
-                <a:tab pos="755650" algn="l"/>
-              </a:tabLst>
-            </a:pPr>
-            <a:r>
-              <a:rPr lang="en-US" sz="2000" dirty="0">
-                <a:cs typeface="Arial"/>
-              </a:rPr>
-              <a:t>Pair-wise</a:t>
-            </a:r>
-            <a:r>
-              <a:rPr lang="en-US" sz="2000" spc="-25" dirty="0">
-                <a:cs typeface="Arial"/>
-              </a:rPr>
-              <a:t> </a:t>
-            </a:r>
-            <a:r>
-              <a:rPr lang="en-US" sz="2000" spc="-5" dirty="0">
-                <a:cs typeface="Arial"/>
-              </a:rPr>
-              <a:t>integration</a:t>
-            </a:r>
-            <a:endParaRPr lang="en-US" sz="2000" dirty="0">
-              <a:cs typeface="Arial"/>
-            </a:endParaRPr>
-          </a:p>
-          <a:p>
-            <a:pPr marL="755650" lvl="1" indent="-285750">
-              <a:lnSpc>
-                <a:spcPct val="100000"/>
-              </a:lnSpc>
-              <a:buChar char="–"/>
-              <a:tabLst>
-                <a:tab pos="755015" algn="l"/>
-                <a:tab pos="755650" algn="l"/>
-              </a:tabLst>
-            </a:pPr>
-            <a:r>
-              <a:rPr lang="en-US" sz="2000" dirty="0">
-                <a:cs typeface="Arial"/>
-              </a:rPr>
-              <a:t>Neighborhood</a:t>
-            </a:r>
-            <a:r>
-              <a:rPr lang="en-US" sz="2000" spc="-25" dirty="0">
-                <a:cs typeface="Arial"/>
-              </a:rPr>
-              <a:t> </a:t>
-            </a:r>
-            <a:r>
-              <a:rPr lang="en-US" sz="2000" spc="-5" dirty="0">
-                <a:cs typeface="Arial"/>
-              </a:rPr>
-              <a:t>integration</a:t>
-            </a:r>
-            <a:endParaRPr lang="en-US" sz="2000" dirty="0">
-              <a:cs typeface="Arial"/>
-            </a:endParaRPr>
-          </a:p>
-          <a:p>
-            <a:pPr marL="355600" marR="196215" indent="-342900">
-              <a:lnSpc>
-                <a:spcPts val="2820"/>
-              </a:lnSpc>
-              <a:spcBef>
-                <a:spcPts val="740"/>
-              </a:spcBef>
-              <a:tabLst>
-                <a:tab pos="354965" algn="l"/>
-                <a:tab pos="355600" algn="l"/>
-              </a:tabLst>
-            </a:pPr>
-            <a:r>
-              <a:rPr lang="en-US" sz="2400" dirty="0">
-                <a:cs typeface="Arial"/>
-              </a:rPr>
-              <a:t>Degrees</a:t>
-            </a:r>
-            <a:r>
-              <a:rPr lang="en-US" sz="2400" spc="-10" dirty="0">
-                <a:cs typeface="Arial"/>
-              </a:rPr>
-              <a:t> </a:t>
-            </a:r>
-            <a:r>
-              <a:rPr lang="en-US" sz="2400" dirty="0">
-                <a:cs typeface="Arial"/>
-              </a:rPr>
-              <a:t>of</a:t>
-            </a:r>
-            <a:r>
-              <a:rPr lang="en-US" sz="2400" spc="-10" dirty="0">
-                <a:cs typeface="Arial"/>
-              </a:rPr>
-              <a:t> </a:t>
-            </a:r>
-            <a:r>
-              <a:rPr lang="en-US" sz="2400" dirty="0">
-                <a:cs typeface="Arial"/>
-              </a:rPr>
-              <a:t>nodes</a:t>
-            </a:r>
-            <a:r>
-              <a:rPr lang="en-US" sz="2400" spc="-10" dirty="0">
-                <a:cs typeface="Arial"/>
-              </a:rPr>
-              <a:t> </a:t>
-            </a:r>
-            <a:r>
-              <a:rPr lang="en-US" sz="2400" dirty="0">
-                <a:cs typeface="Arial"/>
-              </a:rPr>
-              <a:t>in</a:t>
-            </a:r>
-            <a:r>
-              <a:rPr lang="en-US" sz="2400" spc="-5" dirty="0">
-                <a:cs typeface="Arial"/>
-              </a:rPr>
-              <a:t> the </a:t>
-            </a:r>
-            <a:r>
-              <a:rPr lang="en-US" sz="2400" dirty="0">
-                <a:cs typeface="Arial"/>
-              </a:rPr>
-              <a:t>Call</a:t>
-            </a:r>
-            <a:r>
-              <a:rPr lang="en-US" sz="2400" spc="-5" dirty="0">
-                <a:cs typeface="Arial"/>
-              </a:rPr>
-              <a:t> Graph indicate </a:t>
-            </a:r>
-            <a:r>
-              <a:rPr lang="en-US" sz="2400" spc="-655" dirty="0">
-                <a:cs typeface="Arial"/>
-              </a:rPr>
-              <a:t> </a:t>
-            </a:r>
-            <a:r>
-              <a:rPr lang="en-US" sz="2400" spc="-5" dirty="0">
-                <a:cs typeface="Arial"/>
-              </a:rPr>
-              <a:t>integration </a:t>
-            </a:r>
-            <a:r>
-              <a:rPr lang="en-US" sz="2400" dirty="0">
-                <a:cs typeface="Arial"/>
-              </a:rPr>
-              <a:t>sessions</a:t>
-            </a:r>
-          </a:p>
-          <a:p>
-            <a:pPr marL="755650" lvl="1" indent="-285750">
-              <a:lnSpc>
-                <a:spcPct val="100000"/>
-              </a:lnSpc>
-              <a:spcBef>
-                <a:spcPts val="420"/>
-              </a:spcBef>
-              <a:buChar char="–"/>
-              <a:tabLst>
-                <a:tab pos="755015" algn="l"/>
-                <a:tab pos="755650" algn="l"/>
-                <a:tab pos="2139315" algn="l"/>
-              </a:tabLst>
-            </a:pPr>
-            <a:r>
-              <a:rPr lang="en-US" sz="2000" dirty="0" err="1">
-                <a:cs typeface="Arial"/>
-              </a:rPr>
-              <a:t>isLeap</a:t>
-            </a:r>
-            <a:r>
-              <a:rPr lang="en-US" sz="2000" dirty="0">
-                <a:cs typeface="Arial"/>
-              </a:rPr>
-              <a:t> </a:t>
-            </a:r>
-            <a:r>
-              <a:rPr lang="en-US" sz="2000" dirty="0" smtClean="0">
-                <a:cs typeface="Arial"/>
-              </a:rPr>
-              <a:t>and </a:t>
-            </a:r>
-            <a:r>
-              <a:rPr lang="en-US" sz="2000" dirty="0" err="1" smtClean="0">
-                <a:cs typeface="Arial"/>
-              </a:rPr>
-              <a:t>weekDay</a:t>
-            </a:r>
-            <a:r>
-              <a:rPr lang="en-US" sz="2000" spc="-15" dirty="0" smtClean="0">
-                <a:cs typeface="Arial"/>
-              </a:rPr>
-              <a:t> </a:t>
-            </a:r>
-            <a:r>
-              <a:rPr lang="en-US" sz="2000" dirty="0">
-                <a:cs typeface="Arial"/>
-              </a:rPr>
-              <a:t>are</a:t>
-            </a:r>
-            <a:r>
-              <a:rPr lang="en-US" sz="2000" spc="-10" dirty="0">
-                <a:cs typeface="Arial"/>
-              </a:rPr>
-              <a:t> </a:t>
-            </a:r>
-            <a:r>
-              <a:rPr lang="en-US" sz="2000" dirty="0">
-                <a:cs typeface="Arial"/>
-              </a:rPr>
-              <a:t>each</a:t>
-            </a:r>
-            <a:r>
-              <a:rPr lang="en-US" sz="2000" spc="-10" dirty="0">
-                <a:cs typeface="Arial"/>
-              </a:rPr>
-              <a:t> </a:t>
-            </a:r>
-            <a:r>
-              <a:rPr lang="en-US" sz="2000" dirty="0">
-                <a:cs typeface="Arial"/>
-              </a:rPr>
-              <a:t>used</a:t>
-            </a:r>
-            <a:r>
-              <a:rPr lang="en-US" sz="2000" spc="-10" dirty="0">
-                <a:cs typeface="Arial"/>
-              </a:rPr>
-              <a:t> </a:t>
-            </a:r>
-            <a:r>
-              <a:rPr lang="en-US" sz="2000" dirty="0">
-                <a:cs typeface="Arial"/>
-              </a:rPr>
-              <a:t>by</a:t>
-            </a:r>
-            <a:r>
-              <a:rPr lang="en-US" sz="2000" spc="-15" dirty="0">
-                <a:cs typeface="Arial"/>
-              </a:rPr>
-              <a:t> </a:t>
-            </a:r>
-            <a:r>
-              <a:rPr lang="en-US" sz="2000" spc="-5" dirty="0">
-                <a:cs typeface="Arial"/>
-              </a:rPr>
-              <a:t>three</a:t>
-            </a:r>
-            <a:r>
-              <a:rPr lang="en-US" sz="2000" spc="-10" dirty="0">
-                <a:cs typeface="Arial"/>
-              </a:rPr>
-              <a:t> </a:t>
-            </a:r>
-            <a:r>
-              <a:rPr lang="en-US" sz="2000" spc="-5" dirty="0">
-                <a:cs typeface="Arial"/>
-              </a:rPr>
-              <a:t>units</a:t>
-            </a:r>
-            <a:endParaRPr lang="en-US" sz="2000" dirty="0">
-              <a:cs typeface="Arial"/>
-            </a:endParaRPr>
-          </a:p>
-          <a:p>
-            <a:pPr marL="355600" indent="-342900">
-              <a:lnSpc>
-                <a:spcPct val="100000"/>
-              </a:lnSpc>
-              <a:spcBef>
-                <a:spcPts val="595"/>
-              </a:spcBef>
-              <a:tabLst>
-                <a:tab pos="354965" algn="l"/>
-                <a:tab pos="355600" algn="l"/>
-              </a:tabLst>
-            </a:pPr>
-            <a:r>
-              <a:rPr lang="en-US" sz="2400" dirty="0">
-                <a:cs typeface="Arial"/>
-              </a:rPr>
-              <a:t>Possible</a:t>
-            </a:r>
-            <a:r>
-              <a:rPr lang="en-US" sz="2400" spc="-30" dirty="0">
-                <a:cs typeface="Arial"/>
-              </a:rPr>
-              <a:t> </a:t>
-            </a:r>
-            <a:r>
-              <a:rPr lang="en-US" sz="2400" spc="-5" dirty="0">
-                <a:cs typeface="Arial"/>
-              </a:rPr>
-              <a:t>strategies</a:t>
-            </a:r>
-            <a:endParaRPr lang="en-US" sz="2400" dirty="0">
-              <a:cs typeface="Arial"/>
-            </a:endParaRPr>
-          </a:p>
-          <a:p>
-            <a:pPr marL="755650" lvl="1" indent="-285750">
-              <a:lnSpc>
-                <a:spcPct val="100000"/>
-              </a:lnSpc>
-              <a:spcBef>
-                <a:spcPts val="525"/>
-              </a:spcBef>
-              <a:buChar char="–"/>
-              <a:tabLst>
-                <a:tab pos="755015" algn="l"/>
-                <a:tab pos="755650" algn="l"/>
-              </a:tabLst>
-            </a:pPr>
-            <a:r>
-              <a:rPr lang="en-US" sz="2000" spc="-5" dirty="0">
-                <a:cs typeface="Arial"/>
-              </a:rPr>
-              <a:t>test</a:t>
-            </a:r>
-            <a:r>
-              <a:rPr lang="en-US" sz="2000" spc="-10" dirty="0">
-                <a:cs typeface="Arial"/>
-              </a:rPr>
-              <a:t> </a:t>
-            </a:r>
-            <a:r>
-              <a:rPr lang="en-US" sz="2000" dirty="0">
-                <a:cs typeface="Arial"/>
-              </a:rPr>
-              <a:t>high</a:t>
-            </a:r>
-            <a:r>
-              <a:rPr lang="en-US" sz="2000" spc="-5" dirty="0">
-                <a:cs typeface="Arial"/>
-              </a:rPr>
-              <a:t> </a:t>
-            </a:r>
-            <a:r>
-              <a:rPr lang="en-US" sz="2000" dirty="0" err="1">
-                <a:cs typeface="Arial"/>
-              </a:rPr>
-              <a:t>indegree</a:t>
-            </a:r>
-            <a:r>
-              <a:rPr lang="en-US" sz="2000" spc="-5" dirty="0">
-                <a:cs typeface="Arial"/>
-              </a:rPr>
-              <a:t> </a:t>
-            </a:r>
-            <a:r>
-              <a:rPr lang="en-US" sz="2000" dirty="0">
-                <a:cs typeface="Arial"/>
-              </a:rPr>
-              <a:t>nodes</a:t>
-            </a:r>
-            <a:r>
-              <a:rPr lang="en-US" sz="2000" spc="-10" dirty="0">
-                <a:cs typeface="Arial"/>
-              </a:rPr>
-              <a:t> </a:t>
-            </a:r>
-            <a:r>
-              <a:rPr lang="en-US" sz="2000" spc="-5" dirty="0">
-                <a:cs typeface="Arial"/>
-              </a:rPr>
-              <a:t>first,</a:t>
-            </a:r>
-            <a:r>
-              <a:rPr lang="en-US" sz="2000" spc="-10" dirty="0">
-                <a:cs typeface="Arial"/>
-              </a:rPr>
-              <a:t> </a:t>
-            </a:r>
-            <a:r>
-              <a:rPr lang="en-US" sz="2000" dirty="0">
-                <a:cs typeface="Arial"/>
-              </a:rPr>
-              <a:t>or</a:t>
-            </a:r>
-            <a:r>
-              <a:rPr lang="en-US" sz="2000" spc="-10" dirty="0">
-                <a:cs typeface="Arial"/>
-              </a:rPr>
-              <a:t> </a:t>
-            </a:r>
-            <a:r>
-              <a:rPr lang="en-US" sz="2000" dirty="0">
-                <a:cs typeface="Arial"/>
-              </a:rPr>
-              <a:t>at</a:t>
-            </a:r>
-            <a:r>
-              <a:rPr lang="en-US" sz="2000" spc="-10" dirty="0">
-                <a:cs typeface="Arial"/>
-              </a:rPr>
-              <a:t> </a:t>
-            </a:r>
-            <a:r>
-              <a:rPr lang="en-US" sz="2000" spc="-5" dirty="0">
-                <a:cs typeface="Arial"/>
-              </a:rPr>
-              <a:t>least,</a:t>
-            </a:r>
-            <a:endParaRPr lang="en-US" sz="2000" dirty="0">
-              <a:cs typeface="Arial"/>
-            </a:endParaRPr>
-          </a:p>
-          <a:p>
-            <a:pPr marL="755650" lvl="1" indent="-285750">
-              <a:lnSpc>
-                <a:spcPct val="100000"/>
-              </a:lnSpc>
-              <a:spcBef>
-                <a:spcPts val="400"/>
-              </a:spcBef>
-              <a:buChar char="–"/>
-              <a:tabLst>
-                <a:tab pos="755015" algn="l"/>
-                <a:tab pos="755650" algn="l"/>
-              </a:tabLst>
-            </a:pPr>
-            <a:r>
-              <a:rPr lang="en-US" sz="2000" dirty="0">
-                <a:cs typeface="Arial"/>
-              </a:rPr>
-              <a:t>pay</a:t>
-            </a:r>
-            <a:r>
-              <a:rPr lang="en-US" sz="2000" spc="-10" dirty="0">
-                <a:cs typeface="Arial"/>
-              </a:rPr>
-              <a:t> </a:t>
-            </a:r>
-            <a:r>
-              <a:rPr lang="en-US" sz="2000" dirty="0">
-                <a:cs typeface="Arial"/>
-              </a:rPr>
-              <a:t>special</a:t>
-            </a:r>
-            <a:r>
-              <a:rPr lang="en-US" sz="2000" spc="-5" dirty="0">
-                <a:cs typeface="Arial"/>
-              </a:rPr>
-              <a:t> attention to</a:t>
-            </a:r>
-            <a:r>
-              <a:rPr lang="en-US" sz="2000" spc="-10" dirty="0">
-                <a:cs typeface="Arial"/>
-              </a:rPr>
-              <a:t> </a:t>
-            </a:r>
-            <a:r>
-              <a:rPr lang="en-US" sz="2000" spc="-5" dirty="0">
-                <a:cs typeface="Arial"/>
-              </a:rPr>
-              <a:t>“popular”</a:t>
-            </a:r>
-            <a:r>
-              <a:rPr lang="en-US" sz="2000" spc="-10" dirty="0">
-                <a:cs typeface="Arial"/>
-              </a:rPr>
-              <a:t> </a:t>
-            </a:r>
-            <a:r>
-              <a:rPr lang="en-US" sz="2000" dirty="0">
-                <a:cs typeface="Arial"/>
-              </a:rPr>
-              <a:t>nodes</a:t>
-            </a:r>
-          </a:p>
-          <a:p>
-            <a:endParaRPr lang="en-US" dirty="0"/>
+              <a:t>Call Graph of the Calendar Program</a:t>
+            </a:r>
           </a:p>
         </p:txBody>
       </p:sp>
@@ -44198,10 +43283,787 @@
           </a:p>
         </p:txBody>
       </p:sp>
+      <p:sp>
+        <p:nvSpPr>
+          <p:cNvPr id="21" name="object 12"/>
+          <p:cNvSpPr txBox="1"/>
+          <p:nvPr/>
+        </p:nvSpPr>
+        <p:spPr>
+          <a:xfrm>
+            <a:off x="5800342" y="2156568"/>
+            <a:ext cx="714375" cy="432434"/>
+          </a:xfrm>
+          <a:prstGeom prst="rect">
+            <a:avLst/>
+          </a:prstGeom>
+        </p:spPr>
+        <p:txBody>
+          <a:bodyPr vert="horz" wrap="square" lIns="0" tIns="11430" rIns="0" bIns="0" rtlCol="0">
+            <a:spAutoFit/>
+          </a:bodyPr>
+          <a:lstStyle/>
+          <a:p>
+            <a:pPr marL="116205" marR="5080" indent="-104139">
+              <a:lnSpc>
+                <a:spcPct val="102699"/>
+              </a:lnSpc>
+              <a:spcBef>
+                <a:spcPts val="90"/>
+              </a:spcBef>
+            </a:pPr>
+            <a:r>
+              <a:rPr sz="1300" spc="15" dirty="0">
+                <a:latin typeface="Candara" panose="020E0502030303020204" pitchFamily="34" charset="0"/>
+                <a:cs typeface="Arial"/>
+              </a:rPr>
+              <a:t>Calendar  (Main)</a:t>
+            </a:r>
+            <a:endParaRPr sz="1300">
+              <a:latin typeface="Candara" panose="020E0502030303020204" pitchFamily="34" charset="0"/>
+              <a:cs typeface="Arial"/>
+            </a:endParaRPr>
+          </a:p>
+        </p:txBody>
+      </p:sp>
+      <p:sp>
+        <p:nvSpPr>
+          <p:cNvPr id="22" name="object 13"/>
+          <p:cNvSpPr txBox="1"/>
+          <p:nvPr/>
+        </p:nvSpPr>
+        <p:spPr>
+          <a:xfrm>
+            <a:off x="3595304" y="3059508"/>
+            <a:ext cx="619760" cy="217367"/>
+          </a:xfrm>
+          <a:prstGeom prst="rect">
+            <a:avLst/>
+          </a:prstGeom>
+        </p:spPr>
+        <p:txBody>
+          <a:bodyPr vert="horz" wrap="square" lIns="0" tIns="17145" rIns="0" bIns="0" rtlCol="0">
+            <a:spAutoFit/>
+          </a:bodyPr>
+          <a:lstStyle/>
+          <a:p>
+            <a:pPr marL="12700">
+              <a:lnSpc>
+                <a:spcPct val="100000"/>
+              </a:lnSpc>
+              <a:spcBef>
+                <a:spcPts val="135"/>
+              </a:spcBef>
+            </a:pPr>
+            <a:r>
+              <a:rPr sz="1300" spc="15" dirty="0">
+                <a:latin typeface="Candara" panose="020E0502030303020204" pitchFamily="34" charset="0"/>
+                <a:cs typeface="Arial"/>
+              </a:rPr>
+              <a:t>getDate</a:t>
+            </a:r>
+            <a:endParaRPr sz="1300">
+              <a:latin typeface="Candara" panose="020E0502030303020204" pitchFamily="34" charset="0"/>
+              <a:cs typeface="Arial"/>
+            </a:endParaRPr>
+          </a:p>
+        </p:txBody>
+      </p:sp>
+      <p:sp>
+        <p:nvSpPr>
+          <p:cNvPr id="23" name="object 14"/>
+          <p:cNvSpPr txBox="1"/>
+          <p:nvPr/>
+        </p:nvSpPr>
+        <p:spPr>
+          <a:xfrm>
+            <a:off x="4505844" y="3059508"/>
+            <a:ext cx="516255" cy="217367"/>
+          </a:xfrm>
+          <a:prstGeom prst="rect">
+            <a:avLst/>
+          </a:prstGeom>
+        </p:spPr>
+        <p:txBody>
+          <a:bodyPr vert="horz" wrap="square" lIns="0" tIns="17145" rIns="0" bIns="0" rtlCol="0">
+            <a:spAutoFit/>
+          </a:bodyPr>
+          <a:lstStyle/>
+          <a:p>
+            <a:pPr marL="12700">
+              <a:lnSpc>
+                <a:spcPct val="100000"/>
+              </a:lnSpc>
+              <a:spcBef>
+                <a:spcPts val="135"/>
+              </a:spcBef>
+            </a:pPr>
+            <a:r>
+              <a:rPr sz="1300" spc="15" dirty="0">
+                <a:latin typeface="Candara" panose="020E0502030303020204" pitchFamily="34" charset="0"/>
+                <a:cs typeface="Arial"/>
+              </a:rPr>
+              <a:t>zodiac</a:t>
+            </a:r>
+            <a:endParaRPr sz="1300">
+              <a:latin typeface="Candara" panose="020E0502030303020204" pitchFamily="34" charset="0"/>
+              <a:cs typeface="Arial"/>
+            </a:endParaRPr>
+          </a:p>
+        </p:txBody>
+      </p:sp>
+      <p:sp>
+        <p:nvSpPr>
+          <p:cNvPr id="24" name="object 15"/>
+          <p:cNvSpPr txBox="1"/>
+          <p:nvPr/>
+        </p:nvSpPr>
+        <p:spPr>
+          <a:xfrm>
+            <a:off x="6288828" y="3059508"/>
+            <a:ext cx="1024890" cy="217367"/>
+          </a:xfrm>
+          <a:prstGeom prst="rect">
+            <a:avLst/>
+          </a:prstGeom>
+        </p:spPr>
+        <p:txBody>
+          <a:bodyPr vert="horz" wrap="square" lIns="0" tIns="17145" rIns="0" bIns="0" rtlCol="0">
+            <a:spAutoFit/>
+          </a:bodyPr>
+          <a:lstStyle/>
+          <a:p>
+            <a:pPr marL="12700">
+              <a:lnSpc>
+                <a:spcPct val="100000"/>
+              </a:lnSpc>
+              <a:spcBef>
+                <a:spcPts val="135"/>
+              </a:spcBef>
+            </a:pPr>
+            <a:r>
+              <a:rPr sz="1300" spc="15" dirty="0">
+                <a:latin typeface="Candara" panose="020E0502030303020204" pitchFamily="34" charset="0"/>
+                <a:cs typeface="Arial"/>
+              </a:rPr>
+              <a:t>memorialDay</a:t>
+            </a:r>
+            <a:endParaRPr sz="1300">
+              <a:latin typeface="Candara" panose="020E0502030303020204" pitchFamily="34" charset="0"/>
+              <a:cs typeface="Arial"/>
+            </a:endParaRPr>
+          </a:p>
+        </p:txBody>
+      </p:sp>
+      <p:sp>
+        <p:nvSpPr>
+          <p:cNvPr id="25" name="object 16"/>
+          <p:cNvSpPr txBox="1"/>
+          <p:nvPr/>
+        </p:nvSpPr>
+        <p:spPr>
+          <a:xfrm>
+            <a:off x="8640900" y="3059508"/>
+            <a:ext cx="827405" cy="217367"/>
+          </a:xfrm>
+          <a:prstGeom prst="rect">
+            <a:avLst/>
+          </a:prstGeom>
+        </p:spPr>
+        <p:txBody>
+          <a:bodyPr vert="horz" wrap="square" lIns="0" tIns="17145" rIns="0" bIns="0" rtlCol="0">
+            <a:spAutoFit/>
+          </a:bodyPr>
+          <a:lstStyle/>
+          <a:p>
+            <a:pPr marL="12700">
+              <a:lnSpc>
+                <a:spcPct val="100000"/>
+              </a:lnSpc>
+              <a:spcBef>
+                <a:spcPts val="135"/>
+              </a:spcBef>
+            </a:pPr>
+            <a:r>
+              <a:rPr sz="1300" spc="15" dirty="0">
+                <a:latin typeface="Candara" panose="020E0502030303020204" pitchFamily="34" charset="0"/>
+                <a:cs typeface="Arial"/>
+              </a:rPr>
+              <a:t>Frida</a:t>
+            </a:r>
+            <a:r>
+              <a:rPr sz="1300" spc="10" dirty="0">
+                <a:latin typeface="Candara" panose="020E0502030303020204" pitchFamily="34" charset="0"/>
+                <a:cs typeface="Arial"/>
+              </a:rPr>
+              <a:t>y</a:t>
+            </a:r>
+            <a:r>
+              <a:rPr sz="1300" spc="15" dirty="0">
+                <a:latin typeface="Candara" panose="020E0502030303020204" pitchFamily="34" charset="0"/>
+                <a:cs typeface="Arial"/>
+              </a:rPr>
+              <a:t>13th</a:t>
+            </a:r>
+            <a:endParaRPr sz="1300">
+              <a:latin typeface="Candara" panose="020E0502030303020204" pitchFamily="34" charset="0"/>
+              <a:cs typeface="Arial"/>
+            </a:endParaRPr>
+          </a:p>
+        </p:txBody>
+      </p:sp>
+      <p:sp>
+        <p:nvSpPr>
+          <p:cNvPr id="26" name="object 17"/>
+          <p:cNvSpPr txBox="1"/>
+          <p:nvPr/>
+        </p:nvSpPr>
+        <p:spPr>
+          <a:xfrm>
+            <a:off x="7600083" y="3059508"/>
+            <a:ext cx="723900" cy="217367"/>
+          </a:xfrm>
+          <a:prstGeom prst="rect">
+            <a:avLst/>
+          </a:prstGeom>
+        </p:spPr>
+        <p:txBody>
+          <a:bodyPr vert="horz" wrap="square" lIns="0" tIns="17145" rIns="0" bIns="0" rtlCol="0">
+            <a:spAutoFit/>
+          </a:bodyPr>
+          <a:lstStyle/>
+          <a:p>
+            <a:pPr marL="12700">
+              <a:lnSpc>
+                <a:spcPct val="100000"/>
+              </a:lnSpc>
+              <a:spcBef>
+                <a:spcPts val="135"/>
+              </a:spcBef>
+            </a:pPr>
+            <a:r>
+              <a:rPr sz="1300" spc="20" dirty="0">
+                <a:latin typeface="Candara" panose="020E0502030303020204" pitchFamily="34" charset="0"/>
+                <a:cs typeface="Arial"/>
+              </a:rPr>
+              <a:t>weekDay</a:t>
+            </a:r>
+            <a:endParaRPr sz="1300">
+              <a:latin typeface="Candara" panose="020E0502030303020204" pitchFamily="34" charset="0"/>
+              <a:cs typeface="Arial"/>
+            </a:endParaRPr>
+          </a:p>
+        </p:txBody>
+      </p:sp>
+      <p:sp>
+        <p:nvSpPr>
+          <p:cNvPr id="27" name="object 18"/>
+          <p:cNvSpPr txBox="1"/>
+          <p:nvPr/>
+        </p:nvSpPr>
+        <p:spPr>
+          <a:xfrm>
+            <a:off x="8744409" y="3722403"/>
+            <a:ext cx="619760" cy="217367"/>
+          </a:xfrm>
+          <a:prstGeom prst="rect">
+            <a:avLst/>
+          </a:prstGeom>
+        </p:spPr>
+        <p:txBody>
+          <a:bodyPr vert="horz" wrap="square" lIns="0" tIns="17145" rIns="0" bIns="0" rtlCol="0">
+            <a:spAutoFit/>
+          </a:bodyPr>
+          <a:lstStyle/>
+          <a:p>
+            <a:pPr marL="12700">
+              <a:lnSpc>
+                <a:spcPct val="100000"/>
+              </a:lnSpc>
+              <a:spcBef>
+                <a:spcPts val="135"/>
+              </a:spcBef>
+            </a:pPr>
+            <a:r>
+              <a:rPr sz="1300" spc="15" dirty="0">
+                <a:latin typeface="Candara" panose="020E0502030303020204" pitchFamily="34" charset="0"/>
+                <a:cs typeface="Arial"/>
+              </a:rPr>
+              <a:t>isFriday</a:t>
+            </a:r>
+            <a:endParaRPr sz="1300">
+              <a:latin typeface="Candara" panose="020E0502030303020204" pitchFamily="34" charset="0"/>
+              <a:cs typeface="Arial"/>
+            </a:endParaRPr>
+          </a:p>
+        </p:txBody>
+      </p:sp>
+      <p:sp>
+        <p:nvSpPr>
+          <p:cNvPr id="28" name="object 19"/>
+          <p:cNvSpPr txBox="1"/>
+          <p:nvPr/>
+        </p:nvSpPr>
+        <p:spPr>
+          <a:xfrm>
+            <a:off x="6425426" y="3722403"/>
+            <a:ext cx="751840" cy="217367"/>
+          </a:xfrm>
+          <a:prstGeom prst="rect">
+            <a:avLst/>
+          </a:prstGeom>
+        </p:spPr>
+        <p:txBody>
+          <a:bodyPr vert="horz" wrap="square" lIns="0" tIns="17145" rIns="0" bIns="0" rtlCol="0">
+            <a:spAutoFit/>
+          </a:bodyPr>
+          <a:lstStyle/>
+          <a:p>
+            <a:pPr marL="12700">
+              <a:lnSpc>
+                <a:spcPct val="100000"/>
+              </a:lnSpc>
+              <a:spcBef>
+                <a:spcPts val="135"/>
+              </a:spcBef>
+            </a:pPr>
+            <a:r>
+              <a:rPr sz="1300" spc="15" dirty="0">
+                <a:latin typeface="Candara" panose="020E0502030303020204" pitchFamily="34" charset="0"/>
+                <a:cs typeface="Arial"/>
+              </a:rPr>
+              <a:t>isMonday</a:t>
+            </a:r>
+            <a:endParaRPr sz="1300">
+              <a:latin typeface="Candara" panose="020E0502030303020204" pitchFamily="34" charset="0"/>
+              <a:cs typeface="Arial"/>
+            </a:endParaRPr>
+          </a:p>
+        </p:txBody>
+      </p:sp>
+      <p:sp>
+        <p:nvSpPr>
+          <p:cNvPr id="29" name="object 20"/>
+          <p:cNvSpPr txBox="1"/>
+          <p:nvPr/>
+        </p:nvSpPr>
+        <p:spPr>
+          <a:xfrm>
+            <a:off x="5330734" y="3059508"/>
+            <a:ext cx="704850" cy="217367"/>
+          </a:xfrm>
+          <a:prstGeom prst="rect">
+            <a:avLst/>
+          </a:prstGeom>
+        </p:spPr>
+        <p:txBody>
+          <a:bodyPr vert="horz" wrap="square" lIns="0" tIns="17145" rIns="0" bIns="0" rtlCol="0">
+            <a:spAutoFit/>
+          </a:bodyPr>
+          <a:lstStyle/>
+          <a:p>
+            <a:pPr marL="12700">
+              <a:lnSpc>
+                <a:spcPct val="100000"/>
+              </a:lnSpc>
+              <a:spcBef>
+                <a:spcPts val="135"/>
+              </a:spcBef>
+            </a:pPr>
+            <a:r>
+              <a:rPr sz="1300" spc="15" dirty="0">
+                <a:latin typeface="Candara" panose="020E0502030303020204" pitchFamily="34" charset="0"/>
+                <a:cs typeface="Arial"/>
+              </a:rPr>
+              <a:t>nextDate</a:t>
+            </a:r>
+            <a:endParaRPr sz="1300">
+              <a:latin typeface="Candara" panose="020E0502030303020204" pitchFamily="34" charset="0"/>
+              <a:cs typeface="Arial"/>
+            </a:endParaRPr>
+          </a:p>
+        </p:txBody>
+      </p:sp>
+      <p:sp>
+        <p:nvSpPr>
+          <p:cNvPr id="30" name="object 21"/>
+          <p:cNvSpPr txBox="1"/>
+          <p:nvPr/>
+        </p:nvSpPr>
+        <p:spPr>
+          <a:xfrm>
+            <a:off x="4896760" y="3722403"/>
+            <a:ext cx="1214120" cy="217367"/>
+          </a:xfrm>
+          <a:prstGeom prst="rect">
+            <a:avLst/>
+          </a:prstGeom>
+        </p:spPr>
+        <p:txBody>
+          <a:bodyPr vert="horz" wrap="square" lIns="0" tIns="17145" rIns="0" bIns="0" rtlCol="0">
+            <a:spAutoFit/>
+          </a:bodyPr>
+          <a:lstStyle/>
+          <a:p>
+            <a:pPr marL="12700">
+              <a:lnSpc>
+                <a:spcPct val="100000"/>
+              </a:lnSpc>
+              <a:spcBef>
+                <a:spcPts val="135"/>
+              </a:spcBef>
+            </a:pPr>
+            <a:r>
+              <a:rPr sz="1300" spc="20" dirty="0">
+                <a:latin typeface="Candara" panose="020E0502030303020204" pitchFamily="34" charset="0"/>
+                <a:cs typeface="Arial"/>
+              </a:rPr>
+              <a:t>dayNumToDate</a:t>
+            </a:r>
+            <a:endParaRPr sz="1300">
+              <a:latin typeface="Candara" panose="020E0502030303020204" pitchFamily="34" charset="0"/>
+              <a:cs typeface="Arial"/>
+            </a:endParaRPr>
+          </a:p>
+        </p:txBody>
+      </p:sp>
+      <p:sp>
+        <p:nvSpPr>
+          <p:cNvPr id="31" name="object 22"/>
+          <p:cNvSpPr txBox="1"/>
+          <p:nvPr/>
+        </p:nvSpPr>
+        <p:spPr>
+          <a:xfrm>
+            <a:off x="3312415" y="3722403"/>
+            <a:ext cx="1185545" cy="217367"/>
+          </a:xfrm>
+          <a:prstGeom prst="rect">
+            <a:avLst/>
+          </a:prstGeom>
+        </p:spPr>
+        <p:txBody>
+          <a:bodyPr vert="horz" wrap="square" lIns="0" tIns="17145" rIns="0" bIns="0" rtlCol="0">
+            <a:spAutoFit/>
+          </a:bodyPr>
+          <a:lstStyle/>
+          <a:p>
+            <a:pPr marL="12700">
+              <a:lnSpc>
+                <a:spcPct val="100000"/>
+              </a:lnSpc>
+              <a:spcBef>
+                <a:spcPts val="135"/>
+              </a:spcBef>
+            </a:pPr>
+            <a:r>
+              <a:rPr sz="1300" spc="20" dirty="0">
+                <a:latin typeface="Candara" panose="020E0502030303020204" pitchFamily="34" charset="0"/>
+                <a:cs typeface="Arial"/>
+              </a:rPr>
+              <a:t>dateToDaynum</a:t>
+            </a:r>
+            <a:endParaRPr sz="1300">
+              <a:latin typeface="Candara" panose="020E0502030303020204" pitchFamily="34" charset="0"/>
+              <a:cs typeface="Arial"/>
+            </a:endParaRPr>
+          </a:p>
+        </p:txBody>
+      </p:sp>
+      <p:sp>
+        <p:nvSpPr>
+          <p:cNvPr id="32" name="object 23"/>
+          <p:cNvSpPr txBox="1"/>
+          <p:nvPr/>
+        </p:nvSpPr>
+        <p:spPr>
+          <a:xfrm>
+            <a:off x="2106731" y="4870761"/>
+            <a:ext cx="1242060" cy="217367"/>
+          </a:xfrm>
+          <a:prstGeom prst="rect">
+            <a:avLst/>
+          </a:prstGeom>
+        </p:spPr>
+        <p:txBody>
+          <a:bodyPr vert="horz" wrap="square" lIns="0" tIns="17145" rIns="0" bIns="0" rtlCol="0">
+            <a:spAutoFit/>
+          </a:bodyPr>
+          <a:lstStyle/>
+          <a:p>
+            <a:pPr marL="12700">
+              <a:lnSpc>
+                <a:spcPct val="100000"/>
+              </a:lnSpc>
+              <a:spcBef>
+                <a:spcPts val="135"/>
+              </a:spcBef>
+            </a:pPr>
+            <a:r>
+              <a:rPr sz="1300" spc="15" dirty="0">
+                <a:latin typeface="Candara" panose="020E0502030303020204" pitchFamily="34" charset="0"/>
+                <a:cs typeface="Arial"/>
+              </a:rPr>
+              <a:t>lastDayOfMonth</a:t>
+            </a:r>
+            <a:endParaRPr sz="1300">
+              <a:latin typeface="Candara" panose="020E0502030303020204" pitchFamily="34" charset="0"/>
+              <a:cs typeface="Arial"/>
+            </a:endParaRPr>
+          </a:p>
+        </p:txBody>
+      </p:sp>
+      <p:sp>
+        <p:nvSpPr>
+          <p:cNvPr id="33" name="object 24"/>
+          <p:cNvSpPr txBox="1"/>
+          <p:nvPr/>
+        </p:nvSpPr>
+        <p:spPr>
+          <a:xfrm>
+            <a:off x="2285873" y="4296577"/>
+            <a:ext cx="883919" cy="217367"/>
+          </a:xfrm>
+          <a:prstGeom prst="rect">
+            <a:avLst/>
+          </a:prstGeom>
+        </p:spPr>
+        <p:txBody>
+          <a:bodyPr vert="horz" wrap="square" lIns="0" tIns="17145" rIns="0" bIns="0" rtlCol="0">
+            <a:spAutoFit/>
+          </a:bodyPr>
+          <a:lstStyle/>
+          <a:p>
+            <a:pPr marL="12700">
+              <a:lnSpc>
+                <a:spcPct val="100000"/>
+              </a:lnSpc>
+              <a:spcBef>
+                <a:spcPts val="135"/>
+              </a:spcBef>
+            </a:pPr>
+            <a:r>
+              <a:rPr sz="1300" spc="15" dirty="0">
+                <a:latin typeface="Candara" panose="020E0502030303020204" pitchFamily="34" charset="0"/>
+                <a:cs typeface="Arial"/>
+              </a:rPr>
+              <a:t>isValidDate</a:t>
+            </a:r>
+            <a:endParaRPr sz="1300">
+              <a:latin typeface="Candara" panose="020E0502030303020204" pitchFamily="34" charset="0"/>
+              <a:cs typeface="Arial"/>
+            </a:endParaRPr>
+          </a:p>
+        </p:txBody>
+      </p:sp>
+      <p:sp>
+        <p:nvSpPr>
+          <p:cNvPr id="34" name="object 25"/>
+          <p:cNvSpPr txBox="1"/>
+          <p:nvPr/>
+        </p:nvSpPr>
+        <p:spPr>
+          <a:xfrm>
+            <a:off x="2384907" y="3722403"/>
+            <a:ext cx="685800" cy="217367"/>
+          </a:xfrm>
+          <a:prstGeom prst="rect">
+            <a:avLst/>
+          </a:prstGeom>
+        </p:spPr>
+        <p:txBody>
+          <a:bodyPr vert="horz" wrap="square" lIns="0" tIns="17145" rIns="0" bIns="0" rtlCol="0">
+            <a:spAutoFit/>
+          </a:bodyPr>
+          <a:lstStyle/>
+          <a:p>
+            <a:pPr marL="12700">
+              <a:lnSpc>
+                <a:spcPct val="100000"/>
+              </a:lnSpc>
+              <a:spcBef>
+                <a:spcPts val="135"/>
+              </a:spcBef>
+            </a:pPr>
+            <a:r>
+              <a:rPr sz="1300" spc="15" dirty="0">
+                <a:latin typeface="Candara" panose="020E0502030303020204" pitchFamily="34" charset="0"/>
+                <a:cs typeface="Arial"/>
+              </a:rPr>
+              <a:t>getDigits</a:t>
+            </a:r>
+            <a:endParaRPr sz="1300">
+              <a:latin typeface="Candara" panose="020E0502030303020204" pitchFamily="34" charset="0"/>
+              <a:cs typeface="Arial"/>
+            </a:endParaRPr>
+          </a:p>
+        </p:txBody>
+      </p:sp>
+      <p:sp>
+        <p:nvSpPr>
+          <p:cNvPr id="35" name="object 26"/>
+          <p:cNvSpPr txBox="1"/>
+          <p:nvPr/>
+        </p:nvSpPr>
+        <p:spPr>
+          <a:xfrm>
+            <a:off x="4406153" y="4870759"/>
+            <a:ext cx="525780" cy="217367"/>
+          </a:xfrm>
+          <a:prstGeom prst="rect">
+            <a:avLst/>
+          </a:prstGeom>
+        </p:spPr>
+        <p:txBody>
+          <a:bodyPr vert="horz" wrap="square" lIns="0" tIns="17145" rIns="0" bIns="0" rtlCol="0">
+            <a:spAutoFit/>
+          </a:bodyPr>
+          <a:lstStyle/>
+          <a:p>
+            <a:pPr marL="12700">
+              <a:lnSpc>
+                <a:spcPct val="100000"/>
+              </a:lnSpc>
+              <a:spcBef>
+                <a:spcPts val="135"/>
+              </a:spcBef>
+            </a:pPr>
+            <a:r>
+              <a:rPr sz="1300" spc="15" dirty="0">
+                <a:latin typeface="Candara" panose="020E0502030303020204" pitchFamily="34" charset="0"/>
+                <a:cs typeface="Arial"/>
+              </a:rPr>
+              <a:t>isLeap</a:t>
+            </a:r>
+            <a:endParaRPr sz="1300">
+              <a:latin typeface="Candara" panose="020E0502030303020204" pitchFamily="34" charset="0"/>
+              <a:cs typeface="Arial"/>
+            </a:endParaRPr>
+          </a:p>
+        </p:txBody>
+      </p:sp>
+      <p:pic>
+        <p:nvPicPr>
+          <p:cNvPr id="36" name="object 10"/>
+          <p:cNvPicPr/>
+          <p:nvPr/>
+        </p:nvPicPr>
+        <p:blipFill>
+          <a:blip r:embed="rId2" cstate="print"/>
+          <a:stretch>
+            <a:fillRect/>
+          </a:stretch>
+        </p:blipFill>
+        <p:spPr>
+          <a:xfrm>
+            <a:off x="2017255" y="2151247"/>
+            <a:ext cx="7559864" cy="2995992"/>
+          </a:xfrm>
+          <a:prstGeom prst="rect">
+            <a:avLst/>
+          </a:prstGeom>
+        </p:spPr>
+      </p:pic>
+      <p:cxnSp>
+        <p:nvCxnSpPr>
+          <p:cNvPr id="38" name="Straight Connector 37"/>
+          <p:cNvCxnSpPr/>
+          <p:nvPr/>
+        </p:nvCxnSpPr>
+        <p:spPr>
+          <a:xfrm>
+            <a:off x="6601968" y="2441448"/>
+            <a:ext cx="2386584" cy="618060"/>
+          </a:xfrm>
+          <a:prstGeom prst="line">
+            <a:avLst/>
+          </a:prstGeom>
+        </p:spPr>
+        <p:style>
+          <a:lnRef idx="1">
+            <a:schemeClr val="dk1"/>
+          </a:lnRef>
+          <a:fillRef idx="0">
+            <a:schemeClr val="dk1"/>
+          </a:fillRef>
+          <a:effectRef idx="0">
+            <a:schemeClr val="dk1"/>
+          </a:effectRef>
+          <a:fontRef idx="minor">
+            <a:schemeClr val="tx1"/>
+          </a:fontRef>
+        </p:style>
+      </p:cxnSp>
+      <p:cxnSp>
+        <p:nvCxnSpPr>
+          <p:cNvPr id="41" name="Straight Arrow Connector 40"/>
+          <p:cNvCxnSpPr/>
+          <p:nvPr/>
+        </p:nvCxnSpPr>
+        <p:spPr>
+          <a:xfrm flipH="1">
+            <a:off x="4791456" y="2441448"/>
+            <a:ext cx="896112" cy="618060"/>
+          </a:xfrm>
+          <a:prstGeom prst="straightConnector1">
+            <a:avLst/>
+          </a:prstGeom>
+          <a:ln>
+            <a:tailEnd type="triangle"/>
+          </a:ln>
+        </p:spPr>
+        <p:style>
+          <a:lnRef idx="1">
+            <a:schemeClr val="dk1"/>
+          </a:lnRef>
+          <a:fillRef idx="0">
+            <a:schemeClr val="dk1"/>
+          </a:fillRef>
+          <a:effectRef idx="0">
+            <a:schemeClr val="dk1"/>
+          </a:effectRef>
+          <a:fontRef idx="minor">
+            <a:schemeClr val="tx1"/>
+          </a:fontRef>
+        </p:style>
+      </p:cxnSp>
+      <p:cxnSp>
+        <p:nvCxnSpPr>
+          <p:cNvPr id="43" name="Straight Arrow Connector 42"/>
+          <p:cNvCxnSpPr/>
+          <p:nvPr/>
+        </p:nvCxnSpPr>
+        <p:spPr>
+          <a:xfrm flipH="1">
+            <a:off x="3968496" y="2368296"/>
+            <a:ext cx="1719072" cy="691212"/>
+          </a:xfrm>
+          <a:prstGeom prst="straightConnector1">
+            <a:avLst/>
+          </a:prstGeom>
+          <a:ln>
+            <a:tailEnd type="triangle"/>
+          </a:ln>
+        </p:spPr>
+        <p:style>
+          <a:lnRef idx="1">
+            <a:schemeClr val="dk1"/>
+          </a:lnRef>
+          <a:fillRef idx="0">
+            <a:schemeClr val="dk1"/>
+          </a:fillRef>
+          <a:effectRef idx="0">
+            <a:schemeClr val="dk1"/>
+          </a:effectRef>
+          <a:fontRef idx="minor">
+            <a:schemeClr val="tx1"/>
+          </a:fontRef>
+        </p:style>
+      </p:cxnSp>
     </p:spTree>
     <p:extLst>
       <p:ext uri="{BB962C8B-B14F-4D97-AF65-F5344CB8AC3E}">
-        <p14:creationId xmlns:p14="http://schemas.microsoft.com/office/powerpoint/2010/main" val="494822002"/>
+        <p14:creationId xmlns:p14="http://schemas.microsoft.com/office/powerpoint/2010/main" val="2959062402"/>
       </p:ext>
     </p:extLst>
   </p:cSld>
@@ -44245,8 +44107,33 @@
           <a:p>
             <a:r>
               <a:rPr lang="en-US" dirty="0"/>
-              <a:t>Pair-Wise Integration</a:t>
-            </a:r>
+              <a:t>Call</a:t>
+            </a:r>
+            <a:r>
+              <a:rPr lang="en-US" spc="10" dirty="0"/>
+              <a:t> </a:t>
+            </a:r>
+            <a:r>
+              <a:rPr lang="en-US" spc="-5" dirty="0"/>
+              <a:t>Graph-Based</a:t>
+            </a:r>
+            <a:r>
+              <a:rPr lang="en-US" spc="15" dirty="0"/>
+              <a:t> </a:t>
+            </a:r>
+            <a:r>
+              <a:rPr lang="en-US" spc="-5" dirty="0"/>
+              <a:t>Integration</a:t>
+            </a:r>
+            <a:r>
+              <a:rPr lang="en-US" spc="5" dirty="0"/>
+              <a:t> </a:t>
+            </a:r>
+            <a:r>
+              <a:rPr lang="en-US" sz="3600" spc="-5" dirty="0"/>
+              <a:t>(continued)</a:t>
+            </a:r>
+            <a:endParaRPr lang="en-US" dirty="0"/>
           </a:p>
         </p:txBody>
       </p:sp>
@@ -44265,57 +44152,521 @@
           <a:bodyPr/>
           <a:lstStyle/>
           <a:p>
-            <a:r>
-              <a:rPr lang="en-US" dirty="0"/>
-              <a:t>By definition, </a:t>
-            </a:r>
-            <a:r>
-              <a:rPr lang="en-US" dirty="0" smtClean="0"/>
-              <a:t>an </a:t>
-            </a:r>
-            <a:r>
-              <a:rPr lang="en-US" dirty="0"/>
-              <a:t>edge in the Call Graph refers to </a:t>
-            </a:r>
-            <a:r>
-              <a:rPr lang="en-US" dirty="0" smtClean="0"/>
-              <a:t>an </a:t>
-            </a:r>
-            <a:r>
-              <a:rPr lang="en-US" dirty="0"/>
-              <a:t>interface between the units that are the </a:t>
-            </a:r>
-            <a:r>
-              <a:rPr lang="en-US" dirty="0" smtClean="0"/>
-              <a:t>endpoints </a:t>
-            </a:r>
-            <a:r>
-              <a:rPr lang="en-US" dirty="0"/>
-              <a:t>of the edge.</a:t>
-            </a:r>
-          </a:p>
-          <a:p>
-            <a:r>
-              <a:rPr lang="en-US" dirty="0"/>
-              <a:t>Every edge represents a pair of units to test.</a:t>
-            </a:r>
-          </a:p>
-          <a:p>
-            <a:r>
-              <a:rPr lang="en-US" dirty="0"/>
-              <a:t>Still might need stubs and drivers</a:t>
-            </a:r>
-          </a:p>
-          <a:p>
-            <a:r>
-              <a:rPr lang="en-US" dirty="0"/>
-              <a:t>Fault isolation is localized to the pair being </a:t>
-            </a:r>
-            <a:r>
-              <a:rPr lang="en-US" dirty="0" smtClean="0"/>
-              <a:t>integrated</a:t>
-            </a:r>
-            <a:endParaRPr lang="en-US" dirty="0"/>
+            <a:pPr marL="355600" indent="-342900">
+              <a:lnSpc>
+                <a:spcPct val="100000"/>
+              </a:lnSpc>
+              <a:spcBef>
+                <a:spcPts val="580"/>
+              </a:spcBef>
+              <a:tabLst>
+                <a:tab pos="354965" algn="l"/>
+                <a:tab pos="355600" algn="l"/>
+              </a:tabLst>
+            </a:pPr>
+            <a:r>
+              <a:rPr lang="en-US" sz="2400" spc="-5" dirty="0">
+                <a:cs typeface="Arial"/>
+              </a:rPr>
+              <a:t>Two</a:t>
+            </a:r>
+            <a:r>
+              <a:rPr lang="en-US" sz="2400" spc="-25" dirty="0">
+                <a:cs typeface="Arial"/>
+              </a:rPr>
+              <a:t> </a:t>
+            </a:r>
+            <a:r>
+              <a:rPr lang="en-US" sz="2400" spc="-5" dirty="0">
+                <a:cs typeface="Arial"/>
+              </a:rPr>
+              <a:t>strategies</a:t>
+            </a:r>
+            <a:endParaRPr lang="en-US" sz="2400" dirty="0">
+              <a:cs typeface="Arial"/>
+            </a:endParaRPr>
+          </a:p>
+          <a:p>
+            <a:pPr marL="755650" lvl="1" indent="-285750">
+              <a:lnSpc>
+                <a:spcPct val="100000"/>
+              </a:lnSpc>
+              <a:spcBef>
+                <a:spcPts val="400"/>
+              </a:spcBef>
+              <a:buChar char="–"/>
+              <a:tabLst>
+                <a:tab pos="755015" algn="l"/>
+                <a:tab pos="755650" algn="l"/>
+              </a:tabLst>
+            </a:pPr>
+            <a:r>
+              <a:rPr lang="en-US" sz="2000" dirty="0">
+                <a:cs typeface="Arial"/>
+              </a:rPr>
+              <a:t>Pair-wise</a:t>
+            </a:r>
+            <a:r>
+              <a:rPr lang="en-US" sz="2000" spc="-25" dirty="0">
+                <a:cs typeface="Arial"/>
+              </a:rPr>
+              <a:t> </a:t>
+            </a:r>
+            <a:r>
+              <a:rPr lang="en-US" sz="2000" spc="-5" dirty="0">
+                <a:cs typeface="Arial"/>
+              </a:rPr>
+              <a:t>integration</a:t>
+            </a:r>
+            <a:endParaRPr lang="en-US" sz="2000" dirty="0">
+              <a:cs typeface="Arial"/>
+            </a:endParaRPr>
+          </a:p>
+          <a:p>
+            <a:pPr marL="755650" lvl="1" indent="-285750">
+              <a:lnSpc>
+                <a:spcPct val="100000"/>
+              </a:lnSpc>
+              <a:buChar char="–"/>
+              <a:tabLst>
+                <a:tab pos="755015" algn="l"/>
+                <a:tab pos="755650" algn="l"/>
+              </a:tabLst>
+            </a:pPr>
+            <a:r>
+              <a:rPr lang="en-US" sz="2000" dirty="0">
+                <a:cs typeface="Arial"/>
+              </a:rPr>
+              <a:t>Neighborhood</a:t>
+            </a:r>
+            <a:r>
+              <a:rPr lang="en-US" sz="2000" spc="-25" dirty="0">
+                <a:cs typeface="Arial"/>
+              </a:rPr>
+              <a:t> </a:t>
+            </a:r>
+            <a:r>
+              <a:rPr lang="en-US" sz="2000" spc="-5" dirty="0">
+                <a:cs typeface="Arial"/>
+              </a:rPr>
+              <a:t>integration</a:t>
+            </a:r>
+            <a:endParaRPr lang="en-US" sz="2000" dirty="0">
+              <a:cs typeface="Arial"/>
+            </a:endParaRPr>
+          </a:p>
+          <a:p>
+            <a:pPr marL="355600" marR="196215" indent="-342900">
+              <a:lnSpc>
+                <a:spcPts val="2820"/>
+              </a:lnSpc>
+              <a:spcBef>
+                <a:spcPts val="740"/>
+              </a:spcBef>
+              <a:tabLst>
+                <a:tab pos="354965" algn="l"/>
+                <a:tab pos="355600" algn="l"/>
+              </a:tabLst>
+            </a:pPr>
+            <a:r>
+              <a:rPr lang="en-US" sz="2400" dirty="0">
+                <a:cs typeface="Arial"/>
+              </a:rPr>
+              <a:t>Degrees</a:t>
+            </a:r>
+            <a:r>
+              <a:rPr lang="en-US" sz="2400" spc="-10" dirty="0">
+                <a:cs typeface="Arial"/>
+              </a:rPr>
+              <a:t> </a:t>
+            </a:r>
+            <a:r>
+              <a:rPr lang="en-US" sz="2400" dirty="0">
+                <a:cs typeface="Arial"/>
+              </a:rPr>
+              <a:t>of</a:t>
+            </a:r>
+            <a:r>
+              <a:rPr lang="en-US" sz="2400" spc="-10" dirty="0">
+                <a:cs typeface="Arial"/>
+              </a:rPr>
+              <a:t> </a:t>
+            </a:r>
+            <a:r>
+              <a:rPr lang="en-US" sz="2400" dirty="0">
+                <a:cs typeface="Arial"/>
+              </a:rPr>
+              <a:t>nodes</a:t>
+            </a:r>
+            <a:r>
+              <a:rPr lang="en-US" sz="2400" spc="-10" dirty="0">
+                <a:cs typeface="Arial"/>
+              </a:rPr>
+              <a:t> </a:t>
+            </a:r>
+            <a:r>
+              <a:rPr lang="en-US" sz="2400" dirty="0">
+                <a:cs typeface="Arial"/>
+              </a:rPr>
+              <a:t>in</a:t>
+            </a:r>
+            <a:r>
+              <a:rPr lang="en-US" sz="2400" spc="-5" dirty="0">
+                <a:cs typeface="Arial"/>
+              </a:rPr>
+              <a:t> the </a:t>
+            </a:r>
+            <a:r>
+              <a:rPr lang="en-US" sz="2400" dirty="0">
+                <a:cs typeface="Arial"/>
+              </a:rPr>
+              <a:t>Call</a:t>
+            </a:r>
+            <a:r>
+              <a:rPr lang="en-US" sz="2400" spc="-5" dirty="0">
+                <a:cs typeface="Arial"/>
+              </a:rPr>
+              <a:t> Graph indicate </a:t>
+            </a:r>
+            <a:r>
+              <a:rPr lang="en-US" sz="2400" spc="-655" dirty="0">
+                <a:cs typeface="Arial"/>
+              </a:rPr>
+              <a:t> </a:t>
+            </a:r>
+            <a:r>
+              <a:rPr lang="en-US" sz="2400" spc="-5" dirty="0">
+                <a:cs typeface="Arial"/>
+              </a:rPr>
+              <a:t>integration </a:t>
+            </a:r>
+            <a:r>
+              <a:rPr lang="en-US" sz="2400" dirty="0">
+                <a:cs typeface="Arial"/>
+              </a:rPr>
+              <a:t>sessions</a:t>
+            </a:r>
+          </a:p>
+          <a:p>
+            <a:pPr marL="755650" lvl="1" indent="-285750">
+              <a:lnSpc>
+                <a:spcPct val="100000"/>
+              </a:lnSpc>
+              <a:spcBef>
+                <a:spcPts val="420"/>
+              </a:spcBef>
+              <a:buChar char="–"/>
+              <a:tabLst>
+                <a:tab pos="755015" algn="l"/>
+                <a:tab pos="755650" algn="l"/>
+                <a:tab pos="2139315" algn="l"/>
+              </a:tabLst>
+            </a:pPr>
+            <a:r>
+              <a:rPr lang="en-US" sz="2000" dirty="0" err="1">
+                <a:cs typeface="Arial"/>
+              </a:rPr>
+              <a:t>isLeap</a:t>
+            </a:r>
+            <a:r>
+              <a:rPr lang="en-US" sz="2000" dirty="0">
+                <a:cs typeface="Arial"/>
+              </a:rPr>
+              <a:t> </a:t>
+            </a:r>
+            <a:r>
+              <a:rPr lang="en-US" sz="2000" dirty="0" smtClean="0">
+                <a:cs typeface="Arial"/>
+              </a:rPr>
+              <a:t>and </a:t>
+            </a:r>
+            <a:r>
+              <a:rPr lang="en-US" sz="2000" dirty="0" err="1" smtClean="0">
+                <a:cs typeface="Arial"/>
+              </a:rPr>
+              <a:t>weekDay</a:t>
+            </a:r>
+            <a:r>
+              <a:rPr lang="en-US" sz="2000" spc="-15" dirty="0" smtClean="0">
+                <a:cs typeface="Arial"/>
+              </a:rPr>
+              <a:t> </a:t>
+            </a:r>
+            <a:r>
+              <a:rPr lang="en-US" sz="2000" dirty="0">
+                <a:cs typeface="Arial"/>
+              </a:rPr>
+              <a:t>are</a:t>
+            </a:r>
+            <a:r>
+              <a:rPr lang="en-US" sz="2000" spc="-10" dirty="0">
+                <a:cs typeface="Arial"/>
+              </a:rPr>
+              <a:t> </a:t>
+            </a:r>
+            <a:r>
+              <a:rPr lang="en-US" sz="2000" dirty="0">
+                <a:cs typeface="Arial"/>
+              </a:rPr>
+              <a:t>each</a:t>
+            </a:r>
+            <a:r>
+              <a:rPr lang="en-US" sz="2000" spc="-10" dirty="0">
+                <a:cs typeface="Arial"/>
+              </a:rPr>
+              <a:t> </a:t>
+            </a:r>
+            <a:r>
+              <a:rPr lang="en-US" sz="2000" dirty="0">
+                <a:cs typeface="Arial"/>
+              </a:rPr>
+              <a:t>used</a:t>
+            </a:r>
+            <a:r>
+              <a:rPr lang="en-US" sz="2000" spc="-10" dirty="0">
+                <a:cs typeface="Arial"/>
+              </a:rPr>
+              <a:t> </a:t>
+            </a:r>
+            <a:r>
+              <a:rPr lang="en-US" sz="2000" dirty="0">
+                <a:cs typeface="Arial"/>
+              </a:rPr>
+              <a:t>by</a:t>
+            </a:r>
+            <a:r>
+              <a:rPr lang="en-US" sz="2000" spc="-15" dirty="0">
+                <a:cs typeface="Arial"/>
+              </a:rPr>
+              <a:t> </a:t>
+            </a:r>
+            <a:r>
+              <a:rPr lang="en-US" sz="2000" spc="-5" dirty="0">
+                <a:cs typeface="Arial"/>
+              </a:rPr>
+              <a:t>three</a:t>
+            </a:r>
+            <a:r>
+              <a:rPr lang="en-US" sz="2000" spc="-10" dirty="0">
+                <a:cs typeface="Arial"/>
+              </a:rPr>
+              <a:t> </a:t>
+            </a:r>
+            <a:r>
+              <a:rPr lang="en-US" sz="2000" spc="-5" dirty="0">
+                <a:cs typeface="Arial"/>
+              </a:rPr>
+              <a:t>units</a:t>
+            </a:r>
+            <a:endParaRPr lang="en-US" sz="2000" dirty="0">
+              <a:cs typeface="Arial"/>
+            </a:endParaRPr>
+          </a:p>
+          <a:p>
+            <a:pPr marL="355600" indent="-342900">
+              <a:lnSpc>
+                <a:spcPct val="100000"/>
+              </a:lnSpc>
+              <a:spcBef>
+                <a:spcPts val="595"/>
+              </a:spcBef>
+              <a:tabLst>
+                <a:tab pos="354965" algn="l"/>
+                <a:tab pos="355600" algn="l"/>
+              </a:tabLst>
+            </a:pPr>
+            <a:r>
+              <a:rPr lang="en-US" sz="2400" dirty="0">
+                <a:cs typeface="Arial"/>
+              </a:rPr>
+              <a:t>Possible</a:t>
+            </a:r>
+            <a:r>
+              <a:rPr lang="en-US" sz="2400" spc="-30" dirty="0">
+                <a:cs typeface="Arial"/>
+              </a:rPr>
+              <a:t> </a:t>
+            </a:r>
+            <a:r>
+              <a:rPr lang="en-US" sz="2400" spc="-5" dirty="0">
+                <a:cs typeface="Arial"/>
+              </a:rPr>
+              <a:t>strategies</a:t>
+            </a:r>
+            <a:endParaRPr lang="en-US" sz="2400" dirty="0">
+              <a:cs typeface="Arial"/>
+            </a:endParaRPr>
+          </a:p>
+          <a:p>
+            <a:pPr marL="755650" lvl="1" indent="-285750">
+              <a:lnSpc>
+                <a:spcPct val="100000"/>
+              </a:lnSpc>
+              <a:spcBef>
+                <a:spcPts val="525"/>
+              </a:spcBef>
+              <a:buChar char="–"/>
+              <a:tabLst>
+                <a:tab pos="755015" algn="l"/>
+                <a:tab pos="755650" algn="l"/>
+              </a:tabLst>
+            </a:pPr>
+            <a:r>
+              <a:rPr lang="en-US" sz="2000" spc="-5" dirty="0">
+                <a:cs typeface="Arial"/>
+              </a:rPr>
+              <a:t>test</a:t>
+            </a:r>
+            <a:r>
+              <a:rPr lang="en-US" sz="2000" spc="-10" dirty="0">
+                <a:cs typeface="Arial"/>
+              </a:rPr>
+              <a:t> </a:t>
+            </a:r>
+            <a:r>
+              <a:rPr lang="en-US" sz="2000" dirty="0">
+                <a:cs typeface="Arial"/>
+              </a:rPr>
+              <a:t>high</a:t>
+            </a:r>
+            <a:r>
+              <a:rPr lang="en-US" sz="2000" spc="-5" dirty="0">
+                <a:cs typeface="Arial"/>
+              </a:rPr>
+              <a:t> </a:t>
+            </a:r>
+            <a:r>
+              <a:rPr lang="en-US" sz="2000" dirty="0" err="1">
+                <a:cs typeface="Arial"/>
+              </a:rPr>
+              <a:t>indegree</a:t>
+            </a:r>
+            <a:r>
+              <a:rPr lang="en-US" sz="2000" spc="-5" dirty="0">
+                <a:cs typeface="Arial"/>
+              </a:rPr>
+              <a:t> </a:t>
+            </a:r>
+            <a:r>
+              <a:rPr lang="en-US" sz="2000" dirty="0">
+                <a:cs typeface="Arial"/>
+              </a:rPr>
+              <a:t>nodes</a:t>
+            </a:r>
+            <a:r>
+              <a:rPr lang="en-US" sz="2000" spc="-10" dirty="0">
+                <a:cs typeface="Arial"/>
+              </a:rPr>
+              <a:t> </a:t>
+            </a:r>
+            <a:r>
+              <a:rPr lang="en-US" sz="2000" spc="-5" dirty="0">
+                <a:cs typeface="Arial"/>
+              </a:rPr>
+              <a:t>first,</a:t>
+            </a:r>
+            <a:r>
+              <a:rPr lang="en-US" sz="2000" spc="-10" dirty="0">
+                <a:cs typeface="Arial"/>
+              </a:rPr>
+              <a:t> </a:t>
+            </a:r>
+            <a:r>
+              <a:rPr lang="en-US" sz="2000" dirty="0">
+                <a:cs typeface="Arial"/>
+              </a:rPr>
+              <a:t>or</a:t>
+            </a:r>
+            <a:r>
+              <a:rPr lang="en-US" sz="2000" spc="-10" dirty="0">
+                <a:cs typeface="Arial"/>
+              </a:rPr>
+              <a:t> </a:t>
+            </a:r>
+            <a:r>
+              <a:rPr lang="en-US" sz="2000" dirty="0">
+                <a:cs typeface="Arial"/>
+              </a:rPr>
+              <a:t>at</a:t>
+            </a:r>
+            <a:r>
+              <a:rPr lang="en-US" sz="2000" spc="-10" dirty="0">
+                <a:cs typeface="Arial"/>
+              </a:rPr>
+              <a:t> </a:t>
+            </a:r>
+            <a:r>
+              <a:rPr lang="en-US" sz="2000" spc="-5" dirty="0">
+                <a:cs typeface="Arial"/>
+              </a:rPr>
+              <a:t>least,</a:t>
+            </a:r>
+            <a:endParaRPr lang="en-US" sz="2000" dirty="0">
+              <a:cs typeface="Arial"/>
+            </a:endParaRPr>
+          </a:p>
+          <a:p>
+            <a:pPr marL="755650" lvl="1" indent="-285750">
+              <a:lnSpc>
+                <a:spcPct val="100000"/>
+              </a:lnSpc>
+              <a:spcBef>
+                <a:spcPts val="400"/>
+              </a:spcBef>
+              <a:buChar char="–"/>
+              <a:tabLst>
+                <a:tab pos="755015" algn="l"/>
+                <a:tab pos="755650" algn="l"/>
+              </a:tabLst>
+            </a:pPr>
+            <a:r>
+              <a:rPr lang="en-US" sz="2000" dirty="0">
+                <a:cs typeface="Arial"/>
+              </a:rPr>
+              <a:t>pay</a:t>
+            </a:r>
+            <a:r>
+              <a:rPr lang="en-US" sz="2000" spc="-10" dirty="0">
+                <a:cs typeface="Arial"/>
+              </a:rPr>
+              <a:t> </a:t>
+            </a:r>
+            <a:r>
+              <a:rPr lang="en-US" sz="2000" dirty="0">
+                <a:cs typeface="Arial"/>
+              </a:rPr>
+              <a:t>special</a:t>
+            </a:r>
+            <a:r>
+              <a:rPr lang="en-US" sz="2000" spc="-5" dirty="0">
+                <a:cs typeface="Arial"/>
+              </a:rPr>
+              <a:t> attention to</a:t>
+            </a:r>
+            <a:r>
+              <a:rPr lang="en-US" sz="2000" spc="-10" dirty="0">
+                <a:cs typeface="Arial"/>
+              </a:rPr>
+              <a:t> </a:t>
+            </a:r>
+            <a:r>
+              <a:rPr lang="en-US" sz="2000" spc="-5" dirty="0">
+                <a:cs typeface="Arial"/>
+              </a:rPr>
+              <a:t>“popular”</a:t>
+            </a:r>
+            <a:r>
+              <a:rPr lang="en-US" sz="2000" spc="-10" dirty="0">
+                <a:cs typeface="Arial"/>
+              </a:rPr>
+              <a:t> </a:t>
+            </a:r>
+            <a:r>
+              <a:rPr lang="en-US" sz="2000" dirty="0">
+                <a:cs typeface="Arial"/>
+              </a:rPr>
+              <a:t>nodes</a:t>
+            </a:r>
           </a:p>
           <a:p>
             <a:endParaRPr lang="en-US" dirty="0"/>
@@ -44348,7 +44699,7 @@
     </p:spTree>
     <p:extLst>
       <p:ext uri="{BB962C8B-B14F-4D97-AF65-F5344CB8AC3E}">
-        <p14:creationId xmlns:p14="http://schemas.microsoft.com/office/powerpoint/2010/main" val="2521040283"/>
+        <p14:creationId xmlns:p14="http://schemas.microsoft.com/office/powerpoint/2010/main" val="494822002"/>
       </p:ext>
     </p:extLst>
   </p:cSld>
@@ -44392,8 +44743,80 @@
           <a:p>
             <a:r>
               <a:rPr lang="en-US" dirty="0"/>
-              <a:t>Three Pairs for Pair-Wise Integration</a:t>
-            </a:r>
+              <a:t>Pair-Wise Integration</a:t>
+            </a:r>
+          </a:p>
+        </p:txBody>
+      </p:sp>
+      <p:sp>
+        <p:nvSpPr>
+          <p:cNvPr id="3" name="Content Placeholder 2"/>
+          <p:cNvSpPr>
+            <a:spLocks noGrp="1"/>
+          </p:cNvSpPr>
+          <p:nvPr>
+            <p:ph idx="1"/>
+          </p:nvPr>
+        </p:nvSpPr>
+        <p:spPr/>
+        <p:txBody>
+          <a:bodyPr/>
+          <a:lstStyle/>
+          <a:p>
+            <a:r>
+              <a:rPr lang="en-US" dirty="0"/>
+              <a:t>By definition, </a:t>
+            </a:r>
+            <a:r>
+              <a:rPr lang="en-US" dirty="0" smtClean="0"/>
+              <a:t>an </a:t>
+            </a:r>
+            <a:r>
+              <a:rPr lang="en-US" dirty="0"/>
+              <a:t>edge in the Call Graph refers to </a:t>
+            </a:r>
+            <a:r>
+              <a:rPr lang="en-US" dirty="0" smtClean="0"/>
+              <a:t>an </a:t>
+            </a:r>
+            <a:r>
+              <a:rPr lang="en-US" dirty="0"/>
+              <a:t>interface between the units that are the </a:t>
+            </a:r>
+            <a:r>
+              <a:rPr lang="en-US" dirty="0" smtClean="0"/>
+              <a:t>endpoints </a:t>
+            </a:r>
+            <a:r>
+              <a:rPr lang="en-US" dirty="0"/>
+              <a:t>of the edge.</a:t>
+            </a:r>
+          </a:p>
+          <a:p>
+            <a:r>
+              <a:rPr lang="en-US" dirty="0"/>
+              <a:t>Every edge represents a pair of units to test.</a:t>
+            </a:r>
+          </a:p>
+          <a:p>
+            <a:r>
+              <a:rPr lang="en-US" dirty="0"/>
+              <a:t>Still might need stubs and drivers</a:t>
+            </a:r>
+          </a:p>
+          <a:p>
+            <a:r>
+              <a:rPr lang="en-US" dirty="0"/>
+              <a:t>Fault isolation is localized to the pair being </a:t>
+            </a:r>
+            <a:r>
+              <a:rPr lang="en-US" dirty="0" smtClean="0"/>
+              <a:t>integrated</a:t>
+            </a:r>
+            <a:endParaRPr lang="en-US" dirty="0"/>
+          </a:p>
+          <a:p>
+            <a:endParaRPr lang="en-US" dirty="0"/>
           </a:p>
         </p:txBody>
       </p:sp>
@@ -44415,6 +44838,81 @@
             <a:fld id="{B543A0FD-1CA6-4228-86A2-78061B4844C8}" type="slidenum">
               <a:rPr lang="en-US" smtClean="0"/>
               <a:t>52</a:t>
+            </a:fld>
+            <a:endParaRPr lang="en-US"/>
+          </a:p>
+        </p:txBody>
+      </p:sp>
+    </p:spTree>
+    <p:extLst>
+      <p:ext uri="{BB962C8B-B14F-4D97-AF65-F5344CB8AC3E}">
+        <p14:creationId xmlns:p14="http://schemas.microsoft.com/office/powerpoint/2010/main" val="2521040283"/>
+      </p:ext>
+    </p:extLst>
+  </p:cSld>
+  <p:clrMapOvr>
+    <a:masterClrMapping/>
+  </p:clrMapOvr>
+</p:sld>
+</file>
+
+<file path=ppt/slides/slide53.xml><?xml version="1.0" encoding="utf-8"?>
+<p:sld xmlns:a="http://schemas.openxmlformats.org/drawingml/2006/main" xmlns:r="http://schemas.openxmlformats.org/officeDocument/2006/relationships" xmlns:p="http://schemas.openxmlformats.org/presentationml/2006/main">
+  <p:cSld>
+    <p:spTree>
+      <p:nvGrpSpPr>
+        <p:cNvPr id="1" name=""/>
+        <p:cNvGrpSpPr/>
+        <p:nvPr/>
+      </p:nvGrpSpPr>
+      <p:grpSpPr>
+        <a:xfrm>
+          <a:off x="0" y="0"/>
+          <a:ext cx="0" cy="0"/>
+          <a:chOff x="0" y="0"/>
+          <a:chExt cx="0" cy="0"/>
+        </a:xfrm>
+      </p:grpSpPr>
+      <p:sp>
+        <p:nvSpPr>
+          <p:cNvPr id="2" name="Title 1"/>
+          <p:cNvSpPr>
+            <a:spLocks noGrp="1"/>
+          </p:cNvSpPr>
+          <p:nvPr>
+            <p:ph type="title"/>
+          </p:nvPr>
+        </p:nvSpPr>
+        <p:spPr/>
+        <p:txBody>
+          <a:bodyPr/>
+          <a:lstStyle/>
+          <a:p>
+            <a:r>
+              <a:rPr lang="en-US" dirty="0"/>
+              <a:t>Three Pairs for Pair-Wise Integration</a:t>
+            </a:r>
+          </a:p>
+        </p:txBody>
+      </p:sp>
+      <p:sp>
+        <p:nvSpPr>
+          <p:cNvPr id="4" name="Slide Number Placeholder 3"/>
+          <p:cNvSpPr>
+            <a:spLocks noGrp="1"/>
+          </p:cNvSpPr>
+          <p:nvPr>
+            <p:ph type="sldNum" sz="quarter" idx="12"/>
+          </p:nvPr>
+        </p:nvSpPr>
+        <p:spPr/>
+        <p:txBody>
+          <a:bodyPr/>
+          <a:lstStyle/>
+          <a:p>
+            <a:fld id="{B543A0FD-1CA6-4228-86A2-78061B4844C8}" type="slidenum">
+              <a:rPr lang="en-US" smtClean="0"/>
+              <a:t>53</a:t>
             </a:fld>
             <a:endParaRPr lang="en-US"/>
           </a:p>
@@ -44457,460 +44955,6 @@
 </p:sld>
 </file>
 
-<file path=ppt/slides/slide53.xml><?xml version="1.0" encoding="utf-8"?>
-<p:sld xmlns:a="http://schemas.openxmlformats.org/drawingml/2006/main" xmlns:r="http://schemas.openxmlformats.org/officeDocument/2006/relationships" xmlns:p="http://schemas.openxmlformats.org/presentationml/2006/main">
-  <p:cSld>
-    <p:spTree>
-      <p:nvGrpSpPr>
-        <p:cNvPr id="1" name=""/>
-        <p:cNvGrpSpPr/>
-        <p:nvPr/>
-      </p:nvGrpSpPr>
-      <p:grpSpPr>
-        <a:xfrm>
-          <a:off x="0" y="0"/>
-          <a:ext cx="0" cy="0"/>
-          <a:chOff x="0" y="0"/>
-          <a:chExt cx="0" cy="0"/>
-        </a:xfrm>
-      </p:grpSpPr>
-      <p:sp>
-        <p:nvSpPr>
-          <p:cNvPr id="2" name="Title 1"/>
-          <p:cNvSpPr>
-            <a:spLocks noGrp="1"/>
-          </p:cNvSpPr>
-          <p:nvPr>
-            <p:ph type="title"/>
-          </p:nvPr>
-        </p:nvSpPr>
-        <p:spPr/>
-        <p:txBody>
-          <a:bodyPr/>
-          <a:lstStyle/>
-          <a:p>
-            <a:r>
-              <a:rPr lang="en-US" dirty="0"/>
-              <a:t>Neighborhood Integration</a:t>
-            </a:r>
-          </a:p>
-        </p:txBody>
-      </p:sp>
-      <p:sp>
-        <p:nvSpPr>
-          <p:cNvPr id="3" name="Content Placeholder 2"/>
-          <p:cNvSpPr>
-            <a:spLocks noGrp="1"/>
-          </p:cNvSpPr>
-          <p:nvPr>
-            <p:ph idx="1"/>
-          </p:nvPr>
-        </p:nvSpPr>
-        <p:spPr/>
-        <p:txBody>
-          <a:bodyPr/>
-          <a:lstStyle/>
-          <a:p>
-            <a:pPr marL="355600" marR="5080" indent="-342900">
-              <a:lnSpc>
-                <a:spcPct val="99000"/>
-              </a:lnSpc>
-              <a:spcBef>
-                <a:spcPts val="125"/>
-              </a:spcBef>
-              <a:tabLst>
-                <a:tab pos="354965" algn="l"/>
-                <a:tab pos="355600" algn="l"/>
-              </a:tabLst>
-            </a:pPr>
-            <a:r>
-              <a:rPr lang="en-US" spc="-5" dirty="0">
-                <a:cs typeface="Arial"/>
-              </a:rPr>
-              <a:t>The </a:t>
-            </a:r>
-            <a:r>
-              <a:rPr lang="en-US" dirty="0">
-                <a:cs typeface="Arial"/>
-              </a:rPr>
-              <a:t>neighborhood (or radius 1) of a node in a </a:t>
-            </a:r>
-            <a:r>
-              <a:rPr lang="en-US" dirty="0" smtClean="0">
-                <a:cs typeface="Arial"/>
-              </a:rPr>
-              <a:t>graph</a:t>
-            </a:r>
-            <a:r>
-              <a:rPr lang="en-US" spc="-10" dirty="0" smtClean="0">
-                <a:cs typeface="Arial"/>
-              </a:rPr>
-              <a:t> </a:t>
-            </a:r>
-            <a:r>
-              <a:rPr lang="en-US" dirty="0">
-                <a:cs typeface="Arial"/>
-              </a:rPr>
-              <a:t>is</a:t>
-            </a:r>
-            <a:r>
-              <a:rPr lang="en-US" spc="-10" dirty="0">
-                <a:cs typeface="Arial"/>
-              </a:rPr>
-              <a:t> </a:t>
-            </a:r>
-            <a:r>
-              <a:rPr lang="en-US" spc="-5" dirty="0">
-                <a:cs typeface="Arial"/>
-              </a:rPr>
-              <a:t>the</a:t>
-            </a:r>
-            <a:r>
-              <a:rPr lang="en-US" spc="-10" dirty="0">
-                <a:cs typeface="Arial"/>
-              </a:rPr>
-              <a:t> </a:t>
-            </a:r>
-            <a:r>
-              <a:rPr lang="en-US" dirty="0">
-                <a:cs typeface="Arial"/>
-              </a:rPr>
-              <a:t>set</a:t>
-            </a:r>
-            <a:r>
-              <a:rPr lang="en-US" spc="-10" dirty="0">
-                <a:cs typeface="Arial"/>
-              </a:rPr>
-              <a:t> </a:t>
-            </a:r>
-            <a:r>
-              <a:rPr lang="en-US" dirty="0">
-                <a:cs typeface="Arial"/>
-              </a:rPr>
-              <a:t>of</a:t>
-            </a:r>
-            <a:r>
-              <a:rPr lang="en-US" spc="-15" dirty="0">
-                <a:cs typeface="Arial"/>
-              </a:rPr>
-              <a:t> </a:t>
-            </a:r>
-            <a:r>
-              <a:rPr lang="en-US" dirty="0">
-                <a:cs typeface="Arial"/>
-              </a:rPr>
-              <a:t>nodes</a:t>
-            </a:r>
-            <a:r>
-              <a:rPr lang="en-US" spc="-10" dirty="0">
-                <a:cs typeface="Arial"/>
-              </a:rPr>
-              <a:t> </a:t>
-            </a:r>
-            <a:r>
-              <a:rPr lang="en-US" spc="-5" dirty="0">
-                <a:cs typeface="Arial"/>
-              </a:rPr>
-              <a:t>that</a:t>
-            </a:r>
-            <a:r>
-              <a:rPr lang="en-US" spc="-15" dirty="0">
-                <a:cs typeface="Arial"/>
-              </a:rPr>
-              <a:t> </a:t>
-            </a:r>
-            <a:r>
-              <a:rPr lang="en-US" dirty="0">
-                <a:cs typeface="Arial"/>
-              </a:rPr>
-              <a:t>are</a:t>
-            </a:r>
-            <a:r>
-              <a:rPr lang="en-US" spc="-5" dirty="0">
-                <a:cs typeface="Arial"/>
-              </a:rPr>
-              <a:t> </a:t>
-            </a:r>
-            <a:r>
-              <a:rPr lang="en-US" dirty="0">
-                <a:cs typeface="Arial"/>
-              </a:rPr>
-              <a:t>one</a:t>
-            </a:r>
-            <a:r>
-              <a:rPr lang="en-US" spc="-10" dirty="0">
-                <a:cs typeface="Arial"/>
-              </a:rPr>
-              <a:t> </a:t>
-            </a:r>
-            <a:r>
-              <a:rPr lang="en-US" dirty="0">
-                <a:cs typeface="Arial"/>
-              </a:rPr>
-              <a:t>edge</a:t>
-            </a:r>
-            <a:r>
-              <a:rPr lang="en-US" spc="-5" dirty="0">
-                <a:cs typeface="Arial"/>
-              </a:rPr>
-              <a:t> </a:t>
-            </a:r>
-            <a:r>
-              <a:rPr lang="en-US" dirty="0">
-                <a:cs typeface="Arial"/>
-              </a:rPr>
-              <a:t>away </a:t>
-            </a:r>
-            <a:r>
-              <a:rPr lang="en-US" spc="-655" dirty="0">
-                <a:cs typeface="Arial"/>
-              </a:rPr>
-              <a:t> </a:t>
-            </a:r>
-            <a:r>
-              <a:rPr lang="en-US" spc="-5" dirty="0">
-                <a:cs typeface="Arial"/>
-              </a:rPr>
-              <a:t>from</a:t>
-            </a:r>
-            <a:r>
-              <a:rPr lang="en-US" spc="-10" dirty="0">
-                <a:cs typeface="Arial"/>
-              </a:rPr>
-              <a:t> </a:t>
-            </a:r>
-            <a:r>
-              <a:rPr lang="en-US" spc="-5" dirty="0">
-                <a:cs typeface="Arial"/>
-              </a:rPr>
-              <a:t>the</a:t>
-            </a:r>
-            <a:r>
-              <a:rPr lang="en-US" dirty="0">
-                <a:cs typeface="Arial"/>
-              </a:rPr>
-              <a:t> given node.</a:t>
-            </a:r>
-          </a:p>
-          <a:p>
-            <a:pPr marL="355600" marR="140970" indent="-342900">
-              <a:lnSpc>
-                <a:spcPts val="2820"/>
-              </a:lnSpc>
-              <a:spcBef>
-                <a:spcPts val="740"/>
-              </a:spcBef>
-              <a:tabLst>
-                <a:tab pos="354965" algn="l"/>
-                <a:tab pos="355600" algn="l"/>
-              </a:tabLst>
-            </a:pPr>
-            <a:r>
-              <a:rPr lang="en-US" spc="-5" dirty="0">
-                <a:cs typeface="Arial"/>
-              </a:rPr>
-              <a:t>This </a:t>
-            </a:r>
-            <a:r>
-              <a:rPr lang="en-US" dirty="0">
-                <a:cs typeface="Arial"/>
-              </a:rPr>
-              <a:t>can be </a:t>
-            </a:r>
-            <a:r>
-              <a:rPr lang="en-US" spc="-5" dirty="0">
-                <a:cs typeface="Arial"/>
-              </a:rPr>
-              <a:t>extended to </a:t>
-            </a:r>
-            <a:r>
-              <a:rPr lang="en-US" dirty="0">
-                <a:cs typeface="Arial"/>
-              </a:rPr>
-              <a:t>larger </a:t>
-            </a:r>
-            <a:r>
-              <a:rPr lang="en-US" spc="-5" dirty="0">
-                <a:cs typeface="Arial"/>
-              </a:rPr>
-              <a:t>sets </a:t>
-            </a:r>
-            <a:r>
-              <a:rPr lang="en-US" dirty="0">
-                <a:cs typeface="Arial"/>
-              </a:rPr>
-              <a:t>by choosing </a:t>
-            </a:r>
-            <a:r>
-              <a:rPr lang="en-US" spc="-655" dirty="0">
-                <a:cs typeface="Arial"/>
-              </a:rPr>
-              <a:t> </a:t>
-            </a:r>
-            <a:r>
-              <a:rPr lang="en-US" dirty="0">
-                <a:cs typeface="Arial"/>
-              </a:rPr>
-              <a:t>larger</a:t>
-            </a:r>
-            <a:r>
-              <a:rPr lang="en-US" spc="-10" dirty="0">
-                <a:cs typeface="Arial"/>
-              </a:rPr>
-              <a:t> </a:t>
-            </a:r>
-            <a:r>
-              <a:rPr lang="en-US" dirty="0">
-                <a:cs typeface="Arial"/>
-              </a:rPr>
-              <a:t>values</a:t>
-            </a:r>
-            <a:r>
-              <a:rPr lang="en-US" spc="-5" dirty="0">
-                <a:cs typeface="Arial"/>
-              </a:rPr>
-              <a:t> for</a:t>
-            </a:r>
-            <a:r>
-              <a:rPr lang="en-US" spc="-10" dirty="0">
-                <a:cs typeface="Arial"/>
-              </a:rPr>
-              <a:t> </a:t>
-            </a:r>
-            <a:r>
-              <a:rPr lang="en-US" spc="-5" dirty="0">
-                <a:cs typeface="Arial"/>
-              </a:rPr>
-              <a:t>the</a:t>
-            </a:r>
-            <a:r>
-              <a:rPr lang="en-US" dirty="0">
-                <a:cs typeface="Arial"/>
-              </a:rPr>
-              <a:t> radius.</a:t>
-            </a:r>
-          </a:p>
-          <a:p>
-            <a:pPr marL="355600" indent="-342900">
-              <a:lnSpc>
-                <a:spcPct val="100000"/>
-              </a:lnSpc>
-              <a:spcBef>
-                <a:spcPts val="520"/>
-              </a:spcBef>
-              <a:tabLst>
-                <a:tab pos="354965" algn="l"/>
-                <a:tab pos="355600" algn="l"/>
-              </a:tabLst>
-            </a:pPr>
-            <a:r>
-              <a:rPr lang="en-US" spc="-5" dirty="0">
-                <a:cs typeface="Arial"/>
-              </a:rPr>
-              <a:t>Stub</a:t>
-            </a:r>
-            <a:r>
-              <a:rPr lang="en-US" spc="-15" dirty="0">
-                <a:cs typeface="Arial"/>
-              </a:rPr>
-              <a:t> </a:t>
-            </a:r>
-            <a:r>
-              <a:rPr lang="en-US" dirty="0">
-                <a:cs typeface="Arial"/>
-              </a:rPr>
-              <a:t>and</a:t>
-            </a:r>
-            <a:r>
-              <a:rPr lang="en-US" spc="-10" dirty="0">
-                <a:cs typeface="Arial"/>
-              </a:rPr>
-              <a:t> </a:t>
-            </a:r>
-            <a:r>
-              <a:rPr lang="en-US" dirty="0">
-                <a:cs typeface="Arial"/>
-              </a:rPr>
-              <a:t>driver</a:t>
-            </a:r>
-            <a:r>
-              <a:rPr lang="en-US" spc="-15" dirty="0">
-                <a:cs typeface="Arial"/>
-              </a:rPr>
-              <a:t> </a:t>
-            </a:r>
-            <a:r>
-              <a:rPr lang="en-US" spc="-5" dirty="0">
-                <a:cs typeface="Arial"/>
-              </a:rPr>
-              <a:t>effort</a:t>
-            </a:r>
-            <a:r>
-              <a:rPr lang="en-US" spc="-15" dirty="0">
-                <a:cs typeface="Arial"/>
-              </a:rPr>
-              <a:t> </a:t>
-            </a:r>
-            <a:r>
-              <a:rPr lang="en-US" dirty="0">
-                <a:cs typeface="Arial"/>
-              </a:rPr>
-              <a:t>is</a:t>
-            </a:r>
-            <a:r>
-              <a:rPr lang="en-US" spc="-15" dirty="0">
-                <a:cs typeface="Arial"/>
-              </a:rPr>
-              <a:t> </a:t>
-            </a:r>
-            <a:r>
-              <a:rPr lang="en-US" dirty="0">
-                <a:cs typeface="Arial"/>
-              </a:rPr>
-              <a:t>reduced.</a:t>
-            </a:r>
-          </a:p>
-          <a:p>
-            <a:endParaRPr lang="en-US" dirty="0"/>
-          </a:p>
-        </p:txBody>
-      </p:sp>
-      <p:sp>
-        <p:nvSpPr>
-          <p:cNvPr id="4" name="Slide Number Placeholder 3"/>
-          <p:cNvSpPr>
-            <a:spLocks noGrp="1"/>
-          </p:cNvSpPr>
-          <p:nvPr>
-            <p:ph type="sldNum" sz="quarter" idx="12"/>
-          </p:nvPr>
-        </p:nvSpPr>
-        <p:spPr/>
-        <p:txBody>
-          <a:bodyPr/>
-          <a:lstStyle/>
-          <a:p>
-            <a:fld id="{B543A0FD-1CA6-4228-86A2-78061B4844C8}" type="slidenum">
-              <a:rPr lang="en-US" smtClean="0"/>
-              <a:t>53</a:t>
-            </a:fld>
-            <a:endParaRPr lang="en-US"/>
-          </a:p>
-        </p:txBody>
-      </p:sp>
-    </p:spTree>
-    <p:extLst>
-      <p:ext uri="{BB962C8B-B14F-4D97-AF65-F5344CB8AC3E}">
-        <p14:creationId xmlns:p14="http://schemas.microsoft.com/office/powerpoint/2010/main" val="2008144431"/>
-      </p:ext>
-    </p:extLst>
-  </p:cSld>
-  <p:clrMapOvr>
-    <a:masterClrMapping/>
-  </p:clrMapOvr>
-</p:sld>
-</file>
-
 <file path=ppt/slides/slide54.xml><?xml version="1.0" encoding="utf-8"?>
 <p:sld xmlns:a="http://schemas.openxmlformats.org/drawingml/2006/main" xmlns:r="http://schemas.openxmlformats.org/officeDocument/2006/relationships" xmlns:p="http://schemas.openxmlformats.org/presentationml/2006/main">
   <p:cSld>
@@ -44945,7 +44989,7 @@
           <a:p>
             <a:r>
               <a:rPr lang="en-US" dirty="0"/>
-              <a:t>Two Neighborhoods (radius = 1)</a:t>
+              <a:t>Neighborhood Integration</a:t>
             </a:r>
           </a:p>
         </p:txBody>
@@ -44965,7 +45009,367 @@
           <a:bodyPr/>
           <a:lstStyle/>
           <a:p>
-            <a:endParaRPr lang="en-US"/>
+            <a:pPr marL="355600" marR="5080" indent="-342900">
+              <a:lnSpc>
+                <a:spcPct val="99000"/>
+              </a:lnSpc>
+              <a:spcBef>
+                <a:spcPts val="125"/>
+              </a:spcBef>
+              <a:tabLst>
+                <a:tab pos="354965" algn="l"/>
+                <a:tab pos="355600" algn="l"/>
+              </a:tabLst>
+            </a:pPr>
+            <a:r>
+              <a:rPr lang="en-US" spc="-5" dirty="0">
+                <a:cs typeface="Arial"/>
+              </a:rPr>
+              <a:t>The </a:t>
+            </a:r>
+            <a:r>
+              <a:rPr lang="en-US" dirty="0">
+                <a:cs typeface="Arial"/>
+              </a:rPr>
+              <a:t>neighborhood (or radius 1) of a node in a </a:t>
+            </a:r>
+            <a:r>
+              <a:rPr lang="en-US" dirty="0" smtClean="0">
+                <a:cs typeface="Arial"/>
+              </a:rPr>
+              <a:t>graph</a:t>
+            </a:r>
+            <a:r>
+              <a:rPr lang="en-US" spc="-10" dirty="0" smtClean="0">
+                <a:cs typeface="Arial"/>
+              </a:rPr>
+              <a:t> </a:t>
+            </a:r>
+            <a:r>
+              <a:rPr lang="en-US" dirty="0">
+                <a:cs typeface="Arial"/>
+              </a:rPr>
+              <a:t>is</a:t>
+            </a:r>
+            <a:r>
+              <a:rPr lang="en-US" spc="-10" dirty="0">
+                <a:cs typeface="Arial"/>
+              </a:rPr>
+              <a:t> </a:t>
+            </a:r>
+            <a:r>
+              <a:rPr lang="en-US" spc="-5" dirty="0">
+                <a:cs typeface="Arial"/>
+              </a:rPr>
+              <a:t>the</a:t>
+            </a:r>
+            <a:r>
+              <a:rPr lang="en-US" spc="-10" dirty="0">
+                <a:cs typeface="Arial"/>
+              </a:rPr>
+              <a:t> </a:t>
+            </a:r>
+            <a:r>
+              <a:rPr lang="en-US" dirty="0">
+                <a:cs typeface="Arial"/>
+              </a:rPr>
+              <a:t>set</a:t>
+            </a:r>
+            <a:r>
+              <a:rPr lang="en-US" spc="-10" dirty="0">
+                <a:cs typeface="Arial"/>
+              </a:rPr>
+              <a:t> </a:t>
+            </a:r>
+            <a:r>
+              <a:rPr lang="en-US" dirty="0">
+                <a:cs typeface="Arial"/>
+              </a:rPr>
+              <a:t>of</a:t>
+            </a:r>
+            <a:r>
+              <a:rPr lang="en-US" spc="-15" dirty="0">
+                <a:cs typeface="Arial"/>
+              </a:rPr>
+              <a:t> </a:t>
+            </a:r>
+            <a:r>
+              <a:rPr lang="en-US" dirty="0">
+                <a:cs typeface="Arial"/>
+              </a:rPr>
+              <a:t>nodes</a:t>
+            </a:r>
+            <a:r>
+              <a:rPr lang="en-US" spc="-10" dirty="0">
+                <a:cs typeface="Arial"/>
+              </a:rPr>
+              <a:t> </a:t>
+            </a:r>
+            <a:r>
+              <a:rPr lang="en-US" spc="-5" dirty="0">
+                <a:cs typeface="Arial"/>
+              </a:rPr>
+              <a:t>that</a:t>
+            </a:r>
+            <a:r>
+              <a:rPr lang="en-US" spc="-15" dirty="0">
+                <a:cs typeface="Arial"/>
+              </a:rPr>
+              <a:t> </a:t>
+            </a:r>
+            <a:r>
+              <a:rPr lang="en-US" dirty="0">
+                <a:cs typeface="Arial"/>
+              </a:rPr>
+              <a:t>are</a:t>
+            </a:r>
+            <a:r>
+              <a:rPr lang="en-US" spc="-5" dirty="0">
+                <a:cs typeface="Arial"/>
+              </a:rPr>
+              <a:t> </a:t>
+            </a:r>
+            <a:r>
+              <a:rPr lang="en-US" dirty="0">
+                <a:cs typeface="Arial"/>
+              </a:rPr>
+              <a:t>one</a:t>
+            </a:r>
+            <a:r>
+              <a:rPr lang="en-US" spc="-10" dirty="0">
+                <a:cs typeface="Arial"/>
+              </a:rPr>
+              <a:t> </a:t>
+            </a:r>
+            <a:r>
+              <a:rPr lang="en-US" dirty="0">
+                <a:cs typeface="Arial"/>
+              </a:rPr>
+              <a:t>edge</a:t>
+            </a:r>
+            <a:r>
+              <a:rPr lang="en-US" spc="-5" dirty="0">
+                <a:cs typeface="Arial"/>
+              </a:rPr>
+              <a:t> </a:t>
+            </a:r>
+            <a:r>
+              <a:rPr lang="en-US" dirty="0">
+                <a:cs typeface="Arial"/>
+              </a:rPr>
+              <a:t>away </a:t>
+            </a:r>
+            <a:r>
+              <a:rPr lang="en-US" spc="-655" dirty="0">
+                <a:cs typeface="Arial"/>
+              </a:rPr>
+              <a:t> </a:t>
+            </a:r>
+            <a:r>
+              <a:rPr lang="en-US" spc="-5" dirty="0">
+                <a:cs typeface="Arial"/>
+              </a:rPr>
+              <a:t>from</a:t>
+            </a:r>
+            <a:r>
+              <a:rPr lang="en-US" spc="-10" dirty="0">
+                <a:cs typeface="Arial"/>
+              </a:rPr>
+              <a:t> </a:t>
+            </a:r>
+            <a:r>
+              <a:rPr lang="en-US" spc="-5" dirty="0">
+                <a:cs typeface="Arial"/>
+              </a:rPr>
+              <a:t>the</a:t>
+            </a:r>
+            <a:r>
+              <a:rPr lang="en-US" dirty="0">
+                <a:cs typeface="Arial"/>
+              </a:rPr>
+              <a:t> given node.</a:t>
+            </a:r>
+          </a:p>
+          <a:p>
+            <a:pPr marL="355600" marR="140970" indent="-342900">
+              <a:lnSpc>
+                <a:spcPts val="2820"/>
+              </a:lnSpc>
+              <a:spcBef>
+                <a:spcPts val="740"/>
+              </a:spcBef>
+              <a:tabLst>
+                <a:tab pos="354965" algn="l"/>
+                <a:tab pos="355600" algn="l"/>
+              </a:tabLst>
+            </a:pPr>
+            <a:r>
+              <a:rPr lang="en-US" spc="-5" dirty="0">
+                <a:cs typeface="Arial"/>
+              </a:rPr>
+              <a:t>This </a:t>
+            </a:r>
+            <a:r>
+              <a:rPr lang="en-US" dirty="0">
+                <a:cs typeface="Arial"/>
+              </a:rPr>
+              <a:t>can be </a:t>
+            </a:r>
+            <a:r>
+              <a:rPr lang="en-US" spc="-5" dirty="0">
+                <a:cs typeface="Arial"/>
+              </a:rPr>
+              <a:t>extended to </a:t>
+            </a:r>
+            <a:r>
+              <a:rPr lang="en-US" dirty="0">
+                <a:cs typeface="Arial"/>
+              </a:rPr>
+              <a:t>larger </a:t>
+            </a:r>
+            <a:r>
+              <a:rPr lang="en-US" spc="-5" dirty="0">
+                <a:cs typeface="Arial"/>
+              </a:rPr>
+              <a:t>sets </a:t>
+            </a:r>
+            <a:r>
+              <a:rPr lang="en-US" dirty="0">
+                <a:cs typeface="Arial"/>
+              </a:rPr>
+              <a:t>by choosing </a:t>
+            </a:r>
+            <a:r>
+              <a:rPr lang="en-US" spc="-655" dirty="0">
+                <a:cs typeface="Arial"/>
+              </a:rPr>
+              <a:t> </a:t>
+            </a:r>
+            <a:r>
+              <a:rPr lang="en-US" dirty="0">
+                <a:cs typeface="Arial"/>
+              </a:rPr>
+              <a:t>larger</a:t>
+            </a:r>
+            <a:r>
+              <a:rPr lang="en-US" spc="-10" dirty="0">
+                <a:cs typeface="Arial"/>
+              </a:rPr>
+              <a:t> </a:t>
+            </a:r>
+            <a:r>
+              <a:rPr lang="en-US" dirty="0">
+                <a:cs typeface="Arial"/>
+              </a:rPr>
+              <a:t>values</a:t>
+            </a:r>
+            <a:r>
+              <a:rPr lang="en-US" spc="-5" dirty="0">
+                <a:cs typeface="Arial"/>
+              </a:rPr>
+              <a:t> for</a:t>
+            </a:r>
+            <a:r>
+              <a:rPr lang="en-US" spc="-10" dirty="0">
+                <a:cs typeface="Arial"/>
+              </a:rPr>
+              <a:t> </a:t>
+            </a:r>
+            <a:r>
+              <a:rPr lang="en-US" spc="-5" dirty="0">
+                <a:cs typeface="Arial"/>
+              </a:rPr>
+              <a:t>the</a:t>
+            </a:r>
+            <a:r>
+              <a:rPr lang="en-US" dirty="0">
+                <a:cs typeface="Arial"/>
+              </a:rPr>
+              <a:t> radius.</a:t>
+            </a:r>
+          </a:p>
+          <a:p>
+            <a:pPr marL="355600" indent="-342900">
+              <a:lnSpc>
+                <a:spcPct val="100000"/>
+              </a:lnSpc>
+              <a:spcBef>
+                <a:spcPts val="520"/>
+              </a:spcBef>
+              <a:tabLst>
+                <a:tab pos="354965" algn="l"/>
+                <a:tab pos="355600" algn="l"/>
+              </a:tabLst>
+            </a:pPr>
+            <a:r>
+              <a:rPr lang="en-US" spc="-5" dirty="0">
+                <a:cs typeface="Arial"/>
+              </a:rPr>
+              <a:t>Stub</a:t>
+            </a:r>
+            <a:r>
+              <a:rPr lang="en-US" spc="-15" dirty="0">
+                <a:cs typeface="Arial"/>
+              </a:rPr>
+              <a:t> </a:t>
+            </a:r>
+            <a:r>
+              <a:rPr lang="en-US" dirty="0">
+                <a:cs typeface="Arial"/>
+              </a:rPr>
+              <a:t>and</a:t>
+            </a:r>
+            <a:r>
+              <a:rPr lang="en-US" spc="-10" dirty="0">
+                <a:cs typeface="Arial"/>
+              </a:rPr>
+              <a:t> </a:t>
+            </a:r>
+            <a:r>
+              <a:rPr lang="en-US" dirty="0">
+                <a:cs typeface="Arial"/>
+              </a:rPr>
+              <a:t>driver</a:t>
+            </a:r>
+            <a:r>
+              <a:rPr lang="en-US" spc="-15" dirty="0">
+                <a:cs typeface="Arial"/>
+              </a:rPr>
+              <a:t> </a:t>
+            </a:r>
+            <a:r>
+              <a:rPr lang="en-US" spc="-5" dirty="0">
+                <a:cs typeface="Arial"/>
+              </a:rPr>
+              <a:t>effort</a:t>
+            </a:r>
+            <a:r>
+              <a:rPr lang="en-US" spc="-15" dirty="0">
+                <a:cs typeface="Arial"/>
+              </a:rPr>
+              <a:t> </a:t>
+            </a:r>
+            <a:r>
+              <a:rPr lang="en-US" dirty="0">
+                <a:cs typeface="Arial"/>
+              </a:rPr>
+              <a:t>is</a:t>
+            </a:r>
+            <a:r>
+              <a:rPr lang="en-US" spc="-15" dirty="0">
+                <a:cs typeface="Arial"/>
+              </a:rPr>
+              <a:t> </a:t>
+            </a:r>
+            <a:r>
+              <a:rPr lang="en-US" dirty="0">
+                <a:cs typeface="Arial"/>
+              </a:rPr>
+              <a:t>reduced.</a:t>
+            </a:r>
+          </a:p>
+          <a:p>
+            <a:endParaRPr lang="en-US" dirty="0"/>
           </a:p>
         </p:txBody>
       </p:sp>
@@ -44987,6 +45391,100 @@
             <a:fld id="{B543A0FD-1CA6-4228-86A2-78061B4844C8}" type="slidenum">
               <a:rPr lang="en-US" smtClean="0"/>
               <a:t>54</a:t>
+            </a:fld>
+            <a:endParaRPr lang="en-US"/>
+          </a:p>
+        </p:txBody>
+      </p:sp>
+    </p:spTree>
+    <p:extLst>
+      <p:ext uri="{BB962C8B-B14F-4D97-AF65-F5344CB8AC3E}">
+        <p14:creationId xmlns:p14="http://schemas.microsoft.com/office/powerpoint/2010/main" val="2008144431"/>
+      </p:ext>
+    </p:extLst>
+  </p:cSld>
+  <p:clrMapOvr>
+    <a:masterClrMapping/>
+  </p:clrMapOvr>
+</p:sld>
+</file>
+
+<file path=ppt/slides/slide55.xml><?xml version="1.0" encoding="utf-8"?>
+<p:sld xmlns:a="http://schemas.openxmlformats.org/drawingml/2006/main" xmlns:r="http://schemas.openxmlformats.org/officeDocument/2006/relationships" xmlns:p="http://schemas.openxmlformats.org/presentationml/2006/main">
+  <p:cSld>
+    <p:spTree>
+      <p:nvGrpSpPr>
+        <p:cNvPr id="1" name=""/>
+        <p:cNvGrpSpPr/>
+        <p:nvPr/>
+      </p:nvGrpSpPr>
+      <p:grpSpPr>
+        <a:xfrm>
+          <a:off x="0" y="0"/>
+          <a:ext cx="0" cy="0"/>
+          <a:chOff x="0" y="0"/>
+          <a:chExt cx="0" cy="0"/>
+        </a:xfrm>
+      </p:grpSpPr>
+      <p:sp>
+        <p:nvSpPr>
+          <p:cNvPr id="2" name="Title 1"/>
+          <p:cNvSpPr>
+            <a:spLocks noGrp="1"/>
+          </p:cNvSpPr>
+          <p:nvPr>
+            <p:ph type="title"/>
+          </p:nvPr>
+        </p:nvSpPr>
+        <p:spPr/>
+        <p:txBody>
+          <a:bodyPr/>
+          <a:lstStyle/>
+          <a:p>
+            <a:r>
+              <a:rPr lang="en-US" dirty="0"/>
+              <a:t>Two Neighborhoods (radius = 1)</a:t>
+            </a:r>
+          </a:p>
+        </p:txBody>
+      </p:sp>
+      <p:sp>
+        <p:nvSpPr>
+          <p:cNvPr id="3" name="Content Placeholder 2"/>
+          <p:cNvSpPr>
+            <a:spLocks noGrp="1"/>
+          </p:cNvSpPr>
+          <p:nvPr>
+            <p:ph idx="1"/>
+          </p:nvPr>
+        </p:nvSpPr>
+        <p:spPr/>
+        <p:txBody>
+          <a:bodyPr/>
+          <a:lstStyle/>
+          <a:p>
+            <a:endParaRPr lang="en-US"/>
+          </a:p>
+        </p:txBody>
+      </p:sp>
+      <p:sp>
+        <p:nvSpPr>
+          <p:cNvPr id="4" name="Slide Number Placeholder 3"/>
+          <p:cNvSpPr>
+            <a:spLocks noGrp="1"/>
+          </p:cNvSpPr>
+          <p:nvPr>
+            <p:ph type="sldNum" sz="quarter" idx="12"/>
+          </p:nvPr>
+        </p:nvSpPr>
+        <p:spPr/>
+        <p:txBody>
+          <a:bodyPr/>
+          <a:lstStyle/>
+          <a:p>
+            <a:fld id="{B543A0FD-1CA6-4228-86A2-78061B4844C8}" type="slidenum">
+              <a:rPr lang="en-US" smtClean="0"/>
+              <a:t>55</a:t>
             </a:fld>
             <a:endParaRPr lang="en-US"/>
           </a:p>
@@ -45029,7 +45527,7 @@
 </p:sld>
 </file>
 
-<file path=ppt/slides/slide55.xml><?xml version="1.0" encoding="utf-8"?>
+<file path=ppt/slides/slide56.xml><?xml version="1.0" encoding="utf-8"?>
 <p:sld xmlns:a="http://schemas.openxmlformats.org/drawingml/2006/main" xmlns:r="http://schemas.openxmlformats.org/officeDocument/2006/relationships" xmlns:p="http://schemas.openxmlformats.org/presentationml/2006/main">
   <p:cSld>
     <p:spTree>
@@ -45104,7 +45602,7 @@
           <a:p>
             <a:fld id="{B543A0FD-1CA6-4228-86A2-78061B4844C8}" type="slidenum">
               <a:rPr lang="en-US" smtClean="0"/>
-              <a:t>55</a:t>
+              <a:t>56</a:t>
             </a:fld>
             <a:endParaRPr lang="en-US"/>
           </a:p>
@@ -45147,7 +45645,7 @@
 </p:sld>
 </file>
 
-<file path=ppt/slides/slide56.xml><?xml version="1.0" encoding="utf-8"?>
+<file path=ppt/slides/slide57.xml><?xml version="1.0" encoding="utf-8"?>
 <p:sld xmlns:a="http://schemas.openxmlformats.org/drawingml/2006/main" xmlns:r="http://schemas.openxmlformats.org/officeDocument/2006/relationships" xmlns:p="http://schemas.openxmlformats.org/presentationml/2006/main">
   <p:cSld>
     <p:spTree>
@@ -45181,7 +45679,7 @@
           <a:p>
             <a:fld id="{B543A0FD-1CA6-4228-86A2-78061B4844C8}" type="slidenum">
               <a:rPr lang="en-US" smtClean="0"/>
-              <a:t>56</a:t>
+              <a:t>57</a:t>
             </a:fld>
             <a:endParaRPr lang="en-US"/>
           </a:p>
@@ -49112,7 +49610,7 @@
 </p:sld>
 </file>
 
-<file path=ppt/slides/slide57.xml><?xml version="1.0" encoding="utf-8"?>
+<file path=ppt/slides/slide58.xml><?xml version="1.0" encoding="utf-8"?>
 <p:sld xmlns:a="http://schemas.openxmlformats.org/drawingml/2006/main" xmlns:r="http://schemas.openxmlformats.org/officeDocument/2006/relationships" xmlns:p="http://schemas.openxmlformats.org/presentationml/2006/main">
   <p:cSld>
     <p:spTree>
@@ -50420,7 +50918,7 @@
           <a:p>
             <a:fld id="{B543A0FD-1CA6-4228-86A2-78061B4844C8}" type="slidenum">
               <a:rPr lang="en-US" smtClean="0"/>
-              <a:t>57</a:t>
+              <a:t>58</a:t>
             </a:fld>
             <a:endParaRPr lang="en-US"/>
           </a:p>
@@ -50436,144 +50934,6 @@
   <p:clrMapOvr>
     <a:masterClrMapping/>
   </p:clrMapOvr>
-</p:sld>
-</file>
-
-<file path=ppt/slides/slide58.xml><?xml version="1.0" encoding="utf-8"?>
-<p:sld xmlns:a="http://schemas.openxmlformats.org/drawingml/2006/main" xmlns:r="http://schemas.openxmlformats.org/officeDocument/2006/relationships" xmlns:p="http://schemas.openxmlformats.org/presentationml/2006/main">
-  <p:cSld>
-    <p:spTree>
-      <p:nvGrpSpPr>
-        <p:cNvPr id="1" name=""/>
-        <p:cNvGrpSpPr/>
-        <p:nvPr/>
-      </p:nvGrpSpPr>
-      <p:grpSpPr>
-        <a:xfrm>
-          <a:off x="0" y="0"/>
-          <a:ext cx="0" cy="0"/>
-          <a:chOff x="0" y="0"/>
-          <a:chExt cx="0" cy="0"/>
-        </a:xfrm>
-      </p:grpSpPr>
-      <p:sp>
-        <p:nvSpPr>
-          <p:cNvPr id="21506" name="Rectangle 2"/>
-          <p:cNvSpPr>
-            <a:spLocks noGrp="1" noChangeArrowheads="1"/>
-          </p:cNvSpPr>
-          <p:nvPr>
-            <p:ph type="title"/>
-          </p:nvPr>
-        </p:nvSpPr>
-        <p:spPr/>
-        <p:txBody>
-          <a:bodyPr/>
-          <a:lstStyle/>
-          <a:p>
-            <a:r>
-              <a:rPr lang="en-GB" dirty="0" smtClean="0"/>
-              <a:t>Continuous</a:t>
-            </a:r>
-            <a:r>
-              <a:rPr lang="de-DE" dirty="0" smtClean="0"/>
-              <a:t> Testing</a:t>
-            </a:r>
-            <a:endParaRPr lang="de-DE" dirty="0"/>
-          </a:p>
-        </p:txBody>
-      </p:sp>
-      <p:sp>
-        <p:nvSpPr>
-          <p:cNvPr id="21507" name="Rectangle 3"/>
-          <p:cNvSpPr>
-            <a:spLocks noGrp="1" noChangeArrowheads="1"/>
-          </p:cNvSpPr>
-          <p:nvPr>
-            <p:ph type="body" idx="1"/>
-          </p:nvPr>
-        </p:nvSpPr>
-        <p:spPr/>
-        <p:txBody>
-          <a:bodyPr>
-            <a:normAutofit/>
-          </a:bodyPr>
-          <a:lstStyle/>
-          <a:p>
-            <a:r>
-              <a:rPr lang="en-US" dirty="0"/>
-              <a:t>Continuous </a:t>
-            </a:r>
-            <a:r>
-              <a:rPr lang="en-US" dirty="0" smtClean="0"/>
-              <a:t>Integration is a software </a:t>
-            </a:r>
-            <a:r>
-              <a:rPr lang="en-US" dirty="0"/>
-              <a:t>development </a:t>
-            </a:r>
-            <a:r>
-              <a:rPr lang="en-US" dirty="0" smtClean="0"/>
-              <a:t>practice </a:t>
-            </a:r>
-            <a:r>
-              <a:rPr lang="en-US" dirty="0"/>
-              <a:t>where members of a team integrate their work frequently, usually each person integrates at least daily - leading to multiple integrations per day. </a:t>
-            </a:r>
-            <a:endParaRPr lang="en-US" dirty="0" smtClean="0"/>
-          </a:p>
-          <a:p>
-            <a:endParaRPr lang="en-US" dirty="0"/>
-          </a:p>
-          <a:p>
-            <a:r>
-              <a:rPr lang="en-US" dirty="0"/>
-              <a:t>Each integration is verified by an automated build (including test) to detect integration errors as quickly as possible. </a:t>
-            </a:r>
-            <a:endParaRPr lang="en-GB" dirty="0"/>
-          </a:p>
-        </p:txBody>
-      </p:sp>
-      <p:sp>
-        <p:nvSpPr>
-          <p:cNvPr id="2" name="Slide Number Placeholder 1"/>
-          <p:cNvSpPr>
-            <a:spLocks noGrp="1"/>
-          </p:cNvSpPr>
-          <p:nvPr>
-            <p:ph type="sldNum" sz="quarter" idx="12"/>
-          </p:nvPr>
-        </p:nvSpPr>
-        <p:spPr/>
-        <p:txBody>
-          <a:bodyPr/>
-          <a:lstStyle/>
-          <a:p>
-            <a:fld id="{B543A0FD-1CA6-4228-86A2-78061B4844C8}" type="slidenum">
-              <a:rPr lang="en-US" smtClean="0"/>
-              <a:t>58</a:t>
-            </a:fld>
-            <a:endParaRPr lang="en-US"/>
-          </a:p>
-        </p:txBody>
-      </p:sp>
-    </p:spTree>
-    <p:extLst>
-      <p:ext uri="{BB962C8B-B14F-4D97-AF65-F5344CB8AC3E}">
-        <p14:creationId xmlns:p14="http://schemas.microsoft.com/office/powerpoint/2010/main" val="3080587361"/>
-      </p:ext>
-    </p:extLst>
-  </p:cSld>
-  <p:clrMapOvr>
-    <a:masterClrMapping/>
-  </p:clrMapOvr>
-  <p:timing>
-    <p:tnLst>
-      <p:par>
-        <p:cTn id="1" dur="indefinite" restart="never" nodeType="tmRoot"/>
-      </p:par>
-    </p:tnLst>
-  </p:timing>
 </p:sld>
 </file>
 
@@ -50639,82 +50999,34 @@
           <a:lstStyle/>
           <a:p>
             <a:r>
-              <a:rPr lang="en-GB" dirty="0" smtClean="0"/>
-              <a:t>Continuous build:</a:t>
-            </a:r>
-          </a:p>
-          <a:p>
-            <a:pPr lvl="1"/>
-            <a:r>
-              <a:rPr lang="en-GB" dirty="0" smtClean="0"/>
-              <a:t>Build from day one</a:t>
-            </a:r>
-          </a:p>
-          <a:p>
-            <a:pPr lvl="1"/>
-            <a:r>
-              <a:rPr lang="en-GB" dirty="0" smtClean="0"/>
-              <a:t>Test from day one</a:t>
-            </a:r>
-          </a:p>
-          <a:p>
-            <a:pPr lvl="1"/>
-            <a:r>
-              <a:rPr lang="en-GB" dirty="0" smtClean="0"/>
-              <a:t>Integrate from day one</a:t>
-            </a:r>
-          </a:p>
-          <a:p>
-            <a:pPr lvl="1"/>
-            <a:r>
-              <a:rPr lang="en-GB" altLang="ja-JP" dirty="0" smtClean="0"/>
-              <a:t>System is always runnable</a:t>
-            </a:r>
-            <a:endParaRPr lang="en-GB" dirty="0" smtClean="0"/>
-          </a:p>
-          <a:p>
-            <a:r>
-              <a:rPr lang="en-GB" dirty="0" smtClean="0"/>
-              <a:t>Requires integrated tool support:</a:t>
-            </a:r>
-          </a:p>
-          <a:p>
-            <a:pPr lvl="1"/>
-            <a:r>
-              <a:rPr lang="en-GB" dirty="0" smtClean="0"/>
-              <a:t>Continuous build server</a:t>
-            </a:r>
-          </a:p>
-          <a:p>
-            <a:pPr lvl="1"/>
-            <a:r>
-              <a:rPr lang="en-GB" dirty="0" smtClean="0"/>
-              <a:t>Automated tests with high coverage</a:t>
-            </a:r>
-          </a:p>
-          <a:p>
-            <a:pPr lvl="1"/>
-            <a:r>
-              <a:rPr lang="en-GB" dirty="0" smtClean="0"/>
-              <a:t>Tool supported refactoring</a:t>
-            </a:r>
-          </a:p>
-          <a:p>
-            <a:pPr lvl="1"/>
-            <a:r>
-              <a:rPr lang="en-GB" dirty="0" smtClean="0"/>
-              <a:t>Software configuration management</a:t>
-            </a:r>
-          </a:p>
-          <a:p>
-            <a:pPr lvl="1"/>
-            <a:r>
-              <a:rPr lang="en-GB" dirty="0" smtClean="0"/>
-              <a:t>Issue </a:t>
-            </a:r>
-            <a:r>
-              <a:rPr lang="en-GB" dirty="0" smtClean="0"/>
-              <a:t>tracking</a:t>
+              <a:rPr lang="en-US" dirty="0"/>
+              <a:t>Continuous </a:t>
+            </a:r>
+            <a:r>
+              <a:rPr lang="en-US" dirty="0" smtClean="0"/>
+              <a:t>Integration is a software </a:t>
+            </a:r>
+            <a:r>
+              <a:rPr lang="en-US" dirty="0"/>
+              <a:t>development </a:t>
+            </a:r>
+            <a:r>
+              <a:rPr lang="en-US" dirty="0" smtClean="0"/>
+              <a:t>practice </a:t>
+            </a:r>
+            <a:r>
+              <a:rPr lang="en-US" dirty="0"/>
+              <a:t>where members of a team integrate their work frequently, usually each person integrates at least daily - leading to multiple integrations per day. </a:t>
+            </a:r>
+            <a:endParaRPr lang="en-US" dirty="0" smtClean="0"/>
+          </a:p>
+          <a:p>
+            <a:endParaRPr lang="en-US" dirty="0"/>
+          </a:p>
+          <a:p>
+            <a:r>
+              <a:rPr lang="en-US" dirty="0"/>
+              <a:t>Each integration is verified by an automated build (including test) to detect integration errors as quickly as possible. </a:t>
             </a:r>
             <a:endParaRPr lang="en-GB" dirty="0"/>
           </a:p>
@@ -50746,7 +51058,7 @@
     </p:spTree>
     <p:extLst>
       <p:ext uri="{BB962C8B-B14F-4D97-AF65-F5344CB8AC3E}">
-        <p14:creationId xmlns:p14="http://schemas.microsoft.com/office/powerpoint/2010/main" val="3530651616"/>
+        <p14:creationId xmlns:p14="http://schemas.microsoft.com/office/powerpoint/2010/main" val="3080587361"/>
       </p:ext>
     </p:extLst>
   </p:cSld>
@@ -50983,6 +51295,188 @@
       </p:grpSpPr>
       <p:sp>
         <p:nvSpPr>
+          <p:cNvPr id="21506" name="Rectangle 2"/>
+          <p:cNvSpPr>
+            <a:spLocks noGrp="1" noChangeArrowheads="1"/>
+          </p:cNvSpPr>
+          <p:nvPr>
+            <p:ph type="title"/>
+          </p:nvPr>
+        </p:nvSpPr>
+        <p:spPr/>
+        <p:txBody>
+          <a:bodyPr/>
+          <a:lstStyle/>
+          <a:p>
+            <a:r>
+              <a:rPr lang="en-GB" dirty="0" smtClean="0"/>
+              <a:t>Continuous</a:t>
+            </a:r>
+            <a:r>
+              <a:rPr lang="de-DE" dirty="0" smtClean="0"/>
+              <a:t> Testing</a:t>
+            </a:r>
+            <a:endParaRPr lang="de-DE" dirty="0"/>
+          </a:p>
+        </p:txBody>
+      </p:sp>
+      <p:sp>
+        <p:nvSpPr>
+          <p:cNvPr id="21507" name="Rectangle 3"/>
+          <p:cNvSpPr>
+            <a:spLocks noGrp="1" noChangeArrowheads="1"/>
+          </p:cNvSpPr>
+          <p:nvPr>
+            <p:ph type="body" idx="1"/>
+          </p:nvPr>
+        </p:nvSpPr>
+        <p:spPr/>
+        <p:txBody>
+          <a:bodyPr>
+            <a:normAutofit/>
+          </a:bodyPr>
+          <a:lstStyle/>
+          <a:p>
+            <a:r>
+              <a:rPr lang="en-GB" dirty="0" smtClean="0"/>
+              <a:t>Continuous build:</a:t>
+            </a:r>
+          </a:p>
+          <a:p>
+            <a:pPr lvl="1"/>
+            <a:r>
+              <a:rPr lang="en-GB" dirty="0" smtClean="0"/>
+              <a:t>Build from day one</a:t>
+            </a:r>
+          </a:p>
+          <a:p>
+            <a:pPr lvl="1"/>
+            <a:r>
+              <a:rPr lang="en-GB" dirty="0" smtClean="0"/>
+              <a:t>Test from day one</a:t>
+            </a:r>
+          </a:p>
+          <a:p>
+            <a:pPr lvl="1"/>
+            <a:r>
+              <a:rPr lang="en-GB" dirty="0" smtClean="0"/>
+              <a:t>Integrate from day one</a:t>
+            </a:r>
+          </a:p>
+          <a:p>
+            <a:pPr lvl="1"/>
+            <a:r>
+              <a:rPr lang="en-GB" altLang="ja-JP" dirty="0" smtClean="0"/>
+              <a:t>System is always runnable</a:t>
+            </a:r>
+            <a:endParaRPr lang="en-GB" dirty="0" smtClean="0"/>
+          </a:p>
+          <a:p>
+            <a:r>
+              <a:rPr lang="en-GB" dirty="0" smtClean="0"/>
+              <a:t>Requires integrated tool support:</a:t>
+            </a:r>
+          </a:p>
+          <a:p>
+            <a:pPr lvl="1"/>
+            <a:r>
+              <a:rPr lang="en-GB" dirty="0" smtClean="0"/>
+              <a:t>Continuous build server</a:t>
+            </a:r>
+          </a:p>
+          <a:p>
+            <a:pPr lvl="1"/>
+            <a:r>
+              <a:rPr lang="en-GB" dirty="0" smtClean="0"/>
+              <a:t>Automated tests with high coverage</a:t>
+            </a:r>
+          </a:p>
+          <a:p>
+            <a:pPr lvl="1"/>
+            <a:r>
+              <a:rPr lang="en-GB" dirty="0" smtClean="0"/>
+              <a:t>Tool supported refactoring</a:t>
+            </a:r>
+          </a:p>
+          <a:p>
+            <a:pPr lvl="1"/>
+            <a:r>
+              <a:rPr lang="en-GB" dirty="0" smtClean="0"/>
+              <a:t>Software configuration management</a:t>
+            </a:r>
+          </a:p>
+          <a:p>
+            <a:pPr lvl="1"/>
+            <a:r>
+              <a:rPr lang="en-GB" dirty="0" smtClean="0"/>
+              <a:t>Issue tracking</a:t>
+            </a:r>
+            <a:endParaRPr lang="en-GB" dirty="0"/>
+          </a:p>
+        </p:txBody>
+      </p:sp>
+      <p:sp>
+        <p:nvSpPr>
+          <p:cNvPr id="2" name="Slide Number Placeholder 1"/>
+          <p:cNvSpPr>
+            <a:spLocks noGrp="1"/>
+          </p:cNvSpPr>
+          <p:nvPr>
+            <p:ph type="sldNum" sz="quarter" idx="12"/>
+          </p:nvPr>
+        </p:nvSpPr>
+        <p:spPr/>
+        <p:txBody>
+          <a:bodyPr/>
+          <a:lstStyle/>
+          <a:p>
+            <a:fld id="{B543A0FD-1CA6-4228-86A2-78061B4844C8}" type="slidenum">
+              <a:rPr lang="en-US" smtClean="0"/>
+              <a:t>60</a:t>
+            </a:fld>
+            <a:endParaRPr lang="en-US"/>
+          </a:p>
+        </p:txBody>
+      </p:sp>
+    </p:spTree>
+    <p:extLst>
+      <p:ext uri="{BB962C8B-B14F-4D97-AF65-F5344CB8AC3E}">
+        <p14:creationId xmlns:p14="http://schemas.microsoft.com/office/powerpoint/2010/main" val="3530651616"/>
+      </p:ext>
+    </p:extLst>
+  </p:cSld>
+  <p:clrMapOvr>
+    <a:masterClrMapping/>
+  </p:clrMapOvr>
+  <p:timing>
+    <p:tnLst>
+      <p:par>
+        <p:cTn id="1" dur="indefinite" restart="never" nodeType="tmRoot"/>
+      </p:par>
+    </p:tnLst>
+  </p:timing>
+</p:sld>
+</file>
+
+<file path=ppt/slides/slide61.xml><?xml version="1.0" encoding="utf-8"?>
+<p:sld xmlns:a="http://schemas.openxmlformats.org/drawingml/2006/main" xmlns:r="http://schemas.openxmlformats.org/officeDocument/2006/relationships" xmlns:p="http://schemas.openxmlformats.org/presentationml/2006/main">
+  <p:cSld>
+    <p:spTree>
+      <p:nvGrpSpPr>
+        <p:cNvPr id="1" name=""/>
+        <p:cNvGrpSpPr/>
+        <p:nvPr/>
+      </p:nvGrpSpPr>
+      <p:grpSpPr>
+        <a:xfrm>
+          <a:off x="0" y="0"/>
+          <a:ext cx="0" cy="0"/>
+          <a:chOff x="0" y="0"/>
+          <a:chExt cx="0" cy="0"/>
+        </a:xfrm>
+      </p:grpSpPr>
+      <p:sp>
+        <p:nvSpPr>
           <p:cNvPr id="239675" name="Rectangle 59"/>
           <p:cNvSpPr>
             <a:spLocks noChangeArrowheads="1"/>
@@ -51005,7 +51499,7 @@
           </a:ln>
           <a:extLst>
             <a:ext uri="{91240B29-F687-4f45-9708-019B960494DF}">
-              <a14:hiddenLine xmlns:a14="http://schemas.microsoft.com/office/drawing/2010/main" xmlns="" w="12700">
+              <a14:hiddenLine xmlns="" xmlns:a14="http://schemas.microsoft.com/office/drawing/2010/main" w="12700">
                 <a:solidFill>
                   <a:srgbClr val="000000"/>
                 </a:solidFill>
@@ -51048,7 +51542,7 @@
           </a:ln>
           <a:extLst>
             <a:ext uri="{91240B29-F687-4f45-9708-019B960494DF}">
-              <a14:hiddenLine xmlns:a14="http://schemas.microsoft.com/office/drawing/2010/main" xmlns="" w="12700">
+              <a14:hiddenLine xmlns="" xmlns:a14="http://schemas.microsoft.com/office/drawing/2010/main" w="12700">
                 <a:solidFill>
                   <a:srgbClr val="000000"/>
                 </a:solidFill>
@@ -51091,7 +51585,7 @@
           </a:ln>
           <a:extLst>
             <a:ext uri="{91240B29-F687-4f45-9708-019B960494DF}">
-              <a14:hiddenLine xmlns:a14="http://schemas.microsoft.com/office/drawing/2010/main" xmlns="" w="12700">
+              <a14:hiddenLine xmlns="" xmlns:a14="http://schemas.microsoft.com/office/drawing/2010/main" w="12700">
                 <a:solidFill>
                   <a:srgbClr val="000000"/>
                 </a:solidFill>
@@ -51134,7 +51628,7 @@
           </a:ln>
           <a:extLst>
             <a:ext uri="{91240B29-F687-4f45-9708-019B960494DF}">
-              <a14:hiddenLine xmlns:a14="http://schemas.microsoft.com/office/drawing/2010/main" xmlns="" w="12700">
+              <a14:hiddenLine xmlns="" xmlns:a14="http://schemas.microsoft.com/office/drawing/2010/main" w="12700">
                 <a:solidFill>
                   <a:srgbClr val="000000"/>
                 </a:solidFill>
@@ -51177,7 +51671,7 @@
           </a:ln>
           <a:extLst>
             <a:ext uri="{91240B29-F687-4f45-9708-019B960494DF}">
-              <a14:hiddenLine xmlns:a14="http://schemas.microsoft.com/office/drawing/2010/main" xmlns="" w="12700">
+              <a14:hiddenLine xmlns="" xmlns:a14="http://schemas.microsoft.com/office/drawing/2010/main" w="12700">
                 <a:solidFill>
                   <a:srgbClr val="000000"/>
                 </a:solidFill>
@@ -51220,7 +51714,7 @@
           </a:ln>
           <a:extLst>
             <a:ext uri="{91240B29-F687-4f45-9708-019B960494DF}">
-              <a14:hiddenLine xmlns:a14="http://schemas.microsoft.com/office/drawing/2010/main" xmlns="" w="12700">
+              <a14:hiddenLine xmlns="" xmlns:a14="http://schemas.microsoft.com/office/drawing/2010/main" w="12700">
                 <a:solidFill>
                   <a:srgbClr val="000000"/>
                 </a:solidFill>
@@ -51263,7 +51757,7 @@
           </a:ln>
           <a:extLst>
             <a:ext uri="{91240B29-F687-4f45-9708-019B960494DF}">
-              <a14:hiddenLine xmlns:a14="http://schemas.microsoft.com/office/drawing/2010/main" xmlns="" w="12700">
+              <a14:hiddenLine xmlns="" xmlns:a14="http://schemas.microsoft.com/office/drawing/2010/main" w="12700">
                 <a:solidFill>
                   <a:srgbClr val="000000"/>
                 </a:solidFill>
@@ -51309,7 +51803,7 @@
           </a:ln>
           <a:extLst>
             <a:ext uri="{909E8E84-426E-40dd-AFC4-6F175D3DCCD1}">
-              <a14:hiddenFill xmlns:a14="http://schemas.microsoft.com/office/drawing/2010/main" xmlns="">
+              <a14:hiddenFill xmlns="" xmlns:a14="http://schemas.microsoft.com/office/drawing/2010/main">
                 <a:solidFill>
                   <a:srgbClr val="FFFFFF"/>
                 </a:solidFill>
@@ -51363,7 +51857,7 @@
           </a:ln>
           <a:extLst>
             <a:ext uri="{909E8E84-426E-40dd-AFC4-6F175D3DCCD1}">
-              <a14:hiddenFill xmlns:a14="http://schemas.microsoft.com/office/drawing/2010/main" xmlns="">
+              <a14:hiddenFill xmlns="" xmlns:a14="http://schemas.microsoft.com/office/drawing/2010/main">
                 <a:solidFill>
                   <a:srgbClr val="FFFFFF"/>
                 </a:solidFill>
@@ -51417,7 +51911,7 @@
           </a:ln>
           <a:extLst>
             <a:ext uri="{909E8E84-426E-40dd-AFC4-6F175D3DCCD1}">
-              <a14:hiddenFill xmlns:a14="http://schemas.microsoft.com/office/drawing/2010/main" xmlns="">
+              <a14:hiddenFill xmlns="" xmlns:a14="http://schemas.microsoft.com/office/drawing/2010/main">
                 <a:solidFill>
                   <a:srgbClr val="FFFFFF"/>
                 </a:solidFill>
@@ -51499,7 +51993,7 @@
           </a:ln>
           <a:extLst>
             <a:ext uri="{909E8E84-426E-40dd-AFC4-6F175D3DCCD1}">
-              <a14:hiddenFill xmlns:a14="http://schemas.microsoft.com/office/drawing/2010/main" xmlns="">
+              <a14:hiddenFill xmlns="" xmlns:a14="http://schemas.microsoft.com/office/drawing/2010/main">
                 <a:noFill/>
               </a14:hiddenFill>
             </a:ext>
@@ -51540,7 +52034,7 @@
           </a:ln>
           <a:extLst>
             <a:ext uri="{909E8E84-426E-40dd-AFC4-6F175D3DCCD1}">
-              <a14:hiddenFill xmlns:a14="http://schemas.microsoft.com/office/drawing/2010/main" xmlns="">
+              <a14:hiddenFill xmlns="" xmlns:a14="http://schemas.microsoft.com/office/drawing/2010/main">
                 <a:noFill/>
               </a14:hiddenFill>
             </a:ext>
@@ -51576,14 +52070,14 @@
           </a:ln>
           <a:extLst>
             <a:ext uri="{909E8E84-426E-40dd-AFC4-6F175D3DCCD1}">
-              <a14:hiddenFill xmlns:a14="http://schemas.microsoft.com/office/drawing/2010/main" xmlns="">
+              <a14:hiddenFill xmlns="" xmlns:a14="http://schemas.microsoft.com/office/drawing/2010/main">
                 <a:solidFill>
                   <a:srgbClr val="FFFFFF"/>
                 </a:solidFill>
               </a14:hiddenFill>
             </a:ext>
             <a:ext uri="{91240B29-F687-4f45-9708-019B960494DF}">
-              <a14:hiddenLine xmlns:a14="http://schemas.microsoft.com/office/drawing/2010/main" xmlns="" w="12700">
+              <a14:hiddenLine xmlns="" xmlns:a14="http://schemas.microsoft.com/office/drawing/2010/main" w="12700">
                 <a:solidFill>
                   <a:srgbClr val="000000"/>
                 </a:solidFill>
@@ -51629,14 +52123,14 @@
           </a:ln>
           <a:extLst>
             <a:ext uri="{909E8E84-426E-40dd-AFC4-6F175D3DCCD1}">
-              <a14:hiddenFill xmlns:a14="http://schemas.microsoft.com/office/drawing/2010/main" xmlns="">
+              <a14:hiddenFill xmlns="" xmlns:a14="http://schemas.microsoft.com/office/drawing/2010/main">
                 <a:solidFill>
                   <a:srgbClr val="FFFFFF"/>
                 </a:solidFill>
               </a14:hiddenFill>
             </a:ext>
             <a:ext uri="{91240B29-F687-4f45-9708-019B960494DF}">
-              <a14:hiddenLine xmlns:a14="http://schemas.microsoft.com/office/drawing/2010/main" xmlns="" w="12700">
+              <a14:hiddenLine xmlns="" xmlns:a14="http://schemas.microsoft.com/office/drawing/2010/main" w="12700">
                 <a:solidFill>
                   <a:srgbClr val="000000"/>
                 </a:solidFill>
@@ -51682,14 +52176,14 @@
           </a:ln>
           <a:extLst>
             <a:ext uri="{909E8E84-426E-40dd-AFC4-6F175D3DCCD1}">
-              <a14:hiddenFill xmlns:a14="http://schemas.microsoft.com/office/drawing/2010/main" xmlns="">
+              <a14:hiddenFill xmlns="" xmlns:a14="http://schemas.microsoft.com/office/drawing/2010/main">
                 <a:solidFill>
                   <a:srgbClr val="FFFFFF"/>
                 </a:solidFill>
               </a14:hiddenFill>
             </a:ext>
             <a:ext uri="{91240B29-F687-4f45-9708-019B960494DF}">
-              <a14:hiddenLine xmlns:a14="http://schemas.microsoft.com/office/drawing/2010/main" xmlns="" w="12700">
+              <a14:hiddenLine xmlns="" xmlns:a14="http://schemas.microsoft.com/office/drawing/2010/main" w="12700">
                 <a:solidFill>
                   <a:srgbClr val="000000"/>
                 </a:solidFill>
@@ -52385,7 +52879,7 @@
           </a:ln>
           <a:extLst>
             <a:ext uri="{909E8E84-426E-40dd-AFC4-6F175D3DCCD1}">
-              <a14:hiddenFill xmlns:a14="http://schemas.microsoft.com/office/drawing/2010/main" xmlns="">
+              <a14:hiddenFill xmlns="" xmlns:a14="http://schemas.microsoft.com/office/drawing/2010/main">
                 <a:noFill/>
               </a14:hiddenFill>
             </a:ext>
@@ -52424,7 +52918,7 @@
           </a:ln>
           <a:extLst>
             <a:ext uri="{909E8E84-426E-40dd-AFC4-6F175D3DCCD1}">
-              <a14:hiddenFill xmlns:a14="http://schemas.microsoft.com/office/drawing/2010/main" xmlns="">
+              <a14:hiddenFill xmlns="" xmlns:a14="http://schemas.microsoft.com/office/drawing/2010/main">
                 <a:noFill/>
               </a14:hiddenFill>
             </a:ext>
@@ -52463,7 +52957,7 @@
           </a:ln>
           <a:extLst>
             <a:ext uri="{909E8E84-426E-40dd-AFC4-6F175D3DCCD1}">
-              <a14:hiddenFill xmlns:a14="http://schemas.microsoft.com/office/drawing/2010/main" xmlns="">
+              <a14:hiddenFill xmlns="" xmlns:a14="http://schemas.microsoft.com/office/drawing/2010/main">
                 <a:noFill/>
               </a14:hiddenFill>
             </a:ext>
@@ -52502,7 +52996,7 @@
           </a:ln>
           <a:extLst>
             <a:ext uri="{909E8E84-426E-40dd-AFC4-6F175D3DCCD1}">
-              <a14:hiddenFill xmlns:a14="http://schemas.microsoft.com/office/drawing/2010/main" xmlns="">
+              <a14:hiddenFill xmlns="" xmlns:a14="http://schemas.microsoft.com/office/drawing/2010/main">
                 <a:noFill/>
               </a14:hiddenFill>
             </a:ext>
@@ -52541,7 +53035,7 @@
           </a:ln>
           <a:extLst>
             <a:ext uri="{909E8E84-426E-40dd-AFC4-6F175D3DCCD1}">
-              <a14:hiddenFill xmlns:a14="http://schemas.microsoft.com/office/drawing/2010/main" xmlns="">
+              <a14:hiddenFill xmlns="" xmlns:a14="http://schemas.microsoft.com/office/drawing/2010/main">
                 <a:noFill/>
               </a14:hiddenFill>
             </a:ext>
@@ -52580,7 +53074,7 @@
           </a:ln>
           <a:extLst>
             <a:ext uri="{909E8E84-426E-40dd-AFC4-6F175D3DCCD1}">
-              <a14:hiddenFill xmlns:a14="http://schemas.microsoft.com/office/drawing/2010/main" xmlns="">
+              <a14:hiddenFill xmlns="" xmlns:a14="http://schemas.microsoft.com/office/drawing/2010/main">
                 <a:noFill/>
               </a14:hiddenFill>
             </a:ext>
@@ -52614,7 +53108,7 @@
           </a:ln>
           <a:extLst>
             <a:ext uri="{909E8E84-426E-40dd-AFC4-6F175D3DCCD1}">
-              <a14:hiddenFill xmlns:a14="http://schemas.microsoft.com/office/drawing/2010/main" xmlns="">
+              <a14:hiddenFill xmlns="" xmlns:a14="http://schemas.microsoft.com/office/drawing/2010/main">
                 <a:solidFill>
                   <a:srgbClr val="FFFFFF"/>
                 </a:solidFill>
@@ -52799,7 +53293,7 @@
           </a:ln>
           <a:extLst>
             <a:ext uri="{909E8E84-426E-40dd-AFC4-6F175D3DCCD1}">
-              <a14:hiddenFill xmlns:a14="http://schemas.microsoft.com/office/drawing/2010/main" xmlns="">
+              <a14:hiddenFill xmlns="" xmlns:a14="http://schemas.microsoft.com/office/drawing/2010/main">
                 <a:noFill/>
               </a14:hiddenFill>
             </a:ext>
@@ -52835,14 +53329,14 @@
           </a:ln>
           <a:extLst>
             <a:ext uri="{909E8E84-426E-40dd-AFC4-6F175D3DCCD1}">
-              <a14:hiddenFill xmlns:a14="http://schemas.microsoft.com/office/drawing/2010/main" xmlns="">
+              <a14:hiddenFill xmlns="" xmlns:a14="http://schemas.microsoft.com/office/drawing/2010/main">
                 <a:solidFill>
                   <a:srgbClr val="FFFFFF"/>
                 </a:solidFill>
               </a14:hiddenFill>
             </a:ext>
             <a:ext uri="{91240B29-F687-4f45-9708-019B960494DF}">
-              <a14:hiddenLine xmlns:a14="http://schemas.microsoft.com/office/drawing/2010/main" xmlns="" w="12700">
+              <a14:hiddenLine xmlns="" xmlns:a14="http://schemas.microsoft.com/office/drawing/2010/main" w="12700">
                 <a:solidFill>
                   <a:srgbClr val="000000"/>
                 </a:solidFill>
@@ -52998,14 +53492,14 @@
           </a:ln>
           <a:extLst>
             <a:ext uri="{909E8E84-426E-40dd-AFC4-6F175D3DCCD1}">
-              <a14:hiddenFill xmlns:a14="http://schemas.microsoft.com/office/drawing/2010/main" xmlns="">
+              <a14:hiddenFill xmlns="" xmlns:a14="http://schemas.microsoft.com/office/drawing/2010/main">
                 <a:solidFill>
                   <a:srgbClr val="FFFFFF"/>
                 </a:solidFill>
               </a14:hiddenFill>
             </a:ext>
             <a:ext uri="{91240B29-F687-4f45-9708-019B960494DF}">
-              <a14:hiddenLine xmlns:a14="http://schemas.microsoft.com/office/drawing/2010/main" xmlns="" w="12700">
+              <a14:hiddenLine xmlns="" xmlns:a14="http://schemas.microsoft.com/office/drawing/2010/main" w="12700">
                 <a:solidFill>
                   <a:srgbClr val="000000"/>
                 </a:solidFill>
@@ -53170,14 +53664,14 @@
           </a:ln>
           <a:extLst>
             <a:ext uri="{909E8E84-426E-40dd-AFC4-6F175D3DCCD1}">
-              <a14:hiddenFill xmlns:a14="http://schemas.microsoft.com/office/drawing/2010/main" xmlns="">
+              <a14:hiddenFill xmlns="" xmlns:a14="http://schemas.microsoft.com/office/drawing/2010/main">
                 <a:solidFill>
                   <a:srgbClr val="FFFFFF"/>
                 </a:solidFill>
               </a14:hiddenFill>
             </a:ext>
             <a:ext uri="{91240B29-F687-4f45-9708-019B960494DF}">
-              <a14:hiddenLine xmlns:a14="http://schemas.microsoft.com/office/drawing/2010/main" xmlns="" w="12700">
+              <a14:hiddenLine xmlns="" xmlns:a14="http://schemas.microsoft.com/office/drawing/2010/main" w="12700">
                 <a:solidFill>
                   <a:srgbClr val="000000"/>
                 </a:solidFill>
@@ -53338,7 +53832,7 @@
           </a:ln>
           <a:extLst>
             <a:ext uri="{909E8E84-426E-40dd-AFC4-6F175D3DCCD1}">
-              <a14:hiddenFill xmlns:a14="http://schemas.microsoft.com/office/drawing/2010/main" xmlns="">
+              <a14:hiddenFill xmlns="" xmlns:a14="http://schemas.microsoft.com/office/drawing/2010/main">
                 <a:noFill/>
               </a14:hiddenFill>
             </a:ext>
@@ -53379,7 +53873,7 @@
           </a:ln>
           <a:extLst>
             <a:ext uri="{909E8E84-426E-40dd-AFC4-6F175D3DCCD1}">
-              <a14:hiddenFill xmlns:a14="http://schemas.microsoft.com/office/drawing/2010/main" xmlns="">
+              <a14:hiddenFill xmlns="" xmlns:a14="http://schemas.microsoft.com/office/drawing/2010/main">
                 <a:noFill/>
               </a14:hiddenFill>
             </a:ext>
@@ -53420,7 +53914,7 @@
           </a:ln>
           <a:extLst>
             <a:ext uri="{909E8E84-426E-40dd-AFC4-6F175D3DCCD1}">
-              <a14:hiddenFill xmlns:a14="http://schemas.microsoft.com/office/drawing/2010/main" xmlns="">
+              <a14:hiddenFill xmlns="" xmlns:a14="http://schemas.microsoft.com/office/drawing/2010/main">
                 <a:noFill/>
               </a14:hiddenFill>
             </a:ext>
@@ -53451,7 +53945,7 @@
           <a:p>
             <a:fld id="{B543A0FD-1CA6-4228-86A2-78061B4844C8}" type="slidenum">
               <a:rPr lang="en-US" smtClean="0"/>
-              <a:t>60</a:t>
+              <a:t>61</a:t>
             </a:fld>
             <a:endParaRPr lang="en-US"/>
           </a:p>
@@ -53916,144 +54410,6 @@
 </p:sld>
 </file>
 
-<file path=ppt/slides/slide61.xml><?xml version="1.0" encoding="utf-8"?>
-<p:sld xmlns:a="http://schemas.openxmlformats.org/drawingml/2006/main" xmlns:r="http://schemas.openxmlformats.org/officeDocument/2006/relationships" xmlns:p="http://schemas.openxmlformats.org/presentationml/2006/main">
-  <p:cSld>
-    <p:spTree>
-      <p:nvGrpSpPr>
-        <p:cNvPr id="1" name=""/>
-        <p:cNvGrpSpPr/>
-        <p:nvPr/>
-      </p:nvGrpSpPr>
-      <p:grpSpPr>
-        <a:xfrm>
-          <a:off x="0" y="0"/>
-          <a:ext cx="0" cy="0"/>
-          <a:chOff x="0" y="0"/>
-          <a:chExt cx="0" cy="0"/>
-        </a:xfrm>
-      </p:grpSpPr>
-      <p:sp>
-        <p:nvSpPr>
-          <p:cNvPr id="7" name="Title 6"/>
-          <p:cNvSpPr>
-            <a:spLocks noGrp="1"/>
-          </p:cNvSpPr>
-          <p:nvPr>
-            <p:ph type="title"/>
-          </p:nvPr>
-        </p:nvSpPr>
-        <p:spPr/>
-        <p:txBody>
-          <a:bodyPr/>
-          <a:lstStyle/>
-          <a:p>
-            <a:r>
-              <a:rPr lang="en-US" sz="3600" dirty="0"/>
-              <a:t>Which Integration Strategy should you use? </a:t>
-            </a:r>
-          </a:p>
-        </p:txBody>
-      </p:sp>
-      <p:sp>
-        <p:nvSpPr>
-          <p:cNvPr id="13" name="Content Placeholder 12"/>
-          <p:cNvSpPr>
-            <a:spLocks noGrp="1"/>
-          </p:cNvSpPr>
-          <p:nvPr>
-            <p:ph idx="1"/>
-          </p:nvPr>
-        </p:nvSpPr>
-        <p:spPr/>
-        <p:txBody>
-          <a:bodyPr>
-            <a:normAutofit/>
-          </a:bodyPr>
-          <a:lstStyle/>
-          <a:p>
-            <a:r>
-              <a:rPr lang="en-US" dirty="0" smtClean="0"/>
-              <a:t>Factors to consider </a:t>
-            </a:r>
-          </a:p>
-          <a:p>
-            <a:pPr lvl="1"/>
-            <a:r>
-              <a:rPr lang="en-US" dirty="0" smtClean="0"/>
-              <a:t>Location of critical parts in the system </a:t>
-            </a:r>
-          </a:p>
-          <a:p>
-            <a:pPr lvl="1"/>
-            <a:r>
-              <a:rPr lang="en-US" dirty="0" smtClean="0"/>
-              <a:t>Availability of hardware </a:t>
-            </a:r>
-          </a:p>
-          <a:p>
-            <a:pPr lvl="1"/>
-            <a:r>
-              <a:rPr lang="en-US" dirty="0" smtClean="0"/>
-              <a:t>Availability of components</a:t>
-            </a:r>
-          </a:p>
-          <a:p>
-            <a:pPr lvl="1"/>
-            <a:r>
-              <a:rPr lang="en-US" dirty="0" smtClean="0"/>
-              <a:t>Scheduling concerns</a:t>
-            </a:r>
-          </a:p>
-          <a:p>
-            <a:pPr lvl="1"/>
-            <a:endParaRPr lang="en-US" dirty="0"/>
-          </a:p>
-        </p:txBody>
-      </p:sp>
-      <p:sp>
-        <p:nvSpPr>
-          <p:cNvPr id="2" name="Slide Number Placeholder 1"/>
-          <p:cNvSpPr>
-            <a:spLocks noGrp="1"/>
-          </p:cNvSpPr>
-          <p:nvPr>
-            <p:ph type="sldNum" sz="quarter" idx="12"/>
-          </p:nvPr>
-        </p:nvSpPr>
-        <p:spPr/>
-        <p:txBody>
-          <a:bodyPr/>
-          <a:lstStyle/>
-          <a:p>
-            <a:fld id="{B543A0FD-1CA6-4228-86A2-78061B4844C8}" type="slidenum">
-              <a:rPr lang="en-US" smtClean="0"/>
-              <a:t>61</a:t>
-            </a:fld>
-            <a:endParaRPr lang="en-US"/>
-          </a:p>
-        </p:txBody>
-      </p:sp>
-    </p:spTree>
-    <p:extLst>
-      <p:ext uri="{BB962C8B-B14F-4D97-AF65-F5344CB8AC3E}">
-        <p14:creationId xmlns:p14="http://schemas.microsoft.com/office/powerpoint/2010/main" val="4236498266"/>
-      </p:ext>
-    </p:extLst>
-  </p:cSld>
-  <p:clrMapOvr>
-    <a:masterClrMapping/>
-  </p:clrMapOvr>
-  <p:timing>
-    <p:tnLst>
-      <p:par>
-        <p:cTn id="1" dur="indefinite" restart="never" nodeType="tmRoot"/>
-      </p:par>
-    </p:tnLst>
-  </p:timing>
-</p:sld>
-</file>
-
 <file path=ppt/slides/slide62.xml><?xml version="1.0" encoding="utf-8"?>
 <p:sld xmlns:a="http://schemas.openxmlformats.org/drawingml/2006/main" xmlns:r="http://schemas.openxmlformats.org/officeDocument/2006/relationships" xmlns:p="http://schemas.openxmlformats.org/presentationml/2006/main">
   <p:cSld>
@@ -54073,7 +54429,7 @@
       </p:grpSpPr>
       <p:sp>
         <p:nvSpPr>
-          <p:cNvPr id="11" name="Title 10"/>
+          <p:cNvPr id="7" name="Title 6"/>
           <p:cNvSpPr>
             <a:spLocks noGrp="1"/>
           </p:cNvSpPr>
@@ -54095,7 +54451,7 @@
       </p:sp>
       <p:sp>
         <p:nvSpPr>
-          <p:cNvPr id="12" name="Content Placeholder 11"/>
+          <p:cNvPr id="13" name="Content Placeholder 12"/>
           <p:cNvSpPr>
             <a:spLocks noGrp="1"/>
           </p:cNvSpPr>
@@ -54111,77 +54467,40 @@
           <a:lstStyle/>
           <a:p>
             <a:r>
-              <a:rPr lang="en-US" dirty="0"/>
-              <a:t>Bottom up approach </a:t>
+              <a:rPr lang="en-US" dirty="0" smtClean="0"/>
+              <a:t>Factors to consider </a:t>
             </a:r>
           </a:p>
           <a:p>
             <a:pPr lvl="1"/>
             <a:r>
-              <a:rPr lang="en-US" dirty="0"/>
-              <a:t>Good for object oriented design methodologies </a:t>
+              <a:rPr lang="en-US" dirty="0" smtClean="0"/>
+              <a:t>Location of critical parts in the system </a:t>
             </a:r>
           </a:p>
           <a:p>
             <a:pPr lvl="1"/>
             <a:r>
-              <a:rPr lang="en-US" dirty="0"/>
-              <a:t>Test driver interfaces must match component interfaces </a:t>
+              <a:rPr lang="en-US" dirty="0" smtClean="0"/>
+              <a:t>Availability of hardware </a:t>
             </a:r>
           </a:p>
           <a:p>
             <a:pPr lvl="1"/>
             <a:r>
-              <a:rPr lang="en-US" dirty="0"/>
-              <a:t>Top-level components are usually important and cannot be neglected up to the end of testing</a:t>
+              <a:rPr lang="en-US" dirty="0" smtClean="0"/>
+              <a:t>Availability of components</a:t>
             </a:r>
           </a:p>
           <a:p>
             <a:pPr lvl="1"/>
             <a:r>
-              <a:rPr lang="en-US" dirty="0"/>
-              <a:t>Detection of design errors postponed until end of testing </a:t>
-            </a:r>
-            <a:endParaRPr lang="en-US" dirty="0" smtClean="0"/>
-          </a:p>
-          <a:p>
-            <a:r>
               <a:rPr lang="en-US" dirty="0" smtClean="0"/>
-              <a:t>Top </a:t>
-            </a:r>
-            <a:r>
-              <a:rPr lang="en-US" dirty="0" smtClean="0"/>
-              <a:t>down approach </a:t>
+              <a:t>Scheduling concerns</a:t>
             </a:r>
           </a:p>
           <a:p>
             <a:pPr lvl="1"/>
-            <a:r>
-              <a:rPr lang="en-US" dirty="0" smtClean="0"/>
-              <a:t>Test cases can be defined in terms of functions examined </a:t>
-            </a:r>
-          </a:p>
-          <a:p>
-            <a:pPr lvl="1"/>
-            <a:r>
-              <a:rPr lang="en-US" dirty="0" smtClean="0"/>
-              <a:t>Need to maintain correctness of test stubs</a:t>
-            </a:r>
-          </a:p>
-          <a:p>
-            <a:pPr lvl="1"/>
-            <a:r>
-              <a:rPr lang="en-US" dirty="0" smtClean="0"/>
-              <a:t>Writing stubs can be difficult</a:t>
-            </a:r>
-          </a:p>
-          <a:p>
-            <a:pPr marL="457200" lvl="1" indent="0">
-              <a:buNone/>
-            </a:pPr>
-            <a:endParaRPr lang="en-US" dirty="0" smtClean="0"/>
-          </a:p>
-          <a:p>
             <a:endParaRPr lang="en-US" dirty="0"/>
           </a:p>
         </p:txBody>
@@ -54212,7 +54531,7 @@
     </p:spTree>
     <p:extLst>
       <p:ext uri="{BB962C8B-B14F-4D97-AF65-F5344CB8AC3E}">
-        <p14:creationId xmlns:p14="http://schemas.microsoft.com/office/powerpoint/2010/main" val="4272719104"/>
+        <p14:creationId xmlns:p14="http://schemas.microsoft.com/office/powerpoint/2010/main" val="4236498266"/>
       </p:ext>
     </p:extLst>
   </p:cSld>
@@ -54263,8 +54582,97 @@
           <a:p>
             <a:r>
               <a:rPr lang="en-US" sz="3600" dirty="0"/>
-              <a:t>Steps in Integration Testing</a:t>
-            </a:r>
+              <a:t>Which Integration Strategy should you use? </a:t>
+            </a:r>
+          </a:p>
+        </p:txBody>
+      </p:sp>
+      <p:sp>
+        <p:nvSpPr>
+          <p:cNvPr id="12" name="Content Placeholder 11"/>
+          <p:cNvSpPr>
+            <a:spLocks noGrp="1"/>
+          </p:cNvSpPr>
+          <p:nvPr>
+            <p:ph idx="1"/>
+          </p:nvPr>
+        </p:nvSpPr>
+        <p:spPr/>
+        <p:txBody>
+          <a:bodyPr>
+            <a:normAutofit/>
+          </a:bodyPr>
+          <a:lstStyle/>
+          <a:p>
+            <a:r>
+              <a:rPr lang="en-US" dirty="0"/>
+              <a:t>Bottom up approach </a:t>
+            </a:r>
+          </a:p>
+          <a:p>
+            <a:pPr lvl="1"/>
+            <a:r>
+              <a:rPr lang="en-US" dirty="0"/>
+              <a:t>Good for object oriented design methodologies </a:t>
+            </a:r>
+          </a:p>
+          <a:p>
+            <a:pPr lvl="1"/>
+            <a:r>
+              <a:rPr lang="en-US" dirty="0"/>
+              <a:t>Test driver interfaces must match component interfaces </a:t>
+            </a:r>
+          </a:p>
+          <a:p>
+            <a:pPr lvl="1"/>
+            <a:r>
+              <a:rPr lang="en-US" dirty="0"/>
+              <a:t>Top-level components are usually important and cannot be neglected up to the end of testing</a:t>
+            </a:r>
+          </a:p>
+          <a:p>
+            <a:pPr lvl="1"/>
+            <a:r>
+              <a:rPr lang="en-US" dirty="0"/>
+              <a:t>Detection of design errors postponed until end of testing </a:t>
+            </a:r>
+            <a:endParaRPr lang="en-US" dirty="0" smtClean="0"/>
+          </a:p>
+          <a:p>
+            <a:r>
+              <a:rPr lang="en-US" dirty="0" smtClean="0"/>
+              <a:t>Top down approach </a:t>
+            </a:r>
+          </a:p>
+          <a:p>
+            <a:pPr lvl="1"/>
+            <a:r>
+              <a:rPr lang="en-US" dirty="0" smtClean="0"/>
+              <a:t>Test cases can be defined in terms of functions examined </a:t>
+            </a:r>
+          </a:p>
+          <a:p>
+            <a:pPr lvl="1"/>
+            <a:r>
+              <a:rPr lang="en-US" dirty="0" smtClean="0"/>
+              <a:t>Need to maintain correctness of test stubs</a:t>
+            </a:r>
+          </a:p>
+          <a:p>
+            <a:pPr lvl="1"/>
+            <a:r>
+              <a:rPr lang="en-US" dirty="0" smtClean="0"/>
+              <a:t>Writing stubs can be difficult</a:t>
+            </a:r>
+          </a:p>
+          <a:p>
+            <a:pPr marL="457200" lvl="1" indent="0">
+              <a:buNone/>
+            </a:pPr>
+            <a:endParaRPr lang="en-US" dirty="0" smtClean="0"/>
+          </a:p>
+          <a:p>
+            <a:endParaRPr lang="en-US" dirty="0"/>
           </a:p>
         </p:txBody>
       </p:sp>
@@ -54286,6 +54694,88 @@
             <a:fld id="{B543A0FD-1CA6-4228-86A2-78061B4844C8}" type="slidenum">
               <a:rPr lang="en-US" smtClean="0"/>
               <a:t>63</a:t>
+            </a:fld>
+            <a:endParaRPr lang="en-US"/>
+          </a:p>
+        </p:txBody>
+      </p:sp>
+    </p:spTree>
+    <p:extLst>
+      <p:ext uri="{BB962C8B-B14F-4D97-AF65-F5344CB8AC3E}">
+        <p14:creationId xmlns:p14="http://schemas.microsoft.com/office/powerpoint/2010/main" val="4272719104"/>
+      </p:ext>
+    </p:extLst>
+  </p:cSld>
+  <p:clrMapOvr>
+    <a:masterClrMapping/>
+  </p:clrMapOvr>
+  <p:timing>
+    <p:tnLst>
+      <p:par>
+        <p:cTn id="1" dur="indefinite" restart="never" nodeType="tmRoot"/>
+      </p:par>
+    </p:tnLst>
+  </p:timing>
+</p:sld>
+</file>
+
+<file path=ppt/slides/slide64.xml><?xml version="1.0" encoding="utf-8"?>
+<p:sld xmlns:a="http://schemas.openxmlformats.org/drawingml/2006/main" xmlns:r="http://schemas.openxmlformats.org/officeDocument/2006/relationships" xmlns:p="http://schemas.openxmlformats.org/presentationml/2006/main">
+  <p:cSld>
+    <p:spTree>
+      <p:nvGrpSpPr>
+        <p:cNvPr id="1" name=""/>
+        <p:cNvGrpSpPr/>
+        <p:nvPr/>
+      </p:nvGrpSpPr>
+      <p:grpSpPr>
+        <a:xfrm>
+          <a:off x="0" y="0"/>
+          <a:ext cx="0" cy="0"/>
+          <a:chOff x="0" y="0"/>
+          <a:chExt cx="0" cy="0"/>
+        </a:xfrm>
+      </p:grpSpPr>
+      <p:sp>
+        <p:nvSpPr>
+          <p:cNvPr id="11" name="Title 10"/>
+          <p:cNvSpPr>
+            <a:spLocks noGrp="1"/>
+          </p:cNvSpPr>
+          <p:nvPr>
+            <p:ph type="title"/>
+          </p:nvPr>
+        </p:nvSpPr>
+        <p:spPr/>
+        <p:txBody>
+          <a:bodyPr/>
+          <a:lstStyle/>
+          <a:p>
+            <a:r>
+              <a:rPr lang="en-US" sz="3600" dirty="0"/>
+              <a:t>Steps in Integration Testing</a:t>
+            </a:r>
+          </a:p>
+        </p:txBody>
+      </p:sp>
+      <p:sp>
+        <p:nvSpPr>
+          <p:cNvPr id="2" name="Slide Number Placeholder 1"/>
+          <p:cNvSpPr>
+            <a:spLocks noGrp="1"/>
+          </p:cNvSpPr>
+          <p:nvPr>
+            <p:ph type="sldNum" sz="quarter" idx="12"/>
+          </p:nvPr>
+        </p:nvSpPr>
+        <p:spPr/>
+        <p:txBody>
+          <a:bodyPr/>
+          <a:lstStyle/>
+          <a:p>
+            <a:fld id="{B543A0FD-1CA6-4228-86A2-78061B4844C8}" type="slidenum">
+              <a:rPr lang="en-US" smtClean="0"/>
+              <a:t>64</a:t>
             </a:fld>
             <a:endParaRPr lang="en-US"/>
           </a:p>
@@ -54929,7 +55419,7 @@
 </p:sld>
 </file>
 
-<file path=ppt/slides/slide64.xml><?xml version="1.0" encoding="utf-8"?>
+<file path=ppt/slides/slide65.xml><?xml version="1.0" encoding="utf-8"?>
 <p:sld xmlns:a="http://schemas.openxmlformats.org/drawingml/2006/main" xmlns:r="http://schemas.openxmlformats.org/officeDocument/2006/relationships" xmlns:p="http://schemas.openxmlformats.org/presentationml/2006/main">
   <p:cSld>
     <p:spTree>
@@ -55070,7 +55560,7 @@
           <a:p>
             <a:fld id="{B543A0FD-1CA6-4228-86A2-78061B4844C8}" type="slidenum">
               <a:rPr lang="en-US" smtClean="0"/>
-              <a:t>64</a:t>
+              <a:t>65</a:t>
             </a:fld>
             <a:endParaRPr lang="en-US"/>
           </a:p>
